--- a/IIS pristatymas/Žiniatinklio paieškos rezultatų kokybės vertinimas.pptx
+++ b/IIS pristatymas/Žiniatinklio paieškos rezultatų kokybės vertinimas.pptx
@@ -5,15 +5,37 @@
     <p:sldMasterId id="2147483669" r:id="rId1"/>
   </p:sldMasterIdLst>
   <p:notesMasterIdLst>
-    <p:notesMasterId r:id="rId8"/>
+    <p:notesMasterId r:id="rId30"/>
   </p:notesMasterIdLst>
   <p:sldIdLst>
     <p:sldId id="256" r:id="rId2"/>
     <p:sldId id="258" r:id="rId3"/>
-    <p:sldId id="257" r:id="rId4"/>
-    <p:sldId id="259" r:id="rId5"/>
-    <p:sldId id="260" r:id="rId6"/>
-    <p:sldId id="261" r:id="rId7"/>
+    <p:sldId id="273" r:id="rId4"/>
+    <p:sldId id="274" r:id="rId5"/>
+    <p:sldId id="257" r:id="rId6"/>
+    <p:sldId id="277" r:id="rId7"/>
+    <p:sldId id="276" r:id="rId8"/>
+    <p:sldId id="275" r:id="rId9"/>
+    <p:sldId id="260" r:id="rId10"/>
+    <p:sldId id="280" r:id="rId11"/>
+    <p:sldId id="282" r:id="rId12"/>
+    <p:sldId id="279" r:id="rId13"/>
+    <p:sldId id="283" r:id="rId14"/>
+    <p:sldId id="270" r:id="rId15"/>
+    <p:sldId id="281" r:id="rId16"/>
+    <p:sldId id="278" r:id="rId17"/>
+    <p:sldId id="259" r:id="rId18"/>
+    <p:sldId id="261" r:id="rId19"/>
+    <p:sldId id="262" r:id="rId20"/>
+    <p:sldId id="263" r:id="rId21"/>
+    <p:sldId id="264" r:id="rId22"/>
+    <p:sldId id="265" r:id="rId23"/>
+    <p:sldId id="266" r:id="rId24"/>
+    <p:sldId id="267" r:id="rId25"/>
+    <p:sldId id="268" r:id="rId26"/>
+    <p:sldId id="269" r:id="rId27"/>
+    <p:sldId id="271" r:id="rId28"/>
+    <p:sldId id="272" r:id="rId29"/>
   </p:sldIdLst>
   <p:sldSz cx="12192000" cy="6858000"/>
   <p:notesSz cx="6858000" cy="9144000"/>
@@ -202,7 +224,7 @@
           <a:p>
             <a:fld id="{0A4EB30B-08BE-4E7C-B78A-7B1AB221045B}" type="datetimeFigureOut">
               <a:rPr lang="en-US" smtClean="0"/>
-              <a:t>2014-11-11</a:t>
+              <a:t>2014-11-13</a:t>
             </a:fld>
             <a:endParaRPr lang="en-US"/>
           </a:p>
@@ -796,6 +818,258 @@
 </p:notes>
 </file>
 
+<file path=ppt/notesSlides/notesSlide10.xml><?xml version="1.0" encoding="utf-8"?>
+<p:notes xmlns:a="http://schemas.openxmlformats.org/drawingml/2006/main" xmlns:r="http://schemas.openxmlformats.org/officeDocument/2006/relationships" xmlns:p="http://schemas.openxmlformats.org/presentationml/2006/main">
+  <p:cSld>
+    <p:spTree>
+      <p:nvGrpSpPr>
+        <p:cNvPr id="1" name=""/>
+        <p:cNvGrpSpPr/>
+        <p:nvPr/>
+      </p:nvGrpSpPr>
+      <p:grpSpPr>
+        <a:xfrm>
+          <a:off x="0" y="0"/>
+          <a:ext cx="0" cy="0"/>
+          <a:chOff x="0" y="0"/>
+          <a:chExt cx="0" cy="0"/>
+        </a:xfrm>
+      </p:grpSpPr>
+      <p:sp>
+        <p:nvSpPr>
+          <p:cNvPr id="2" name="Slide Image Placeholder 1"/>
+          <p:cNvSpPr>
+            <a:spLocks noGrp="1" noRot="1" noChangeAspect="1"/>
+          </p:cNvSpPr>
+          <p:nvPr>
+            <p:ph type="sldImg"/>
+          </p:nvPr>
+        </p:nvSpPr>
+        <p:spPr/>
+      </p:sp>
+      <p:sp>
+        <p:nvSpPr>
+          <p:cNvPr id="3" name="Notes Placeholder 2"/>
+          <p:cNvSpPr>
+            <a:spLocks noGrp="1"/>
+          </p:cNvSpPr>
+          <p:nvPr>
+            <p:ph type="body" idx="1"/>
+          </p:nvPr>
+        </p:nvSpPr>
+        <p:spPr/>
+        <p:txBody>
+          <a:bodyPr/>
+          <a:lstStyle/>
+          <a:p>
+            <a:endParaRPr lang="en-US" dirty="0"/>
+          </a:p>
+        </p:txBody>
+      </p:sp>
+      <p:sp>
+        <p:nvSpPr>
+          <p:cNvPr id="4" name="Slide Number Placeholder 3"/>
+          <p:cNvSpPr>
+            <a:spLocks noGrp="1"/>
+          </p:cNvSpPr>
+          <p:nvPr>
+            <p:ph type="sldNum" sz="quarter" idx="10"/>
+          </p:nvPr>
+        </p:nvSpPr>
+        <p:spPr/>
+        <p:txBody>
+          <a:bodyPr/>
+          <a:lstStyle/>
+          <a:p>
+            <a:fld id="{21E87DF0-2188-45E0-9868-23603FC9CB4F}" type="slidenum">
+              <a:rPr lang="en-US" smtClean="0"/>
+              <a:t>18</a:t>
+            </a:fld>
+            <a:endParaRPr lang="en-US"/>
+          </a:p>
+        </p:txBody>
+      </p:sp>
+    </p:spTree>
+    <p:extLst>
+      <p:ext uri="{BB962C8B-B14F-4D97-AF65-F5344CB8AC3E}">
+        <p14:creationId xmlns:p14="http://schemas.microsoft.com/office/powerpoint/2010/main" val="978835687"/>
+      </p:ext>
+    </p:extLst>
+  </p:cSld>
+  <p:clrMapOvr>
+    <a:masterClrMapping/>
+  </p:clrMapOvr>
+</p:notes>
+</file>
+
+<file path=ppt/notesSlides/notesSlide11.xml><?xml version="1.0" encoding="utf-8"?>
+<p:notes xmlns:a="http://schemas.openxmlformats.org/drawingml/2006/main" xmlns:r="http://schemas.openxmlformats.org/officeDocument/2006/relationships" xmlns:p="http://schemas.openxmlformats.org/presentationml/2006/main">
+  <p:cSld>
+    <p:spTree>
+      <p:nvGrpSpPr>
+        <p:cNvPr id="1" name=""/>
+        <p:cNvGrpSpPr/>
+        <p:nvPr/>
+      </p:nvGrpSpPr>
+      <p:grpSpPr>
+        <a:xfrm>
+          <a:off x="0" y="0"/>
+          <a:ext cx="0" cy="0"/>
+          <a:chOff x="0" y="0"/>
+          <a:chExt cx="0" cy="0"/>
+        </a:xfrm>
+      </p:grpSpPr>
+      <p:sp>
+        <p:nvSpPr>
+          <p:cNvPr id="2" name="Slide Image Placeholder 1"/>
+          <p:cNvSpPr>
+            <a:spLocks noGrp="1" noRot="1" noChangeAspect="1"/>
+          </p:cNvSpPr>
+          <p:nvPr>
+            <p:ph type="sldImg"/>
+          </p:nvPr>
+        </p:nvSpPr>
+        <p:spPr/>
+      </p:sp>
+      <p:sp>
+        <p:nvSpPr>
+          <p:cNvPr id="3" name="Notes Placeholder 2"/>
+          <p:cNvSpPr>
+            <a:spLocks noGrp="1"/>
+          </p:cNvSpPr>
+          <p:nvPr>
+            <p:ph type="body" idx="1"/>
+          </p:nvPr>
+        </p:nvSpPr>
+        <p:spPr/>
+        <p:txBody>
+          <a:bodyPr/>
+          <a:lstStyle/>
+          <a:p>
+            <a:endParaRPr lang="en-US" dirty="0"/>
+          </a:p>
+        </p:txBody>
+      </p:sp>
+      <p:sp>
+        <p:nvSpPr>
+          <p:cNvPr id="4" name="Slide Number Placeholder 3"/>
+          <p:cNvSpPr>
+            <a:spLocks noGrp="1"/>
+          </p:cNvSpPr>
+          <p:nvPr>
+            <p:ph type="sldNum" sz="quarter" idx="10"/>
+          </p:nvPr>
+        </p:nvSpPr>
+        <p:spPr/>
+        <p:txBody>
+          <a:bodyPr/>
+          <a:lstStyle/>
+          <a:p>
+            <a:fld id="{21E87DF0-2188-45E0-9868-23603FC9CB4F}" type="slidenum">
+              <a:rPr lang="en-US" smtClean="0"/>
+              <a:t>24</a:t>
+            </a:fld>
+            <a:endParaRPr lang="en-US"/>
+          </a:p>
+        </p:txBody>
+      </p:sp>
+    </p:spTree>
+    <p:extLst>
+      <p:ext uri="{BB962C8B-B14F-4D97-AF65-F5344CB8AC3E}">
+        <p14:creationId xmlns:p14="http://schemas.microsoft.com/office/powerpoint/2010/main" val="999225192"/>
+      </p:ext>
+    </p:extLst>
+  </p:cSld>
+  <p:clrMapOvr>
+    <a:masterClrMapping/>
+  </p:clrMapOvr>
+</p:notes>
+</file>
+
+<file path=ppt/notesSlides/notesSlide12.xml><?xml version="1.0" encoding="utf-8"?>
+<p:notes xmlns:a="http://schemas.openxmlformats.org/drawingml/2006/main" xmlns:r="http://schemas.openxmlformats.org/officeDocument/2006/relationships" xmlns:p="http://schemas.openxmlformats.org/presentationml/2006/main">
+  <p:cSld>
+    <p:spTree>
+      <p:nvGrpSpPr>
+        <p:cNvPr id="1" name=""/>
+        <p:cNvGrpSpPr/>
+        <p:nvPr/>
+      </p:nvGrpSpPr>
+      <p:grpSpPr>
+        <a:xfrm>
+          <a:off x="0" y="0"/>
+          <a:ext cx="0" cy="0"/>
+          <a:chOff x="0" y="0"/>
+          <a:chExt cx="0" cy="0"/>
+        </a:xfrm>
+      </p:grpSpPr>
+      <p:sp>
+        <p:nvSpPr>
+          <p:cNvPr id="2" name="Slide Image Placeholder 1"/>
+          <p:cNvSpPr>
+            <a:spLocks noGrp="1" noRot="1" noChangeAspect="1"/>
+          </p:cNvSpPr>
+          <p:nvPr>
+            <p:ph type="sldImg"/>
+          </p:nvPr>
+        </p:nvSpPr>
+        <p:spPr/>
+      </p:sp>
+      <p:sp>
+        <p:nvSpPr>
+          <p:cNvPr id="3" name="Notes Placeholder 2"/>
+          <p:cNvSpPr>
+            <a:spLocks noGrp="1"/>
+          </p:cNvSpPr>
+          <p:nvPr>
+            <p:ph type="body" idx="1"/>
+          </p:nvPr>
+        </p:nvSpPr>
+        <p:spPr/>
+        <p:txBody>
+          <a:bodyPr/>
+          <a:lstStyle/>
+          <a:p>
+            <a:endParaRPr lang="en-US" dirty="0"/>
+          </a:p>
+        </p:txBody>
+      </p:sp>
+      <p:sp>
+        <p:nvSpPr>
+          <p:cNvPr id="4" name="Slide Number Placeholder 3"/>
+          <p:cNvSpPr>
+            <a:spLocks noGrp="1"/>
+          </p:cNvSpPr>
+          <p:nvPr>
+            <p:ph type="sldNum" sz="quarter" idx="10"/>
+          </p:nvPr>
+        </p:nvSpPr>
+        <p:spPr/>
+        <p:txBody>
+          <a:bodyPr/>
+          <a:lstStyle/>
+          <a:p>
+            <a:fld id="{21E87DF0-2188-45E0-9868-23603FC9CB4F}" type="slidenum">
+              <a:rPr lang="en-US" smtClean="0"/>
+              <a:t>27</a:t>
+            </a:fld>
+            <a:endParaRPr lang="en-US"/>
+          </a:p>
+        </p:txBody>
+      </p:sp>
+    </p:spTree>
+    <p:extLst>
+      <p:ext uri="{BB962C8B-B14F-4D97-AF65-F5344CB8AC3E}">
+        <p14:creationId xmlns:p14="http://schemas.microsoft.com/office/powerpoint/2010/main" val="1624952600"/>
+      </p:ext>
+    </p:extLst>
+  </p:cSld>
+  <p:clrMapOvr>
+    <a:masterClrMapping/>
+  </p:clrMapOvr>
+</p:notes>
+</file>
+
 <file path=ppt/notesSlides/notesSlide2.xml><?xml version="1.0" encoding="utf-8"?>
 <p:notes xmlns:a="http://schemas.openxmlformats.org/drawingml/2006/main" xmlns:r="http://schemas.openxmlformats.org/officeDocument/2006/relationships" xmlns:p="http://schemas.openxmlformats.org/presentationml/2006/main">
   <p:cSld>
@@ -865,139 +1139,6 @@
             </a:endParaRPr>
           </a:p>
           <a:p>
-            <a:r>
-              <a:rPr lang="en-US" sz="1200" b="0" i="0" kern="1200" dirty="0" smtClean="0">
-                <a:solidFill>
-                  <a:schemeClr val="tx1"/>
-                </a:solidFill>
-                <a:effectLst/>
-                <a:latin typeface="+mn-lt"/>
-                <a:ea typeface="+mn-ea"/>
-                <a:cs typeface="+mn-cs"/>
-              </a:rPr>
-              <a:t>A </a:t>
-            </a:r>
-            <a:r>
-              <a:rPr lang="en-US" sz="1200" b="1" i="0" kern="1200" dirty="0" smtClean="0">
-                <a:solidFill>
-                  <a:schemeClr val="tx1"/>
-                </a:solidFill>
-                <a:effectLst/>
-                <a:latin typeface="+mn-lt"/>
-                <a:ea typeface="+mn-ea"/>
-                <a:cs typeface="+mn-cs"/>
-              </a:rPr>
-              <a:t>navigational query</a:t>
-            </a:r>
-            <a:r>
-              <a:rPr lang="en-US" sz="1200" b="0" i="0" kern="1200" dirty="0" smtClean="0">
-                <a:solidFill>
-                  <a:schemeClr val="tx1"/>
-                </a:solidFill>
-                <a:effectLst/>
-                <a:latin typeface="+mn-lt"/>
-                <a:ea typeface="+mn-ea"/>
-                <a:cs typeface="+mn-cs"/>
-              </a:rPr>
-              <a:t> is a search query entered with the intent of finding a particular website or webpage. For example, a user might enter "</a:t>
-            </a:r>
-            <a:r>
-              <a:rPr lang="en-US" sz="1200" b="0" i="0" kern="1200" dirty="0" err="1" smtClean="0">
-                <a:solidFill>
-                  <a:schemeClr val="tx1"/>
-                </a:solidFill>
-                <a:effectLst/>
-                <a:latin typeface="+mn-lt"/>
-                <a:ea typeface="+mn-ea"/>
-                <a:cs typeface="+mn-cs"/>
-              </a:rPr>
-              <a:t>youtube</a:t>
-            </a:r>
-            <a:r>
-              <a:rPr lang="en-US" sz="1200" b="0" i="0" kern="1200" dirty="0" smtClean="0">
-                <a:solidFill>
-                  <a:schemeClr val="tx1"/>
-                </a:solidFill>
-                <a:effectLst/>
-                <a:latin typeface="+mn-lt"/>
-                <a:ea typeface="+mn-ea"/>
-                <a:cs typeface="+mn-cs"/>
-              </a:rPr>
-              <a:t>" into Google's search bar to find the YouTube site rather than entering the URL into a browser's navigation bar or using a bookmark. In fact, “</a:t>
-            </a:r>
-            <a:r>
-              <a:rPr lang="en-US" sz="1200" b="0" i="0" kern="1200" dirty="0" err="1" smtClean="0">
-                <a:solidFill>
-                  <a:schemeClr val="tx1"/>
-                </a:solidFill>
-                <a:effectLst/>
-                <a:latin typeface="+mn-lt"/>
-                <a:ea typeface="+mn-ea"/>
-                <a:cs typeface="+mn-cs"/>
-              </a:rPr>
-              <a:t>facebook</a:t>
-            </a:r>
-            <a:r>
-              <a:rPr lang="en-US" sz="1200" b="0" i="0" kern="1200" dirty="0" smtClean="0">
-                <a:solidFill>
-                  <a:schemeClr val="tx1"/>
-                </a:solidFill>
-                <a:effectLst/>
-                <a:latin typeface="+mn-lt"/>
-                <a:ea typeface="+mn-ea"/>
-                <a:cs typeface="+mn-cs"/>
-              </a:rPr>
-              <a:t>” and “</a:t>
-            </a:r>
-            <a:r>
-              <a:rPr lang="en-US" sz="1200" b="0" i="0" kern="1200" dirty="0" err="1" smtClean="0">
-                <a:solidFill>
-                  <a:schemeClr val="tx1"/>
-                </a:solidFill>
-                <a:effectLst/>
-                <a:latin typeface="+mn-lt"/>
-                <a:ea typeface="+mn-ea"/>
-                <a:cs typeface="+mn-cs"/>
-              </a:rPr>
-              <a:t>youtube</a:t>
-            </a:r>
-            <a:r>
-              <a:rPr lang="en-US" sz="1200" b="0" i="0" kern="1200" dirty="0" smtClean="0">
-                <a:solidFill>
-                  <a:schemeClr val="tx1"/>
-                </a:solidFill>
-                <a:effectLst/>
-                <a:latin typeface="+mn-lt"/>
-                <a:ea typeface="+mn-ea"/>
-                <a:cs typeface="+mn-cs"/>
-              </a:rPr>
-              <a:t>” are the </a:t>
-            </a:r>
-            <a:r>
-              <a:rPr lang="en-US" sz="1200" b="0" i="0" kern="1200" dirty="0" smtClean="0">
-                <a:solidFill>
-                  <a:schemeClr val="tx1"/>
-                </a:solidFill>
-                <a:effectLst/>
-                <a:latin typeface="+mn-lt"/>
-                <a:ea typeface="+mn-ea"/>
-                <a:cs typeface="+mn-cs"/>
-                <a:hlinkClick r:id="rId3"/>
-              </a:rPr>
-              <a:t>top two searches on Google</a:t>
-            </a:r>
-            <a:r>
-              <a:rPr lang="en-US" sz="1200" b="0" i="0" kern="1200" dirty="0" smtClean="0">
-                <a:solidFill>
-                  <a:schemeClr val="tx1"/>
-                </a:solidFill>
-                <a:effectLst/>
-                <a:latin typeface="+mn-lt"/>
-                <a:ea typeface="+mn-ea"/>
-                <a:cs typeface="+mn-cs"/>
-              </a:rPr>
-              <a:t>, and these are both navigational queries.</a:t>
-            </a:r>
             <a:endParaRPr lang="lt-LT" sz="1200" b="0" i="0" kern="1200" dirty="0" smtClean="0">
               <a:solidFill>
                 <a:schemeClr val="tx1"/>
@@ -1009,34 +1150,6 @@
             </a:endParaRPr>
           </a:p>
           <a:p>
-            <a:r>
-              <a:rPr lang="en-US" sz="1200" b="0" i="1" kern="1200" dirty="0" smtClean="0">
-                <a:solidFill>
-                  <a:schemeClr val="tx1"/>
-                </a:solidFill>
-                <a:effectLst/>
-                <a:latin typeface="+mn-lt"/>
-                <a:ea typeface="+mn-ea"/>
-                <a:cs typeface="+mn-cs"/>
-              </a:rPr>
-              <a:t>Visiting a pre-determined destination and sourcing the “correct” website URL.</a:t>
-            </a:r>
-          </a:p>
-          <a:p>
-            <a:r>
-              <a:rPr lang="en-US" sz="1200" b="0" i="1" kern="1200" dirty="0" smtClean="0">
-                <a:solidFill>
-                  <a:schemeClr val="tx1"/>
-                </a:solidFill>
-                <a:effectLst/>
-                <a:latin typeface="+mn-lt"/>
-                <a:ea typeface="+mn-ea"/>
-                <a:cs typeface="+mn-cs"/>
-              </a:rPr>
-              <a:t>Navigational searches are performed with the intent of surfing directly to a specific website. In some cases, the user may not know the exact URL, and the search engine serves as the "White Pages", passing along the (hopefully) correct location.</a:t>
-            </a:r>
-          </a:p>
-          <a:p>
             <a:endParaRPr lang="lt-LT" sz="1200" b="0" i="0" kern="1200" dirty="0" smtClean="0">
               <a:solidFill>
                 <a:schemeClr val="tx1"/>
@@ -1059,325 +1172,6 @@
             </a:endParaRPr>
           </a:p>
           <a:p>
-            <a:endParaRPr lang="lt-LT" sz="1200" b="0" i="0" kern="1200" dirty="0" smtClean="0">
-              <a:solidFill>
-                <a:schemeClr val="tx1"/>
-              </a:solidFill>
-              <a:effectLst/>
-              <a:latin typeface="+mn-lt"/>
-              <a:ea typeface="+mn-ea"/>
-              <a:cs typeface="+mn-cs"/>
-            </a:endParaRPr>
-          </a:p>
-          <a:p>
-            <a:r>
-              <a:rPr lang="en-US" sz="1200" b="0" i="0" kern="1200" dirty="0" smtClean="0">
-                <a:solidFill>
-                  <a:schemeClr val="tx1"/>
-                </a:solidFill>
-                <a:effectLst/>
-                <a:latin typeface="+mn-lt"/>
-                <a:ea typeface="+mn-ea"/>
-                <a:cs typeface="+mn-cs"/>
-              </a:rPr>
-              <a:t>Wikipedia defines </a:t>
-            </a:r>
-            <a:r>
-              <a:rPr lang="en-US" sz="1200" b="1" i="0" kern="1200" dirty="0" smtClean="0">
-                <a:solidFill>
-                  <a:schemeClr val="tx1"/>
-                </a:solidFill>
-                <a:effectLst/>
-                <a:latin typeface="+mn-lt"/>
-                <a:ea typeface="+mn-ea"/>
-                <a:cs typeface="+mn-cs"/>
-              </a:rPr>
-              <a:t>informational search queries</a:t>
-            </a:r>
-            <a:r>
-              <a:rPr lang="en-US" sz="1200" b="0" i="0" kern="1200" dirty="0" smtClean="0">
-                <a:solidFill>
-                  <a:schemeClr val="tx1"/>
-                </a:solidFill>
-                <a:effectLst/>
-                <a:latin typeface="+mn-lt"/>
-                <a:ea typeface="+mn-ea"/>
-                <a:cs typeface="+mn-cs"/>
-              </a:rPr>
-              <a:t> as “Queries that cover a broad topic (e.g., </a:t>
-            </a:r>
-            <a:r>
-              <a:rPr lang="en-US" sz="1200" b="0" i="1" kern="1200" dirty="0" err="1" smtClean="0">
-                <a:solidFill>
-                  <a:schemeClr val="tx1"/>
-                </a:solidFill>
-                <a:effectLst/>
-                <a:latin typeface="+mn-lt"/>
-                <a:ea typeface="+mn-ea"/>
-                <a:cs typeface="+mn-cs"/>
-              </a:rPr>
-              <a:t>colorado</a:t>
-            </a:r>
-            <a:r>
-              <a:rPr lang="en-US" sz="1200" b="0" i="0" kern="1200" dirty="0" err="1" smtClean="0">
-                <a:solidFill>
-                  <a:schemeClr val="tx1"/>
-                </a:solidFill>
-                <a:effectLst/>
-                <a:latin typeface="+mn-lt"/>
-                <a:ea typeface="+mn-ea"/>
-                <a:cs typeface="+mn-cs"/>
-              </a:rPr>
-              <a:t>or</a:t>
-            </a:r>
-            <a:r>
-              <a:rPr lang="en-US" sz="1200" b="0" i="0" kern="1200" dirty="0" smtClean="0">
-                <a:solidFill>
-                  <a:schemeClr val="tx1"/>
-                </a:solidFill>
-                <a:effectLst/>
-                <a:latin typeface="+mn-lt"/>
-                <a:ea typeface="+mn-ea"/>
-                <a:cs typeface="+mn-cs"/>
-              </a:rPr>
-              <a:t> </a:t>
-            </a:r>
-            <a:r>
-              <a:rPr lang="en-US" sz="1200" b="0" i="1" kern="1200" dirty="0" smtClean="0">
-                <a:solidFill>
-                  <a:schemeClr val="tx1"/>
-                </a:solidFill>
-                <a:effectLst/>
-                <a:latin typeface="+mn-lt"/>
-                <a:ea typeface="+mn-ea"/>
-                <a:cs typeface="+mn-cs"/>
-              </a:rPr>
-              <a:t>trucks</a:t>
-            </a:r>
-            <a:r>
-              <a:rPr lang="en-US" sz="1200" b="0" i="0" kern="1200" dirty="0" smtClean="0">
-                <a:solidFill>
-                  <a:schemeClr val="tx1"/>
-                </a:solidFill>
-                <a:effectLst/>
-                <a:latin typeface="+mn-lt"/>
-                <a:ea typeface="+mn-ea"/>
-                <a:cs typeface="+mn-cs"/>
-              </a:rPr>
-              <a:t>) for which there may be thousands of relevant results.” When someone enters an informational search query into Google or another search engine, they’re looking for information – hence the name. They are probably not looking for a specific site, as in a navigational query, and they are not looking to make a commercial transaction. They just want to answer a question or learn how to do something.</a:t>
-            </a:r>
-            <a:endParaRPr lang="lt-LT" sz="1200" b="0" i="0" kern="1200" dirty="0" smtClean="0">
-              <a:solidFill>
-                <a:schemeClr val="tx1"/>
-              </a:solidFill>
-              <a:effectLst/>
-              <a:latin typeface="+mn-lt"/>
-              <a:ea typeface="+mn-ea"/>
-              <a:cs typeface="+mn-cs"/>
-            </a:endParaRPr>
-          </a:p>
-          <a:p>
-            <a:r>
-              <a:rPr lang="en-US" sz="1200" b="1" i="1" u="none" strike="noStrike" kern="1200" dirty="0" smtClean="0">
-                <a:solidFill>
-                  <a:schemeClr val="tx1"/>
-                </a:solidFill>
-                <a:effectLst/>
-                <a:latin typeface="+mn-lt"/>
-                <a:ea typeface="+mn-ea"/>
-                <a:cs typeface="+mn-cs"/>
-              </a:rPr>
-              <a:t>Informational Searches</a:t>
-            </a:r>
-          </a:p>
-          <a:p>
-            <a:r>
-              <a:rPr lang="en-US" sz="1200" b="0" i="1" kern="1200" dirty="0" smtClean="0">
-                <a:solidFill>
-                  <a:schemeClr val="tx1"/>
-                </a:solidFill>
-                <a:effectLst/>
-                <a:latin typeface="+mn-lt"/>
-                <a:ea typeface="+mn-ea"/>
-                <a:cs typeface="+mn-cs"/>
-              </a:rPr>
-              <a:t>Researching non-transactional information, getting quick answers and ego-searching.</a:t>
-            </a:r>
-          </a:p>
-          <a:p>
-            <a:r>
-              <a:rPr lang="en-US" sz="1200" b="0" i="1" kern="1200" dirty="0" smtClean="0">
-                <a:solidFill>
-                  <a:schemeClr val="tx1"/>
-                </a:solidFill>
-                <a:effectLst/>
-                <a:latin typeface="+mn-lt"/>
-                <a:ea typeface="+mn-ea"/>
-                <a:cs typeface="+mn-cs"/>
-              </a:rPr>
-              <a:t>Informational searches involve a huge range of queries from finding out the local weather, getting a map and directions, to finding the name of Tony Starks' military buddy from the Iron Man movie or checking on just how long that trip to Mars really takes. The common thread here is that the searches are primarily non-commercial and non-transaction-oriented in nature; the information itself is the goal, and no interaction beyond clicking and reading is required.</a:t>
-            </a:r>
-          </a:p>
-          <a:p>
-            <a:endParaRPr lang="lt-LT" sz="1200" b="0" i="0" kern="1200" dirty="0" smtClean="0">
-              <a:solidFill>
-                <a:schemeClr val="tx1"/>
-              </a:solidFill>
-              <a:effectLst/>
-              <a:latin typeface="+mn-lt"/>
-              <a:ea typeface="+mn-ea"/>
-              <a:cs typeface="+mn-cs"/>
-            </a:endParaRPr>
-          </a:p>
-          <a:p>
-            <a:endParaRPr lang="lt-LT" sz="1200" b="0" i="0" kern="1200" dirty="0" smtClean="0">
-              <a:solidFill>
-                <a:schemeClr val="tx1"/>
-              </a:solidFill>
-              <a:effectLst/>
-              <a:latin typeface="+mn-lt"/>
-              <a:ea typeface="+mn-ea"/>
-              <a:cs typeface="+mn-cs"/>
-            </a:endParaRPr>
-          </a:p>
-          <a:p>
-            <a:r>
-              <a:rPr lang="en-US" sz="1200" b="0" i="0" kern="1200" dirty="0" smtClean="0">
-                <a:solidFill>
-                  <a:schemeClr val="tx1"/>
-                </a:solidFill>
-                <a:effectLst/>
-                <a:latin typeface="+mn-lt"/>
-                <a:ea typeface="+mn-ea"/>
-                <a:cs typeface="+mn-cs"/>
-              </a:rPr>
-              <a:t>A </a:t>
-            </a:r>
-            <a:r>
-              <a:rPr lang="en-US" sz="1200" b="1" i="0" kern="1200" dirty="0" smtClean="0">
-                <a:solidFill>
-                  <a:schemeClr val="tx1"/>
-                </a:solidFill>
-                <a:effectLst/>
-                <a:latin typeface="+mn-lt"/>
-                <a:ea typeface="+mn-ea"/>
-                <a:cs typeface="+mn-cs"/>
-              </a:rPr>
-              <a:t>transactional search query</a:t>
-            </a:r>
-            <a:r>
-              <a:rPr lang="en-US" sz="1200" b="0" i="0" kern="1200" dirty="0" smtClean="0">
-                <a:solidFill>
-                  <a:schemeClr val="tx1"/>
-                </a:solidFill>
-                <a:effectLst/>
-                <a:latin typeface="+mn-lt"/>
-                <a:ea typeface="+mn-ea"/>
-                <a:cs typeface="+mn-cs"/>
-              </a:rPr>
-              <a:t> is a query that indicates an intent to complete a transaction, such as making a purchase. Transactional search queries may include exact brand and product names (like “</a:t>
-            </a:r>
-            <a:r>
-              <a:rPr lang="en-US" sz="1200" b="0" i="0" kern="1200" dirty="0" err="1" smtClean="0">
-                <a:solidFill>
-                  <a:schemeClr val="tx1"/>
-                </a:solidFill>
-                <a:effectLst/>
-                <a:latin typeface="+mn-lt"/>
-                <a:ea typeface="+mn-ea"/>
-                <a:cs typeface="+mn-cs"/>
-              </a:rPr>
-              <a:t>samsung</a:t>
-            </a:r>
-            <a:r>
-              <a:rPr lang="en-US" sz="1200" b="0" i="0" kern="1200" dirty="0" smtClean="0">
-                <a:solidFill>
-                  <a:schemeClr val="tx1"/>
-                </a:solidFill>
-                <a:effectLst/>
-                <a:latin typeface="+mn-lt"/>
-                <a:ea typeface="+mn-ea"/>
-                <a:cs typeface="+mn-cs"/>
-              </a:rPr>
-              <a:t> galaxy s3”) or be generic (like “iced coffee maker”) or actually include terms like “buy,” “purchase,” or “order.” In all of these examples, you can infer that the searcher is considering making a purchase in the near future, if they’re not already pulling out their credit card. In other words, </a:t>
-            </a:r>
-            <a:r>
-              <a:rPr lang="en-US" sz="1200" b="1" i="0" kern="1200" dirty="0" smtClean="0">
-                <a:solidFill>
-                  <a:schemeClr val="tx1"/>
-                </a:solidFill>
-                <a:effectLst/>
-                <a:latin typeface="+mn-lt"/>
-                <a:ea typeface="+mn-ea"/>
-                <a:cs typeface="+mn-cs"/>
-              </a:rPr>
-              <a:t>they’re at the business end of the conversion funnel</a:t>
-            </a:r>
-            <a:r>
-              <a:rPr lang="en-US" sz="1200" b="0" i="0" kern="1200" dirty="0" smtClean="0">
-                <a:solidFill>
-                  <a:schemeClr val="tx1"/>
-                </a:solidFill>
-                <a:effectLst/>
-                <a:latin typeface="+mn-lt"/>
-                <a:ea typeface="+mn-ea"/>
-                <a:cs typeface="+mn-cs"/>
-              </a:rPr>
-              <a:t>. Many local searches (such as “Denver wine shop”) are transactional as well.</a:t>
-            </a:r>
-            <a:endParaRPr lang="lt-LT" sz="1200" b="0" i="0" kern="1200" dirty="0" smtClean="0">
-              <a:solidFill>
-                <a:schemeClr val="tx1"/>
-              </a:solidFill>
-              <a:effectLst/>
-              <a:latin typeface="+mn-lt"/>
-              <a:ea typeface="+mn-ea"/>
-              <a:cs typeface="+mn-cs"/>
-            </a:endParaRPr>
-          </a:p>
-          <a:p>
-            <a:r>
-              <a:rPr lang="en-US" sz="1200" b="1" i="1" u="none" strike="noStrike" kern="1200" dirty="0" smtClean="0">
-                <a:solidFill>
-                  <a:schemeClr val="tx1"/>
-                </a:solidFill>
-                <a:effectLst/>
-                <a:latin typeface="+mn-lt"/>
-                <a:ea typeface="+mn-ea"/>
-                <a:cs typeface="+mn-cs"/>
-              </a:rPr>
-              <a:t>Transactional Searches</a:t>
-            </a:r>
-          </a:p>
-          <a:p>
-            <a:r>
-              <a:rPr lang="en-US" sz="1200" b="0" i="1" kern="1200" dirty="0" smtClean="0">
-                <a:solidFill>
-                  <a:schemeClr val="tx1"/>
-                </a:solidFill>
-                <a:effectLst/>
-                <a:latin typeface="+mn-lt"/>
-                <a:ea typeface="+mn-ea"/>
-                <a:cs typeface="+mn-cs"/>
-              </a:rPr>
-              <a:t>Identifying a local business, making a purchase online and completing a task.</a:t>
-            </a:r>
-          </a:p>
-          <a:p>
-            <a:r>
-              <a:rPr lang="en-US" sz="1200" b="0" i="1" kern="1200" dirty="0" smtClean="0">
-                <a:solidFill>
-                  <a:schemeClr val="tx1"/>
-                </a:solidFill>
-                <a:effectLst/>
-                <a:latin typeface="+mn-lt"/>
-                <a:ea typeface="+mn-ea"/>
-                <a:cs typeface="+mn-cs"/>
-              </a:rPr>
-              <a:t>Transactional searches don't necessarily involve a credit card or wire transfer. Signing up for a free trial account at Cook's Illustrated, creating a Gmail account, or finding the best local Mexican cuisine (in Seattle it's Carta de Oaxaca) are all transactional queries.</a:t>
-            </a:r>
-          </a:p>
-          <a:p>
             <a:endParaRPr lang="en-US" dirty="0"/>
           </a:p>
         </p:txBody>
@@ -1399,7 +1193,7 @@
           <a:p>
             <a:fld id="{21E87DF0-2188-45E0-9868-23603FC9CB4F}" type="slidenum">
               <a:rPr lang="en-US" smtClean="0"/>
-              <a:t>3</a:t>
+              <a:t>5</a:t>
             </a:fld>
             <a:endParaRPr lang="en-US"/>
           </a:p>
@@ -1463,13 +1257,175 @@
           <a:lstStyle/>
           <a:p>
             <a:r>
-              <a:rPr lang="en-US" dirty="0" smtClean="0"/>
-              <a:t>http://moz.com/blog/searchmetrics-ranking-factors-2014</a:t>
-            </a:r>
-            <a:endParaRPr lang="lt-LT" dirty="0" smtClean="0"/>
-          </a:p>
-          <a:p>
-            <a:endParaRPr lang="lt-LT" dirty="0" smtClean="0"/>
+              <a:rPr lang="en-US" sz="1200" b="0" i="0" kern="1200" dirty="0" smtClean="0">
+                <a:solidFill>
+                  <a:schemeClr val="tx1"/>
+                </a:solidFill>
+                <a:effectLst/>
+                <a:latin typeface="+mn-lt"/>
+                <a:ea typeface="+mn-ea"/>
+                <a:cs typeface="+mn-cs"/>
+              </a:rPr>
+              <a:t>A </a:t>
+            </a:r>
+            <a:r>
+              <a:rPr lang="en-US" sz="1200" b="1" i="0" kern="1200" dirty="0" smtClean="0">
+                <a:solidFill>
+                  <a:schemeClr val="tx1"/>
+                </a:solidFill>
+                <a:effectLst/>
+                <a:latin typeface="+mn-lt"/>
+                <a:ea typeface="+mn-ea"/>
+                <a:cs typeface="+mn-cs"/>
+              </a:rPr>
+              <a:t>navigational query</a:t>
+            </a:r>
+            <a:r>
+              <a:rPr lang="en-US" sz="1200" b="0" i="0" kern="1200" dirty="0" smtClean="0">
+                <a:solidFill>
+                  <a:schemeClr val="tx1"/>
+                </a:solidFill>
+                <a:effectLst/>
+                <a:latin typeface="+mn-lt"/>
+                <a:ea typeface="+mn-ea"/>
+                <a:cs typeface="+mn-cs"/>
+              </a:rPr>
+              <a:t> is a search query entered with the intent of finding a particular website or webpage. For example, a user might enter "</a:t>
+            </a:r>
+            <a:r>
+              <a:rPr lang="en-US" sz="1200" b="0" i="0" kern="1200" dirty="0" err="1" smtClean="0">
+                <a:solidFill>
+                  <a:schemeClr val="tx1"/>
+                </a:solidFill>
+                <a:effectLst/>
+                <a:latin typeface="+mn-lt"/>
+                <a:ea typeface="+mn-ea"/>
+                <a:cs typeface="+mn-cs"/>
+              </a:rPr>
+              <a:t>youtube</a:t>
+            </a:r>
+            <a:r>
+              <a:rPr lang="en-US" sz="1200" b="0" i="0" kern="1200" dirty="0" smtClean="0">
+                <a:solidFill>
+                  <a:schemeClr val="tx1"/>
+                </a:solidFill>
+                <a:effectLst/>
+                <a:latin typeface="+mn-lt"/>
+                <a:ea typeface="+mn-ea"/>
+                <a:cs typeface="+mn-cs"/>
+              </a:rPr>
+              <a:t>" into Google's search bar to find the YouTube site rather than entering the URL into a browser's navigation bar or using a bookmark. In fact, “</a:t>
+            </a:r>
+            <a:r>
+              <a:rPr lang="en-US" sz="1200" b="0" i="0" kern="1200" dirty="0" err="1" smtClean="0">
+                <a:solidFill>
+                  <a:schemeClr val="tx1"/>
+                </a:solidFill>
+                <a:effectLst/>
+                <a:latin typeface="+mn-lt"/>
+                <a:ea typeface="+mn-ea"/>
+                <a:cs typeface="+mn-cs"/>
+              </a:rPr>
+              <a:t>facebook</a:t>
+            </a:r>
+            <a:r>
+              <a:rPr lang="en-US" sz="1200" b="0" i="0" kern="1200" dirty="0" smtClean="0">
+                <a:solidFill>
+                  <a:schemeClr val="tx1"/>
+                </a:solidFill>
+                <a:effectLst/>
+                <a:latin typeface="+mn-lt"/>
+                <a:ea typeface="+mn-ea"/>
+                <a:cs typeface="+mn-cs"/>
+              </a:rPr>
+              <a:t>” and “</a:t>
+            </a:r>
+            <a:r>
+              <a:rPr lang="en-US" sz="1200" b="0" i="0" kern="1200" dirty="0" err="1" smtClean="0">
+                <a:solidFill>
+                  <a:schemeClr val="tx1"/>
+                </a:solidFill>
+                <a:effectLst/>
+                <a:latin typeface="+mn-lt"/>
+                <a:ea typeface="+mn-ea"/>
+                <a:cs typeface="+mn-cs"/>
+              </a:rPr>
+              <a:t>youtube</a:t>
+            </a:r>
+            <a:r>
+              <a:rPr lang="en-US" sz="1200" b="0" i="0" kern="1200" dirty="0" smtClean="0">
+                <a:solidFill>
+                  <a:schemeClr val="tx1"/>
+                </a:solidFill>
+                <a:effectLst/>
+                <a:latin typeface="+mn-lt"/>
+                <a:ea typeface="+mn-ea"/>
+                <a:cs typeface="+mn-cs"/>
+              </a:rPr>
+              <a:t>” are the </a:t>
+            </a:r>
+            <a:r>
+              <a:rPr lang="en-US" sz="1200" b="0" i="0" kern="1200" dirty="0" smtClean="0">
+                <a:solidFill>
+                  <a:schemeClr val="tx1"/>
+                </a:solidFill>
+                <a:effectLst/>
+                <a:latin typeface="+mn-lt"/>
+                <a:ea typeface="+mn-ea"/>
+                <a:cs typeface="+mn-cs"/>
+                <a:hlinkClick r:id="rId3"/>
+              </a:rPr>
+              <a:t>top two searches on Google</a:t>
+            </a:r>
+            <a:r>
+              <a:rPr lang="en-US" sz="1200" b="0" i="0" kern="1200" dirty="0" smtClean="0">
+                <a:solidFill>
+                  <a:schemeClr val="tx1"/>
+                </a:solidFill>
+                <a:effectLst/>
+                <a:latin typeface="+mn-lt"/>
+                <a:ea typeface="+mn-ea"/>
+                <a:cs typeface="+mn-cs"/>
+              </a:rPr>
+              <a:t>, and these are both navigational queries.</a:t>
+            </a:r>
+            <a:endParaRPr lang="lt-LT" sz="1200" b="0" i="0" kern="1200" dirty="0" smtClean="0">
+              <a:solidFill>
+                <a:schemeClr val="tx1"/>
+              </a:solidFill>
+              <a:effectLst/>
+              <a:latin typeface="+mn-lt"/>
+              <a:ea typeface="+mn-ea"/>
+              <a:cs typeface="+mn-cs"/>
+            </a:endParaRPr>
+          </a:p>
+          <a:p>
+            <a:r>
+              <a:rPr lang="en-US" sz="1200" b="0" i="1" kern="1200" dirty="0" smtClean="0">
+                <a:solidFill>
+                  <a:schemeClr val="tx1"/>
+                </a:solidFill>
+                <a:effectLst/>
+                <a:latin typeface="+mn-lt"/>
+                <a:ea typeface="+mn-ea"/>
+                <a:cs typeface="+mn-cs"/>
+              </a:rPr>
+              <a:t>Visiting a pre-determined destination and sourcing the “correct” website URL.</a:t>
+            </a:r>
+          </a:p>
+          <a:p>
+            <a:r>
+              <a:rPr lang="en-US" sz="1200" b="0" i="1" kern="1200" dirty="0" smtClean="0">
+                <a:solidFill>
+                  <a:schemeClr val="tx1"/>
+                </a:solidFill>
+                <a:effectLst/>
+                <a:latin typeface="+mn-lt"/>
+                <a:ea typeface="+mn-ea"/>
+                <a:cs typeface="+mn-cs"/>
+              </a:rPr>
+              <a:t>Navigational searches are performed with the intent of surfing directly to a specific website. In some cases, the user may not know the exact URL, and the search engine serves as the "White Pages", passing along the (hopefully) correct location.</a:t>
+            </a:r>
           </a:p>
           <a:p>
             <a:endParaRPr lang="en-US" dirty="0"/>
@@ -1493,7 +1449,7 @@
           <a:p>
             <a:fld id="{21E87DF0-2188-45E0-9868-23603FC9CB4F}" type="slidenum">
               <a:rPr lang="en-US" smtClean="0"/>
-              <a:t>4</a:t>
+              <a:t>6</a:t>
             </a:fld>
             <a:endParaRPr lang="en-US"/>
           </a:p>
@@ -1502,7 +1458,7 @@
     </p:spTree>
     <p:extLst>
       <p:ext uri="{BB962C8B-B14F-4D97-AF65-F5344CB8AC3E}">
-        <p14:creationId xmlns:p14="http://schemas.microsoft.com/office/powerpoint/2010/main" val="2866773926"/>
+        <p14:creationId xmlns:p14="http://schemas.microsoft.com/office/powerpoint/2010/main" val="1743487705"/>
       </p:ext>
     </p:extLst>
   </p:cSld>
@@ -1557,10 +1513,155 @@
           <a:lstStyle/>
           <a:p>
             <a:r>
-              <a:rPr lang="en-US" smtClean="0"/>
-              <a:t>http://www.entrepreneur.com/article/226884</a:t>
-            </a:r>
-            <a:endParaRPr lang="en-US"/>
+              <a:rPr lang="en-US" sz="1200" b="0" i="0" kern="1200" dirty="0" smtClean="0">
+                <a:solidFill>
+                  <a:schemeClr val="tx1"/>
+                </a:solidFill>
+                <a:effectLst/>
+                <a:latin typeface="+mn-lt"/>
+                <a:ea typeface="+mn-ea"/>
+                <a:cs typeface="+mn-cs"/>
+              </a:rPr>
+              <a:t>Wikipedia defines </a:t>
+            </a:r>
+            <a:r>
+              <a:rPr lang="en-US" sz="1200" b="1" i="0" kern="1200" dirty="0" smtClean="0">
+                <a:solidFill>
+                  <a:schemeClr val="tx1"/>
+                </a:solidFill>
+                <a:effectLst/>
+                <a:latin typeface="+mn-lt"/>
+                <a:ea typeface="+mn-ea"/>
+                <a:cs typeface="+mn-cs"/>
+              </a:rPr>
+              <a:t>informational search queries</a:t>
+            </a:r>
+            <a:r>
+              <a:rPr lang="en-US" sz="1200" b="0" i="0" kern="1200" dirty="0" smtClean="0">
+                <a:solidFill>
+                  <a:schemeClr val="tx1"/>
+                </a:solidFill>
+                <a:effectLst/>
+                <a:latin typeface="+mn-lt"/>
+                <a:ea typeface="+mn-ea"/>
+                <a:cs typeface="+mn-cs"/>
+              </a:rPr>
+              <a:t> as “Queries that cover a broad topic (e.g., </a:t>
+            </a:r>
+            <a:r>
+              <a:rPr lang="en-US" sz="1200" b="0" i="1" kern="1200" dirty="0" err="1" smtClean="0">
+                <a:solidFill>
+                  <a:schemeClr val="tx1"/>
+                </a:solidFill>
+                <a:effectLst/>
+                <a:latin typeface="+mn-lt"/>
+                <a:ea typeface="+mn-ea"/>
+                <a:cs typeface="+mn-cs"/>
+              </a:rPr>
+              <a:t>colorado</a:t>
+            </a:r>
+            <a:r>
+              <a:rPr lang="en-US" sz="1200" b="0" i="0" kern="1200" dirty="0" err="1" smtClean="0">
+                <a:solidFill>
+                  <a:schemeClr val="tx1"/>
+                </a:solidFill>
+                <a:effectLst/>
+                <a:latin typeface="+mn-lt"/>
+                <a:ea typeface="+mn-ea"/>
+                <a:cs typeface="+mn-cs"/>
+              </a:rPr>
+              <a:t>or</a:t>
+            </a:r>
+            <a:r>
+              <a:rPr lang="en-US" sz="1200" b="0" i="0" kern="1200" dirty="0" smtClean="0">
+                <a:solidFill>
+                  <a:schemeClr val="tx1"/>
+                </a:solidFill>
+                <a:effectLst/>
+                <a:latin typeface="+mn-lt"/>
+                <a:ea typeface="+mn-ea"/>
+                <a:cs typeface="+mn-cs"/>
+              </a:rPr>
+              <a:t> </a:t>
+            </a:r>
+            <a:r>
+              <a:rPr lang="en-US" sz="1200" b="0" i="1" kern="1200" dirty="0" smtClean="0">
+                <a:solidFill>
+                  <a:schemeClr val="tx1"/>
+                </a:solidFill>
+                <a:effectLst/>
+                <a:latin typeface="+mn-lt"/>
+                <a:ea typeface="+mn-ea"/>
+                <a:cs typeface="+mn-cs"/>
+              </a:rPr>
+              <a:t>trucks</a:t>
+            </a:r>
+            <a:r>
+              <a:rPr lang="en-US" sz="1200" b="0" i="0" kern="1200" dirty="0" smtClean="0">
+                <a:solidFill>
+                  <a:schemeClr val="tx1"/>
+                </a:solidFill>
+                <a:effectLst/>
+                <a:latin typeface="+mn-lt"/>
+                <a:ea typeface="+mn-ea"/>
+                <a:cs typeface="+mn-cs"/>
+              </a:rPr>
+              <a:t>) for which there may be thousands of relevant results.” When someone enters an informational search query into Google or another search engine, they’re looking for information – hence the name. They are probably not looking for a specific site, as in a navigational query, and they are not looking to make a commercial transaction. They just want to answer a question or learn how to do something.</a:t>
+            </a:r>
+            <a:endParaRPr lang="lt-LT" sz="1200" b="0" i="0" kern="1200" dirty="0" smtClean="0">
+              <a:solidFill>
+                <a:schemeClr val="tx1"/>
+              </a:solidFill>
+              <a:effectLst/>
+              <a:latin typeface="+mn-lt"/>
+              <a:ea typeface="+mn-ea"/>
+              <a:cs typeface="+mn-cs"/>
+            </a:endParaRPr>
+          </a:p>
+          <a:p>
+            <a:r>
+              <a:rPr lang="en-US" sz="1200" b="1" i="1" u="none" strike="noStrike" kern="1200" dirty="0" smtClean="0">
+                <a:solidFill>
+                  <a:schemeClr val="tx1"/>
+                </a:solidFill>
+                <a:effectLst/>
+                <a:latin typeface="+mn-lt"/>
+                <a:ea typeface="+mn-ea"/>
+                <a:cs typeface="+mn-cs"/>
+              </a:rPr>
+              <a:t>Informational Searches</a:t>
+            </a:r>
+          </a:p>
+          <a:p>
+            <a:r>
+              <a:rPr lang="en-US" sz="1200" b="0" i="1" kern="1200" dirty="0" smtClean="0">
+                <a:solidFill>
+                  <a:schemeClr val="tx1"/>
+                </a:solidFill>
+                <a:effectLst/>
+                <a:latin typeface="+mn-lt"/>
+                <a:ea typeface="+mn-ea"/>
+                <a:cs typeface="+mn-cs"/>
+              </a:rPr>
+              <a:t>Researching non-transactional information, getting quick answers and ego-searching.</a:t>
+            </a:r>
+          </a:p>
+          <a:p>
+            <a:r>
+              <a:rPr lang="en-US" sz="1200" b="0" i="1" kern="1200" dirty="0" smtClean="0">
+                <a:solidFill>
+                  <a:schemeClr val="tx1"/>
+                </a:solidFill>
+                <a:effectLst/>
+                <a:latin typeface="+mn-lt"/>
+                <a:ea typeface="+mn-ea"/>
+                <a:cs typeface="+mn-cs"/>
+              </a:rPr>
+              <a:t>Informational searches involve a huge range of queries from finding out the local weather, getting a map and directions, to finding the name of Tony Starks' military buddy from the Iron Man movie or checking on just how long that trip to Mars really takes. The common thread here is that the searches are primarily non-commercial and non-transaction-oriented in nature; the information itself is the goal, and no interaction beyond clicking and reading is required.</a:t>
+            </a:r>
+          </a:p>
+          <a:p>
+            <a:endParaRPr lang="en-US" dirty="0"/>
           </a:p>
         </p:txBody>
       </p:sp>
@@ -1581,7 +1682,7 @@
           <a:p>
             <a:fld id="{21E87DF0-2188-45E0-9868-23603FC9CB4F}" type="slidenum">
               <a:rPr lang="en-US" smtClean="0"/>
-              <a:t>6</a:t>
+              <a:t>7</a:t>
             </a:fld>
             <a:endParaRPr lang="en-US"/>
           </a:p>
@@ -1590,7 +1691,1838 @@
     </p:spTree>
     <p:extLst>
       <p:ext uri="{BB962C8B-B14F-4D97-AF65-F5344CB8AC3E}">
-        <p14:creationId xmlns:p14="http://schemas.microsoft.com/office/powerpoint/2010/main" val="978835687"/>
+        <p14:creationId xmlns:p14="http://schemas.microsoft.com/office/powerpoint/2010/main" val="1365881298"/>
+      </p:ext>
+    </p:extLst>
+  </p:cSld>
+  <p:clrMapOvr>
+    <a:masterClrMapping/>
+  </p:clrMapOvr>
+</p:notes>
+</file>
+
+<file path=ppt/notesSlides/notesSlide5.xml><?xml version="1.0" encoding="utf-8"?>
+<p:notes xmlns:a="http://schemas.openxmlformats.org/drawingml/2006/main" xmlns:r="http://schemas.openxmlformats.org/officeDocument/2006/relationships" xmlns:p="http://schemas.openxmlformats.org/presentationml/2006/main">
+  <p:cSld>
+    <p:spTree>
+      <p:nvGrpSpPr>
+        <p:cNvPr id="1" name=""/>
+        <p:cNvGrpSpPr/>
+        <p:nvPr/>
+      </p:nvGrpSpPr>
+      <p:grpSpPr>
+        <a:xfrm>
+          <a:off x="0" y="0"/>
+          <a:ext cx="0" cy="0"/>
+          <a:chOff x="0" y="0"/>
+          <a:chExt cx="0" cy="0"/>
+        </a:xfrm>
+      </p:grpSpPr>
+      <p:sp>
+        <p:nvSpPr>
+          <p:cNvPr id="2" name="Slide Image Placeholder 1"/>
+          <p:cNvSpPr>
+            <a:spLocks noGrp="1" noRot="1" noChangeAspect="1"/>
+          </p:cNvSpPr>
+          <p:nvPr>
+            <p:ph type="sldImg"/>
+          </p:nvPr>
+        </p:nvSpPr>
+        <p:spPr/>
+      </p:sp>
+      <p:sp>
+        <p:nvSpPr>
+          <p:cNvPr id="3" name="Notes Placeholder 2"/>
+          <p:cNvSpPr>
+            <a:spLocks noGrp="1"/>
+          </p:cNvSpPr>
+          <p:nvPr>
+            <p:ph type="body" idx="1"/>
+          </p:nvPr>
+        </p:nvSpPr>
+        <p:spPr/>
+        <p:txBody>
+          <a:bodyPr/>
+          <a:lstStyle/>
+          <a:p>
+            <a:endParaRPr lang="lt-LT" sz="1200" b="0" i="0" kern="1200" dirty="0" smtClean="0">
+              <a:solidFill>
+                <a:schemeClr val="tx1"/>
+              </a:solidFill>
+              <a:effectLst/>
+              <a:latin typeface="+mn-lt"/>
+              <a:ea typeface="+mn-ea"/>
+              <a:cs typeface="+mn-cs"/>
+            </a:endParaRPr>
+          </a:p>
+          <a:p>
+            <a:endParaRPr lang="lt-LT" sz="1200" b="0" i="0" kern="1200" dirty="0" smtClean="0">
+              <a:solidFill>
+                <a:schemeClr val="tx1"/>
+              </a:solidFill>
+              <a:effectLst/>
+              <a:latin typeface="+mn-lt"/>
+              <a:ea typeface="+mn-ea"/>
+              <a:cs typeface="+mn-cs"/>
+            </a:endParaRPr>
+          </a:p>
+          <a:p>
+            <a:r>
+              <a:rPr lang="en-US" sz="1200" b="0" i="0" kern="1200" dirty="0" smtClean="0">
+                <a:solidFill>
+                  <a:schemeClr val="tx1"/>
+                </a:solidFill>
+                <a:effectLst/>
+                <a:latin typeface="+mn-lt"/>
+                <a:ea typeface="+mn-ea"/>
+                <a:cs typeface="+mn-cs"/>
+              </a:rPr>
+              <a:t>A </a:t>
+            </a:r>
+            <a:r>
+              <a:rPr lang="en-US" sz="1200" b="1" i="0" kern="1200" dirty="0" smtClean="0">
+                <a:solidFill>
+                  <a:schemeClr val="tx1"/>
+                </a:solidFill>
+                <a:effectLst/>
+                <a:latin typeface="+mn-lt"/>
+                <a:ea typeface="+mn-ea"/>
+                <a:cs typeface="+mn-cs"/>
+              </a:rPr>
+              <a:t>transactional search query</a:t>
+            </a:r>
+            <a:r>
+              <a:rPr lang="en-US" sz="1200" b="0" i="0" kern="1200" dirty="0" smtClean="0">
+                <a:solidFill>
+                  <a:schemeClr val="tx1"/>
+                </a:solidFill>
+                <a:effectLst/>
+                <a:latin typeface="+mn-lt"/>
+                <a:ea typeface="+mn-ea"/>
+                <a:cs typeface="+mn-cs"/>
+              </a:rPr>
+              <a:t> is a query that indicates an intent to complete a transaction, such as making a purchase. Transactional search queries may include exact brand and product names (like “</a:t>
+            </a:r>
+            <a:r>
+              <a:rPr lang="en-US" sz="1200" b="0" i="0" kern="1200" dirty="0" err="1" smtClean="0">
+                <a:solidFill>
+                  <a:schemeClr val="tx1"/>
+                </a:solidFill>
+                <a:effectLst/>
+                <a:latin typeface="+mn-lt"/>
+                <a:ea typeface="+mn-ea"/>
+                <a:cs typeface="+mn-cs"/>
+              </a:rPr>
+              <a:t>samsung</a:t>
+            </a:r>
+            <a:r>
+              <a:rPr lang="en-US" sz="1200" b="0" i="0" kern="1200" dirty="0" smtClean="0">
+                <a:solidFill>
+                  <a:schemeClr val="tx1"/>
+                </a:solidFill>
+                <a:effectLst/>
+                <a:latin typeface="+mn-lt"/>
+                <a:ea typeface="+mn-ea"/>
+                <a:cs typeface="+mn-cs"/>
+              </a:rPr>
+              <a:t> galaxy s3”) or be generic (like “iced coffee maker”) or actually include terms like “buy,” “purchase,” or “order.” In all of these examples, you can infer that the searcher is considering making a purchase in the near future, if they’re not already pulling out their credit card. In other words, </a:t>
+            </a:r>
+            <a:r>
+              <a:rPr lang="en-US" sz="1200" b="1" i="0" kern="1200" dirty="0" smtClean="0">
+                <a:solidFill>
+                  <a:schemeClr val="tx1"/>
+                </a:solidFill>
+                <a:effectLst/>
+                <a:latin typeface="+mn-lt"/>
+                <a:ea typeface="+mn-ea"/>
+                <a:cs typeface="+mn-cs"/>
+              </a:rPr>
+              <a:t>they’re at the business end of the conversion funnel</a:t>
+            </a:r>
+            <a:r>
+              <a:rPr lang="en-US" sz="1200" b="0" i="0" kern="1200" dirty="0" smtClean="0">
+                <a:solidFill>
+                  <a:schemeClr val="tx1"/>
+                </a:solidFill>
+                <a:effectLst/>
+                <a:latin typeface="+mn-lt"/>
+                <a:ea typeface="+mn-ea"/>
+                <a:cs typeface="+mn-cs"/>
+              </a:rPr>
+              <a:t>. Many local searches (such as “Denver wine shop”) are transactional as well.</a:t>
+            </a:r>
+            <a:endParaRPr lang="lt-LT" sz="1200" b="0" i="0" kern="1200" dirty="0" smtClean="0">
+              <a:solidFill>
+                <a:schemeClr val="tx1"/>
+              </a:solidFill>
+              <a:effectLst/>
+              <a:latin typeface="+mn-lt"/>
+              <a:ea typeface="+mn-ea"/>
+              <a:cs typeface="+mn-cs"/>
+            </a:endParaRPr>
+          </a:p>
+          <a:p>
+            <a:r>
+              <a:rPr lang="en-US" sz="1200" b="1" i="1" u="none" strike="noStrike" kern="1200" dirty="0" smtClean="0">
+                <a:solidFill>
+                  <a:schemeClr val="tx1"/>
+                </a:solidFill>
+                <a:effectLst/>
+                <a:latin typeface="+mn-lt"/>
+                <a:ea typeface="+mn-ea"/>
+                <a:cs typeface="+mn-cs"/>
+              </a:rPr>
+              <a:t>Transactional Searches</a:t>
+            </a:r>
+          </a:p>
+          <a:p>
+            <a:r>
+              <a:rPr lang="en-US" sz="1200" b="0" i="1" kern="1200" dirty="0" smtClean="0">
+                <a:solidFill>
+                  <a:schemeClr val="tx1"/>
+                </a:solidFill>
+                <a:effectLst/>
+                <a:latin typeface="+mn-lt"/>
+                <a:ea typeface="+mn-ea"/>
+                <a:cs typeface="+mn-cs"/>
+              </a:rPr>
+              <a:t>Identifying a local business, making a purchase online and completing a task.</a:t>
+            </a:r>
+          </a:p>
+          <a:p>
+            <a:r>
+              <a:rPr lang="en-US" sz="1200" b="0" i="1" kern="1200" dirty="0" smtClean="0">
+                <a:solidFill>
+                  <a:schemeClr val="tx1"/>
+                </a:solidFill>
+                <a:effectLst/>
+                <a:latin typeface="+mn-lt"/>
+                <a:ea typeface="+mn-ea"/>
+                <a:cs typeface="+mn-cs"/>
+              </a:rPr>
+              <a:t>Transactional searches don't necessarily involve a credit card or wire transfer. Signing up for a free trial account at Cook's Illustrated, creating a Gmail account, or finding the best local Mexican cuisine (in Seattle it's Carta de Oaxaca) are all transactional queries.</a:t>
+            </a:r>
+          </a:p>
+          <a:p>
+            <a:endParaRPr lang="en-US" dirty="0"/>
+          </a:p>
+        </p:txBody>
+      </p:sp>
+      <p:sp>
+        <p:nvSpPr>
+          <p:cNvPr id="4" name="Slide Number Placeholder 3"/>
+          <p:cNvSpPr>
+            <a:spLocks noGrp="1"/>
+          </p:cNvSpPr>
+          <p:nvPr>
+            <p:ph type="sldNum" sz="quarter" idx="10"/>
+          </p:nvPr>
+        </p:nvSpPr>
+        <p:spPr/>
+        <p:txBody>
+          <a:bodyPr/>
+          <a:lstStyle/>
+          <a:p>
+            <a:fld id="{21E87DF0-2188-45E0-9868-23603FC9CB4F}" type="slidenum">
+              <a:rPr lang="en-US" smtClean="0"/>
+              <a:t>8</a:t>
+            </a:fld>
+            <a:endParaRPr lang="en-US"/>
+          </a:p>
+        </p:txBody>
+      </p:sp>
+    </p:spTree>
+    <p:extLst>
+      <p:ext uri="{BB962C8B-B14F-4D97-AF65-F5344CB8AC3E}">
+        <p14:creationId xmlns:p14="http://schemas.microsoft.com/office/powerpoint/2010/main" val="3326727055"/>
+      </p:ext>
+    </p:extLst>
+  </p:cSld>
+  <p:clrMapOvr>
+    <a:masterClrMapping/>
+  </p:clrMapOvr>
+</p:notes>
+</file>
+
+<file path=ppt/notesSlides/notesSlide6.xml><?xml version="1.0" encoding="utf-8"?>
+<p:notes xmlns:a="http://schemas.openxmlformats.org/drawingml/2006/main" xmlns:r="http://schemas.openxmlformats.org/officeDocument/2006/relationships" xmlns:p="http://schemas.openxmlformats.org/presentationml/2006/main">
+  <p:cSld>
+    <p:spTree>
+      <p:nvGrpSpPr>
+        <p:cNvPr id="1" name=""/>
+        <p:cNvGrpSpPr/>
+        <p:nvPr/>
+      </p:nvGrpSpPr>
+      <p:grpSpPr>
+        <a:xfrm>
+          <a:off x="0" y="0"/>
+          <a:ext cx="0" cy="0"/>
+          <a:chOff x="0" y="0"/>
+          <a:chExt cx="0" cy="0"/>
+        </a:xfrm>
+      </p:grpSpPr>
+      <p:sp>
+        <p:nvSpPr>
+          <p:cNvPr id="2" name="Slide Image Placeholder 1"/>
+          <p:cNvSpPr>
+            <a:spLocks noGrp="1" noRot="1" noChangeAspect="1"/>
+          </p:cNvSpPr>
+          <p:nvPr>
+            <p:ph type="sldImg"/>
+          </p:nvPr>
+        </p:nvSpPr>
+        <p:spPr/>
+      </p:sp>
+      <p:sp>
+        <p:nvSpPr>
+          <p:cNvPr id="3" name="Notes Placeholder 2"/>
+          <p:cNvSpPr>
+            <a:spLocks noGrp="1"/>
+          </p:cNvSpPr>
+          <p:nvPr>
+            <p:ph type="body" idx="1"/>
+          </p:nvPr>
+        </p:nvSpPr>
+        <p:spPr/>
+        <p:txBody>
+          <a:bodyPr/>
+          <a:lstStyle/>
+          <a:p>
+            <a:r>
+              <a:rPr lang="en-US" sz="1200" b="0" i="0" u="none" strike="noStrike" kern="1200" baseline="0" dirty="0" smtClean="0">
+                <a:solidFill>
+                  <a:schemeClr val="tx1"/>
+                </a:solidFill>
+                <a:latin typeface="+mn-lt"/>
+                <a:ea typeface="+mn-ea"/>
+                <a:cs typeface="+mn-cs"/>
+              </a:rPr>
+              <a:t>● Interface design : structure of search engine Web pages and the presentation of</a:t>
+            </a:r>
+          </a:p>
+          <a:p>
+            <a:r>
+              <a:rPr lang="en-US" sz="1200" b="0" i="0" u="none" strike="noStrike" kern="1200" baseline="0" dirty="0" smtClean="0">
+                <a:solidFill>
+                  <a:schemeClr val="tx1"/>
+                </a:solidFill>
+                <a:latin typeface="+mn-lt"/>
+                <a:ea typeface="+mn-ea"/>
+                <a:cs typeface="+mn-cs"/>
+              </a:rPr>
+              <a:t>the results. The input window should be structured in a clear way without overwhelming</a:t>
+            </a:r>
+          </a:p>
+          <a:p>
+            <a:r>
+              <a:rPr lang="en-US" sz="1200" b="0" i="0" u="none" strike="noStrike" kern="1200" baseline="0" dirty="0" smtClean="0">
+                <a:solidFill>
+                  <a:schemeClr val="tx1"/>
+                </a:solidFill>
+                <a:latin typeface="+mn-lt"/>
+                <a:ea typeface="+mn-ea"/>
+                <a:cs typeface="+mn-cs"/>
+              </a:rPr>
+              <a:t>advertising . The result lists have to separate organic results from</a:t>
+            </a:r>
+          </a:p>
+          <a:p>
+            <a:r>
+              <a:rPr lang="en-US" sz="1200" b="0" i="0" u="none" strike="noStrike" kern="1200" baseline="0" dirty="0" smtClean="0">
+                <a:solidFill>
+                  <a:schemeClr val="tx1"/>
+                </a:solidFill>
+                <a:latin typeface="+mn-lt"/>
+                <a:ea typeface="+mn-ea"/>
+                <a:cs typeface="+mn-cs"/>
+              </a:rPr>
+              <a:t>sponsored links. A different </a:t>
+            </a:r>
+            <a:r>
+              <a:rPr lang="en-US" sz="1200" b="0" i="0" u="none" strike="noStrike" kern="1200" baseline="0" dirty="0" err="1" smtClean="0">
+                <a:solidFill>
+                  <a:schemeClr val="tx1"/>
+                </a:solidFill>
+                <a:latin typeface="+mn-lt"/>
+                <a:ea typeface="+mn-ea"/>
+                <a:cs typeface="+mn-cs"/>
+              </a:rPr>
+              <a:t>colour</a:t>
+            </a:r>
+            <a:r>
+              <a:rPr lang="en-US" sz="1200" b="0" i="0" u="none" strike="noStrike" kern="1200" baseline="0" dirty="0" smtClean="0">
+                <a:solidFill>
+                  <a:schemeClr val="tx1"/>
+                </a:solidFill>
+                <a:latin typeface="+mn-lt"/>
+                <a:ea typeface="+mn-ea"/>
+                <a:cs typeface="+mn-cs"/>
+              </a:rPr>
+              <a:t> will be helpful.</a:t>
+            </a:r>
+          </a:p>
+          <a:p>
+            <a:r>
+              <a:rPr lang="en-US" sz="1200" b="0" i="0" u="none" strike="noStrike" kern="1200" baseline="0" dirty="0" smtClean="0">
+                <a:solidFill>
+                  <a:schemeClr val="tx1"/>
+                </a:solidFill>
+                <a:latin typeface="+mn-lt"/>
+                <a:ea typeface="+mn-ea"/>
+                <a:cs typeface="+mn-cs"/>
+              </a:rPr>
+              <a:t>● Acceptance of search features and operators: Which functions are accepted by</a:t>
+            </a:r>
+          </a:p>
+          <a:p>
+            <a:r>
+              <a:rPr lang="en-US" sz="1200" b="0" i="0" u="none" strike="noStrike" kern="1200" baseline="0" dirty="0" smtClean="0">
+                <a:solidFill>
+                  <a:schemeClr val="tx1"/>
+                </a:solidFill>
+                <a:latin typeface="+mn-lt"/>
+                <a:ea typeface="+mn-ea"/>
+                <a:cs typeface="+mn-cs"/>
+              </a:rPr>
+              <a:t>users? Do they use operators? Do users personalize their preferred search engine</a:t>
+            </a:r>
+            <a:r>
+              <a:rPr lang="en-US" sz="1200" b="0" i="0" u="none" strike="noStrike" kern="1200" baseline="0" dirty="0" smtClean="0">
+                <a:solidFill>
+                  <a:schemeClr val="tx1"/>
+                </a:solidFill>
+                <a:latin typeface="+mn-lt"/>
+                <a:ea typeface="+mn-ea"/>
+                <a:cs typeface="+mn-cs"/>
+              </a:rPr>
+              <a:t>?</a:t>
+            </a:r>
+            <a:endParaRPr lang="en-US" sz="1200" b="0" i="0" u="none" strike="noStrike" kern="1200" baseline="0" dirty="0" smtClean="0">
+              <a:solidFill>
+                <a:schemeClr val="tx1"/>
+              </a:solidFill>
+              <a:latin typeface="+mn-lt"/>
+              <a:ea typeface="+mn-ea"/>
+              <a:cs typeface="+mn-cs"/>
+            </a:endParaRPr>
+          </a:p>
+        </p:txBody>
+      </p:sp>
+      <p:sp>
+        <p:nvSpPr>
+          <p:cNvPr id="4" name="Slide Number Placeholder 3"/>
+          <p:cNvSpPr>
+            <a:spLocks noGrp="1"/>
+          </p:cNvSpPr>
+          <p:nvPr>
+            <p:ph type="sldNum" sz="quarter" idx="10"/>
+          </p:nvPr>
+        </p:nvSpPr>
+        <p:spPr/>
+        <p:txBody>
+          <a:bodyPr/>
+          <a:lstStyle/>
+          <a:p>
+            <a:fld id="{21E87DF0-2188-45E0-9868-23603FC9CB4F}" type="slidenum">
+              <a:rPr lang="en-US" smtClean="0"/>
+              <a:t>12</a:t>
+            </a:fld>
+            <a:endParaRPr lang="en-US"/>
+          </a:p>
+        </p:txBody>
+      </p:sp>
+    </p:spTree>
+    <p:extLst>
+      <p:ext uri="{BB962C8B-B14F-4D97-AF65-F5344CB8AC3E}">
+        <p14:creationId xmlns:p14="http://schemas.microsoft.com/office/powerpoint/2010/main" val="1585257752"/>
+      </p:ext>
+    </p:extLst>
+  </p:cSld>
+  <p:clrMapOvr>
+    <a:masterClrMapping/>
+  </p:clrMapOvr>
+</p:notes>
+</file>
+
+<file path=ppt/notesSlides/notesSlide7.xml><?xml version="1.0" encoding="utf-8"?>
+<p:notes xmlns:a="http://schemas.openxmlformats.org/drawingml/2006/main" xmlns:r="http://schemas.openxmlformats.org/officeDocument/2006/relationships" xmlns:p="http://schemas.openxmlformats.org/presentationml/2006/main">
+  <p:cSld>
+    <p:spTree>
+      <p:nvGrpSpPr>
+        <p:cNvPr id="1" name=""/>
+        <p:cNvGrpSpPr/>
+        <p:nvPr/>
+      </p:nvGrpSpPr>
+      <p:grpSpPr>
+        <a:xfrm>
+          <a:off x="0" y="0"/>
+          <a:ext cx="0" cy="0"/>
+          <a:chOff x="0" y="0"/>
+          <a:chExt cx="0" cy="0"/>
+        </a:xfrm>
+      </p:grpSpPr>
+      <p:sp>
+        <p:nvSpPr>
+          <p:cNvPr id="2" name="Slide Image Placeholder 1"/>
+          <p:cNvSpPr>
+            <a:spLocks noGrp="1" noRot="1" noChangeAspect="1"/>
+          </p:cNvSpPr>
+          <p:nvPr>
+            <p:ph type="sldImg"/>
+          </p:nvPr>
+        </p:nvSpPr>
+        <p:spPr/>
+      </p:sp>
+      <p:sp>
+        <p:nvSpPr>
+          <p:cNvPr id="3" name="Notes Placeholder 2"/>
+          <p:cNvSpPr>
+            <a:spLocks noGrp="1"/>
+          </p:cNvSpPr>
+          <p:nvPr>
+            <p:ph type="body" idx="1"/>
+          </p:nvPr>
+        </p:nvSpPr>
+        <p:spPr/>
+        <p:txBody>
+          <a:bodyPr/>
+          <a:lstStyle/>
+          <a:p>
+            <a:r>
+              <a:rPr lang="en-US" sz="1200" b="0" i="0" u="none" strike="noStrike" kern="1200" baseline="0" dirty="0" smtClean="0">
+                <a:solidFill>
+                  <a:schemeClr val="tx1"/>
+                </a:solidFill>
+                <a:latin typeface="+mn-lt"/>
+                <a:ea typeface="+mn-ea"/>
+                <a:cs typeface="+mn-cs"/>
+              </a:rPr>
+              <a:t>● Performance of search engines: The speediness of result list presentation is one</a:t>
+            </a:r>
+          </a:p>
+          <a:p>
+            <a:r>
+              <a:rPr lang="en-US" sz="1200" b="0" i="0" u="none" strike="noStrike" kern="1200" baseline="0" dirty="0" smtClean="0">
+                <a:solidFill>
+                  <a:schemeClr val="tx1"/>
+                </a:solidFill>
+                <a:latin typeface="+mn-lt"/>
+                <a:ea typeface="+mn-ea"/>
+                <a:cs typeface="+mn-cs"/>
+              </a:rPr>
+              <a:t>important point. Also intuitive and very short search queries should yield serious</a:t>
+            </a:r>
+          </a:p>
+          <a:p>
+            <a:r>
+              <a:rPr lang="en-US" sz="1200" b="0" i="0" u="none" strike="noStrike" kern="1200" baseline="0" dirty="0" smtClean="0">
+                <a:solidFill>
+                  <a:schemeClr val="tx1"/>
+                </a:solidFill>
+                <a:latin typeface="+mn-lt"/>
+                <a:ea typeface="+mn-ea"/>
+                <a:cs typeface="+mn-cs"/>
+              </a:rPr>
+              <a:t>results. So-called dead links and spam have to be avoided.</a:t>
+            </a:r>
+          </a:p>
+          <a:p>
+            <a:r>
+              <a:rPr lang="en-US" sz="1200" b="0" i="0" u="none" strike="noStrike" kern="1200" baseline="0" dirty="0" smtClean="0">
+                <a:solidFill>
+                  <a:schemeClr val="tx1"/>
+                </a:solidFill>
+                <a:latin typeface="+mn-lt"/>
+                <a:ea typeface="+mn-ea"/>
+                <a:cs typeface="+mn-cs"/>
+              </a:rPr>
+              <a:t>● User guidance: Newbies need help to formulate adequate search queries, phrase</a:t>
+            </a:r>
+          </a:p>
+          <a:p>
+            <a:r>
+              <a:rPr lang="en-US" sz="1200" b="0" i="0" u="none" strike="noStrike" kern="1200" baseline="0" dirty="0" smtClean="0">
+                <a:solidFill>
+                  <a:schemeClr val="tx1"/>
+                </a:solidFill>
+                <a:latin typeface="+mn-lt"/>
+                <a:ea typeface="+mn-ea"/>
+                <a:cs typeface="+mn-cs"/>
+              </a:rPr>
+              <a:t>searches, or complex searches. It is also helpful to give users some hints how</a:t>
+            </a:r>
+          </a:p>
+          <a:p>
+            <a:r>
+              <a:rPr lang="en-US" sz="1200" b="0" i="0" u="none" strike="noStrike" kern="1200" baseline="0" dirty="0" smtClean="0">
+                <a:solidFill>
+                  <a:schemeClr val="tx1"/>
+                </a:solidFill>
+                <a:latin typeface="+mn-lt"/>
+                <a:ea typeface="+mn-ea"/>
+                <a:cs typeface="+mn-cs"/>
+              </a:rPr>
+              <a:t>search features work and what to do with them. A short introduction in search</a:t>
+            </a:r>
+          </a:p>
+          <a:p>
+            <a:r>
+              <a:rPr lang="en-US" sz="1200" b="0" i="0" u="none" strike="noStrike" kern="1200" baseline="0" dirty="0" smtClean="0">
+                <a:solidFill>
+                  <a:schemeClr val="tx1"/>
+                </a:solidFill>
+                <a:latin typeface="+mn-lt"/>
+                <a:ea typeface="+mn-ea"/>
+                <a:cs typeface="+mn-cs"/>
+              </a:rPr>
+              <a:t>engine technology is recommended, too.</a:t>
+            </a:r>
+          </a:p>
+          <a:p>
+            <a:r>
+              <a:rPr lang="en-US" sz="1200" b="0" i="0" u="none" strike="noStrike" kern="1200" baseline="0" dirty="0" smtClean="0">
+                <a:solidFill>
+                  <a:schemeClr val="tx1"/>
+                </a:solidFill>
+                <a:latin typeface="+mn-lt"/>
+                <a:ea typeface="+mn-ea"/>
+                <a:cs typeface="+mn-cs"/>
+              </a:rPr>
+              <a:t>Taking both into account, the system approach and the user-</a:t>
+            </a:r>
+            <a:r>
+              <a:rPr lang="en-US" sz="1200" b="0" i="0" u="none" strike="noStrike" kern="1200" baseline="0" dirty="0" err="1" smtClean="0">
+                <a:solidFill>
+                  <a:schemeClr val="tx1"/>
+                </a:solidFill>
+                <a:latin typeface="+mn-lt"/>
+                <a:ea typeface="+mn-ea"/>
+                <a:cs typeface="+mn-cs"/>
+              </a:rPr>
+              <a:t>centred</a:t>
+            </a:r>
+            <a:r>
+              <a:rPr lang="en-US" sz="1200" b="0" i="0" u="none" strike="noStrike" kern="1200" baseline="0" dirty="0" smtClean="0">
+                <a:solidFill>
+                  <a:schemeClr val="tx1"/>
+                </a:solidFill>
+                <a:latin typeface="+mn-lt"/>
+                <a:ea typeface="+mn-ea"/>
+                <a:cs typeface="+mn-cs"/>
+              </a:rPr>
+              <a:t> approach, we</a:t>
+            </a:r>
+          </a:p>
+          <a:p>
+            <a:r>
+              <a:rPr lang="en-US" sz="1200" b="0" i="0" u="none" strike="noStrike" kern="1200" baseline="0" dirty="0" smtClean="0">
+                <a:solidFill>
+                  <a:schemeClr val="tx1"/>
+                </a:solidFill>
+                <a:latin typeface="+mn-lt"/>
+                <a:ea typeface="+mn-ea"/>
+                <a:cs typeface="+mn-cs"/>
+              </a:rPr>
+              <a:t>propose another quality framework that considers more objective measures as well</a:t>
+            </a:r>
+          </a:p>
+          <a:p>
+            <a:r>
+              <a:rPr lang="en-US" sz="1200" b="0" i="0" u="none" strike="noStrike" kern="1200" baseline="0" dirty="0" smtClean="0">
+                <a:solidFill>
+                  <a:schemeClr val="tx1"/>
+                </a:solidFill>
+                <a:latin typeface="+mn-lt"/>
+                <a:ea typeface="+mn-ea"/>
+                <a:cs typeface="+mn-cs"/>
+              </a:rPr>
+              <a:t>as the user perspective. Therefore, we expand the quality framework first proposed</a:t>
+            </a:r>
+          </a:p>
+          <a:p>
+            <a:r>
+              <a:rPr lang="en-US" sz="1200" b="0" i="0" u="none" strike="noStrike" kern="1200" baseline="0" dirty="0" smtClean="0">
+                <a:solidFill>
+                  <a:schemeClr val="tx1"/>
+                </a:solidFill>
+                <a:latin typeface="+mn-lt"/>
+                <a:ea typeface="+mn-ea"/>
+                <a:cs typeface="+mn-cs"/>
+              </a:rPr>
+              <a:t>in Lewandowski (2006c) to four sections as follows:</a:t>
+            </a:r>
+            <a:endParaRPr lang="lt-LT" sz="1200" b="0" i="0" u="none" strike="noStrike" kern="1200" baseline="0" dirty="0" smtClean="0">
+              <a:solidFill>
+                <a:schemeClr val="tx1"/>
+              </a:solidFill>
+              <a:latin typeface="+mn-lt"/>
+              <a:ea typeface="+mn-ea"/>
+              <a:cs typeface="+mn-cs"/>
+            </a:endParaRPr>
+          </a:p>
+          <a:p>
+            <a:endParaRPr lang="lt-LT" dirty="0" smtClean="0"/>
+          </a:p>
+          <a:p>
+            <a:r>
+              <a:rPr lang="en-US" sz="1200" b="0" i="0" u="none" strike="noStrike" kern="1200" baseline="0" dirty="0" smtClean="0">
+                <a:solidFill>
+                  <a:schemeClr val="tx1"/>
+                </a:solidFill>
+                <a:latin typeface="+mn-lt"/>
+                <a:ea typeface="+mn-ea"/>
+                <a:cs typeface="+mn-cs"/>
+              </a:rPr>
+              <a:t>● Index Quality: This points to the importance of the search engines’ databases for</a:t>
+            </a:r>
+          </a:p>
+          <a:p>
+            <a:r>
+              <a:rPr lang="en-US" sz="1200" b="0" i="0" u="none" strike="noStrike" kern="1200" baseline="0" dirty="0" smtClean="0">
+                <a:solidFill>
+                  <a:schemeClr val="tx1"/>
+                </a:solidFill>
+                <a:latin typeface="+mn-lt"/>
+                <a:ea typeface="+mn-ea"/>
+                <a:cs typeface="+mn-cs"/>
+              </a:rPr>
+              <a:t>retrieving relevant and comprehensive results. Measures applied in this section</a:t>
+            </a:r>
+          </a:p>
+          <a:p>
+            <a:r>
+              <a:rPr lang="en-US" sz="1200" b="0" i="0" u="none" strike="noStrike" kern="1200" baseline="0" dirty="0" smtClean="0">
+                <a:solidFill>
+                  <a:schemeClr val="tx1"/>
+                </a:solidFill>
+                <a:latin typeface="+mn-lt"/>
+                <a:ea typeface="+mn-ea"/>
+                <a:cs typeface="+mn-cs"/>
+              </a:rPr>
+              <a:t>include Web coverage, country bias , and up-to-datedness.</a:t>
+            </a:r>
+          </a:p>
+          <a:p>
+            <a:r>
+              <a:rPr lang="en-US" sz="1200" b="0" i="0" u="none" strike="noStrike" kern="1200" baseline="0" dirty="0" smtClean="0">
+                <a:solidFill>
+                  <a:schemeClr val="tx1"/>
+                </a:solidFill>
+                <a:latin typeface="+mn-lt"/>
+                <a:ea typeface="+mn-ea"/>
+                <a:cs typeface="+mn-cs"/>
+              </a:rPr>
+              <a:t>● Quality of the results: This is the part where </a:t>
+            </a:r>
+            <a:r>
+              <a:rPr lang="en-US" sz="1200" b="0" i="0" u="none" strike="noStrike" kern="1200" baseline="0" dirty="0" err="1" smtClean="0">
+                <a:solidFill>
+                  <a:schemeClr val="tx1"/>
+                </a:solidFill>
+                <a:latin typeface="+mn-lt"/>
+                <a:ea typeface="+mn-ea"/>
+                <a:cs typeface="+mn-cs"/>
+              </a:rPr>
+              <a:t>derivates</a:t>
+            </a:r>
+            <a:r>
+              <a:rPr lang="en-US" sz="1200" b="0" i="0" u="none" strike="noStrike" kern="1200" baseline="0" dirty="0" smtClean="0">
+                <a:solidFill>
+                  <a:schemeClr val="tx1"/>
+                </a:solidFill>
+                <a:latin typeface="+mn-lt"/>
+                <a:ea typeface="+mn-ea"/>
+                <a:cs typeface="+mn-cs"/>
+              </a:rPr>
+              <a:t> of classic retrieval tests</a:t>
+            </a:r>
+          </a:p>
+          <a:p>
+            <a:r>
+              <a:rPr lang="en-US" sz="1200" b="0" i="0" u="none" strike="noStrike" kern="1200" baseline="0" dirty="0" smtClean="0">
+                <a:solidFill>
+                  <a:schemeClr val="tx1"/>
+                </a:solidFill>
+                <a:latin typeface="+mn-lt"/>
+                <a:ea typeface="+mn-ea"/>
+                <a:cs typeface="+mn-cs"/>
+              </a:rPr>
+              <a:t>are applied. As can be seen from the discussion on retrieval measures above, it</a:t>
+            </a:r>
+          </a:p>
+          <a:p>
+            <a:r>
+              <a:rPr lang="en-US" sz="1200" b="0" i="0" u="none" strike="noStrike" kern="1200" baseline="0" dirty="0" smtClean="0">
+                <a:solidFill>
+                  <a:schemeClr val="tx1"/>
+                </a:solidFill>
+                <a:latin typeface="+mn-lt"/>
+                <a:ea typeface="+mn-ea"/>
+                <a:cs typeface="+mn-cs"/>
+              </a:rPr>
+              <a:t>should be asked which measures should be applied and if new measures are</a:t>
+            </a:r>
+          </a:p>
+          <a:p>
+            <a:r>
+              <a:rPr lang="en-US" sz="1200" b="0" i="0" u="none" strike="noStrike" kern="1200" baseline="0" dirty="0" smtClean="0">
+                <a:solidFill>
+                  <a:schemeClr val="tx1"/>
+                </a:solidFill>
+                <a:latin typeface="+mn-lt"/>
+                <a:ea typeface="+mn-ea"/>
+                <a:cs typeface="+mn-cs"/>
+              </a:rPr>
+              <a:t>needed to satisfy the unique character of the search engines and their users. An</a:t>
+            </a:r>
+          </a:p>
+          <a:p>
+            <a:r>
+              <a:rPr lang="en-US" sz="1200" b="0" i="0" u="none" strike="noStrike" kern="1200" baseline="0" dirty="0" smtClean="0">
+                <a:solidFill>
+                  <a:schemeClr val="tx1"/>
+                </a:solidFill>
+                <a:latin typeface="+mn-lt"/>
+                <a:ea typeface="+mn-ea"/>
+                <a:cs typeface="+mn-cs"/>
+              </a:rPr>
+              <a:t>additional measure that should be applied is, for example, the uniqueness of</a:t>
+            </a:r>
+            <a:endParaRPr lang="lt-LT" sz="1200" b="0" i="0" u="none" strike="noStrike" kern="1200" baseline="0" dirty="0" smtClean="0">
+              <a:solidFill>
+                <a:schemeClr val="tx1"/>
+              </a:solidFill>
+              <a:latin typeface="+mn-lt"/>
+              <a:ea typeface="+mn-ea"/>
+              <a:cs typeface="+mn-cs"/>
+            </a:endParaRPr>
+          </a:p>
+          <a:p>
+            <a:r>
+              <a:rPr lang="en-US" sz="1200" b="0" i="0" u="none" strike="noStrike" kern="1200" baseline="0" dirty="0" smtClean="0">
+                <a:solidFill>
+                  <a:schemeClr val="tx1"/>
+                </a:solidFill>
+                <a:latin typeface="+mn-lt"/>
+                <a:ea typeface="+mn-ea"/>
+                <a:cs typeface="+mn-cs"/>
+              </a:rPr>
+              <a:t>search results in comparison to other search engines. It is worth mentioning that</a:t>
+            </a:r>
+          </a:p>
+          <a:p>
+            <a:r>
+              <a:rPr lang="en-US" sz="1200" b="0" i="0" u="none" strike="noStrike" kern="1200" baseline="0" dirty="0" smtClean="0">
+                <a:solidFill>
+                  <a:schemeClr val="tx1"/>
+                </a:solidFill>
+                <a:latin typeface="+mn-lt"/>
+                <a:ea typeface="+mn-ea"/>
+                <a:cs typeface="+mn-cs"/>
+              </a:rPr>
+              <a:t>users are pretty satisfied by finding what they search for. The subjects in the</a:t>
+            </a:r>
+          </a:p>
+          <a:p>
+            <a:r>
+              <a:rPr lang="en-US" sz="1200" b="0" i="0" u="none" strike="noStrike" kern="1200" baseline="0" dirty="0" smtClean="0">
+                <a:solidFill>
+                  <a:schemeClr val="tx1"/>
+                </a:solidFill>
+                <a:latin typeface="+mn-lt"/>
+                <a:ea typeface="+mn-ea"/>
+                <a:cs typeface="+mn-cs"/>
+              </a:rPr>
+              <a:t>laboratory study conducted by </a:t>
+            </a:r>
+            <a:r>
+              <a:rPr lang="en-US" sz="1200" b="0" i="0" u="none" strike="noStrike" kern="1200" baseline="0" dirty="0" err="1" smtClean="0">
+                <a:solidFill>
+                  <a:schemeClr val="tx1"/>
+                </a:solidFill>
+                <a:latin typeface="+mn-lt"/>
+                <a:ea typeface="+mn-ea"/>
+                <a:cs typeface="+mn-cs"/>
+              </a:rPr>
+              <a:t>Machill</a:t>
+            </a:r>
+            <a:r>
+              <a:rPr lang="en-US" sz="1200" b="0" i="0" u="none" strike="noStrike" kern="1200" baseline="0" dirty="0" smtClean="0">
+                <a:solidFill>
+                  <a:schemeClr val="tx1"/>
+                </a:solidFill>
+                <a:latin typeface="+mn-lt"/>
+                <a:ea typeface="+mn-ea"/>
+                <a:cs typeface="+mn-cs"/>
+              </a:rPr>
+              <a:t> et al. (2003) admit that they are very</a:t>
+            </a:r>
+          </a:p>
+          <a:p>
+            <a:r>
+              <a:rPr lang="en-US" sz="1200" b="0" i="0" u="none" strike="noStrike" kern="1200" baseline="0" dirty="0" smtClean="0">
+                <a:solidFill>
+                  <a:schemeClr val="tx1"/>
+                </a:solidFill>
+                <a:latin typeface="+mn-lt"/>
+                <a:ea typeface="+mn-ea"/>
+                <a:cs typeface="+mn-cs"/>
+              </a:rPr>
+              <a:t>pleased with search results and also with their </a:t>
+            </a:r>
+            <a:r>
+              <a:rPr lang="en-US" sz="1200" b="0" i="0" u="none" strike="noStrike" kern="1200" baseline="0" dirty="0" err="1" smtClean="0">
+                <a:solidFill>
+                  <a:schemeClr val="tx1"/>
+                </a:solidFill>
+                <a:latin typeface="+mn-lt"/>
+                <a:ea typeface="+mn-ea"/>
+                <a:cs typeface="+mn-cs"/>
+              </a:rPr>
+              <a:t>favourite</a:t>
+            </a:r>
+            <a:r>
+              <a:rPr lang="en-US" sz="1200" b="0" i="0" u="none" strike="noStrike" kern="1200" baseline="0" dirty="0" smtClean="0">
+                <a:solidFill>
+                  <a:schemeClr val="tx1"/>
+                </a:solidFill>
+                <a:latin typeface="+mn-lt"/>
+                <a:ea typeface="+mn-ea"/>
+                <a:cs typeface="+mn-cs"/>
+              </a:rPr>
+              <a:t> search engine. In the</a:t>
+            </a:r>
+          </a:p>
+          <a:p>
+            <a:r>
+              <a:rPr lang="en-US" sz="1200" b="0" i="0" u="none" strike="noStrike" kern="1200" baseline="0" dirty="0" smtClean="0">
+                <a:solidFill>
+                  <a:schemeClr val="tx1"/>
+                </a:solidFill>
+                <a:latin typeface="+mn-lt"/>
+                <a:ea typeface="+mn-ea"/>
+                <a:cs typeface="+mn-cs"/>
+              </a:rPr>
+              <a:t>survey conducted by Schmidt-</a:t>
+            </a:r>
+            <a:r>
+              <a:rPr lang="en-US" sz="1200" b="0" i="0" u="none" strike="noStrike" kern="1200" baseline="0" dirty="0" err="1" smtClean="0">
+                <a:solidFill>
+                  <a:schemeClr val="tx1"/>
+                </a:solidFill>
+                <a:latin typeface="+mn-lt"/>
+                <a:ea typeface="+mn-ea"/>
+                <a:cs typeface="+mn-cs"/>
+              </a:rPr>
+              <a:t>Maenz</a:t>
+            </a:r>
+            <a:r>
+              <a:rPr lang="en-US" sz="1200" b="0" i="0" u="none" strike="noStrike" kern="1200" baseline="0" dirty="0" smtClean="0">
+                <a:solidFill>
+                  <a:schemeClr val="tx1"/>
+                </a:solidFill>
+                <a:latin typeface="+mn-lt"/>
+                <a:ea typeface="+mn-ea"/>
+                <a:cs typeface="+mn-cs"/>
+              </a:rPr>
+              <a:t> and </a:t>
+            </a:r>
+            <a:r>
+              <a:rPr lang="en-US" sz="1200" b="0" i="0" u="none" strike="noStrike" kern="1200" baseline="0" dirty="0" err="1" smtClean="0">
+                <a:solidFill>
+                  <a:schemeClr val="tx1"/>
+                </a:solidFill>
+                <a:latin typeface="+mn-lt"/>
+                <a:ea typeface="+mn-ea"/>
+                <a:cs typeface="+mn-cs"/>
+              </a:rPr>
+              <a:t>Bomhardt</a:t>
+            </a:r>
+            <a:r>
+              <a:rPr lang="en-US" sz="1200" b="0" i="0" u="none" strike="noStrike" kern="1200" baseline="0" dirty="0" smtClean="0">
+                <a:solidFill>
+                  <a:schemeClr val="tx1"/>
+                </a:solidFill>
+                <a:latin typeface="+mn-lt"/>
+                <a:ea typeface="+mn-ea"/>
+                <a:cs typeface="+mn-cs"/>
+              </a:rPr>
+              <a:t> (2005), 43.0% of 6,723</a:t>
+            </a:r>
+          </a:p>
+          <a:p>
+            <a:r>
+              <a:rPr lang="en-US" sz="1200" b="0" i="0" u="none" strike="noStrike" kern="1200" baseline="0" dirty="0" smtClean="0">
+                <a:solidFill>
+                  <a:schemeClr val="tx1"/>
+                </a:solidFill>
+                <a:latin typeface="+mn-lt"/>
+                <a:ea typeface="+mn-ea"/>
+                <a:cs typeface="+mn-cs"/>
+              </a:rPr>
+              <a:t>respondents very often found what they wanted and another 50.1% often. The</a:t>
+            </a:r>
+          </a:p>
+          <a:p>
+            <a:r>
+              <a:rPr lang="en-US" sz="1200" b="0" i="0" u="none" strike="noStrike" kern="1200" baseline="0" dirty="0" smtClean="0">
+                <a:solidFill>
+                  <a:schemeClr val="tx1"/>
+                </a:solidFill>
+                <a:latin typeface="+mn-lt"/>
+                <a:ea typeface="+mn-ea"/>
+                <a:cs typeface="+mn-cs"/>
+              </a:rPr>
+              <a:t>question is if users could really evaluate the quality of results. Users are not able to</a:t>
+            </a:r>
+          </a:p>
+          <a:p>
+            <a:r>
+              <a:rPr lang="en-US" sz="1200" b="0" i="0" u="none" strike="noStrike" kern="1200" baseline="0" dirty="0" smtClean="0">
+                <a:solidFill>
+                  <a:schemeClr val="tx1"/>
+                </a:solidFill>
+                <a:latin typeface="+mn-lt"/>
+                <a:ea typeface="+mn-ea"/>
+                <a:cs typeface="+mn-cs"/>
+              </a:rPr>
+              <a:t>compare all recommended Web pages. Sometimes 1,000,000 results are listed.</a:t>
+            </a:r>
+          </a:p>
+          <a:p>
+            <a:r>
+              <a:rPr lang="en-US" sz="1200" b="0" i="0" u="none" strike="noStrike" kern="1200" baseline="0" dirty="0" smtClean="0">
+                <a:solidFill>
+                  <a:schemeClr val="tx1"/>
+                </a:solidFill>
+                <a:latin typeface="+mn-lt"/>
+                <a:ea typeface="+mn-ea"/>
+                <a:cs typeface="+mn-cs"/>
+              </a:rPr>
+              <a:t>It is more probable that they only think they find what they want since they do</a:t>
+            </a:r>
+          </a:p>
+          <a:p>
+            <a:r>
+              <a:rPr lang="en-US" sz="1200" b="0" i="0" u="none" strike="noStrike" kern="1200" baseline="0" dirty="0" smtClean="0">
+                <a:solidFill>
+                  <a:schemeClr val="tx1"/>
+                </a:solidFill>
+                <a:latin typeface="+mn-lt"/>
+                <a:ea typeface="+mn-ea"/>
+                <a:cs typeface="+mn-cs"/>
+              </a:rPr>
+              <a:t>not even know what they could find in other results.</a:t>
+            </a:r>
+          </a:p>
+          <a:p>
+            <a:r>
+              <a:rPr lang="en-US" sz="1200" b="0" i="0" u="none" strike="noStrike" kern="1200" baseline="0" dirty="0" smtClean="0">
+                <a:solidFill>
+                  <a:schemeClr val="tx1"/>
+                </a:solidFill>
+                <a:latin typeface="+mn-lt"/>
+                <a:ea typeface="+mn-ea"/>
+                <a:cs typeface="+mn-cs"/>
+              </a:rPr>
+              <a:t>● Quality of search features: A good set of search features (such as advanced</a:t>
+            </a:r>
+          </a:p>
+          <a:p>
+            <a:r>
+              <a:rPr lang="en-US" sz="1200" b="0" i="0" u="none" strike="noStrike" kern="1200" baseline="0" dirty="0" smtClean="0">
+                <a:solidFill>
+                  <a:schemeClr val="tx1"/>
+                </a:solidFill>
+                <a:latin typeface="+mn-lt"/>
+                <a:ea typeface="+mn-ea"/>
+                <a:cs typeface="+mn-cs"/>
+              </a:rPr>
+              <a:t>search), and a sophisticated query language is offered and works reliable.</a:t>
+            </a:r>
+          </a:p>
+          <a:p>
+            <a:r>
+              <a:rPr lang="en-US" sz="1200" b="0" i="0" u="none" strike="noStrike" kern="1200" baseline="0" dirty="0" smtClean="0">
+                <a:solidFill>
+                  <a:schemeClr val="tx1"/>
+                </a:solidFill>
+                <a:latin typeface="+mn-lt"/>
+                <a:ea typeface="+mn-ea"/>
+                <a:cs typeface="+mn-cs"/>
+              </a:rPr>
+              <a:t>● Search engine usability : This gives a feedback of user </a:t>
+            </a:r>
+            <a:r>
+              <a:rPr lang="en-US" sz="1200" b="0" i="0" u="none" strike="noStrike" kern="1200" baseline="0" dirty="0" err="1" smtClean="0">
+                <a:solidFill>
+                  <a:schemeClr val="tx1"/>
+                </a:solidFill>
+                <a:latin typeface="+mn-lt"/>
+                <a:ea typeface="+mn-ea"/>
+                <a:cs typeface="+mn-cs"/>
+              </a:rPr>
+              <a:t>behaviour</a:t>
+            </a:r>
+            <a:r>
+              <a:rPr lang="en-US" sz="1200" b="0" i="0" u="none" strike="noStrike" kern="1200" baseline="0" dirty="0" smtClean="0">
+                <a:solidFill>
+                  <a:schemeClr val="tx1"/>
+                </a:solidFill>
+                <a:latin typeface="+mn-lt"/>
+                <a:ea typeface="+mn-ea"/>
+                <a:cs typeface="+mn-cs"/>
+              </a:rPr>
+              <a:t> and is evaluated</a:t>
+            </a:r>
+          </a:p>
+          <a:p>
+            <a:r>
+              <a:rPr lang="en-US" sz="1200" b="0" i="0" u="none" strike="noStrike" kern="1200" baseline="0" dirty="0" smtClean="0">
+                <a:solidFill>
+                  <a:schemeClr val="tx1"/>
+                </a:solidFill>
+                <a:latin typeface="+mn-lt"/>
+                <a:ea typeface="+mn-ea"/>
+                <a:cs typeface="+mn-cs"/>
+              </a:rPr>
+              <a:t>by user surveys or transaction log analyses. This will give comparable</a:t>
+            </a:r>
+          </a:p>
+          <a:p>
+            <a:r>
+              <a:rPr lang="en-US" sz="1200" b="0" i="0" u="none" strike="noStrike" kern="1200" baseline="0" dirty="0" smtClean="0">
+                <a:solidFill>
+                  <a:schemeClr val="tx1"/>
+                </a:solidFill>
+                <a:latin typeface="+mn-lt"/>
+                <a:ea typeface="+mn-ea"/>
+                <a:cs typeface="+mn-cs"/>
+              </a:rPr>
+              <a:t>parameters concerning interface design . Is it possible for users to interact with</a:t>
+            </a:r>
+          </a:p>
+          <a:p>
+            <a:r>
+              <a:rPr lang="en-US" sz="1200" b="0" i="0" u="none" strike="noStrike" kern="1200" baseline="0" dirty="0" smtClean="0">
+                <a:solidFill>
+                  <a:schemeClr val="tx1"/>
+                </a:solidFill>
+                <a:latin typeface="+mn-lt"/>
+                <a:ea typeface="+mn-ea"/>
+                <a:cs typeface="+mn-cs"/>
+              </a:rPr>
+              <a:t>search engines in an efficient and effective way? Is the number of search queries</a:t>
+            </a:r>
+          </a:p>
+          <a:p>
+            <a:r>
+              <a:rPr lang="en-US" sz="1200" b="0" i="0" u="none" strike="noStrike" kern="1200" baseline="0" dirty="0" smtClean="0">
+                <a:solidFill>
+                  <a:schemeClr val="tx1"/>
+                </a:solidFill>
+                <a:latin typeface="+mn-lt"/>
+                <a:ea typeface="+mn-ea"/>
+                <a:cs typeface="+mn-cs"/>
+              </a:rPr>
+              <a:t>and of reformulations in different search engines lower? It is also of importance</a:t>
+            </a:r>
+          </a:p>
+          <a:p>
+            <a:r>
+              <a:rPr lang="en-US" sz="1200" b="0" i="0" u="none" strike="noStrike" kern="1200" baseline="0" dirty="0" smtClean="0">
+                <a:solidFill>
+                  <a:schemeClr val="tx1"/>
+                </a:solidFill>
+                <a:latin typeface="+mn-lt"/>
+                <a:ea typeface="+mn-ea"/>
+                <a:cs typeface="+mn-cs"/>
+              </a:rPr>
+              <a:t>which features are given to assist users regardless if they are beginners or professionals</a:t>
+            </a:r>
+          </a:p>
+          <a:p>
+            <a:r>
+              <a:rPr lang="en-US" sz="1200" b="0" i="0" u="none" strike="noStrike" kern="1200" baseline="0" dirty="0" smtClean="0">
+                <a:solidFill>
+                  <a:schemeClr val="tx1"/>
+                </a:solidFill>
+                <a:latin typeface="+mn-lt"/>
+                <a:ea typeface="+mn-ea"/>
+                <a:cs typeface="+mn-cs"/>
+              </a:rPr>
+              <a:t>in using search engines. Users</a:t>
+            </a:r>
+            <a:r>
+              <a:rPr lang="lt-LT" sz="1200" b="0" i="0" u="none" strike="noStrike" kern="1200" baseline="0" dirty="0" smtClean="0">
+                <a:solidFill>
+                  <a:schemeClr val="tx1"/>
+                </a:solidFill>
+                <a:latin typeface="+mn-lt"/>
+                <a:ea typeface="+mn-ea"/>
+                <a:cs typeface="+mn-cs"/>
+              </a:rPr>
+              <a:t> </a:t>
+            </a:r>
+            <a:r>
+              <a:rPr lang="en-US" sz="1200" b="0" i="0" u="none" strike="noStrike" kern="1200" baseline="0" dirty="0" smtClean="0">
+                <a:solidFill>
+                  <a:schemeClr val="tx1"/>
+                </a:solidFill>
+                <a:latin typeface="+mn-lt"/>
+                <a:ea typeface="+mn-ea"/>
+                <a:cs typeface="+mn-cs"/>
+              </a:rPr>
+              <a:t>search in a very intuitive way</a:t>
+            </a:r>
+          </a:p>
+          <a:p>
+            <a:r>
+              <a:rPr lang="en-US" sz="1200" b="0" i="0" u="none" strike="noStrike" kern="1200" baseline="0" dirty="0" smtClean="0">
+                <a:solidFill>
+                  <a:schemeClr val="tx1"/>
+                </a:solidFill>
+                <a:latin typeface="+mn-lt"/>
+                <a:ea typeface="+mn-ea"/>
+                <a:cs typeface="+mn-cs"/>
+              </a:rPr>
+              <a:t>(Schmidt-</a:t>
+            </a:r>
+            <a:r>
+              <a:rPr lang="en-US" sz="1200" b="0" i="0" u="none" strike="noStrike" kern="1200" baseline="0" dirty="0" err="1" smtClean="0">
+                <a:solidFill>
+                  <a:schemeClr val="tx1"/>
+                </a:solidFill>
+                <a:latin typeface="+mn-lt"/>
+                <a:ea typeface="+mn-ea"/>
+                <a:cs typeface="+mn-cs"/>
+              </a:rPr>
+              <a:t>Maenz</a:t>
+            </a:r>
+            <a:r>
+              <a:rPr lang="en-US" sz="1200" b="0" i="0" u="none" strike="noStrike" kern="1200" baseline="0" dirty="0" smtClean="0">
+                <a:solidFill>
+                  <a:schemeClr val="tx1"/>
+                </a:solidFill>
+                <a:latin typeface="+mn-lt"/>
+                <a:ea typeface="+mn-ea"/>
+                <a:cs typeface="+mn-cs"/>
+              </a:rPr>
+              <a:t> and Koch 2006).</a:t>
+            </a:r>
+          </a:p>
+          <a:p>
+            <a:endParaRPr lang="en-US" dirty="0" smtClean="0"/>
+          </a:p>
+          <a:p>
+            <a:endParaRPr lang="en-US" dirty="0"/>
+          </a:p>
+        </p:txBody>
+      </p:sp>
+      <p:sp>
+        <p:nvSpPr>
+          <p:cNvPr id="4" name="Slide Number Placeholder 3"/>
+          <p:cNvSpPr>
+            <a:spLocks noGrp="1"/>
+          </p:cNvSpPr>
+          <p:nvPr>
+            <p:ph type="sldNum" sz="quarter" idx="10"/>
+          </p:nvPr>
+        </p:nvSpPr>
+        <p:spPr/>
+        <p:txBody>
+          <a:bodyPr/>
+          <a:lstStyle/>
+          <a:p>
+            <a:fld id="{21E87DF0-2188-45E0-9868-23603FC9CB4F}" type="slidenum">
+              <a:rPr lang="en-US" smtClean="0"/>
+              <a:t>13</a:t>
+            </a:fld>
+            <a:endParaRPr lang="en-US"/>
+          </a:p>
+        </p:txBody>
+      </p:sp>
+    </p:spTree>
+    <p:extLst>
+      <p:ext uri="{BB962C8B-B14F-4D97-AF65-F5344CB8AC3E}">
+        <p14:creationId xmlns:p14="http://schemas.microsoft.com/office/powerpoint/2010/main" val="1957962320"/>
+      </p:ext>
+    </p:extLst>
+  </p:cSld>
+  <p:clrMapOvr>
+    <a:masterClrMapping/>
+  </p:clrMapOvr>
+</p:notes>
+</file>
+
+<file path=ppt/notesSlides/notesSlide8.xml><?xml version="1.0" encoding="utf-8"?>
+<p:notes xmlns:a="http://schemas.openxmlformats.org/drawingml/2006/main" xmlns:r="http://schemas.openxmlformats.org/officeDocument/2006/relationships" xmlns:p="http://schemas.openxmlformats.org/presentationml/2006/main">
+  <p:cSld>
+    <p:spTree>
+      <p:nvGrpSpPr>
+        <p:cNvPr id="1" name=""/>
+        <p:cNvGrpSpPr/>
+        <p:nvPr/>
+      </p:nvGrpSpPr>
+      <p:grpSpPr>
+        <a:xfrm>
+          <a:off x="0" y="0"/>
+          <a:ext cx="0" cy="0"/>
+          <a:chOff x="0" y="0"/>
+          <a:chExt cx="0" cy="0"/>
+        </a:xfrm>
+      </p:grpSpPr>
+      <p:sp>
+        <p:nvSpPr>
+          <p:cNvPr id="2" name="Slide Image Placeholder 1"/>
+          <p:cNvSpPr>
+            <a:spLocks noGrp="1" noRot="1" noChangeAspect="1"/>
+          </p:cNvSpPr>
+          <p:nvPr>
+            <p:ph type="sldImg"/>
+          </p:nvPr>
+        </p:nvSpPr>
+        <p:spPr/>
+      </p:sp>
+      <p:sp>
+        <p:nvSpPr>
+          <p:cNvPr id="3" name="Notes Placeholder 2"/>
+          <p:cNvSpPr>
+            <a:spLocks noGrp="1"/>
+          </p:cNvSpPr>
+          <p:nvPr>
+            <p:ph type="body" idx="1"/>
+          </p:nvPr>
+        </p:nvSpPr>
+        <p:spPr/>
+        <p:txBody>
+          <a:bodyPr/>
+          <a:lstStyle/>
+          <a:p>
+            <a:r>
+              <a:rPr lang="en-US" sz="1200" b="0" i="0" u="none" strike="noStrike" kern="1200" baseline="0" dirty="0" err="1" smtClean="0">
+                <a:solidFill>
+                  <a:schemeClr val="tx1"/>
+                </a:solidFill>
+                <a:latin typeface="+mn-lt"/>
+                <a:ea typeface="+mn-ea"/>
+                <a:cs typeface="+mn-cs"/>
+              </a:rPr>
+              <a:t>Saracevic</a:t>
+            </a:r>
+            <a:r>
+              <a:rPr lang="en-US" sz="1200" b="0" i="0" u="none" strike="noStrike" kern="1200" baseline="0" dirty="0" smtClean="0">
+                <a:solidFill>
+                  <a:schemeClr val="tx1"/>
+                </a:solidFill>
+                <a:latin typeface="+mn-lt"/>
+                <a:ea typeface="+mn-ea"/>
+                <a:cs typeface="+mn-cs"/>
+              </a:rPr>
+              <a:t> concludes that results from one level of evaluation do not say anything</a:t>
+            </a:r>
+          </a:p>
+          <a:p>
+            <a:r>
+              <a:rPr lang="en-US" sz="1200" b="0" i="0" u="none" strike="noStrike" kern="1200" baseline="0" dirty="0" smtClean="0">
+                <a:solidFill>
+                  <a:schemeClr val="tx1"/>
+                </a:solidFill>
+                <a:latin typeface="+mn-lt"/>
+                <a:ea typeface="+mn-ea"/>
+                <a:cs typeface="+mn-cs"/>
+              </a:rPr>
+              <a:t>about the performance of the same system on the other levels of evaluation and that</a:t>
+            </a:r>
+          </a:p>
+          <a:p>
+            <a:r>
+              <a:rPr lang="en-US" sz="1200" b="0" i="0" u="none" strike="noStrike" kern="1200" baseline="0" dirty="0" smtClean="0">
+                <a:solidFill>
+                  <a:schemeClr val="tx1"/>
+                </a:solidFill>
+                <a:latin typeface="+mn-lt"/>
+                <a:ea typeface="+mn-ea"/>
+                <a:cs typeface="+mn-cs"/>
+              </a:rPr>
+              <a:t>“this isolation of levels of evaluation could be considered a basic shortcoming of</a:t>
+            </a:r>
+          </a:p>
+          <a:p>
+            <a:r>
+              <a:rPr lang="en-US" sz="1200" b="0" i="0" u="none" strike="noStrike" kern="1200" baseline="0" dirty="0" smtClean="0">
+                <a:solidFill>
+                  <a:schemeClr val="tx1"/>
+                </a:solidFill>
+                <a:latin typeface="+mn-lt"/>
+                <a:ea typeface="+mn-ea"/>
+                <a:cs typeface="+mn-cs"/>
+              </a:rPr>
+              <a:t>all IR evaluations” (p. 141).</a:t>
+            </a:r>
+          </a:p>
+          <a:p>
+            <a:r>
+              <a:rPr lang="en-US" sz="1200" b="0" i="0" u="none" strike="noStrike" kern="1200" baseline="0" dirty="0" smtClean="0">
+                <a:solidFill>
+                  <a:schemeClr val="tx1"/>
+                </a:solidFill>
+                <a:latin typeface="+mn-lt"/>
+                <a:ea typeface="+mn-ea"/>
+                <a:cs typeface="+mn-cs"/>
+              </a:rPr>
+              <a:t>In our opinion, this also applies to the evaluation of search engines. Only a</a:t>
+            </a:r>
+          </a:p>
+          <a:p>
+            <a:r>
+              <a:rPr lang="en-US" sz="1200" b="0" i="0" u="none" strike="noStrike" kern="1200" baseline="0" dirty="0" smtClean="0">
+                <a:solidFill>
+                  <a:schemeClr val="tx1"/>
+                </a:solidFill>
+                <a:latin typeface="+mn-lt"/>
+                <a:ea typeface="+mn-ea"/>
+                <a:cs typeface="+mn-cs"/>
+              </a:rPr>
+              <a:t>combination of both, system and user-</a:t>
+            </a:r>
+            <a:r>
+              <a:rPr lang="en-US" sz="1200" b="0" i="0" u="none" strike="noStrike" kern="1200" baseline="0" dirty="0" err="1" smtClean="0">
+                <a:solidFill>
+                  <a:schemeClr val="tx1"/>
+                </a:solidFill>
+                <a:latin typeface="+mn-lt"/>
+                <a:ea typeface="+mn-ea"/>
+                <a:cs typeface="+mn-cs"/>
+              </a:rPr>
+              <a:t>centred</a:t>
+            </a:r>
+            <a:r>
+              <a:rPr lang="en-US" sz="1200" b="0" i="0" u="none" strike="noStrike" kern="1200" baseline="0" dirty="0" smtClean="0">
+                <a:solidFill>
+                  <a:schemeClr val="tx1"/>
+                </a:solidFill>
+                <a:latin typeface="+mn-lt"/>
+                <a:ea typeface="+mn-ea"/>
+                <a:cs typeface="+mn-cs"/>
+              </a:rPr>
+              <a:t> approach can lead to a clearer picture</a:t>
+            </a:r>
+          </a:p>
+          <a:p>
+            <a:r>
+              <a:rPr lang="en-US" sz="1200" b="0" i="0" u="none" strike="noStrike" kern="1200" baseline="0" dirty="0" smtClean="0">
+                <a:solidFill>
+                  <a:schemeClr val="tx1"/>
+                </a:solidFill>
+                <a:latin typeface="+mn-lt"/>
+                <a:ea typeface="+mn-ea"/>
+                <a:cs typeface="+mn-cs"/>
+              </a:rPr>
+              <a:t>of the overall search engine quality .</a:t>
+            </a:r>
+          </a:p>
+          <a:p>
+            <a:r>
+              <a:rPr lang="en-US" sz="1200" b="0" i="0" u="none" strike="noStrike" kern="1200" baseline="0" dirty="0" smtClean="0">
+                <a:solidFill>
+                  <a:schemeClr val="tx1"/>
+                </a:solidFill>
+                <a:latin typeface="+mn-lt"/>
+                <a:ea typeface="+mn-ea"/>
+                <a:cs typeface="+mn-cs"/>
+              </a:rPr>
+              <a:t>There are several points of contact between users and search engines that can cause</a:t>
+            </a:r>
+          </a:p>
+          <a:p>
+            <a:r>
+              <a:rPr lang="en-US" sz="1200" b="0" i="0" u="none" strike="noStrike" kern="1200" baseline="0" dirty="0" smtClean="0">
+                <a:solidFill>
+                  <a:schemeClr val="tx1"/>
+                </a:solidFill>
+                <a:latin typeface="+mn-lt"/>
+                <a:ea typeface="+mn-ea"/>
+                <a:cs typeface="+mn-cs"/>
+              </a:rPr>
+              <a:t>user discontent. The first and obvious point is the front-end of search engines. Next</a:t>
+            </a:r>
+          </a:p>
+          <a:p>
+            <a:r>
+              <a:rPr lang="en-US" sz="1200" b="0" i="0" u="none" strike="noStrike" kern="1200" baseline="0" dirty="0" smtClean="0">
+                <a:solidFill>
+                  <a:schemeClr val="tx1"/>
+                </a:solidFill>
+                <a:latin typeface="+mn-lt"/>
+                <a:ea typeface="+mn-ea"/>
+                <a:cs typeface="+mn-cs"/>
+              </a:rPr>
+              <a:t>will be additional services that should help users to perform their search sessions. As</a:t>
+            </a:r>
+          </a:p>
+          <a:p>
+            <a:r>
+              <a:rPr lang="en-US" sz="1200" b="0" i="0" u="none" strike="noStrike" kern="1200" baseline="0" dirty="0" smtClean="0">
+                <a:solidFill>
+                  <a:schemeClr val="tx1"/>
+                </a:solidFill>
+                <a:latin typeface="+mn-lt"/>
+                <a:ea typeface="+mn-ea"/>
+                <a:cs typeface="+mn-cs"/>
+              </a:rPr>
+              <a:t>shown above, special search features, personalization possibilities and operator usage</a:t>
+            </a:r>
+          </a:p>
+          <a:p>
+            <a:r>
+              <a:rPr lang="en-US" sz="1200" b="0" i="0" u="none" strike="noStrike" kern="1200" baseline="0" dirty="0" smtClean="0">
+                <a:solidFill>
+                  <a:schemeClr val="tx1"/>
+                </a:solidFill>
+                <a:latin typeface="+mn-lt"/>
+                <a:ea typeface="+mn-ea"/>
+                <a:cs typeface="+mn-cs"/>
+              </a:rPr>
+              <a:t>are possible to control over transaction logs. </a:t>
+            </a:r>
+            <a:r>
+              <a:rPr lang="en-US" sz="1200" b="0" i="0" u="none" strike="noStrike" kern="1200" baseline="0" dirty="0" err="1" smtClean="0">
+                <a:solidFill>
+                  <a:schemeClr val="tx1"/>
+                </a:solidFill>
+                <a:latin typeface="+mn-lt"/>
+                <a:ea typeface="+mn-ea"/>
+                <a:cs typeface="+mn-cs"/>
+              </a:rPr>
+              <a:t>Geoghegan</a:t>
+            </a:r>
+            <a:r>
+              <a:rPr lang="en-US" sz="1200" b="0" i="0" u="none" strike="noStrike" kern="1200" baseline="0" dirty="0" smtClean="0">
+                <a:solidFill>
+                  <a:schemeClr val="tx1"/>
+                </a:solidFill>
+                <a:latin typeface="+mn-lt"/>
+                <a:ea typeface="+mn-ea"/>
+                <a:cs typeface="+mn-cs"/>
+              </a:rPr>
+              <a:t> (2004) gives five measures to</a:t>
+            </a:r>
+          </a:p>
+          <a:p>
+            <a:r>
+              <a:rPr lang="en-US" sz="1200" b="0" i="0" u="none" strike="noStrike" kern="1200" baseline="0" dirty="0" smtClean="0">
+                <a:solidFill>
+                  <a:schemeClr val="tx1"/>
+                </a:solidFill>
+                <a:latin typeface="+mn-lt"/>
+                <a:ea typeface="+mn-ea"/>
+                <a:cs typeface="+mn-cs"/>
+              </a:rPr>
+              <a:t>compare search engine usability . He compares five major search engines by relevance</a:t>
+            </a:r>
+          </a:p>
+          <a:p>
+            <a:r>
+              <a:rPr lang="en-US" sz="1200" b="0" i="0" u="none" strike="noStrike" kern="1200" baseline="0" dirty="0" smtClean="0">
+                <a:solidFill>
+                  <a:schemeClr val="tx1"/>
+                </a:solidFill>
+                <a:latin typeface="+mn-lt"/>
+                <a:ea typeface="+mn-ea"/>
+                <a:cs typeface="+mn-cs"/>
+              </a:rPr>
+              <a:t>of results, speed of result list calculation, the look of the input window and result list,</a:t>
+            </a:r>
+          </a:p>
+          <a:p>
+            <a:r>
+              <a:rPr lang="en-US" sz="1200" b="0" i="0" u="none" strike="noStrike" kern="1200" baseline="0" dirty="0" smtClean="0">
+                <a:solidFill>
+                  <a:schemeClr val="tx1"/>
+                </a:solidFill>
+                <a:latin typeface="+mn-lt"/>
+                <a:ea typeface="+mn-ea"/>
+                <a:cs typeface="+mn-cs"/>
+              </a:rPr>
+              <a:t>and the performance of results based on a natural question. We suggest four main</a:t>
+            </a:r>
+          </a:p>
+          <a:p>
+            <a:r>
+              <a:rPr lang="en-US" sz="1200" b="0" i="0" u="none" strike="noStrike" kern="1200" baseline="0" dirty="0" smtClean="0">
+                <a:solidFill>
+                  <a:schemeClr val="tx1"/>
+                </a:solidFill>
+                <a:latin typeface="+mn-lt"/>
+                <a:ea typeface="+mn-ea"/>
+                <a:cs typeface="+mn-cs"/>
+              </a:rPr>
+              <a:t>measures to check search engine quality out of the users’ perspective.</a:t>
+            </a:r>
+            <a:endParaRPr lang="lt-LT" sz="1200" b="0" i="0" u="none" strike="noStrike" kern="1200" baseline="0" dirty="0" smtClean="0">
+              <a:solidFill>
+                <a:schemeClr val="tx1"/>
+              </a:solidFill>
+              <a:latin typeface="+mn-lt"/>
+              <a:ea typeface="+mn-ea"/>
+              <a:cs typeface="+mn-cs"/>
+            </a:endParaRPr>
+          </a:p>
+          <a:p>
+            <a:endParaRPr lang="lt-LT" sz="1200" b="0" i="0" u="none" strike="noStrike" kern="1200" baseline="0" dirty="0" smtClean="0">
+              <a:solidFill>
+                <a:schemeClr val="tx1"/>
+              </a:solidFill>
+              <a:latin typeface="+mn-lt"/>
+              <a:ea typeface="+mn-ea"/>
+              <a:cs typeface="+mn-cs"/>
+            </a:endParaRPr>
+          </a:p>
+          <a:p>
+            <a:r>
+              <a:rPr lang="en-US" sz="1200" b="0" i="0" u="none" strike="noStrike" kern="1200" baseline="0" dirty="0" smtClean="0">
+                <a:solidFill>
+                  <a:schemeClr val="tx1"/>
+                </a:solidFill>
+                <a:latin typeface="+mn-lt"/>
+                <a:ea typeface="+mn-ea"/>
+                <a:cs typeface="+mn-cs"/>
+              </a:rPr>
+              <a:t>All in all, the user should feel comfortable using search engines. Since users currently</a:t>
+            </a:r>
+          </a:p>
+          <a:p>
+            <a:r>
+              <a:rPr lang="en-US" sz="1200" b="0" i="0" u="none" strike="noStrike" kern="1200" baseline="0" dirty="0" smtClean="0">
+                <a:solidFill>
+                  <a:schemeClr val="tx1"/>
+                </a:solidFill>
+                <a:latin typeface="+mn-lt"/>
+                <a:ea typeface="+mn-ea"/>
+                <a:cs typeface="+mn-cs"/>
+              </a:rPr>
+              <a:t>have not developed all necessary skills to handle search engines in the best</a:t>
+            </a:r>
+          </a:p>
+          <a:p>
+            <a:r>
+              <a:rPr lang="en-US" sz="1200" b="0" i="0" u="none" strike="noStrike" kern="1200" baseline="0" dirty="0" smtClean="0">
+                <a:solidFill>
+                  <a:schemeClr val="tx1"/>
+                </a:solidFill>
+                <a:latin typeface="+mn-lt"/>
+                <a:ea typeface="+mn-ea"/>
+                <a:cs typeface="+mn-cs"/>
+              </a:rPr>
+              <a:t>way their usage should be intuitive and simple. In addition, users should get every</a:t>
+            </a:r>
+          </a:p>
+          <a:p>
+            <a:r>
+              <a:rPr lang="en-US" sz="1200" b="0" i="0" u="none" strike="noStrike" kern="1200" baseline="0" dirty="0" smtClean="0">
+                <a:solidFill>
+                  <a:schemeClr val="tx1"/>
+                </a:solidFill>
+                <a:latin typeface="+mn-lt"/>
+                <a:ea typeface="+mn-ea"/>
+                <a:cs typeface="+mn-cs"/>
+              </a:rPr>
+              <a:t>support whenever it is useful or required. It has to be possible that users enhance</a:t>
+            </a:r>
+          </a:p>
+          <a:p>
+            <a:r>
+              <a:rPr lang="en-US" sz="1200" b="0" i="0" u="none" strike="noStrike" kern="1200" baseline="0" dirty="0" smtClean="0">
+                <a:solidFill>
+                  <a:schemeClr val="tx1"/>
+                </a:solidFill>
+                <a:latin typeface="+mn-lt"/>
+                <a:ea typeface="+mn-ea"/>
+                <a:cs typeface="+mn-cs"/>
+              </a:rPr>
+              <a:t>their searching </a:t>
+            </a:r>
+            <a:r>
+              <a:rPr lang="en-US" sz="1200" b="0" i="0" u="none" strike="noStrike" kern="1200" baseline="0" dirty="0" err="1" smtClean="0">
+                <a:solidFill>
+                  <a:schemeClr val="tx1"/>
+                </a:solidFill>
+                <a:latin typeface="+mn-lt"/>
+                <a:ea typeface="+mn-ea"/>
+                <a:cs typeface="+mn-cs"/>
+              </a:rPr>
+              <a:t>behaviour</a:t>
+            </a:r>
+            <a:r>
+              <a:rPr lang="en-US" sz="1200" b="0" i="0" u="none" strike="noStrike" kern="1200" baseline="0" dirty="0" smtClean="0">
+                <a:solidFill>
+                  <a:schemeClr val="tx1"/>
+                </a:solidFill>
+                <a:latin typeface="+mn-lt"/>
+                <a:ea typeface="+mn-ea"/>
+                <a:cs typeface="+mn-cs"/>
+              </a:rPr>
+              <a:t> by using additional services and features to get the best</a:t>
+            </a:r>
+          </a:p>
+          <a:p>
+            <a:r>
+              <a:rPr lang="en-US" sz="1200" b="0" i="0" u="none" strike="noStrike" kern="1200" baseline="0" dirty="0" smtClean="0">
+                <a:solidFill>
+                  <a:schemeClr val="tx1"/>
+                </a:solidFill>
+                <a:latin typeface="+mn-lt"/>
+                <a:ea typeface="+mn-ea"/>
+                <a:cs typeface="+mn-cs"/>
+              </a:rPr>
+              <a:t>recommendations of Web pages as possible.</a:t>
+            </a:r>
+            <a:endParaRPr lang="lt-LT" sz="1200" b="0" i="0" u="none" strike="noStrike" kern="1200" baseline="0" dirty="0" smtClean="0">
+              <a:solidFill>
+                <a:schemeClr val="tx1"/>
+              </a:solidFill>
+              <a:latin typeface="+mn-lt"/>
+              <a:ea typeface="+mn-ea"/>
+              <a:cs typeface="+mn-cs"/>
+            </a:endParaRPr>
+          </a:p>
+          <a:p>
+            <a:endParaRPr lang="lt-LT" sz="1200" b="0" i="0" u="none" strike="noStrike" kern="1200" baseline="0" dirty="0" smtClean="0">
+              <a:solidFill>
+                <a:schemeClr val="tx1"/>
+              </a:solidFill>
+              <a:latin typeface="+mn-lt"/>
+              <a:ea typeface="+mn-ea"/>
+              <a:cs typeface="+mn-cs"/>
+            </a:endParaRPr>
+          </a:p>
+          <a:p>
+            <a:endParaRPr lang="en-US" dirty="0"/>
+          </a:p>
+        </p:txBody>
+      </p:sp>
+      <p:sp>
+        <p:nvSpPr>
+          <p:cNvPr id="4" name="Slide Number Placeholder 3"/>
+          <p:cNvSpPr>
+            <a:spLocks noGrp="1"/>
+          </p:cNvSpPr>
+          <p:nvPr>
+            <p:ph type="sldNum" sz="quarter" idx="10"/>
+          </p:nvPr>
+        </p:nvSpPr>
+        <p:spPr/>
+        <p:txBody>
+          <a:bodyPr/>
+          <a:lstStyle/>
+          <a:p>
+            <a:fld id="{21E87DF0-2188-45E0-9868-23603FC9CB4F}" type="slidenum">
+              <a:rPr lang="en-US" smtClean="0"/>
+              <a:t>14</a:t>
+            </a:fld>
+            <a:endParaRPr lang="en-US"/>
+          </a:p>
+        </p:txBody>
+      </p:sp>
+    </p:spTree>
+    <p:extLst>
+      <p:ext uri="{BB962C8B-B14F-4D97-AF65-F5344CB8AC3E}">
+        <p14:creationId xmlns:p14="http://schemas.microsoft.com/office/powerpoint/2010/main" val="2762706885"/>
+      </p:ext>
+    </p:extLst>
+  </p:cSld>
+  <p:clrMapOvr>
+    <a:masterClrMapping/>
+  </p:clrMapOvr>
+</p:notes>
+</file>
+
+<file path=ppt/notesSlides/notesSlide9.xml><?xml version="1.0" encoding="utf-8"?>
+<p:notes xmlns:a="http://schemas.openxmlformats.org/drawingml/2006/main" xmlns:r="http://schemas.openxmlformats.org/officeDocument/2006/relationships" xmlns:p="http://schemas.openxmlformats.org/presentationml/2006/main">
+  <p:cSld>
+    <p:spTree>
+      <p:nvGrpSpPr>
+        <p:cNvPr id="1" name=""/>
+        <p:cNvGrpSpPr/>
+        <p:nvPr/>
+      </p:nvGrpSpPr>
+      <p:grpSpPr>
+        <a:xfrm>
+          <a:off x="0" y="0"/>
+          <a:ext cx="0" cy="0"/>
+          <a:chOff x="0" y="0"/>
+          <a:chExt cx="0" cy="0"/>
+        </a:xfrm>
+      </p:grpSpPr>
+      <p:sp>
+        <p:nvSpPr>
+          <p:cNvPr id="2" name="Slide Image Placeholder 1"/>
+          <p:cNvSpPr>
+            <a:spLocks noGrp="1" noRot="1" noChangeAspect="1"/>
+          </p:cNvSpPr>
+          <p:nvPr>
+            <p:ph type="sldImg"/>
+          </p:nvPr>
+        </p:nvSpPr>
+        <p:spPr/>
+      </p:sp>
+      <p:sp>
+        <p:nvSpPr>
+          <p:cNvPr id="3" name="Notes Placeholder 2"/>
+          <p:cNvSpPr>
+            <a:spLocks noGrp="1"/>
+          </p:cNvSpPr>
+          <p:nvPr>
+            <p:ph type="body" idx="1"/>
+          </p:nvPr>
+        </p:nvSpPr>
+        <p:spPr/>
+        <p:txBody>
+          <a:bodyPr/>
+          <a:lstStyle/>
+          <a:p>
+            <a:r>
+              <a:rPr lang="en-US" dirty="0" smtClean="0"/>
+              <a:t>http://moz.com/blog/searchmetrics-ranking-factors-2014</a:t>
+            </a:r>
+            <a:endParaRPr lang="lt-LT" dirty="0" smtClean="0"/>
+          </a:p>
+          <a:p>
+            <a:endParaRPr lang="lt-LT" dirty="0" smtClean="0"/>
+          </a:p>
+          <a:p>
+            <a:endParaRPr lang="en-US" dirty="0"/>
+          </a:p>
+        </p:txBody>
+      </p:sp>
+      <p:sp>
+        <p:nvSpPr>
+          <p:cNvPr id="4" name="Slide Number Placeholder 3"/>
+          <p:cNvSpPr>
+            <a:spLocks noGrp="1"/>
+          </p:cNvSpPr>
+          <p:nvPr>
+            <p:ph type="sldNum" sz="quarter" idx="10"/>
+          </p:nvPr>
+        </p:nvSpPr>
+        <p:spPr/>
+        <p:txBody>
+          <a:bodyPr/>
+          <a:lstStyle/>
+          <a:p>
+            <a:fld id="{21E87DF0-2188-45E0-9868-23603FC9CB4F}" type="slidenum">
+              <a:rPr lang="en-US" smtClean="0"/>
+              <a:t>17</a:t>
+            </a:fld>
+            <a:endParaRPr lang="en-US"/>
+          </a:p>
+        </p:txBody>
+      </p:sp>
+    </p:spTree>
+    <p:extLst>
+      <p:ext uri="{BB962C8B-B14F-4D97-AF65-F5344CB8AC3E}">
+        <p14:creationId xmlns:p14="http://schemas.microsoft.com/office/powerpoint/2010/main" val="2866773926"/>
       </p:ext>
     </p:extLst>
   </p:cSld>
@@ -1796,7 +3728,7 @@
           <a:p>
             <a:fld id="{48A87A34-81AB-432B-8DAE-1953F412C126}" type="datetimeFigureOut">
               <a:rPr lang="en-US" smtClean="0"/>
-              <a:t>2014-11-11</a:t>
+              <a:t>2014-11-13</a:t>
             </a:fld>
             <a:endParaRPr lang="en-US" dirty="0"/>
           </a:p>
@@ -2077,7 +4009,7 @@
           <a:p>
             <a:fld id="{48A87A34-81AB-432B-8DAE-1953F412C126}" type="datetimeFigureOut">
               <a:rPr lang="en-US" smtClean="0"/>
-              <a:t>2014-11-11</a:t>
+              <a:t>2014-11-13</a:t>
             </a:fld>
             <a:endParaRPr lang="en-US" dirty="0"/>
           </a:p>
@@ -2269,7 +4201,7 @@
           <a:p>
             <a:fld id="{48A87A34-81AB-432B-8DAE-1953F412C126}" type="datetimeFigureOut">
               <a:rPr lang="en-US" smtClean="0"/>
-              <a:t>2014-11-11</a:t>
+              <a:t>2014-11-13</a:t>
             </a:fld>
             <a:endParaRPr lang="en-US" dirty="0"/>
           </a:p>
@@ -2530,7 +4462,7 @@
           <a:p>
             <a:fld id="{48A87A34-81AB-432B-8DAE-1953F412C126}" type="datetimeFigureOut">
               <a:rPr lang="en-US" smtClean="0"/>
-              <a:t>2014-11-11</a:t>
+              <a:t>2014-11-13</a:t>
             </a:fld>
             <a:endParaRPr lang="en-US" dirty="0"/>
           </a:p>
@@ -2956,7 +4888,7 @@
           <a:p>
             <a:fld id="{48A87A34-81AB-432B-8DAE-1953F412C126}" type="datetimeFigureOut">
               <a:rPr lang="en-US" smtClean="0"/>
-              <a:t>2014-11-11</a:t>
+              <a:t>2014-11-13</a:t>
             </a:fld>
             <a:endParaRPr lang="en-US" dirty="0"/>
           </a:p>
@@ -3502,7 +5434,7 @@
           <a:p>
             <a:fld id="{48A87A34-81AB-432B-8DAE-1953F412C126}" type="datetimeFigureOut">
               <a:rPr lang="en-US" smtClean="0"/>
-              <a:t>2014-11-11</a:t>
+              <a:t>2014-11-13</a:t>
             </a:fld>
             <a:endParaRPr lang="en-US" dirty="0"/>
           </a:p>
@@ -4333,7 +6265,7 @@
           <a:p>
             <a:fld id="{48A87A34-81AB-432B-8DAE-1953F412C126}" type="datetimeFigureOut">
               <a:rPr lang="en-US" smtClean="0"/>
-              <a:t>2014-11-11</a:t>
+              <a:t>2014-11-13</a:t>
             </a:fld>
             <a:endParaRPr lang="en-US" dirty="0"/>
           </a:p>
@@ -4503,7 +6435,7 @@
           <a:p>
             <a:fld id="{48A87A34-81AB-432B-8DAE-1953F412C126}" type="datetimeFigureOut">
               <a:rPr lang="en-US" smtClean="0"/>
-              <a:t>2014-11-11</a:t>
+              <a:t>2014-11-13</a:t>
             </a:fld>
             <a:endParaRPr lang="en-US" dirty="0"/>
           </a:p>
@@ -4683,7 +6615,7 @@
           <a:p>
             <a:fld id="{48A87A34-81AB-432B-8DAE-1953F412C126}" type="datetimeFigureOut">
               <a:rPr lang="en-US" smtClean="0"/>
-              <a:t>2014-11-11</a:t>
+              <a:t>2014-11-13</a:t>
             </a:fld>
             <a:endParaRPr lang="en-US" dirty="0"/>
           </a:p>
@@ -4853,7 +6785,7 @@
           <a:p>
             <a:fld id="{48A87A34-81AB-432B-8DAE-1953F412C126}" type="datetimeFigureOut">
               <a:rPr lang="en-US" smtClean="0"/>
-              <a:t>2014-11-11</a:t>
+              <a:t>2014-11-13</a:t>
             </a:fld>
             <a:endParaRPr lang="en-US" dirty="0"/>
           </a:p>
@@ -5110,7 +7042,7 @@
           <a:p>
             <a:fld id="{48A87A34-81AB-432B-8DAE-1953F412C126}" type="datetimeFigureOut">
               <a:rPr lang="en-US" smtClean="0"/>
-              <a:t>2014-11-11</a:t>
+              <a:t>2014-11-13</a:t>
             </a:fld>
             <a:endParaRPr lang="en-US" dirty="0"/>
           </a:p>
@@ -5342,7 +7274,7 @@
           <a:p>
             <a:fld id="{48A87A34-81AB-432B-8DAE-1953F412C126}" type="datetimeFigureOut">
               <a:rPr lang="en-US" smtClean="0"/>
-              <a:t>2014-11-11</a:t>
+              <a:t>2014-11-13</a:t>
             </a:fld>
             <a:endParaRPr lang="en-US" dirty="0"/>
           </a:p>
@@ -5735,7 +7667,7 @@
           <a:p>
             <a:fld id="{48A87A34-81AB-432B-8DAE-1953F412C126}" type="datetimeFigureOut">
               <a:rPr lang="en-US" smtClean="0"/>
-              <a:t>2014-11-11</a:t>
+              <a:t>2014-11-13</a:t>
             </a:fld>
             <a:endParaRPr lang="en-US" dirty="0"/>
           </a:p>
@@ -5853,7 +7785,7 @@
           <a:p>
             <a:fld id="{48A87A34-81AB-432B-8DAE-1953F412C126}" type="datetimeFigureOut">
               <a:rPr lang="en-US" smtClean="0"/>
-              <a:t>2014-11-11</a:t>
+              <a:t>2014-11-13</a:t>
             </a:fld>
             <a:endParaRPr lang="en-US" dirty="0"/>
           </a:p>
@@ -5948,7 +7880,7 @@
           <a:p>
             <a:fld id="{48A87A34-81AB-432B-8DAE-1953F412C126}" type="datetimeFigureOut">
               <a:rPr lang="en-US" smtClean="0"/>
-              <a:t>2014-11-11</a:t>
+              <a:t>2014-11-13</a:t>
             </a:fld>
             <a:endParaRPr lang="en-US" dirty="0"/>
           </a:p>
@@ -6221,7 +8153,7 @@
           <a:p>
             <a:fld id="{48A87A34-81AB-432B-8DAE-1953F412C126}" type="datetimeFigureOut">
               <a:rPr lang="en-US" smtClean="0"/>
-              <a:t>2014-11-11</a:t>
+              <a:t>2014-11-13</a:t>
             </a:fld>
             <a:endParaRPr lang="en-US" dirty="0"/>
           </a:p>
@@ -6502,7 +8434,7 @@
           <a:p>
             <a:fld id="{48A87A34-81AB-432B-8DAE-1953F412C126}" type="datetimeFigureOut">
               <a:rPr lang="en-US" smtClean="0"/>
-              <a:t>2014-11-11</a:t>
+              <a:t>2014-11-13</a:t>
             </a:fld>
             <a:endParaRPr lang="en-US" dirty="0"/>
           </a:p>
@@ -6743,7 +8675,7 @@
             <a:fld id="{48A87A34-81AB-432B-8DAE-1953F412C126}" type="datetimeFigureOut">
               <a:rPr lang="en-US" smtClean="0"/>
               <a:pPr/>
-              <a:t>2014-11-11</a:t>
+              <a:t>2014-11-13</a:t>
             </a:fld>
             <a:endParaRPr lang="en-US" dirty="0"/>
           </a:p>
@@ -7393,7 +9325,7 @@
 </p:sld>
 </file>
 
-<file path=ppt/slides/slide2.xml><?xml version="1.0" encoding="utf-8"?>
+<file path=ppt/slides/slide10.xml><?xml version="1.0" encoding="utf-8"?>
 <p:sld xmlns:a="http://schemas.openxmlformats.org/drawingml/2006/main" xmlns:r="http://schemas.openxmlformats.org/officeDocument/2006/relationships" xmlns:p="http://schemas.openxmlformats.org/presentationml/2006/main">
   <p:cSld>
     <p:spTree>
@@ -7422,14 +9354,16 @@
         </p:nvSpPr>
         <p:spPr/>
         <p:txBody>
-          <a:bodyPr>
-            <a:normAutofit fontScale="90000"/>
-          </a:bodyPr>
-          <a:lstStyle/>
-          <a:p>
+          <a:bodyPr/>
+          <a:lstStyle/>
+          <a:p>
+            <a:r>
+              <a:rPr lang="lt-LT" dirty="0"/>
+              <a:t>Sistemos </a:t>
+            </a:r>
             <a:r>
               <a:rPr lang="lt-LT" dirty="0" smtClean="0"/>
-              <a:t>Ieškodami informacijos ne visada randame to ko ieškome</a:t>
+              <a:t>pusė</a:t>
             </a:r>
             <a:endParaRPr lang="en-US" dirty="0"/>
           </a:p>
@@ -7452,8 +9386,23 @@
           <a:p>
             <a:r>
               <a:rPr lang="lt-LT" dirty="0" smtClean="0"/>
-              <a:t>Svetainių kūrėjai savo puslapiuose naudoja raktinius žodžius, kurie nesusisiję su puslapio turiniu.</a:t>
-            </a:r>
+              <a:t>Sistemos techninis lygis – programinės ir aparatūrinės įrangos greitis ir našumas analizuojant paieškos užklausą ir pateikiant rezultatų sąrašą.</a:t>
+            </a:r>
+          </a:p>
+          <a:p>
+            <a:r>
+              <a:rPr lang="lt-LT" dirty="0" smtClean="0"/>
+              <a:t>Duomenų prieinamumas – tai rodiklis, kuris parodo kiek procentų viso interneto svetainių turinio yra naudojama ieškant rezultatų į pateiktą užklausą.</a:t>
+            </a:r>
+          </a:p>
+          <a:p>
+            <a:r>
+              <a:rPr lang="lt-LT" dirty="0" smtClean="0"/>
+              <a:t>Duomenų apdorojimo greitis – tai rodiklis, kurį lemia algoritmų, apdorojančių turimus duomenis pagal gautą užklausą, greitis.</a:t>
+            </a:r>
+          </a:p>
+          <a:p>
+            <a:endParaRPr lang="lt-LT" dirty="0" smtClean="0"/>
           </a:p>
           <a:p>
             <a:endParaRPr lang="lt-LT" dirty="0" smtClean="0"/>
@@ -7466,7 +9415,7 @@
     </p:spTree>
     <p:extLst>
       <p:ext uri="{BB962C8B-B14F-4D97-AF65-F5344CB8AC3E}">
-        <p14:creationId xmlns:p14="http://schemas.microsoft.com/office/powerpoint/2010/main" val="2508024766"/>
+        <p14:creationId xmlns:p14="http://schemas.microsoft.com/office/powerpoint/2010/main" val="3950044592"/>
       </p:ext>
     </p:extLst>
   </p:cSld>
@@ -7476,7 +9425,7 @@
 </p:sld>
 </file>
 
-<file path=ppt/slides/slide3.xml><?xml version="1.0" encoding="utf-8"?>
+<file path=ppt/slides/slide11.xml><?xml version="1.0" encoding="utf-8"?>
 <p:sld xmlns:a="http://schemas.openxmlformats.org/drawingml/2006/main" xmlns:r="http://schemas.openxmlformats.org/officeDocument/2006/relationships" xmlns:p="http://schemas.openxmlformats.org/presentationml/2006/main">
   <p:cSld>
     <p:spTree>
@@ -7510,7 +9459,7 @@
           <a:p>
             <a:r>
               <a:rPr lang="lt-LT" dirty="0" smtClean="0"/>
-              <a:t>Kasdieninė informacijos paieška</a:t>
+              <a:t>Vartotojo pusė</a:t>
             </a:r>
             <a:endParaRPr lang="en-US" dirty="0"/>
           </a:p>
@@ -7531,37 +9480,40 @@
           <a:bodyPr/>
           <a:lstStyle/>
           <a:p>
-            <a:pPr marL="0" indent="0">
-              <a:buNone/>
-            </a:pPr>
             <a:r>
               <a:rPr lang="lt-LT" dirty="0" smtClean="0"/>
-              <a:t>Dažniausiai vykdomos paieškos yra 3 tipų:</a:t>
-            </a:r>
-          </a:p>
-          <a:p>
+              <a:t>Grafinė vartotojo sąsaja – tai labai svarbus rodiklis nurodantis ar vartotojui aiškus visas svetainės išdėstymas, kur </a:t>
+            </a:r>
+            <a:r>
+              <a:rPr lang="lt-LT" dirty="0" err="1" smtClean="0"/>
+              <a:t>vyskta</a:t>
+            </a:r>
             <a:r>
               <a:rPr lang="lt-LT" dirty="0" smtClean="0"/>
-              <a:t>Svetainės/vietos paieška</a:t>
+              <a:t> paieška ir kaip tinkamai ieškoti, kad būtų galima rasti to ko ieškoma.</a:t>
             </a:r>
           </a:p>
           <a:p>
             <a:r>
               <a:rPr lang="lt-LT" dirty="0" smtClean="0"/>
-              <a:t>Informacijos paieška</a:t>
-            </a:r>
-          </a:p>
-          <a:p>
+              <a:t>Paieškos rezultatai – šis rodiklis nurodo ar vartotojas rado </a:t>
+            </a:r>
             <a:r>
               <a:rPr lang="lt-LT" dirty="0" smtClean="0"/>
-              <a:t>Potencialių pirkinių paieška</a:t>
-            </a:r>
-          </a:p>
-          <a:p>
-            <a:endParaRPr lang="lt-LT" dirty="0" smtClean="0"/>
-          </a:p>
-          <a:p>
-            <a:endParaRPr lang="lt-LT" dirty="0" smtClean="0"/>
+              <a:t>tai ko </a:t>
+            </a:r>
+            <a:r>
+              <a:rPr lang="lt-LT" dirty="0" smtClean="0"/>
+              <a:t>ieškojo ir kiek laiko jam prireikė </a:t>
+            </a:r>
+            <a:r>
+              <a:rPr lang="lt-LT" dirty="0" smtClean="0"/>
+              <a:t>taip pat </a:t>
+            </a:r>
+            <a:r>
+              <a:rPr lang="lt-LT" dirty="0" smtClean="0"/>
+              <a:t>kelintame puslapyje pavyko rasti.</a:t>
+            </a:r>
           </a:p>
           <a:p>
             <a:endParaRPr lang="en-US" dirty="0"/>
@@ -7571,7 +9523,7 @@
     </p:spTree>
     <p:extLst>
       <p:ext uri="{BB962C8B-B14F-4D97-AF65-F5344CB8AC3E}">
-        <p14:creationId xmlns:p14="http://schemas.microsoft.com/office/powerpoint/2010/main" val="3346253169"/>
+        <p14:creationId xmlns:p14="http://schemas.microsoft.com/office/powerpoint/2010/main" val="2023897349"/>
       </p:ext>
     </p:extLst>
   </p:cSld>
@@ -7581,7 +9533,558 @@
 </p:sld>
 </file>
 
-<file path=ppt/slides/slide4.xml><?xml version="1.0" encoding="utf-8"?>
+<file path=ppt/slides/slide12.xml><?xml version="1.0" encoding="utf-8"?>
+<p:sld xmlns:a="http://schemas.openxmlformats.org/drawingml/2006/main" xmlns:r="http://schemas.openxmlformats.org/officeDocument/2006/relationships" xmlns:p="http://schemas.openxmlformats.org/presentationml/2006/main">
+  <p:cSld>
+    <p:spTree>
+      <p:nvGrpSpPr>
+        <p:cNvPr id="1" name=""/>
+        <p:cNvGrpSpPr/>
+        <p:nvPr/>
+      </p:nvGrpSpPr>
+      <p:grpSpPr>
+        <a:xfrm>
+          <a:off x="0" y="0"/>
+          <a:ext cx="0" cy="0"/>
+          <a:chOff x="0" y="0"/>
+          <a:chExt cx="0" cy="0"/>
+        </a:xfrm>
+      </p:grpSpPr>
+      <p:sp>
+        <p:nvSpPr>
+          <p:cNvPr id="2" name="Title 1"/>
+          <p:cNvSpPr>
+            <a:spLocks noGrp="1"/>
+          </p:cNvSpPr>
+          <p:nvPr>
+            <p:ph type="title"/>
+          </p:nvPr>
+        </p:nvSpPr>
+        <p:spPr/>
+        <p:txBody>
+          <a:bodyPr>
+            <a:normAutofit fontScale="90000"/>
+          </a:bodyPr>
+          <a:lstStyle/>
+          <a:p>
+            <a:r>
+              <a:rPr lang="lt-LT" dirty="0" smtClean="0"/>
+              <a:t>Vartotojo pusės reikalavimų rekomendacijos </a:t>
+            </a:r>
+            <a:endParaRPr lang="en-US" dirty="0"/>
+          </a:p>
+        </p:txBody>
+      </p:sp>
+      <p:sp>
+        <p:nvSpPr>
+          <p:cNvPr id="3" name="Content Placeholder 2"/>
+          <p:cNvSpPr>
+            <a:spLocks noGrp="1"/>
+          </p:cNvSpPr>
+          <p:nvPr>
+            <p:ph idx="1"/>
+          </p:nvPr>
+        </p:nvSpPr>
+        <p:spPr/>
+        <p:txBody>
+          <a:bodyPr>
+            <a:normAutofit/>
+          </a:bodyPr>
+          <a:lstStyle/>
+          <a:p>
+            <a:r>
+              <a:rPr lang="lt-LT" dirty="0" smtClean="0"/>
+              <a:t>Sąsajos dizainas – tai paieškos puslapio ir rezultatų atvaizdavimo struktūra. Paieškos užklausos įvedimo langas turi būti išdėliotas aiškiai, struktūrizuota, be apkrautų reklamų. Reklamos, kurios yra atvaizduojamos kartu su užklausos rezultatais turėtų būti išskirtos kita spalva, kad neklaidingų vartotojo.</a:t>
+            </a:r>
+          </a:p>
+          <a:p>
+            <a:r>
+              <a:rPr lang="lt-LT" dirty="0" smtClean="0"/>
+              <a:t>Papildomos </a:t>
+            </a:r>
+            <a:r>
+              <a:rPr lang="lt-LT" dirty="0" err="1" smtClean="0"/>
+              <a:t>funckijos</a:t>
+            </a:r>
+            <a:r>
+              <a:rPr lang="lt-LT" dirty="0" smtClean="0"/>
+              <a:t> ir operatoriai – </a:t>
+            </a:r>
+            <a:r>
+              <a:rPr lang="lt-LT" dirty="0" smtClean="0"/>
+              <a:t>vartotojai turi turėti galimybę naudotis </a:t>
+            </a:r>
+            <a:r>
+              <a:rPr lang="lt-LT" dirty="0" smtClean="0"/>
+              <a:t>paieškos </a:t>
+            </a:r>
+            <a:r>
+              <a:rPr lang="lt-LT" dirty="0" smtClean="0"/>
+              <a:t>funkcijomis ir </a:t>
+            </a:r>
+            <a:r>
+              <a:rPr lang="lt-LT" dirty="0" smtClean="0"/>
+              <a:t>operatoriais, </a:t>
+            </a:r>
+            <a:r>
+              <a:rPr lang="lt-LT" dirty="0" smtClean="0"/>
+              <a:t>kurie leidžia rasti tikslesnius rezultatus. Taip pat turėtų būti </a:t>
+            </a:r>
+            <a:r>
+              <a:rPr lang="lt-LT" dirty="0" smtClean="0"/>
+              <a:t>galimybė pritaikyti paieškos puslapį savo poreikiams.</a:t>
+            </a:r>
+            <a:endParaRPr lang="lt-LT" dirty="0" smtClean="0"/>
+          </a:p>
+          <a:p>
+            <a:endParaRPr lang="en-US" dirty="0">
+              <a:solidFill>
+                <a:schemeClr val="tx1"/>
+              </a:solidFill>
+            </a:endParaRPr>
+          </a:p>
+          <a:p>
+            <a:endParaRPr lang="lt-LT" dirty="0" smtClean="0"/>
+          </a:p>
+          <a:p>
+            <a:endParaRPr lang="lt-LT" dirty="0" smtClean="0"/>
+          </a:p>
+        </p:txBody>
+      </p:sp>
+    </p:spTree>
+    <p:extLst>
+      <p:ext uri="{BB962C8B-B14F-4D97-AF65-F5344CB8AC3E}">
+        <p14:creationId xmlns:p14="http://schemas.microsoft.com/office/powerpoint/2010/main" val="3239187313"/>
+      </p:ext>
+    </p:extLst>
+  </p:cSld>
+  <p:clrMapOvr>
+    <a:masterClrMapping/>
+  </p:clrMapOvr>
+</p:sld>
+</file>
+
+<file path=ppt/slides/slide13.xml><?xml version="1.0" encoding="utf-8"?>
+<p:sld xmlns:a="http://schemas.openxmlformats.org/drawingml/2006/main" xmlns:r="http://schemas.openxmlformats.org/officeDocument/2006/relationships" xmlns:p="http://schemas.openxmlformats.org/presentationml/2006/main">
+  <p:cSld>
+    <p:spTree>
+      <p:nvGrpSpPr>
+        <p:cNvPr id="1" name=""/>
+        <p:cNvGrpSpPr/>
+        <p:nvPr/>
+      </p:nvGrpSpPr>
+      <p:grpSpPr>
+        <a:xfrm>
+          <a:off x="0" y="0"/>
+          <a:ext cx="0" cy="0"/>
+          <a:chOff x="0" y="0"/>
+          <a:chExt cx="0" cy="0"/>
+        </a:xfrm>
+      </p:grpSpPr>
+      <p:sp>
+        <p:nvSpPr>
+          <p:cNvPr id="2" name="Title 1"/>
+          <p:cNvSpPr>
+            <a:spLocks noGrp="1"/>
+          </p:cNvSpPr>
+          <p:nvPr>
+            <p:ph type="title"/>
+          </p:nvPr>
+        </p:nvSpPr>
+        <p:spPr/>
+        <p:txBody>
+          <a:bodyPr>
+            <a:normAutofit fontScale="90000"/>
+          </a:bodyPr>
+          <a:lstStyle/>
+          <a:p>
+            <a:r>
+              <a:rPr lang="lt-LT" dirty="0"/>
+              <a:t>Vartotojo pusės reikalavimų rekomendacijos </a:t>
+            </a:r>
+            <a:endParaRPr lang="en-US" dirty="0"/>
+          </a:p>
+        </p:txBody>
+      </p:sp>
+      <p:sp>
+        <p:nvSpPr>
+          <p:cNvPr id="3" name="Content Placeholder 2"/>
+          <p:cNvSpPr>
+            <a:spLocks noGrp="1"/>
+          </p:cNvSpPr>
+          <p:nvPr>
+            <p:ph idx="1"/>
+          </p:nvPr>
+        </p:nvSpPr>
+        <p:spPr/>
+        <p:txBody>
+          <a:bodyPr/>
+          <a:lstStyle/>
+          <a:p>
+            <a:r>
+              <a:rPr lang="lt-LT" dirty="0" smtClean="0"/>
+              <a:t>Paieškos variklio greitis – visi rezultatai privalo būti kuo greičiau atvaizduojami. Turėtų būti intuityvus užklausos užbaigimo pasiūlymas. Paieškos rezultatuose turėtų nebūti </a:t>
+            </a:r>
+            <a:r>
+              <a:rPr lang="lt-LT" dirty="0" err="1" smtClean="0"/>
+              <a:t>spam</a:t>
+            </a:r>
+            <a:r>
+              <a:rPr lang="lt-LT" dirty="0" smtClean="0"/>
+              <a:t> ir neveikiančių nuorodų.</a:t>
+            </a:r>
+          </a:p>
+          <a:p>
+            <a:r>
+              <a:rPr lang="lt-LT" dirty="0" smtClean="0"/>
+              <a:t>Vartotojo gidas – nauji sistemos vartotojai turi turėti galimybę sužinoti kokias funkcijas ir operatorius jie gali naudoti, taip pat jiems turėtų būti pateikiama pavyzdžių kaip tinkamai rašyti paieškos užklausas, kad rezultatai būtų </a:t>
+            </a:r>
+            <a:r>
+              <a:rPr lang="lt-LT" smtClean="0"/>
+              <a:t>kuo tikslesni.</a:t>
+            </a:r>
+            <a:endParaRPr lang="en-US" dirty="0"/>
+          </a:p>
+        </p:txBody>
+      </p:sp>
+    </p:spTree>
+    <p:extLst>
+      <p:ext uri="{BB962C8B-B14F-4D97-AF65-F5344CB8AC3E}">
+        <p14:creationId xmlns:p14="http://schemas.microsoft.com/office/powerpoint/2010/main" val="2332673354"/>
+      </p:ext>
+    </p:extLst>
+  </p:cSld>
+  <p:clrMapOvr>
+    <a:masterClrMapping/>
+  </p:clrMapOvr>
+</p:sld>
+</file>
+
+<file path=ppt/slides/slide14.xml><?xml version="1.0" encoding="utf-8"?>
+<p:sld xmlns:a="http://schemas.openxmlformats.org/drawingml/2006/main" xmlns:r="http://schemas.openxmlformats.org/officeDocument/2006/relationships" xmlns:p="http://schemas.openxmlformats.org/presentationml/2006/main">
+  <p:cSld>
+    <p:spTree>
+      <p:nvGrpSpPr>
+        <p:cNvPr id="1" name=""/>
+        <p:cNvGrpSpPr/>
+        <p:nvPr/>
+      </p:nvGrpSpPr>
+      <p:grpSpPr>
+        <a:xfrm>
+          <a:off x="0" y="0"/>
+          <a:ext cx="0" cy="0"/>
+          <a:chOff x="0" y="0"/>
+          <a:chExt cx="0" cy="0"/>
+        </a:xfrm>
+      </p:grpSpPr>
+      <p:sp>
+        <p:nvSpPr>
+          <p:cNvPr id="2" name="Title 1"/>
+          <p:cNvSpPr>
+            <a:spLocks noGrp="1"/>
+          </p:cNvSpPr>
+          <p:nvPr>
+            <p:ph type="title"/>
+          </p:nvPr>
+        </p:nvSpPr>
+        <p:spPr/>
+        <p:txBody>
+          <a:bodyPr/>
+          <a:lstStyle/>
+          <a:p>
+            <a:endParaRPr lang="en-US"/>
+          </a:p>
+        </p:txBody>
+      </p:sp>
+      <p:sp>
+        <p:nvSpPr>
+          <p:cNvPr id="3" name="Content Placeholder 2"/>
+          <p:cNvSpPr>
+            <a:spLocks noGrp="1"/>
+          </p:cNvSpPr>
+          <p:nvPr>
+            <p:ph idx="1"/>
+          </p:nvPr>
+        </p:nvSpPr>
+        <p:spPr/>
+        <p:txBody>
+          <a:bodyPr>
+            <a:normAutofit/>
+          </a:bodyPr>
+          <a:lstStyle/>
+          <a:p>
+            <a:pPr marL="0" indent="0">
+              <a:buNone/>
+            </a:pPr>
+            <a:r>
+              <a:rPr lang="en-US" dirty="0"/>
+              <a:t>● System-</a:t>
+            </a:r>
+            <a:r>
+              <a:rPr lang="en-US" dirty="0" err="1"/>
+              <a:t>centred</a:t>
+            </a:r>
+            <a:r>
+              <a:rPr lang="en-US" dirty="0"/>
+              <a:t> evaluation levels: Engineering level (e.g., hardware or software</a:t>
+            </a:r>
+            <a:r>
+              <a:rPr lang="lt-LT" dirty="0"/>
+              <a:t> </a:t>
+            </a:r>
+            <a:r>
+              <a:rPr lang="en-US" dirty="0"/>
+              <a:t>performance), input level (coverage of the designated area), and processing level</a:t>
+            </a:r>
+            <a:r>
+              <a:rPr lang="lt-LT" dirty="0"/>
+              <a:t> </a:t>
+            </a:r>
+            <a:r>
+              <a:rPr lang="en-US" dirty="0"/>
+              <a:t>(e.g., performance of algorithms ).</a:t>
+            </a:r>
+          </a:p>
+          <a:p>
+            <a:pPr marL="0" indent="0">
+              <a:buNone/>
+            </a:pPr>
+            <a:r>
+              <a:rPr lang="en-US" dirty="0"/>
+              <a:t>● User-</a:t>
+            </a:r>
+            <a:r>
+              <a:rPr lang="en-US" dirty="0" err="1"/>
+              <a:t>centred</a:t>
+            </a:r>
+            <a:r>
+              <a:rPr lang="en-US" dirty="0"/>
+              <a:t> evaluation levels: Output level (interaction with the system, feedback),</a:t>
+            </a:r>
+            <a:r>
+              <a:rPr lang="lt-LT" dirty="0"/>
+              <a:t> </a:t>
+            </a:r>
+            <a:r>
+              <a:rPr lang="en-US" dirty="0"/>
+              <a:t>use and user level (where questions of application to given problems </a:t>
+            </a:r>
+            <a:r>
+              <a:rPr lang="en-US" dirty="0" smtClean="0"/>
+              <a:t>and</a:t>
+            </a:r>
+            <a:r>
+              <a:rPr lang="lt-LT" dirty="0" smtClean="0"/>
+              <a:t> </a:t>
+            </a:r>
+            <a:r>
+              <a:rPr lang="en-US" dirty="0" smtClean="0"/>
+              <a:t>tasks </a:t>
+            </a:r>
+            <a:r>
+              <a:rPr lang="en-US" dirty="0"/>
+              <a:t>are raised), and social level (which takes into account the impact on the</a:t>
+            </a:r>
+            <a:r>
+              <a:rPr lang="lt-LT" dirty="0"/>
+              <a:t> </a:t>
+            </a:r>
+            <a:r>
+              <a:rPr lang="en-US" dirty="0"/>
+              <a:t>environment).</a:t>
+            </a:r>
+            <a:r>
+              <a:rPr lang="lt-LT" dirty="0"/>
+              <a:t> </a:t>
+            </a:r>
+            <a:endParaRPr lang="en-US" dirty="0"/>
+          </a:p>
+          <a:p>
+            <a:pPr marL="0" indent="0">
+              <a:buNone/>
+            </a:pPr>
+            <a:endParaRPr lang="en-US" dirty="0"/>
+          </a:p>
+        </p:txBody>
+      </p:sp>
+    </p:spTree>
+    <p:extLst>
+      <p:ext uri="{BB962C8B-B14F-4D97-AF65-F5344CB8AC3E}">
+        <p14:creationId xmlns:p14="http://schemas.microsoft.com/office/powerpoint/2010/main" val="786164706"/>
+      </p:ext>
+    </p:extLst>
+  </p:cSld>
+  <p:clrMapOvr>
+    <a:masterClrMapping/>
+  </p:clrMapOvr>
+</p:sld>
+</file>
+
+<file path=ppt/slides/slide15.xml><?xml version="1.0" encoding="utf-8"?>
+<p:sld xmlns:a="http://schemas.openxmlformats.org/drawingml/2006/main" xmlns:r="http://schemas.openxmlformats.org/officeDocument/2006/relationships" xmlns:p="http://schemas.openxmlformats.org/presentationml/2006/main">
+  <p:cSld>
+    <p:spTree>
+      <p:nvGrpSpPr>
+        <p:cNvPr id="1" name=""/>
+        <p:cNvGrpSpPr/>
+        <p:nvPr/>
+      </p:nvGrpSpPr>
+      <p:grpSpPr>
+        <a:xfrm>
+          <a:off x="0" y="0"/>
+          <a:ext cx="0" cy="0"/>
+          <a:chOff x="0" y="0"/>
+          <a:chExt cx="0" cy="0"/>
+        </a:xfrm>
+      </p:grpSpPr>
+      <p:sp>
+        <p:nvSpPr>
+          <p:cNvPr id="2" name="Title 1"/>
+          <p:cNvSpPr>
+            <a:spLocks noGrp="1"/>
+          </p:cNvSpPr>
+          <p:nvPr>
+            <p:ph type="title"/>
+          </p:nvPr>
+        </p:nvSpPr>
+        <p:spPr/>
+        <p:txBody>
+          <a:bodyPr/>
+          <a:lstStyle/>
+          <a:p>
+            <a:r>
+              <a:rPr lang="lt-LT" dirty="0" smtClean="0"/>
+              <a:t>Paieškos rezultatų kokybė</a:t>
+            </a:r>
+            <a:endParaRPr lang="en-US" dirty="0"/>
+          </a:p>
+        </p:txBody>
+      </p:sp>
+      <p:sp>
+        <p:nvSpPr>
+          <p:cNvPr id="3" name="Content Placeholder 2"/>
+          <p:cNvSpPr>
+            <a:spLocks noGrp="1"/>
+          </p:cNvSpPr>
+          <p:nvPr>
+            <p:ph idx="1"/>
+          </p:nvPr>
+        </p:nvSpPr>
+        <p:spPr/>
+        <p:txBody>
+          <a:bodyPr/>
+          <a:lstStyle/>
+          <a:p>
+            <a:pPr marL="0" indent="0">
+              <a:buNone/>
+            </a:pPr>
+            <a:r>
+              <a:rPr lang="lt-LT" dirty="0" smtClean="0"/>
+              <a:t>Abu tiek vartotojo tiek sistemos pusės vertinimo kriterijai atskirai negali nusakyti paieškos rezultatų kokybės. Norėdami matyti bendrą vaizdą turime žiūrėti iš abejų perspektyvų. </a:t>
+            </a:r>
+          </a:p>
+          <a:p>
+            <a:pPr marL="0" indent="0">
+              <a:buNone/>
+            </a:pPr>
+            <a:endParaRPr lang="lt-LT" dirty="0"/>
+          </a:p>
+          <a:p>
+            <a:pPr marL="0" indent="0">
+              <a:buNone/>
+            </a:pPr>
+            <a:endParaRPr lang="en-US" dirty="0"/>
+          </a:p>
+        </p:txBody>
+      </p:sp>
+    </p:spTree>
+    <p:extLst>
+      <p:ext uri="{BB962C8B-B14F-4D97-AF65-F5344CB8AC3E}">
+        <p14:creationId xmlns:p14="http://schemas.microsoft.com/office/powerpoint/2010/main" val="3345623562"/>
+      </p:ext>
+    </p:extLst>
+  </p:cSld>
+  <p:clrMapOvr>
+    <a:masterClrMapping/>
+  </p:clrMapOvr>
+</p:sld>
+</file>
+
+<file path=ppt/slides/slide16.xml><?xml version="1.0" encoding="utf-8"?>
+<p:sld xmlns:a="http://schemas.openxmlformats.org/drawingml/2006/main" xmlns:r="http://schemas.openxmlformats.org/officeDocument/2006/relationships" xmlns:p="http://schemas.openxmlformats.org/presentationml/2006/main">
+  <p:cSld>
+    <p:spTree>
+      <p:nvGrpSpPr>
+        <p:cNvPr id="1" name=""/>
+        <p:cNvGrpSpPr/>
+        <p:nvPr/>
+      </p:nvGrpSpPr>
+      <p:grpSpPr>
+        <a:xfrm>
+          <a:off x="0" y="0"/>
+          <a:ext cx="0" cy="0"/>
+          <a:chOff x="0" y="0"/>
+          <a:chExt cx="0" cy="0"/>
+        </a:xfrm>
+      </p:grpSpPr>
+      <p:sp>
+        <p:nvSpPr>
+          <p:cNvPr id="2" name="Title 1"/>
+          <p:cNvSpPr>
+            <a:spLocks noGrp="1"/>
+          </p:cNvSpPr>
+          <p:nvPr>
+            <p:ph type="title"/>
+          </p:nvPr>
+        </p:nvSpPr>
+        <p:spPr/>
+        <p:txBody>
+          <a:bodyPr>
+            <a:normAutofit fontScale="90000"/>
+          </a:bodyPr>
+          <a:lstStyle/>
+          <a:p>
+            <a:r>
+              <a:rPr lang="lt-LT" dirty="0" smtClean="0"/>
+              <a:t>Paieškos rezultatų kokybė priklauso nuo</a:t>
+            </a:r>
+            <a:endParaRPr lang="en-US" dirty="0"/>
+          </a:p>
+        </p:txBody>
+      </p:sp>
+      <p:sp>
+        <p:nvSpPr>
+          <p:cNvPr id="3" name="Content Placeholder 2"/>
+          <p:cNvSpPr>
+            <a:spLocks noGrp="1"/>
+          </p:cNvSpPr>
+          <p:nvPr>
+            <p:ph idx="1"/>
+          </p:nvPr>
+        </p:nvSpPr>
+        <p:spPr/>
+        <p:txBody>
+          <a:bodyPr/>
+          <a:lstStyle/>
+          <a:p>
+            <a:endParaRPr lang="en-US"/>
+          </a:p>
+        </p:txBody>
+      </p:sp>
+    </p:spTree>
+    <p:extLst>
+      <p:ext uri="{BB962C8B-B14F-4D97-AF65-F5344CB8AC3E}">
+        <p14:creationId xmlns:p14="http://schemas.microsoft.com/office/powerpoint/2010/main" val="3514923700"/>
+      </p:ext>
+    </p:extLst>
+  </p:cSld>
+  <p:clrMapOvr>
+    <a:masterClrMapping/>
+  </p:clrMapOvr>
+</p:sld>
+</file>
+
+<file path=ppt/slides/slide17.xml><?xml version="1.0" encoding="utf-8"?>
 <p:sld xmlns:a="http://schemas.openxmlformats.org/drawingml/2006/main" xmlns:r="http://schemas.openxmlformats.org/officeDocument/2006/relationships" xmlns:p="http://schemas.openxmlformats.org/presentationml/2006/main">
   <p:cSld>
     <p:spTree>
@@ -7662,6 +10165,1805 @@
 </p:sld>
 </file>
 
+<file path=ppt/slides/slide18.xml><?xml version="1.0" encoding="utf-8"?>
+<p:sld xmlns:a="http://schemas.openxmlformats.org/drawingml/2006/main" xmlns:r="http://schemas.openxmlformats.org/officeDocument/2006/relationships" xmlns:p="http://schemas.openxmlformats.org/presentationml/2006/main">
+  <p:cSld>
+    <p:spTree>
+      <p:nvGrpSpPr>
+        <p:cNvPr id="1" name=""/>
+        <p:cNvGrpSpPr/>
+        <p:nvPr/>
+      </p:nvGrpSpPr>
+      <p:grpSpPr>
+        <a:xfrm>
+          <a:off x="0" y="0"/>
+          <a:ext cx="0" cy="0"/>
+          <a:chOff x="0" y="0"/>
+          <a:chExt cx="0" cy="0"/>
+        </a:xfrm>
+      </p:grpSpPr>
+      <p:sp>
+        <p:nvSpPr>
+          <p:cNvPr id="2" name="Title 1"/>
+          <p:cNvSpPr>
+            <a:spLocks noGrp="1"/>
+          </p:cNvSpPr>
+          <p:nvPr>
+            <p:ph type="title"/>
+          </p:nvPr>
+        </p:nvSpPr>
+        <p:spPr/>
+        <p:txBody>
+          <a:bodyPr/>
+          <a:lstStyle/>
+          <a:p>
+            <a:endParaRPr lang="en-US"/>
+          </a:p>
+        </p:txBody>
+      </p:sp>
+      <p:sp>
+        <p:nvSpPr>
+          <p:cNvPr id="3" name="Content Placeholder 2"/>
+          <p:cNvSpPr>
+            <a:spLocks noGrp="1"/>
+          </p:cNvSpPr>
+          <p:nvPr>
+            <p:ph idx="1"/>
+          </p:nvPr>
+        </p:nvSpPr>
+        <p:spPr/>
+        <p:txBody>
+          <a:bodyPr>
+            <a:normAutofit/>
+          </a:bodyPr>
+          <a:lstStyle/>
+          <a:p>
+            <a:r>
+              <a:rPr lang="en-US" dirty="0" smtClean="0"/>
+              <a:t>Popular </a:t>
+            </a:r>
+            <a:r>
+              <a:rPr lang="en-US" dirty="0"/>
+              <a:t>examples are documents from Wikipedia , which are </a:t>
+            </a:r>
+            <a:r>
+              <a:rPr lang="en-US" dirty="0" smtClean="0"/>
+              <a:t>often</a:t>
+            </a:r>
+            <a:r>
+              <a:rPr lang="lt-LT" dirty="0" smtClean="0"/>
+              <a:t> </a:t>
+            </a:r>
+            <a:r>
+              <a:rPr lang="en-US" dirty="0" smtClean="0"/>
+              <a:t>highly </a:t>
+            </a:r>
+            <a:r>
+              <a:rPr lang="en-US" dirty="0"/>
+              <a:t>ranked by search engines. But, there seems not to be an </a:t>
+            </a:r>
+            <a:r>
+              <a:rPr lang="en-US" dirty="0" smtClean="0"/>
+              <a:t>agreement </a:t>
+            </a:r>
+            <a:r>
+              <a:rPr lang="en-US" dirty="0"/>
+              <a:t>of </a:t>
+            </a:r>
+            <a:r>
+              <a:rPr lang="en-US" dirty="0" smtClean="0"/>
+              <a:t>experts</a:t>
+            </a:r>
+            <a:r>
+              <a:rPr lang="lt-LT" dirty="0" smtClean="0"/>
+              <a:t> </a:t>
+            </a:r>
+            <a:r>
+              <a:rPr lang="en-US" dirty="0" smtClean="0"/>
+              <a:t>whether </a:t>
+            </a:r>
+            <a:r>
+              <a:rPr lang="en-US" dirty="0"/>
+              <a:t>Wikipedia content is trustworthy or not. For a normal user, there is only </a:t>
+            </a:r>
+            <a:r>
+              <a:rPr lang="en-US" dirty="0" smtClean="0"/>
+              <a:t>a</a:t>
+            </a:r>
+            <a:r>
+              <a:rPr lang="lt-LT" dirty="0" smtClean="0"/>
+              <a:t> </a:t>
+            </a:r>
+            <a:r>
+              <a:rPr lang="en-US" dirty="0" smtClean="0"/>
+              <a:t>limited </a:t>
+            </a:r>
+            <a:r>
+              <a:rPr lang="en-US" dirty="0"/>
+              <a:t>chance of </a:t>
+            </a:r>
+            <a:r>
+              <a:rPr lang="en-US" dirty="0" err="1"/>
+              <a:t>scrutinising</a:t>
+            </a:r>
+            <a:r>
+              <a:rPr lang="en-US" dirty="0"/>
+              <a:t> these documents. In this context, perceived </a:t>
+            </a:r>
+            <a:r>
+              <a:rPr lang="en-US" dirty="0" smtClean="0"/>
+              <a:t>information</a:t>
+            </a:r>
+            <a:r>
+              <a:rPr lang="lt-LT" dirty="0" smtClean="0"/>
+              <a:t> </a:t>
+            </a:r>
+            <a:r>
+              <a:rPr lang="en-US" dirty="0" smtClean="0"/>
+              <a:t>quality </a:t>
+            </a:r>
+            <a:r>
+              <a:rPr lang="en-US" dirty="0"/>
+              <a:t>is more a matter of trust . Within the wider context of search </a:t>
+            </a:r>
+            <a:r>
+              <a:rPr lang="en-US" dirty="0" smtClean="0"/>
+              <a:t>engine</a:t>
+            </a:r>
+            <a:r>
+              <a:rPr lang="lt-LT" dirty="0" smtClean="0"/>
+              <a:t> </a:t>
+            </a:r>
+            <a:r>
+              <a:rPr lang="en-US" dirty="0" smtClean="0"/>
+              <a:t>evaluation</a:t>
+            </a:r>
+            <a:r>
+              <a:rPr lang="en-US" dirty="0"/>
+              <a:t>, it is possible to build models completely based on trust</a:t>
+            </a:r>
+          </a:p>
+        </p:txBody>
+      </p:sp>
+    </p:spTree>
+    <p:extLst>
+      <p:ext uri="{BB962C8B-B14F-4D97-AF65-F5344CB8AC3E}">
+        <p14:creationId xmlns:p14="http://schemas.microsoft.com/office/powerpoint/2010/main" val="2825486015"/>
+      </p:ext>
+    </p:extLst>
+  </p:cSld>
+  <p:clrMapOvr>
+    <a:masterClrMapping/>
+  </p:clrMapOvr>
+</p:sld>
+</file>
+
+<file path=ppt/slides/slide19.xml><?xml version="1.0" encoding="utf-8"?>
+<p:sld xmlns:a="http://schemas.openxmlformats.org/drawingml/2006/main" xmlns:r="http://schemas.openxmlformats.org/officeDocument/2006/relationships" xmlns:p="http://schemas.openxmlformats.org/presentationml/2006/main">
+  <p:cSld>
+    <p:spTree>
+      <p:nvGrpSpPr>
+        <p:cNvPr id="1" name=""/>
+        <p:cNvGrpSpPr/>
+        <p:nvPr/>
+      </p:nvGrpSpPr>
+      <p:grpSpPr>
+        <a:xfrm>
+          <a:off x="0" y="0"/>
+          <a:ext cx="0" cy="0"/>
+          <a:chOff x="0" y="0"/>
+          <a:chExt cx="0" cy="0"/>
+        </a:xfrm>
+      </p:grpSpPr>
+      <p:sp>
+        <p:nvSpPr>
+          <p:cNvPr id="2" name="Title 1"/>
+          <p:cNvSpPr>
+            <a:spLocks noGrp="1"/>
+          </p:cNvSpPr>
+          <p:nvPr>
+            <p:ph type="title"/>
+          </p:nvPr>
+        </p:nvSpPr>
+        <p:spPr/>
+        <p:txBody>
+          <a:bodyPr/>
+          <a:lstStyle/>
+          <a:p>
+            <a:endParaRPr lang="en-US"/>
+          </a:p>
+        </p:txBody>
+      </p:sp>
+      <p:sp>
+        <p:nvSpPr>
+          <p:cNvPr id="3" name="Content Placeholder 2"/>
+          <p:cNvSpPr>
+            <a:spLocks noGrp="1"/>
+          </p:cNvSpPr>
+          <p:nvPr>
+            <p:ph idx="1"/>
+          </p:nvPr>
+        </p:nvSpPr>
+        <p:spPr/>
+        <p:txBody>
+          <a:bodyPr>
+            <a:normAutofit fontScale="77500" lnSpcReduction="20000"/>
+          </a:bodyPr>
+          <a:lstStyle/>
+          <a:p>
+            <a:pPr marL="0" indent="0">
+              <a:buNone/>
+            </a:pPr>
+            <a:r>
+              <a:rPr lang="en-US" dirty="0"/>
+              <a:t>When discussing quality of search results, one should also keep in mind how</a:t>
+            </a:r>
+          </a:p>
+          <a:p>
+            <a:pPr marL="0" indent="0">
+              <a:buNone/>
+            </a:pPr>
+            <a:r>
+              <a:rPr lang="en-US" dirty="0"/>
+              <a:t>search engines determine relevance. They mainly focus on popularity (or </a:t>
+            </a:r>
+            <a:r>
+              <a:rPr lang="en-US" i="1" dirty="0"/>
+              <a:t>authority</a:t>
+            </a:r>
+            <a:r>
+              <a:rPr lang="en-US" dirty="0"/>
+              <a:t>)</a:t>
+            </a:r>
+          </a:p>
+          <a:p>
+            <a:pPr marL="0" indent="0">
+              <a:buNone/>
+            </a:pPr>
+            <a:r>
+              <a:rPr lang="en-US" dirty="0"/>
+              <a:t>rather than on what is commonly regarded as quality. It should be emphasized that</a:t>
+            </a:r>
+          </a:p>
+          <a:p>
+            <a:pPr marL="0" indent="0">
+              <a:buNone/>
+            </a:pPr>
+            <a:r>
+              <a:rPr lang="en-US" dirty="0"/>
+              <a:t>in the process of selecting documents to be indexed by engines and in the ranking</a:t>
+            </a:r>
+          </a:p>
+          <a:p>
+            <a:pPr marL="0" indent="0">
+              <a:buNone/>
+            </a:pPr>
+            <a:r>
+              <a:rPr lang="en-US" dirty="0"/>
+              <a:t>process as well, no human reviews are involved. But a certain bias can be found</a:t>
+            </a:r>
+          </a:p>
+          <a:p>
+            <a:pPr marL="0" indent="0">
+              <a:buNone/>
+            </a:pPr>
+            <a:r>
+              <a:rPr lang="en-US" dirty="0"/>
+              <a:t>inherent in the ranking algorithms (Lewandowski 2004b). These rate Web pages</a:t>
+            </a:r>
+          </a:p>
+          <a:p>
+            <a:pPr marL="0" indent="0">
+              <a:buNone/>
+            </a:pPr>
+            <a:r>
+              <a:rPr lang="en-US" dirty="0"/>
+              <a:t>(apart from classic IR calculations) mainly by determining their popularity based</a:t>
+            </a:r>
+          </a:p>
+          <a:p>
+            <a:pPr marL="0" indent="0">
+              <a:buNone/>
+            </a:pPr>
+            <a:r>
+              <a:rPr lang="en-US" dirty="0"/>
+              <a:t>on the link structure of the Web. The basic assumption is that a link to a page is a</a:t>
+            </a:r>
+          </a:p>
+          <a:p>
+            <a:pPr marL="0" indent="0">
+              <a:buNone/>
+            </a:pPr>
+            <a:r>
+              <a:rPr lang="en-US" dirty="0"/>
+              <a:t>vote for that page. But not all links should be counted the same; link-based measures</a:t>
+            </a:r>
+          </a:p>
+          <a:p>
+            <a:pPr marL="0" indent="0">
+              <a:buNone/>
+            </a:pPr>
+            <a:r>
+              <a:rPr lang="en-US" dirty="0"/>
+              <a:t>take into account the popularity of the linking page itself and the number of</a:t>
+            </a:r>
+          </a:p>
+          <a:p>
+            <a:pPr marL="0" indent="0">
+              <a:buNone/>
+            </a:pPr>
+            <a:r>
+              <a:rPr lang="en-US" dirty="0"/>
+              <a:t>outgoing links, as well. This holds true for both of the main link-based ranking</a:t>
+            </a:r>
+          </a:p>
+          <a:p>
+            <a:pPr marL="0" indent="0">
+              <a:buNone/>
+            </a:pPr>
+            <a:r>
+              <a:rPr lang="en-US" dirty="0"/>
+              <a:t>algorithms , Google ’s PageRank (Page et al. 1998) and HITS (Kleinberg 1999).</a:t>
+            </a:r>
+          </a:p>
+        </p:txBody>
+      </p:sp>
+    </p:spTree>
+    <p:extLst>
+      <p:ext uri="{BB962C8B-B14F-4D97-AF65-F5344CB8AC3E}">
+        <p14:creationId xmlns:p14="http://schemas.microsoft.com/office/powerpoint/2010/main" val="150634426"/>
+      </p:ext>
+    </p:extLst>
+  </p:cSld>
+  <p:clrMapOvr>
+    <a:masterClrMapping/>
+  </p:clrMapOvr>
+</p:sld>
+</file>
+
+<file path=ppt/slides/slide2.xml><?xml version="1.0" encoding="utf-8"?>
+<p:sld xmlns:a="http://schemas.openxmlformats.org/drawingml/2006/main" xmlns:r="http://schemas.openxmlformats.org/officeDocument/2006/relationships" xmlns:p="http://schemas.openxmlformats.org/presentationml/2006/main">
+  <p:cSld>
+    <p:spTree>
+      <p:nvGrpSpPr>
+        <p:cNvPr id="1" name=""/>
+        <p:cNvGrpSpPr/>
+        <p:nvPr/>
+      </p:nvGrpSpPr>
+      <p:grpSpPr>
+        <a:xfrm>
+          <a:off x="0" y="0"/>
+          <a:ext cx="0" cy="0"/>
+          <a:chOff x="0" y="0"/>
+          <a:chExt cx="0" cy="0"/>
+        </a:xfrm>
+      </p:grpSpPr>
+      <p:sp>
+        <p:nvSpPr>
+          <p:cNvPr id="2" name="Title 1"/>
+          <p:cNvSpPr>
+            <a:spLocks noGrp="1"/>
+          </p:cNvSpPr>
+          <p:nvPr>
+            <p:ph type="title"/>
+          </p:nvPr>
+        </p:nvSpPr>
+        <p:spPr/>
+        <p:txBody>
+          <a:bodyPr>
+            <a:normAutofit fontScale="90000"/>
+          </a:bodyPr>
+          <a:lstStyle/>
+          <a:p>
+            <a:r>
+              <a:rPr lang="lt-LT" dirty="0" smtClean="0"/>
+              <a:t>Ieškodami informacijos ne visada randame to ko ieškome</a:t>
+            </a:r>
+            <a:endParaRPr lang="en-US" dirty="0"/>
+          </a:p>
+        </p:txBody>
+      </p:sp>
+      <p:sp>
+        <p:nvSpPr>
+          <p:cNvPr id="3" name="Content Placeholder 2"/>
+          <p:cNvSpPr>
+            <a:spLocks noGrp="1"/>
+          </p:cNvSpPr>
+          <p:nvPr>
+            <p:ph idx="1"/>
+          </p:nvPr>
+        </p:nvSpPr>
+        <p:spPr/>
+        <p:txBody>
+          <a:bodyPr/>
+          <a:lstStyle/>
+          <a:p>
+            <a:r>
+              <a:rPr lang="lt-LT" dirty="0" smtClean="0"/>
+              <a:t>Svetainių kūrėjai savo puslapiuose naudoja raktinius žodžius, kurie nesusisiję su puslapio turiniu. Tai iškelia jų puslapius į viršų, nes dauguma paieškos variklių ropodami(</a:t>
+            </a:r>
+            <a:r>
+              <a:rPr lang="lt-LT" dirty="0" err="1" smtClean="0"/>
+              <a:t>crawling</a:t>
+            </a:r>
+            <a:r>
+              <a:rPr lang="lt-LT" dirty="0" smtClean="0"/>
+              <a:t>) ieško tų žodžių ir pagal juos spėja, kad svetainės turinys yra būtent toks.</a:t>
+            </a:r>
+          </a:p>
+          <a:p>
+            <a:r>
+              <a:rPr lang="lt-LT" dirty="0" smtClean="0"/>
+              <a:t>Dauguma </a:t>
+            </a:r>
+            <a:r>
+              <a:rPr lang="lt-LT" dirty="0" err="1" smtClean="0"/>
+              <a:t>paeiškos</a:t>
+            </a:r>
+            <a:r>
+              <a:rPr lang="lt-LT" dirty="0" smtClean="0"/>
+              <a:t> variklių sistemų personalizuoja gaunamus rezultatus remiantis prieš tai darytomis paieškomis. Du žmonės ieškodami to pačio dalyko ant dviejų skirtingų kompiuterių matys skirtingus rezultatus. Dažnai tai apsunkina paiešką kai yra ieškoma dar neieškotų dalykų.</a:t>
+            </a:r>
+          </a:p>
+          <a:p>
+            <a:endParaRPr lang="lt-LT" dirty="0" smtClean="0"/>
+          </a:p>
+          <a:p>
+            <a:endParaRPr lang="lt-LT" dirty="0" smtClean="0"/>
+          </a:p>
+          <a:p>
+            <a:endParaRPr lang="lt-LT" dirty="0" smtClean="0"/>
+          </a:p>
+          <a:p>
+            <a:endParaRPr lang="en-US" dirty="0"/>
+          </a:p>
+        </p:txBody>
+      </p:sp>
+    </p:spTree>
+    <p:extLst>
+      <p:ext uri="{BB962C8B-B14F-4D97-AF65-F5344CB8AC3E}">
+        <p14:creationId xmlns:p14="http://schemas.microsoft.com/office/powerpoint/2010/main" val="2508024766"/>
+      </p:ext>
+    </p:extLst>
+  </p:cSld>
+  <p:clrMapOvr>
+    <a:masterClrMapping/>
+  </p:clrMapOvr>
+</p:sld>
+</file>
+
+<file path=ppt/slides/slide20.xml><?xml version="1.0" encoding="utf-8"?>
+<p:sld xmlns:a="http://schemas.openxmlformats.org/drawingml/2006/main" xmlns:r="http://schemas.openxmlformats.org/officeDocument/2006/relationships" xmlns:p="http://schemas.openxmlformats.org/presentationml/2006/main">
+  <p:cSld>
+    <p:spTree>
+      <p:nvGrpSpPr>
+        <p:cNvPr id="1" name=""/>
+        <p:cNvGrpSpPr/>
+        <p:nvPr/>
+      </p:nvGrpSpPr>
+      <p:grpSpPr>
+        <a:xfrm>
+          <a:off x="0" y="0"/>
+          <a:ext cx="0" cy="0"/>
+          <a:chOff x="0" y="0"/>
+          <a:chExt cx="0" cy="0"/>
+        </a:xfrm>
+      </p:grpSpPr>
+      <p:sp>
+        <p:nvSpPr>
+          <p:cNvPr id="2" name="Title 1"/>
+          <p:cNvSpPr>
+            <a:spLocks noGrp="1"/>
+          </p:cNvSpPr>
+          <p:nvPr>
+            <p:ph type="title"/>
+          </p:nvPr>
+        </p:nvSpPr>
+        <p:spPr/>
+        <p:txBody>
+          <a:bodyPr/>
+          <a:lstStyle/>
+          <a:p>
+            <a:endParaRPr lang="en-US"/>
+          </a:p>
+        </p:txBody>
+      </p:sp>
+      <p:sp>
+        <p:nvSpPr>
+          <p:cNvPr id="3" name="Content Placeholder 2"/>
+          <p:cNvSpPr>
+            <a:spLocks noGrp="1"/>
+          </p:cNvSpPr>
+          <p:nvPr>
+            <p:ph idx="1"/>
+          </p:nvPr>
+        </p:nvSpPr>
+        <p:spPr/>
+        <p:txBody>
+          <a:bodyPr/>
+          <a:lstStyle/>
+          <a:p>
+            <a:pPr marL="0" indent="0">
+              <a:buNone/>
+            </a:pPr>
+            <a:r>
+              <a:rPr lang="en-US" dirty="0"/>
+              <a:t>Users often view only a few results from the top of the list and seldom </a:t>
+            </a:r>
+            <a:r>
+              <a:rPr lang="en-US" dirty="0" smtClean="0"/>
+              <a:t>process</a:t>
+            </a:r>
+            <a:r>
+              <a:rPr lang="lt-LT" dirty="0" smtClean="0"/>
+              <a:t> </a:t>
+            </a:r>
+            <a:r>
+              <a:rPr lang="en-US" dirty="0" smtClean="0"/>
+              <a:t>to </a:t>
+            </a:r>
+            <a:r>
+              <a:rPr lang="en-US" dirty="0"/>
+              <a:t>the second or even third page of the results list. Another problem with the </a:t>
+            </a:r>
+            <a:r>
+              <a:rPr lang="en-US" dirty="0" smtClean="0"/>
+              <a:t>calculation</a:t>
+            </a:r>
+            <a:r>
+              <a:rPr lang="lt-LT" dirty="0" smtClean="0"/>
+              <a:t> </a:t>
+            </a:r>
+            <a:r>
+              <a:rPr lang="en-US" dirty="0" smtClean="0"/>
+              <a:t>of </a:t>
+            </a:r>
+            <a:r>
+              <a:rPr lang="en-US" dirty="0"/>
+              <a:t>appropriate result lists is the shortness of search queries. Therefore, </a:t>
+            </a:r>
+            <a:r>
+              <a:rPr lang="en-US" dirty="0" smtClean="0"/>
+              <a:t>most</a:t>
+            </a:r>
+            <a:r>
+              <a:rPr lang="lt-LT" dirty="0" smtClean="0"/>
+              <a:t> </a:t>
+            </a:r>
+            <a:r>
+              <a:rPr lang="en-US" dirty="0" smtClean="0"/>
+              <a:t>ranking </a:t>
+            </a:r>
+            <a:r>
+              <a:rPr lang="en-US" dirty="0"/>
+              <a:t>algorithms prefer popular pages and the presence of search terms in anchor</a:t>
+            </a:r>
+          </a:p>
+        </p:txBody>
+      </p:sp>
+    </p:spTree>
+    <p:extLst>
+      <p:ext uri="{BB962C8B-B14F-4D97-AF65-F5344CB8AC3E}">
+        <p14:creationId xmlns:p14="http://schemas.microsoft.com/office/powerpoint/2010/main" val="476474060"/>
+      </p:ext>
+    </p:extLst>
+  </p:cSld>
+  <p:clrMapOvr>
+    <a:masterClrMapping/>
+  </p:clrMapOvr>
+</p:sld>
+</file>
+
+<file path=ppt/slides/slide21.xml><?xml version="1.0" encoding="utf-8"?>
+<p:sld xmlns:a="http://schemas.openxmlformats.org/drawingml/2006/main" xmlns:r="http://schemas.openxmlformats.org/officeDocument/2006/relationships" xmlns:p="http://schemas.openxmlformats.org/presentationml/2006/main">
+  <p:cSld>
+    <p:spTree>
+      <p:nvGrpSpPr>
+        <p:cNvPr id="1" name=""/>
+        <p:cNvGrpSpPr/>
+        <p:nvPr/>
+      </p:nvGrpSpPr>
+      <p:grpSpPr>
+        <a:xfrm>
+          <a:off x="0" y="0"/>
+          <a:ext cx="0" cy="0"/>
+          <a:chOff x="0" y="0"/>
+          <a:chExt cx="0" cy="0"/>
+        </a:xfrm>
+      </p:grpSpPr>
+      <p:sp>
+        <p:nvSpPr>
+          <p:cNvPr id="2" name="Title 1"/>
+          <p:cNvSpPr>
+            <a:spLocks noGrp="1"/>
+          </p:cNvSpPr>
+          <p:nvPr>
+            <p:ph type="title"/>
+          </p:nvPr>
+        </p:nvSpPr>
+        <p:spPr/>
+        <p:txBody>
+          <a:bodyPr/>
+          <a:lstStyle/>
+          <a:p>
+            <a:endParaRPr lang="en-US"/>
+          </a:p>
+        </p:txBody>
+      </p:sp>
+      <p:pic>
+        <p:nvPicPr>
+          <p:cNvPr id="4" name="Content Placeholder 3"/>
+          <p:cNvPicPr>
+            <a:picLocks noGrp="1" noChangeAspect="1"/>
+          </p:cNvPicPr>
+          <p:nvPr>
+            <p:ph idx="1"/>
+          </p:nvPr>
+        </p:nvPicPr>
+        <p:blipFill>
+          <a:blip r:embed="rId2"/>
+          <a:stretch>
+            <a:fillRect/>
+          </a:stretch>
+        </p:blipFill>
+        <p:spPr>
+          <a:xfrm>
+            <a:off x="1120775" y="1869030"/>
+            <a:ext cx="10233025" cy="4264527"/>
+          </a:xfrm>
+          <a:prstGeom prst="rect">
+            <a:avLst/>
+          </a:prstGeom>
+        </p:spPr>
+      </p:pic>
+    </p:spTree>
+    <p:extLst>
+      <p:ext uri="{BB962C8B-B14F-4D97-AF65-F5344CB8AC3E}">
+        <p14:creationId xmlns:p14="http://schemas.microsoft.com/office/powerpoint/2010/main" val="4275327416"/>
+      </p:ext>
+    </p:extLst>
+  </p:cSld>
+  <p:clrMapOvr>
+    <a:masterClrMapping/>
+  </p:clrMapOvr>
+</p:sld>
+</file>
+
+<file path=ppt/slides/slide22.xml><?xml version="1.0" encoding="utf-8"?>
+<p:sld xmlns:a="http://schemas.openxmlformats.org/drawingml/2006/main" xmlns:r="http://schemas.openxmlformats.org/officeDocument/2006/relationships" xmlns:p="http://schemas.openxmlformats.org/presentationml/2006/main">
+  <p:cSld>
+    <p:spTree>
+      <p:nvGrpSpPr>
+        <p:cNvPr id="1" name=""/>
+        <p:cNvGrpSpPr/>
+        <p:nvPr/>
+      </p:nvGrpSpPr>
+      <p:grpSpPr>
+        <a:xfrm>
+          <a:off x="0" y="0"/>
+          <a:ext cx="0" cy="0"/>
+          <a:chOff x="0" y="0"/>
+          <a:chExt cx="0" cy="0"/>
+        </a:xfrm>
+      </p:grpSpPr>
+      <p:sp>
+        <p:nvSpPr>
+          <p:cNvPr id="2" name="Title 1"/>
+          <p:cNvSpPr>
+            <a:spLocks noGrp="1"/>
+          </p:cNvSpPr>
+          <p:nvPr>
+            <p:ph type="title"/>
+          </p:nvPr>
+        </p:nvSpPr>
+        <p:spPr/>
+        <p:txBody>
+          <a:bodyPr/>
+          <a:lstStyle/>
+          <a:p>
+            <a:endParaRPr lang="en-US"/>
+          </a:p>
+        </p:txBody>
+      </p:sp>
+      <p:sp>
+        <p:nvSpPr>
+          <p:cNvPr id="3" name="Content Placeholder 2"/>
+          <p:cNvSpPr>
+            <a:spLocks noGrp="1"/>
+          </p:cNvSpPr>
+          <p:nvPr>
+            <p:ph idx="1"/>
+          </p:nvPr>
+        </p:nvSpPr>
+        <p:spPr/>
+        <p:txBody>
+          <a:bodyPr>
+            <a:normAutofit fontScale="77500" lnSpcReduction="20000"/>
+          </a:bodyPr>
+          <a:lstStyle/>
+          <a:p>
+            <a:pPr marL="0" indent="0">
+              <a:buNone/>
+            </a:pPr>
+            <a:r>
+              <a:rPr lang="en-US" dirty="0"/>
+              <a:t>texts. Although the general user rarely uses advanced search features, this does not</a:t>
+            </a:r>
+          </a:p>
+          <a:p>
+            <a:pPr marL="0" indent="0">
+              <a:buNone/>
+            </a:pPr>
+            <a:r>
+              <a:rPr lang="en-US" dirty="0"/>
+              <a:t>make them unnecessary or useless. On the one hand, there are special user groups</a:t>
+            </a:r>
+          </a:p>
+          <a:p>
+            <a:pPr marL="0" indent="0">
+              <a:buNone/>
+            </a:pPr>
+            <a:r>
+              <a:rPr lang="en-US" dirty="0"/>
+              <a:t>like librarians or information professionals who conduct complex searches. On the</a:t>
+            </a:r>
+          </a:p>
+          <a:p>
+            <a:pPr marL="0" indent="0">
+              <a:buNone/>
+            </a:pPr>
+            <a:r>
+              <a:rPr lang="en-US" dirty="0"/>
+              <a:t>other hand, while there is a majority of queries that can be successfully formulated</a:t>
+            </a:r>
+          </a:p>
+          <a:p>
+            <a:pPr marL="0" indent="0">
+              <a:buNone/>
+            </a:pPr>
+            <a:r>
+              <a:rPr lang="en-US" dirty="0"/>
+              <a:t>without the use of advanced search syntax, one knows from his or her own searching</a:t>
+            </a:r>
+          </a:p>
+          <a:p>
+            <a:pPr marL="0" indent="0">
+              <a:buNone/>
+            </a:pPr>
+            <a:r>
+              <a:rPr lang="en-US" dirty="0" err="1"/>
+              <a:t>behaviour</a:t>
+            </a:r>
+            <a:r>
+              <a:rPr lang="en-US" dirty="0"/>
+              <a:t> that at least </a:t>
+            </a:r>
+            <a:r>
+              <a:rPr lang="en-US" i="1" dirty="0"/>
+              <a:t>sometimes </a:t>
+            </a:r>
+            <a:r>
+              <a:rPr lang="en-US" dirty="0"/>
+              <a:t>one needs to use operators or other advanced</a:t>
+            </a:r>
+          </a:p>
+          <a:p>
+            <a:pPr marL="0" indent="0">
+              <a:buNone/>
+            </a:pPr>
+            <a:r>
+              <a:rPr lang="en-US" dirty="0"/>
+              <a:t>features. Users who have some background in the field they are searching use more</a:t>
+            </a:r>
+          </a:p>
+          <a:p>
+            <a:pPr marL="0" indent="0">
+              <a:buNone/>
+            </a:pPr>
+            <a:r>
+              <a:rPr lang="en-US" dirty="0"/>
+              <a:t>often phrase searches. Users who know how search engines work also apply operators</a:t>
+            </a:r>
+          </a:p>
+          <a:p>
+            <a:pPr marL="0" indent="0">
+              <a:buNone/>
+            </a:pPr>
+            <a:r>
+              <a:rPr lang="en-US" dirty="0"/>
+              <a:t>and phrase search more frequently.</a:t>
+            </a:r>
+          </a:p>
+        </p:txBody>
+      </p:sp>
+    </p:spTree>
+    <p:extLst>
+      <p:ext uri="{BB962C8B-B14F-4D97-AF65-F5344CB8AC3E}">
+        <p14:creationId xmlns:p14="http://schemas.microsoft.com/office/powerpoint/2010/main" val="2188908482"/>
+      </p:ext>
+    </p:extLst>
+  </p:cSld>
+  <p:clrMapOvr>
+    <a:masterClrMapping/>
+  </p:clrMapOvr>
+</p:sld>
+</file>
+
+<file path=ppt/slides/slide23.xml><?xml version="1.0" encoding="utf-8"?>
+<p:sld xmlns:a="http://schemas.openxmlformats.org/drawingml/2006/main" xmlns:r="http://schemas.openxmlformats.org/officeDocument/2006/relationships" xmlns:p="http://schemas.openxmlformats.org/presentationml/2006/main">
+  <p:cSld>
+    <p:spTree>
+      <p:nvGrpSpPr>
+        <p:cNvPr id="1" name=""/>
+        <p:cNvGrpSpPr/>
+        <p:nvPr/>
+      </p:nvGrpSpPr>
+      <p:grpSpPr>
+        <a:xfrm>
+          <a:off x="0" y="0"/>
+          <a:ext cx="0" cy="0"/>
+          <a:chOff x="0" y="0"/>
+          <a:chExt cx="0" cy="0"/>
+        </a:xfrm>
+      </p:grpSpPr>
+      <p:sp>
+        <p:nvSpPr>
+          <p:cNvPr id="2" name="Title 1"/>
+          <p:cNvSpPr>
+            <a:spLocks noGrp="1"/>
+          </p:cNvSpPr>
+          <p:nvPr>
+            <p:ph type="title"/>
+          </p:nvPr>
+        </p:nvSpPr>
+        <p:spPr/>
+        <p:txBody>
+          <a:bodyPr/>
+          <a:lstStyle/>
+          <a:p>
+            <a:endParaRPr lang="en-US"/>
+          </a:p>
+        </p:txBody>
+      </p:sp>
+      <p:pic>
+        <p:nvPicPr>
+          <p:cNvPr id="4" name="Content Placeholder 3"/>
+          <p:cNvPicPr>
+            <a:picLocks noGrp="1" noChangeAspect="1"/>
+          </p:cNvPicPr>
+          <p:nvPr>
+            <p:ph idx="1"/>
+          </p:nvPr>
+        </p:nvPicPr>
+        <p:blipFill>
+          <a:blip r:embed="rId2"/>
+          <a:stretch>
+            <a:fillRect/>
+          </a:stretch>
+        </p:blipFill>
+        <p:spPr>
+          <a:xfrm>
+            <a:off x="838200" y="365125"/>
+            <a:ext cx="10007498" cy="5962523"/>
+          </a:xfrm>
+          <a:prstGeom prst="rect">
+            <a:avLst/>
+          </a:prstGeom>
+        </p:spPr>
+      </p:pic>
+    </p:spTree>
+    <p:extLst>
+      <p:ext uri="{BB962C8B-B14F-4D97-AF65-F5344CB8AC3E}">
+        <p14:creationId xmlns:p14="http://schemas.microsoft.com/office/powerpoint/2010/main" val="560544781"/>
+      </p:ext>
+    </p:extLst>
+  </p:cSld>
+  <p:clrMapOvr>
+    <a:masterClrMapping/>
+  </p:clrMapOvr>
+</p:sld>
+</file>
+
+<file path=ppt/slides/slide24.xml><?xml version="1.0" encoding="utf-8"?>
+<p:sld xmlns:a="http://schemas.openxmlformats.org/drawingml/2006/main" xmlns:r="http://schemas.openxmlformats.org/officeDocument/2006/relationships" xmlns:p="http://schemas.openxmlformats.org/presentationml/2006/main">
+  <p:cSld>
+    <p:spTree>
+      <p:nvGrpSpPr>
+        <p:cNvPr id="1" name=""/>
+        <p:cNvGrpSpPr/>
+        <p:nvPr/>
+      </p:nvGrpSpPr>
+      <p:grpSpPr>
+        <a:xfrm>
+          <a:off x="0" y="0"/>
+          <a:ext cx="0" cy="0"/>
+          <a:chOff x="0" y="0"/>
+          <a:chExt cx="0" cy="0"/>
+        </a:xfrm>
+      </p:grpSpPr>
+      <p:sp>
+        <p:nvSpPr>
+          <p:cNvPr id="2" name="Title 1"/>
+          <p:cNvSpPr>
+            <a:spLocks noGrp="1"/>
+          </p:cNvSpPr>
+          <p:nvPr>
+            <p:ph type="title"/>
+          </p:nvPr>
+        </p:nvSpPr>
+        <p:spPr/>
+        <p:txBody>
+          <a:bodyPr/>
+          <a:lstStyle/>
+          <a:p>
+            <a:endParaRPr lang="en-US"/>
+          </a:p>
+        </p:txBody>
+      </p:sp>
+      <p:sp>
+        <p:nvSpPr>
+          <p:cNvPr id="3" name="Content Placeholder 2"/>
+          <p:cNvSpPr>
+            <a:spLocks noGrp="1"/>
+          </p:cNvSpPr>
+          <p:nvPr>
+            <p:ph idx="1"/>
+          </p:nvPr>
+        </p:nvSpPr>
+        <p:spPr/>
+        <p:txBody>
+          <a:bodyPr>
+            <a:normAutofit fontScale="70000" lnSpcReduction="20000"/>
+          </a:bodyPr>
+          <a:lstStyle/>
+          <a:p>
+            <a:pPr marL="0" indent="0">
+              <a:buNone/>
+            </a:pPr>
+            <a:r>
+              <a:rPr lang="en-US" dirty="0"/>
+              <a:t>These extractions from user surveys and studies show that search engine users</a:t>
+            </a:r>
+          </a:p>
+          <a:p>
+            <a:pPr marL="0" indent="0">
+              <a:buNone/>
+            </a:pPr>
+            <a:r>
+              <a:rPr lang="en-US" dirty="0"/>
+              <a:t>definitely have factors which disturb them and that they do not adopt all offered</a:t>
+            </a:r>
+          </a:p>
+          <a:p>
+            <a:pPr marL="0" indent="0">
+              <a:buNone/>
+            </a:pPr>
+            <a:r>
+              <a:rPr lang="en-US" dirty="0"/>
+              <a:t>services such as special search features, possibilities to personalize search engines,</a:t>
+            </a:r>
+          </a:p>
+          <a:p>
+            <a:pPr marL="0" indent="0">
+              <a:buNone/>
+            </a:pPr>
+            <a:r>
+              <a:rPr lang="en-US" dirty="0"/>
+              <a:t>or operators. Surveys are a good way to ask the user directly what he likes or dislikes</a:t>
+            </a:r>
+          </a:p>
+          <a:p>
+            <a:pPr marL="0" indent="0">
+              <a:buNone/>
+            </a:pPr>
+            <a:r>
+              <a:rPr lang="en-US" dirty="0"/>
+              <a:t>while interacting with search engines. But surveys can become problematical</a:t>
+            </a:r>
+          </a:p>
+          <a:p>
+            <a:pPr marL="0" indent="0">
+              <a:buNone/>
+            </a:pPr>
+            <a:r>
+              <a:rPr lang="en-US" dirty="0"/>
+              <a:t>when users get the illusion of a perfect search engine . For that reason the interpretation</a:t>
+            </a:r>
+          </a:p>
+          <a:p>
+            <a:pPr marL="0" indent="0">
+              <a:buNone/>
+            </a:pPr>
+            <a:r>
+              <a:rPr lang="en-US" dirty="0"/>
+              <a:t>of search engine transactions logs is an objective way to see defective and</a:t>
+            </a:r>
+          </a:p>
+          <a:p>
+            <a:pPr marL="0" indent="0">
+              <a:buNone/>
+            </a:pPr>
+            <a:r>
+              <a:rPr lang="en-US" dirty="0"/>
+              <a:t>non-adopted features or services. This helps to derive strategies for a user-friendly</a:t>
+            </a:r>
+          </a:p>
+          <a:p>
+            <a:pPr marL="0" indent="0">
+              <a:buNone/>
+            </a:pPr>
+            <a:r>
+              <a:rPr lang="en-US" dirty="0"/>
+              <a:t>design or to design services that will be adopted by the user. With this in mind, we</a:t>
+            </a:r>
+          </a:p>
+          <a:p>
+            <a:pPr marL="0" indent="0">
+              <a:buNone/>
+            </a:pPr>
+            <a:r>
+              <a:rPr lang="en-US" dirty="0"/>
+              <a:t>will give examples of interaction points between the user and search engines that</a:t>
+            </a:r>
+          </a:p>
+          <a:p>
+            <a:pPr marL="0" indent="0">
+              <a:buNone/>
+            </a:pPr>
+            <a:r>
+              <a:rPr lang="en-US" dirty="0"/>
+              <a:t>could cause users’ disconfirmation. Additionally, we give examples of how to</a:t>
+            </a:r>
+          </a:p>
+          <a:p>
+            <a:pPr marL="0" indent="0">
+              <a:buNone/>
+            </a:pPr>
+            <a:r>
+              <a:rPr lang="en-US" dirty="0"/>
+              <a:t>evaluate these interaction points and already realized improvements.</a:t>
+            </a:r>
+          </a:p>
+        </p:txBody>
+      </p:sp>
+    </p:spTree>
+    <p:extLst>
+      <p:ext uri="{BB962C8B-B14F-4D97-AF65-F5344CB8AC3E}">
+        <p14:creationId xmlns:p14="http://schemas.microsoft.com/office/powerpoint/2010/main" val="1989652206"/>
+      </p:ext>
+    </p:extLst>
+  </p:cSld>
+  <p:clrMapOvr>
+    <a:masterClrMapping/>
+  </p:clrMapOvr>
+</p:sld>
+</file>
+
+<file path=ppt/slides/slide25.xml><?xml version="1.0" encoding="utf-8"?>
+<p:sld xmlns:a="http://schemas.openxmlformats.org/drawingml/2006/main" xmlns:r="http://schemas.openxmlformats.org/officeDocument/2006/relationships" xmlns:p="http://schemas.openxmlformats.org/presentationml/2006/main">
+  <p:cSld>
+    <p:spTree>
+      <p:nvGrpSpPr>
+        <p:cNvPr id="1" name=""/>
+        <p:cNvGrpSpPr/>
+        <p:nvPr/>
+      </p:nvGrpSpPr>
+      <p:grpSpPr>
+        <a:xfrm>
+          <a:off x="0" y="0"/>
+          <a:ext cx="0" cy="0"/>
+          <a:chOff x="0" y="0"/>
+          <a:chExt cx="0" cy="0"/>
+        </a:xfrm>
+      </p:grpSpPr>
+      <p:sp>
+        <p:nvSpPr>
+          <p:cNvPr id="2" name="Title 1"/>
+          <p:cNvSpPr>
+            <a:spLocks noGrp="1"/>
+          </p:cNvSpPr>
+          <p:nvPr>
+            <p:ph type="title"/>
+          </p:nvPr>
+        </p:nvSpPr>
+        <p:spPr/>
+        <p:txBody>
+          <a:bodyPr/>
+          <a:lstStyle/>
+          <a:p>
+            <a:endParaRPr lang="en-US"/>
+          </a:p>
+        </p:txBody>
+      </p:sp>
+      <p:pic>
+        <p:nvPicPr>
+          <p:cNvPr id="4" name="Content Placeholder 3"/>
+          <p:cNvPicPr>
+            <a:picLocks noGrp="1" noChangeAspect="1"/>
+          </p:cNvPicPr>
+          <p:nvPr>
+            <p:ph idx="1"/>
+          </p:nvPr>
+        </p:nvPicPr>
+        <p:blipFill>
+          <a:blip r:embed="rId2"/>
+          <a:stretch>
+            <a:fillRect/>
+          </a:stretch>
+        </p:blipFill>
+        <p:spPr>
+          <a:xfrm rot="5400000">
+            <a:off x="4310491" y="-1630062"/>
+            <a:ext cx="3493643" cy="10592976"/>
+          </a:xfrm>
+          <a:prstGeom prst="rect">
+            <a:avLst/>
+          </a:prstGeom>
+        </p:spPr>
+      </p:pic>
+    </p:spTree>
+    <p:extLst>
+      <p:ext uri="{BB962C8B-B14F-4D97-AF65-F5344CB8AC3E}">
+        <p14:creationId xmlns:p14="http://schemas.microsoft.com/office/powerpoint/2010/main" val="550188050"/>
+      </p:ext>
+    </p:extLst>
+  </p:cSld>
+  <p:clrMapOvr>
+    <a:masterClrMapping/>
+  </p:clrMapOvr>
+</p:sld>
+</file>
+
+<file path=ppt/slides/slide26.xml><?xml version="1.0" encoding="utf-8"?>
+<p:sld xmlns:a="http://schemas.openxmlformats.org/drawingml/2006/main" xmlns:r="http://schemas.openxmlformats.org/officeDocument/2006/relationships" xmlns:p="http://schemas.openxmlformats.org/presentationml/2006/main">
+  <p:cSld>
+    <p:spTree>
+      <p:nvGrpSpPr>
+        <p:cNvPr id="1" name=""/>
+        <p:cNvGrpSpPr/>
+        <p:nvPr/>
+      </p:nvGrpSpPr>
+      <p:grpSpPr>
+        <a:xfrm>
+          <a:off x="0" y="0"/>
+          <a:ext cx="0" cy="0"/>
+          <a:chOff x="0" y="0"/>
+          <a:chExt cx="0" cy="0"/>
+        </a:xfrm>
+      </p:grpSpPr>
+      <p:sp>
+        <p:nvSpPr>
+          <p:cNvPr id="2" name="Title 1"/>
+          <p:cNvSpPr>
+            <a:spLocks noGrp="1"/>
+          </p:cNvSpPr>
+          <p:nvPr>
+            <p:ph type="title"/>
+          </p:nvPr>
+        </p:nvSpPr>
+        <p:spPr/>
+        <p:txBody>
+          <a:bodyPr/>
+          <a:lstStyle/>
+          <a:p>
+            <a:endParaRPr lang="en-US"/>
+          </a:p>
+        </p:txBody>
+      </p:sp>
+      <p:sp>
+        <p:nvSpPr>
+          <p:cNvPr id="3" name="Content Placeholder 2"/>
+          <p:cNvSpPr>
+            <a:spLocks noGrp="1"/>
+          </p:cNvSpPr>
+          <p:nvPr>
+            <p:ph idx="1"/>
+          </p:nvPr>
+        </p:nvSpPr>
+        <p:spPr/>
+        <p:txBody>
+          <a:bodyPr>
+            <a:normAutofit fontScale="62500" lnSpcReduction="20000"/>
+          </a:bodyPr>
+          <a:lstStyle/>
+          <a:p>
+            <a:pPr marL="0" indent="0">
+              <a:buNone/>
+            </a:pPr>
+            <a:r>
+              <a:rPr lang="en-US" dirty="0"/>
+              <a:t>But every quality measurement dealing with Web-specific retrieval measures has</a:t>
+            </a:r>
+          </a:p>
+          <a:p>
+            <a:pPr marL="0" indent="0">
+              <a:buNone/>
+            </a:pPr>
+            <a:r>
+              <a:rPr lang="en-US" dirty="0"/>
+              <a:t>to be combined with user strategies. In reality, users only examine the first result</a:t>
+            </a:r>
+          </a:p>
+          <a:p>
+            <a:pPr marL="0" indent="0">
+              <a:buNone/>
+            </a:pPr>
+            <a:r>
+              <a:rPr lang="en-US" dirty="0"/>
+              <a:t>screens (see Table 16.3), they do not even use search features or operators to really</a:t>
+            </a:r>
+          </a:p>
+          <a:p>
+            <a:pPr marL="0" indent="0">
+              <a:buNone/>
+            </a:pPr>
+            <a:r>
+              <a:rPr lang="en-US" dirty="0"/>
+              <a:t>interact with search engines. (Hotchkiss et al. 2004) defined different search types.</a:t>
+            </a:r>
+          </a:p>
+          <a:p>
+            <a:pPr marL="0" indent="0">
+              <a:buNone/>
+            </a:pPr>
+            <a:r>
+              <a:rPr lang="en-US" dirty="0"/>
+              <a:t>The normal search engine user corresponds to the “Scan and Clickers”. They only</a:t>
+            </a:r>
+          </a:p>
+          <a:p>
+            <a:pPr marL="0" indent="0">
+              <a:buNone/>
+            </a:pPr>
+            <a:r>
+              <a:rPr lang="en-US" dirty="0"/>
+              <a:t>watch the top results, sometimes also paid listings. They decide very quickly to</a:t>
+            </a:r>
+          </a:p>
+          <a:p>
+            <a:pPr marL="0" indent="0">
+              <a:buNone/>
+            </a:pPr>
+            <a:r>
+              <a:rPr lang="en-US" dirty="0"/>
+              <a:t>visit a page after reading the short description texts and URLs. </a:t>
+            </a:r>
+            <a:r>
+              <a:rPr lang="en-US" dirty="0" err="1"/>
+              <a:t>Machill</a:t>
+            </a:r>
+            <a:r>
+              <a:rPr lang="en-US" dirty="0"/>
+              <a:t> et al. (2003)</a:t>
+            </a:r>
+          </a:p>
+          <a:p>
+            <a:pPr marL="0" indent="0">
+              <a:buNone/>
+            </a:pPr>
+            <a:r>
+              <a:rPr lang="en-US" dirty="0"/>
+              <a:t>also observe subjects who try to get good answers after very short questions.</a:t>
+            </a:r>
+          </a:p>
+          <a:p>
+            <a:pPr marL="0" indent="0">
+              <a:buNone/>
+            </a:pPr>
+            <a:r>
+              <a:rPr lang="en-US" dirty="0"/>
+              <a:t>Regarding these annotations, it is important to think about retrieval measures that</a:t>
+            </a:r>
+          </a:p>
+          <a:p>
+            <a:pPr marL="0" indent="0">
+              <a:buNone/>
+            </a:pPr>
+            <a:r>
+              <a:rPr lang="en-US" dirty="0"/>
+              <a:t>deal with this user specific searching </a:t>
+            </a:r>
+            <a:r>
+              <a:rPr lang="en-US" dirty="0" err="1"/>
+              <a:t>behaviour</a:t>
+            </a:r>
+            <a:r>
+              <a:rPr lang="en-US" dirty="0"/>
+              <a:t>. If a user always watched the first</a:t>
+            </a:r>
+          </a:p>
+          <a:p>
+            <a:pPr marL="0" indent="0">
+              <a:buNone/>
+            </a:pPr>
+            <a:r>
+              <a:rPr lang="en-US" dirty="0"/>
+              <a:t>three results, only, the best search engine would be the one returning the most</a:t>
+            </a:r>
+          </a:p>
+          <a:p>
+            <a:pPr marL="0" indent="0">
+              <a:buNone/>
+            </a:pPr>
+            <a:r>
+              <a:rPr lang="en-US" dirty="0"/>
+              <a:t>appropriate pages within those first results. How do retrieval measures comply with</a:t>
+            </a:r>
+          </a:p>
+          <a:p>
+            <a:pPr marL="0" indent="0">
+              <a:buNone/>
+            </a:pPr>
+            <a:r>
+              <a:rPr lang="en-US" dirty="0"/>
+              <a:t>the search engine users’ search strategies?</a:t>
+            </a:r>
+          </a:p>
+        </p:txBody>
+      </p:sp>
+    </p:spTree>
+    <p:extLst>
+      <p:ext uri="{BB962C8B-B14F-4D97-AF65-F5344CB8AC3E}">
+        <p14:creationId xmlns:p14="http://schemas.microsoft.com/office/powerpoint/2010/main" val="3196917835"/>
+      </p:ext>
+    </p:extLst>
+  </p:cSld>
+  <p:clrMapOvr>
+    <a:masterClrMapping/>
+  </p:clrMapOvr>
+</p:sld>
+</file>
+
+<file path=ppt/slides/slide27.xml><?xml version="1.0" encoding="utf-8"?>
+<p:sld xmlns:a="http://schemas.openxmlformats.org/drawingml/2006/main" xmlns:r="http://schemas.openxmlformats.org/officeDocument/2006/relationships" xmlns:p="http://schemas.openxmlformats.org/presentationml/2006/main">
+  <p:cSld>
+    <p:spTree>
+      <p:nvGrpSpPr>
+        <p:cNvPr id="1" name=""/>
+        <p:cNvGrpSpPr/>
+        <p:nvPr/>
+      </p:nvGrpSpPr>
+      <p:grpSpPr>
+        <a:xfrm>
+          <a:off x="0" y="0"/>
+          <a:ext cx="0" cy="0"/>
+          <a:chOff x="0" y="0"/>
+          <a:chExt cx="0" cy="0"/>
+        </a:xfrm>
+      </p:grpSpPr>
+      <p:sp>
+        <p:nvSpPr>
+          <p:cNvPr id="2" name="Title 1"/>
+          <p:cNvSpPr>
+            <a:spLocks noGrp="1"/>
+          </p:cNvSpPr>
+          <p:nvPr>
+            <p:ph type="title"/>
+          </p:nvPr>
+        </p:nvSpPr>
+        <p:spPr/>
+        <p:txBody>
+          <a:bodyPr>
+            <a:normAutofit fontScale="90000"/>
+          </a:bodyPr>
+          <a:lstStyle/>
+          <a:p>
+            <a:r>
+              <a:rPr lang="en-US" dirty="0"/>
+              <a:t>http://moz.com/beginners-guide-to-seo/how-search-engines-operate</a:t>
+            </a:r>
+          </a:p>
+        </p:txBody>
+      </p:sp>
+      <p:sp>
+        <p:nvSpPr>
+          <p:cNvPr id="3" name="Content Placeholder 2"/>
+          <p:cNvSpPr>
+            <a:spLocks noGrp="1"/>
+          </p:cNvSpPr>
+          <p:nvPr>
+            <p:ph idx="1"/>
+          </p:nvPr>
+        </p:nvSpPr>
+        <p:spPr/>
+        <p:txBody>
+          <a:bodyPr>
+            <a:normAutofit/>
+          </a:bodyPr>
+          <a:lstStyle/>
+          <a:p>
+            <a:pPr marL="0" indent="0">
+              <a:buNone/>
+            </a:pPr>
+            <a:r>
+              <a:rPr lang="en-US" dirty="0"/>
+              <a:t>Our assumption </a:t>
+            </a:r>
+            <a:r>
+              <a:rPr lang="en-US" dirty="0" smtClean="0"/>
+              <a:t>is</a:t>
+            </a:r>
+            <a:r>
+              <a:rPr lang="lt-LT" dirty="0" smtClean="0"/>
+              <a:t> </a:t>
+            </a:r>
+            <a:r>
+              <a:rPr lang="en-US" dirty="0" smtClean="0"/>
+              <a:t>that </a:t>
+            </a:r>
+            <a:r>
+              <a:rPr lang="en-US" dirty="0"/>
+              <a:t>users do not know how to best interact with search engines. For that </a:t>
+            </a:r>
+            <a:r>
+              <a:rPr lang="en-US" dirty="0" smtClean="0"/>
+              <a:t>reason</a:t>
+            </a:r>
+            <a:r>
+              <a:rPr lang="lt-LT" dirty="0" smtClean="0"/>
+              <a:t> </a:t>
+            </a:r>
+            <a:r>
+              <a:rPr lang="en-US" dirty="0" smtClean="0"/>
+              <a:t>help </a:t>
+            </a:r>
+            <a:r>
+              <a:rPr lang="en-US" dirty="0"/>
+              <a:t>functions have to be offered so that more intuitive users also can learn to </a:t>
+            </a:r>
+            <a:r>
+              <a:rPr lang="en-US" dirty="0" smtClean="0"/>
+              <a:t>handle</a:t>
+            </a:r>
+            <a:r>
+              <a:rPr lang="lt-LT" dirty="0" smtClean="0"/>
+              <a:t> </a:t>
+            </a:r>
+            <a:r>
+              <a:rPr lang="en-US" dirty="0" smtClean="0"/>
+              <a:t>Internet </a:t>
+            </a:r>
+            <a:r>
+              <a:rPr lang="en-US" dirty="0"/>
+              <a:t>search engines. The next point is the presentation of search </a:t>
+            </a:r>
+            <a:r>
+              <a:rPr lang="en-US" dirty="0" smtClean="0"/>
+              <a:t>results.</a:t>
+            </a:r>
+            <a:r>
+              <a:rPr lang="lt-LT" dirty="0" smtClean="0"/>
+              <a:t> </a:t>
+            </a:r>
+            <a:r>
+              <a:rPr lang="en-US" dirty="0" smtClean="0"/>
+              <a:t>Search </a:t>
+            </a:r>
+            <a:r>
+              <a:rPr lang="en-US" dirty="0"/>
+              <a:t>engine should clearly separate paid listings from organic results. </a:t>
+            </a:r>
+            <a:r>
+              <a:rPr lang="en-US" dirty="0" smtClean="0"/>
+              <a:t>User</a:t>
+            </a:r>
+            <a:r>
+              <a:rPr lang="lt-LT" dirty="0" smtClean="0"/>
+              <a:t> </a:t>
+            </a:r>
+            <a:r>
+              <a:rPr lang="en-US" dirty="0" smtClean="0"/>
+              <a:t>should </a:t>
+            </a:r>
+            <a:r>
+              <a:rPr lang="en-US" dirty="0"/>
+              <a:t>also get the possibility to learn about the functionality of search engines</a:t>
+            </a:r>
+            <a:r>
+              <a:rPr lang="en-US" dirty="0" smtClean="0"/>
+              <a:t>.</a:t>
+            </a:r>
+            <a:r>
+              <a:rPr lang="lt-LT" dirty="0" smtClean="0"/>
+              <a:t> </a:t>
+            </a:r>
+            <a:r>
+              <a:rPr lang="en-US" dirty="0" smtClean="0"/>
+              <a:t>Users </a:t>
+            </a:r>
+            <a:r>
+              <a:rPr lang="en-US" dirty="0"/>
+              <a:t>search often in an intuitive way, for that reason Web search engines </a:t>
+            </a:r>
+            <a:r>
+              <a:rPr lang="en-US" dirty="0" smtClean="0"/>
+              <a:t>should</a:t>
+            </a:r>
+            <a:r>
+              <a:rPr lang="lt-LT" dirty="0" smtClean="0"/>
+              <a:t> </a:t>
+            </a:r>
+            <a:r>
+              <a:rPr lang="en-US" dirty="0" smtClean="0"/>
+              <a:t>give </a:t>
+            </a:r>
+            <a:r>
+              <a:rPr lang="en-US" dirty="0"/>
+              <a:t>accurate results based on very short or very </a:t>
+            </a:r>
+            <a:r>
+              <a:rPr lang="en-US" dirty="0" err="1"/>
+              <a:t>specialised</a:t>
+            </a:r>
+            <a:r>
+              <a:rPr lang="en-US" dirty="0"/>
+              <a:t> Web search queries</a:t>
+            </a:r>
+            <a:r>
+              <a:rPr lang="en-US" dirty="0" smtClean="0"/>
+              <a:t>.</a:t>
+            </a:r>
+            <a:endParaRPr lang="en-US" dirty="0"/>
+          </a:p>
+        </p:txBody>
+      </p:sp>
+    </p:spTree>
+    <p:extLst>
+      <p:ext uri="{BB962C8B-B14F-4D97-AF65-F5344CB8AC3E}">
+        <p14:creationId xmlns:p14="http://schemas.microsoft.com/office/powerpoint/2010/main" val="3002518617"/>
+      </p:ext>
+    </p:extLst>
+  </p:cSld>
+  <p:clrMapOvr>
+    <a:masterClrMapping/>
+  </p:clrMapOvr>
+</p:sld>
+</file>
+
+<file path=ppt/slides/slide28.xml><?xml version="1.0" encoding="utf-8"?>
+<p:sld xmlns:a="http://schemas.openxmlformats.org/drawingml/2006/main" xmlns:r="http://schemas.openxmlformats.org/officeDocument/2006/relationships" xmlns:p="http://schemas.openxmlformats.org/presentationml/2006/main">
+  <p:cSld>
+    <p:spTree>
+      <p:nvGrpSpPr>
+        <p:cNvPr id="1" name=""/>
+        <p:cNvGrpSpPr/>
+        <p:nvPr/>
+      </p:nvGrpSpPr>
+      <p:grpSpPr>
+        <a:xfrm>
+          <a:off x="0" y="0"/>
+          <a:ext cx="0" cy="0"/>
+          <a:chOff x="0" y="0"/>
+          <a:chExt cx="0" cy="0"/>
+        </a:xfrm>
+      </p:grpSpPr>
+      <p:sp>
+        <p:nvSpPr>
+          <p:cNvPr id="2" name="Title 1"/>
+          <p:cNvSpPr>
+            <a:spLocks noGrp="1"/>
+          </p:cNvSpPr>
+          <p:nvPr>
+            <p:ph type="title"/>
+          </p:nvPr>
+        </p:nvSpPr>
+        <p:spPr/>
+        <p:txBody>
+          <a:bodyPr/>
+          <a:lstStyle/>
+          <a:p>
+            <a:endParaRPr lang="en-US"/>
+          </a:p>
+        </p:txBody>
+      </p:sp>
+      <p:sp>
+        <p:nvSpPr>
+          <p:cNvPr id="3" name="Content Placeholder 2"/>
+          <p:cNvSpPr>
+            <a:spLocks noGrp="1"/>
+          </p:cNvSpPr>
+          <p:nvPr>
+            <p:ph idx="1"/>
+          </p:nvPr>
+        </p:nvSpPr>
+        <p:spPr/>
+        <p:txBody>
+          <a:bodyPr/>
+          <a:lstStyle/>
+          <a:p>
+            <a:endParaRPr lang="en-US"/>
+          </a:p>
+        </p:txBody>
+      </p:sp>
+    </p:spTree>
+    <p:extLst>
+      <p:ext uri="{BB962C8B-B14F-4D97-AF65-F5344CB8AC3E}">
+        <p14:creationId xmlns:p14="http://schemas.microsoft.com/office/powerpoint/2010/main" val="81899797"/>
+      </p:ext>
+    </p:extLst>
+  </p:cSld>
+  <p:clrMapOvr>
+    <a:masterClrMapping/>
+  </p:clrMapOvr>
+</p:sld>
+</file>
+
+<file path=ppt/slides/slide3.xml><?xml version="1.0" encoding="utf-8"?>
+<p:sld xmlns:a="http://schemas.openxmlformats.org/drawingml/2006/main" xmlns:r="http://schemas.openxmlformats.org/officeDocument/2006/relationships" xmlns:p="http://schemas.openxmlformats.org/presentationml/2006/main">
+  <p:cSld>
+    <p:spTree>
+      <p:nvGrpSpPr>
+        <p:cNvPr id="1" name=""/>
+        <p:cNvGrpSpPr/>
+        <p:nvPr/>
+      </p:nvGrpSpPr>
+      <p:grpSpPr>
+        <a:xfrm>
+          <a:off x="0" y="0"/>
+          <a:ext cx="0" cy="0"/>
+          <a:chOff x="0" y="0"/>
+          <a:chExt cx="0" cy="0"/>
+        </a:xfrm>
+      </p:grpSpPr>
+      <p:sp>
+        <p:nvSpPr>
+          <p:cNvPr id="2" name="Title 1"/>
+          <p:cNvSpPr>
+            <a:spLocks noGrp="1"/>
+          </p:cNvSpPr>
+          <p:nvPr>
+            <p:ph type="title"/>
+          </p:nvPr>
+        </p:nvSpPr>
+        <p:spPr/>
+        <p:txBody>
+          <a:bodyPr>
+            <a:normAutofit fontScale="90000"/>
+          </a:bodyPr>
+          <a:lstStyle/>
+          <a:p>
+            <a:r>
+              <a:rPr lang="lt-LT" dirty="0"/>
+              <a:t>Ieškodami informacijos ne visada randame to ko ieškome</a:t>
+            </a:r>
+            <a:endParaRPr lang="en-US" dirty="0"/>
+          </a:p>
+        </p:txBody>
+      </p:sp>
+      <p:sp>
+        <p:nvSpPr>
+          <p:cNvPr id="3" name="Content Placeholder 2"/>
+          <p:cNvSpPr>
+            <a:spLocks noGrp="1"/>
+          </p:cNvSpPr>
+          <p:nvPr>
+            <p:ph idx="1"/>
+          </p:nvPr>
+        </p:nvSpPr>
+        <p:spPr/>
+        <p:txBody>
+          <a:bodyPr/>
+          <a:lstStyle/>
+          <a:p>
+            <a:r>
+              <a:rPr lang="lt-LT" dirty="0" smtClean="0"/>
+              <a:t>Paieška iš skirtingos vietovės duoda skirtingus rezultatus. Dauguma paieškos variklių pradėjo prisitaikyti prie kiekvienos šalies kultūros ir paieškos rezultatus pritaiko būtent tai žmonių grupei.</a:t>
+            </a:r>
+            <a:endParaRPr lang="en-US" dirty="0"/>
+          </a:p>
+        </p:txBody>
+      </p:sp>
+    </p:spTree>
+    <p:extLst>
+      <p:ext uri="{BB962C8B-B14F-4D97-AF65-F5344CB8AC3E}">
+        <p14:creationId xmlns:p14="http://schemas.microsoft.com/office/powerpoint/2010/main" val="1675878671"/>
+      </p:ext>
+    </p:extLst>
+  </p:cSld>
+  <p:clrMapOvr>
+    <a:masterClrMapping/>
+  </p:clrMapOvr>
+</p:sld>
+</file>
+
+<file path=ppt/slides/slide4.xml><?xml version="1.0" encoding="utf-8"?>
+<p:sld xmlns:a="http://schemas.openxmlformats.org/drawingml/2006/main" xmlns:r="http://schemas.openxmlformats.org/officeDocument/2006/relationships" xmlns:p="http://schemas.openxmlformats.org/presentationml/2006/main">
+  <p:cSld>
+    <p:spTree>
+      <p:nvGrpSpPr>
+        <p:cNvPr id="1" name=""/>
+        <p:cNvGrpSpPr/>
+        <p:nvPr/>
+      </p:nvGrpSpPr>
+      <p:grpSpPr>
+        <a:xfrm>
+          <a:off x="0" y="0"/>
+          <a:ext cx="0" cy="0"/>
+          <a:chOff x="0" y="0"/>
+          <a:chExt cx="0" cy="0"/>
+        </a:xfrm>
+      </p:grpSpPr>
+      <p:sp>
+        <p:nvSpPr>
+          <p:cNvPr id="2" name="Title 1"/>
+          <p:cNvSpPr>
+            <a:spLocks noGrp="1"/>
+          </p:cNvSpPr>
+          <p:nvPr>
+            <p:ph type="title"/>
+          </p:nvPr>
+        </p:nvSpPr>
+        <p:spPr/>
+        <p:txBody>
+          <a:bodyPr>
+            <a:normAutofit fontScale="90000"/>
+          </a:bodyPr>
+          <a:lstStyle/>
+          <a:p>
+            <a:r>
+              <a:rPr lang="lt-LT" dirty="0" smtClean="0"/>
+              <a:t>Informacijos paieškos rezultatų kokybė</a:t>
+            </a:r>
+            <a:endParaRPr lang="en-US" dirty="0"/>
+          </a:p>
+        </p:txBody>
+      </p:sp>
+      <p:sp>
+        <p:nvSpPr>
+          <p:cNvPr id="3" name="Content Placeholder 2"/>
+          <p:cNvSpPr>
+            <a:spLocks noGrp="1"/>
+          </p:cNvSpPr>
+          <p:nvPr>
+            <p:ph idx="1"/>
+          </p:nvPr>
+        </p:nvSpPr>
+        <p:spPr/>
+        <p:txBody>
+          <a:bodyPr/>
+          <a:lstStyle/>
+          <a:p>
+            <a:r>
+              <a:rPr lang="lt-LT" dirty="0" smtClean="0"/>
+              <a:t>Paieškos sistemą apgauti darosi vis sunkiau, bet tai vis dar yra didelė problema.</a:t>
+            </a:r>
+          </a:p>
+          <a:p>
+            <a:pPr marL="0" indent="0">
+              <a:buNone/>
+            </a:pPr>
+            <a:r>
+              <a:rPr lang="lt-LT" dirty="0" smtClean="0"/>
+              <a:t>Mes savo pristatymui iškėlėme tikslą sužinoti:</a:t>
+            </a:r>
+          </a:p>
+          <a:p>
+            <a:r>
+              <a:rPr lang="lt-LT" dirty="0" smtClean="0"/>
+              <a:t>Nuo ko priklauso paieškos rezultatų kokybė</a:t>
+            </a:r>
+          </a:p>
+          <a:p>
+            <a:r>
+              <a:rPr lang="lt-LT" dirty="0" smtClean="0"/>
+              <a:t>Kaip naudojantis paieškos sistemomis pagerinti gaunamų rezultatų kokybę.</a:t>
+            </a:r>
+          </a:p>
+        </p:txBody>
+      </p:sp>
+    </p:spTree>
+    <p:extLst>
+      <p:ext uri="{BB962C8B-B14F-4D97-AF65-F5344CB8AC3E}">
+        <p14:creationId xmlns:p14="http://schemas.microsoft.com/office/powerpoint/2010/main" val="2877360546"/>
+      </p:ext>
+    </p:extLst>
+  </p:cSld>
+  <p:clrMapOvr>
+    <a:masterClrMapping/>
+  </p:clrMapOvr>
+</p:sld>
+</file>
+
 <file path=ppt/slides/slide5.xml><?xml version="1.0" encoding="utf-8"?>
 <p:sld xmlns:a="http://schemas.openxmlformats.org/drawingml/2006/main" xmlns:r="http://schemas.openxmlformats.org/officeDocument/2006/relationships" xmlns:p="http://schemas.openxmlformats.org/presentationml/2006/main">
   <p:cSld>
@@ -7689,21 +11991,14 @@
             <p:ph type="title"/>
           </p:nvPr>
         </p:nvSpPr>
-        <p:spPr>
-          <a:xfrm>
-            <a:off x="838200" y="365125"/>
-            <a:ext cx="10515600" cy="2323211"/>
-          </a:xfrm>
-        </p:spPr>
-        <p:txBody>
-          <a:bodyPr>
-            <a:normAutofit/>
-          </a:bodyPr>
+        <p:spPr/>
+        <p:txBody>
+          <a:bodyPr/>
           <a:lstStyle/>
           <a:p>
             <a:r>
               <a:rPr lang="lt-LT" dirty="0" smtClean="0"/>
-              <a:t>Paieškos rezultatų kokybė – tai rezultatų tinkamumas vartotojo poreikiams pagal šiuos kriterijus.</a:t>
+              <a:t>Kasdieninė informacijos paieška</a:t>
             </a:r>
             <a:endParaRPr lang="en-US" dirty="0"/>
           </a:p>
@@ -7719,20 +12014,42 @@
             <p:ph idx="1"/>
           </p:nvPr>
         </p:nvSpPr>
-        <p:spPr>
-          <a:xfrm>
-            <a:off x="1120000" y="2926081"/>
-            <a:ext cx="10233800" cy="3250882"/>
-          </a:xfrm>
-        </p:spPr>
+        <p:spPr/>
         <p:txBody>
           <a:bodyPr/>
           <a:lstStyle/>
           <a:p>
+            <a:pPr marL="0" indent="0">
+              <a:buNone/>
+            </a:pPr>
             <a:r>
               <a:rPr lang="lt-LT" dirty="0" smtClean="0"/>
-              <a:t>Greitas norimo dalyko radimas</a:t>
-            </a:r>
+              <a:t>Dažniausiai vykdomos paieškos yra 3 tipų:</a:t>
+            </a:r>
+          </a:p>
+          <a:p>
+            <a:r>
+              <a:rPr lang="lt-LT" dirty="0" smtClean="0"/>
+              <a:t>Svetainės/vietos paieška</a:t>
+            </a:r>
+          </a:p>
+          <a:p>
+            <a:r>
+              <a:rPr lang="lt-LT" dirty="0" smtClean="0"/>
+              <a:t>Informacijos paieška</a:t>
+            </a:r>
+          </a:p>
+          <a:p>
+            <a:r>
+              <a:rPr lang="lt-LT" dirty="0" smtClean="0"/>
+              <a:t>Potencialių pirkinių paieška</a:t>
+            </a:r>
+          </a:p>
+          <a:p>
+            <a:endParaRPr lang="lt-LT" dirty="0" smtClean="0"/>
+          </a:p>
+          <a:p>
+            <a:endParaRPr lang="lt-LT" dirty="0" smtClean="0"/>
           </a:p>
           <a:p>
             <a:endParaRPr lang="en-US" dirty="0"/>
@@ -7742,7 +12059,7 @@
     </p:spTree>
     <p:extLst>
       <p:ext uri="{BB962C8B-B14F-4D97-AF65-F5344CB8AC3E}">
-        <p14:creationId xmlns:p14="http://schemas.microsoft.com/office/powerpoint/2010/main" val="2670748251"/>
+        <p14:creationId xmlns:p14="http://schemas.microsoft.com/office/powerpoint/2010/main" val="3346253169"/>
       </p:ext>
     </p:extLst>
   </p:cSld>
@@ -7781,36 +12098,415 @@
         </p:nvSpPr>
         <p:spPr/>
         <p:txBody>
+          <a:bodyPr>
+            <a:normAutofit fontScale="90000"/>
+          </a:bodyPr>
+          <a:lstStyle/>
+          <a:p>
+            <a:r>
+              <a:rPr lang="lt-LT" dirty="0"/>
+              <a:t>Svetainės/vietos paieška</a:t>
+            </a:r>
+            <a:br>
+              <a:rPr lang="lt-LT" dirty="0"/>
+            </a:br>
+            <a:endParaRPr lang="en-US" dirty="0"/>
+          </a:p>
+        </p:txBody>
+      </p:sp>
+      <p:sp>
+        <p:nvSpPr>
+          <p:cNvPr id="3" name="Content Placeholder 2"/>
+          <p:cNvSpPr>
+            <a:spLocks noGrp="1"/>
+          </p:cNvSpPr>
+          <p:nvPr>
+            <p:ph idx="1"/>
+          </p:nvPr>
+        </p:nvSpPr>
+        <p:spPr/>
+        <p:txBody>
           <a:bodyPr/>
           <a:lstStyle/>
           <a:p>
-            <a:endParaRPr lang="en-US"/>
-          </a:p>
-        </p:txBody>
-      </p:sp>
-      <p:sp>
-        <p:nvSpPr>
-          <p:cNvPr id="3" name="Content Placeholder 2"/>
-          <p:cNvSpPr>
-            <a:spLocks noGrp="1"/>
-          </p:cNvSpPr>
-          <p:nvPr>
-            <p:ph idx="1"/>
-          </p:nvPr>
-        </p:nvSpPr>
-        <p:spPr/>
-        <p:txBody>
-          <a:bodyPr/>
-          <a:lstStyle/>
-          <a:p>
-            <a:endParaRPr lang="en-US"/>
-          </a:p>
-        </p:txBody>
-      </p:sp>
+            <a:pPr marL="0" indent="0">
+              <a:buNone/>
+            </a:pPr>
+            <a:r>
+              <a:rPr lang="lt-LT" dirty="0" smtClean="0"/>
+              <a:t>Šis paieškos tipas dažniausiai naudojamas kai vartotojas nori:</a:t>
+            </a:r>
+          </a:p>
+          <a:p>
+            <a:r>
+              <a:rPr lang="lt-LT" dirty="0" smtClean="0"/>
+              <a:t>Patekti į svetainę kai žino tik dalį jos pavadinimo.</a:t>
+            </a:r>
+          </a:p>
+          <a:p>
+            <a:pPr marL="0" indent="0">
+              <a:buNone/>
+            </a:pPr>
+            <a:endParaRPr lang="en-US" dirty="0"/>
+          </a:p>
+        </p:txBody>
+      </p:sp>
+      <p:pic>
+        <p:nvPicPr>
+          <p:cNvPr id="4" name="Picture 3"/>
+          <p:cNvPicPr>
+            <a:picLocks noChangeAspect="1"/>
+          </p:cNvPicPr>
+          <p:nvPr/>
+        </p:nvPicPr>
+        <p:blipFill>
+          <a:blip r:embed="rId3"/>
+          <a:stretch>
+            <a:fillRect/>
+          </a:stretch>
+        </p:blipFill>
+        <p:spPr>
+          <a:xfrm>
+            <a:off x="1419767" y="2995287"/>
+            <a:ext cx="5559768" cy="3316613"/>
+          </a:xfrm>
+          <a:prstGeom prst="rect">
+            <a:avLst/>
+          </a:prstGeom>
+        </p:spPr>
+      </p:pic>
     </p:spTree>
     <p:extLst>
       <p:ext uri="{BB962C8B-B14F-4D97-AF65-F5344CB8AC3E}">
-        <p14:creationId xmlns:p14="http://schemas.microsoft.com/office/powerpoint/2010/main" val="2825486015"/>
+        <p14:creationId xmlns:p14="http://schemas.microsoft.com/office/powerpoint/2010/main" val="3479650101"/>
+      </p:ext>
+    </p:extLst>
+  </p:cSld>
+  <p:clrMapOvr>
+    <a:masterClrMapping/>
+  </p:clrMapOvr>
+</p:sld>
+</file>
+
+<file path=ppt/slides/slide7.xml><?xml version="1.0" encoding="utf-8"?>
+<p:sld xmlns:a="http://schemas.openxmlformats.org/drawingml/2006/main" xmlns:r="http://schemas.openxmlformats.org/officeDocument/2006/relationships" xmlns:p="http://schemas.openxmlformats.org/presentationml/2006/main">
+  <p:cSld>
+    <p:spTree>
+      <p:nvGrpSpPr>
+        <p:cNvPr id="1" name=""/>
+        <p:cNvGrpSpPr/>
+        <p:nvPr/>
+      </p:nvGrpSpPr>
+      <p:grpSpPr>
+        <a:xfrm>
+          <a:off x="0" y="0"/>
+          <a:ext cx="0" cy="0"/>
+          <a:chOff x="0" y="0"/>
+          <a:chExt cx="0" cy="0"/>
+        </a:xfrm>
+      </p:grpSpPr>
+      <p:sp>
+        <p:nvSpPr>
+          <p:cNvPr id="2" name="Title 1"/>
+          <p:cNvSpPr>
+            <a:spLocks noGrp="1"/>
+          </p:cNvSpPr>
+          <p:nvPr>
+            <p:ph type="title"/>
+          </p:nvPr>
+        </p:nvSpPr>
+        <p:spPr/>
+        <p:txBody>
+          <a:bodyPr>
+            <a:normAutofit fontScale="90000"/>
+          </a:bodyPr>
+          <a:lstStyle/>
+          <a:p>
+            <a:r>
+              <a:rPr lang="lt-LT" dirty="0"/>
+              <a:t>Informacijos paieška</a:t>
+            </a:r>
+            <a:br>
+              <a:rPr lang="lt-LT" dirty="0"/>
+            </a:br>
+            <a:endParaRPr lang="en-US" dirty="0"/>
+          </a:p>
+        </p:txBody>
+      </p:sp>
+      <p:sp>
+        <p:nvSpPr>
+          <p:cNvPr id="3" name="Content Placeholder 2"/>
+          <p:cNvSpPr>
+            <a:spLocks noGrp="1"/>
+          </p:cNvSpPr>
+          <p:nvPr>
+            <p:ph idx="1"/>
+          </p:nvPr>
+        </p:nvSpPr>
+        <p:spPr/>
+        <p:txBody>
+          <a:bodyPr/>
+          <a:lstStyle/>
+          <a:p>
+            <a:pPr marL="0" indent="0">
+              <a:buNone/>
+            </a:pPr>
+            <a:r>
+              <a:rPr lang="lt-LT" dirty="0"/>
+              <a:t>Šis paieškos tipas dažniausiai naudojamas kai vartotojas nori:</a:t>
+            </a:r>
+          </a:p>
+          <a:p>
+            <a:r>
+              <a:rPr lang="lt-LT" dirty="0" smtClean="0"/>
+              <a:t>Rasti kurios nors temos informacijos.</a:t>
+            </a:r>
+          </a:p>
+          <a:p>
+            <a:r>
+              <a:rPr lang="lt-LT" dirty="0" smtClean="0"/>
+              <a:t>Rasti atsakymą į turimą klausimą.</a:t>
+            </a:r>
+          </a:p>
+          <a:p>
+            <a:r>
+              <a:rPr lang="lt-LT" dirty="0" smtClean="0"/>
+              <a:t>Naršyti internetą nežinodamas ko ieško.</a:t>
+            </a:r>
+          </a:p>
+          <a:p>
+            <a:r>
+              <a:rPr lang="lt-LT" dirty="0" smtClean="0"/>
+              <a:t>Išmokti ką nors.</a:t>
+            </a:r>
+          </a:p>
+          <a:p>
+            <a:endParaRPr lang="lt-LT" dirty="0" smtClean="0"/>
+          </a:p>
+          <a:p>
+            <a:endParaRPr lang="lt-LT" dirty="0" smtClean="0"/>
+          </a:p>
+          <a:p>
+            <a:endParaRPr lang="en-US" dirty="0"/>
+          </a:p>
+        </p:txBody>
+      </p:sp>
+    </p:spTree>
+    <p:extLst>
+      <p:ext uri="{BB962C8B-B14F-4D97-AF65-F5344CB8AC3E}">
+        <p14:creationId xmlns:p14="http://schemas.microsoft.com/office/powerpoint/2010/main" val="1796887625"/>
+      </p:ext>
+    </p:extLst>
+  </p:cSld>
+  <p:clrMapOvr>
+    <a:masterClrMapping/>
+  </p:clrMapOvr>
+</p:sld>
+</file>
+
+<file path=ppt/slides/slide8.xml><?xml version="1.0" encoding="utf-8"?>
+<p:sld xmlns:a="http://schemas.openxmlformats.org/drawingml/2006/main" xmlns:r="http://schemas.openxmlformats.org/officeDocument/2006/relationships" xmlns:p="http://schemas.openxmlformats.org/presentationml/2006/main">
+  <p:cSld>
+    <p:spTree>
+      <p:nvGrpSpPr>
+        <p:cNvPr id="1" name=""/>
+        <p:cNvGrpSpPr/>
+        <p:nvPr/>
+      </p:nvGrpSpPr>
+      <p:grpSpPr>
+        <a:xfrm>
+          <a:off x="0" y="0"/>
+          <a:ext cx="0" cy="0"/>
+          <a:chOff x="0" y="0"/>
+          <a:chExt cx="0" cy="0"/>
+        </a:xfrm>
+      </p:grpSpPr>
+      <p:sp>
+        <p:nvSpPr>
+          <p:cNvPr id="2" name="Title 1"/>
+          <p:cNvSpPr>
+            <a:spLocks noGrp="1"/>
+          </p:cNvSpPr>
+          <p:nvPr>
+            <p:ph type="title"/>
+          </p:nvPr>
+        </p:nvSpPr>
+        <p:spPr/>
+        <p:txBody>
+          <a:bodyPr>
+            <a:normAutofit fontScale="90000"/>
+          </a:bodyPr>
+          <a:lstStyle/>
+          <a:p>
+            <a:r>
+              <a:rPr lang="lt-LT" dirty="0"/>
+              <a:t>Potencialių pirkinių paieška</a:t>
+            </a:r>
+            <a:br>
+              <a:rPr lang="lt-LT" dirty="0"/>
+            </a:br>
+            <a:endParaRPr lang="en-US" dirty="0"/>
+          </a:p>
+        </p:txBody>
+      </p:sp>
+      <p:sp>
+        <p:nvSpPr>
+          <p:cNvPr id="3" name="Content Placeholder 2"/>
+          <p:cNvSpPr>
+            <a:spLocks noGrp="1"/>
+          </p:cNvSpPr>
+          <p:nvPr>
+            <p:ph idx="1"/>
+          </p:nvPr>
+        </p:nvSpPr>
+        <p:spPr/>
+        <p:txBody>
+          <a:bodyPr/>
+          <a:lstStyle/>
+          <a:p>
+            <a:pPr marL="0" indent="0">
+              <a:buNone/>
+            </a:pPr>
+            <a:r>
+              <a:rPr lang="lt-LT" dirty="0"/>
+              <a:t>Šis paieškos tipas dažniausiai naudojamas kai vartotojas nori:</a:t>
+            </a:r>
+          </a:p>
+          <a:p>
+            <a:r>
+              <a:rPr lang="lt-LT" dirty="0" smtClean="0"/>
+              <a:t>Nusipirkti kokį nors daiktą ir žino jo pavadinimą.</a:t>
+            </a:r>
+          </a:p>
+          <a:p>
+            <a:r>
+              <a:rPr lang="lt-LT" dirty="0" smtClean="0"/>
+              <a:t>Užsiregistruoti kurioje nors svetainėje.</a:t>
+            </a:r>
+          </a:p>
+          <a:p>
+            <a:r>
+              <a:rPr lang="lt-LT" dirty="0" smtClean="0"/>
+              <a:t>Užsisakyti ką nors internetu.</a:t>
+            </a:r>
+          </a:p>
+          <a:p>
+            <a:endParaRPr lang="lt-LT" dirty="0" smtClean="0"/>
+          </a:p>
+          <a:p>
+            <a:endParaRPr lang="en-US" dirty="0"/>
+          </a:p>
+        </p:txBody>
+      </p:sp>
+    </p:spTree>
+    <p:extLst>
+      <p:ext uri="{BB962C8B-B14F-4D97-AF65-F5344CB8AC3E}">
+        <p14:creationId xmlns:p14="http://schemas.microsoft.com/office/powerpoint/2010/main" val="3661259502"/>
+      </p:ext>
+    </p:extLst>
+  </p:cSld>
+  <p:clrMapOvr>
+    <a:masterClrMapping/>
+  </p:clrMapOvr>
+</p:sld>
+</file>
+
+<file path=ppt/slides/slide9.xml><?xml version="1.0" encoding="utf-8"?>
+<p:sld xmlns:a="http://schemas.openxmlformats.org/drawingml/2006/main" xmlns:r="http://schemas.openxmlformats.org/officeDocument/2006/relationships" xmlns:p="http://schemas.openxmlformats.org/presentationml/2006/main">
+  <p:cSld>
+    <p:spTree>
+      <p:nvGrpSpPr>
+        <p:cNvPr id="1" name=""/>
+        <p:cNvGrpSpPr/>
+        <p:nvPr/>
+      </p:nvGrpSpPr>
+      <p:grpSpPr>
+        <a:xfrm>
+          <a:off x="0" y="0"/>
+          <a:ext cx="0" cy="0"/>
+          <a:chOff x="0" y="0"/>
+          <a:chExt cx="0" cy="0"/>
+        </a:xfrm>
+      </p:grpSpPr>
+      <p:sp>
+        <p:nvSpPr>
+          <p:cNvPr id="2" name="Title 1"/>
+          <p:cNvSpPr>
+            <a:spLocks noGrp="1"/>
+          </p:cNvSpPr>
+          <p:nvPr>
+            <p:ph type="title"/>
+          </p:nvPr>
+        </p:nvSpPr>
+        <p:spPr>
+          <a:xfrm>
+            <a:off x="838200" y="365125"/>
+            <a:ext cx="10515600" cy="2323211"/>
+          </a:xfrm>
+        </p:spPr>
+        <p:txBody>
+          <a:bodyPr>
+            <a:normAutofit fontScale="90000"/>
+          </a:bodyPr>
+          <a:lstStyle/>
+          <a:p>
+            <a:r>
+              <a:rPr lang="lt-LT" dirty="0" smtClean="0"/>
+              <a:t>Paieškos rezultatų kokybė – tai rezultatų tinkamumas vartotojo poreikiams. Ji nusakoma pagal šiuos kriterijus.</a:t>
+            </a:r>
+            <a:endParaRPr lang="en-US" dirty="0"/>
+          </a:p>
+        </p:txBody>
+      </p:sp>
+      <p:sp>
+        <p:nvSpPr>
+          <p:cNvPr id="3" name="Content Placeholder 2"/>
+          <p:cNvSpPr>
+            <a:spLocks noGrp="1"/>
+          </p:cNvSpPr>
+          <p:nvPr>
+            <p:ph idx="1"/>
+          </p:nvPr>
+        </p:nvSpPr>
+        <p:spPr>
+          <a:xfrm>
+            <a:off x="1120000" y="2926081"/>
+            <a:ext cx="10233800" cy="3250882"/>
+          </a:xfrm>
+        </p:spPr>
+        <p:txBody>
+          <a:bodyPr/>
+          <a:lstStyle/>
+          <a:p>
+            <a:pPr marL="0" indent="0">
+              <a:buNone/>
+            </a:pPr>
+            <a:r>
+              <a:rPr lang="lt-LT" dirty="0" smtClean="0"/>
+              <a:t>Paieškos rezultatų kokybė vertinama iš 2 perspektyvų:</a:t>
+            </a:r>
+          </a:p>
+          <a:p>
+            <a:r>
+              <a:rPr lang="lt-LT" dirty="0" smtClean="0"/>
+              <a:t>Sistemos pusės.</a:t>
+            </a:r>
+          </a:p>
+          <a:p>
+            <a:r>
+              <a:rPr lang="lt-LT" dirty="0" smtClean="0"/>
+              <a:t>Vartotojo pusės.</a:t>
+            </a:r>
+          </a:p>
+          <a:p>
+            <a:endParaRPr lang="en-US" dirty="0"/>
+          </a:p>
+        </p:txBody>
+      </p:sp>
+    </p:spTree>
+    <p:extLst>
+      <p:ext uri="{BB962C8B-B14F-4D97-AF65-F5344CB8AC3E}">
+        <p14:creationId xmlns:p14="http://schemas.microsoft.com/office/powerpoint/2010/main" val="2670748251"/>
       </p:ext>
     </p:extLst>
   </p:cSld>

--- a/IIS pristatymas/Žiniatinklio paieškos rezultatų kokybės vertinimas.pptx
+++ b/IIS pristatymas/Žiniatinklio paieškos rezultatų kokybės vertinimas.pptx
@@ -5,7 +5,7 @@
     <p:sldMasterId id="2147483669" r:id="rId1"/>
   </p:sldMasterIdLst>
   <p:notesMasterIdLst>
-    <p:notesMasterId r:id="rId30"/>
+    <p:notesMasterId r:id="rId27"/>
   </p:notesMasterIdLst>
   <p:sldIdLst>
     <p:sldId id="256" r:id="rId2"/>
@@ -21,21 +21,18 @@
     <p:sldId id="282" r:id="rId12"/>
     <p:sldId id="279" r:id="rId13"/>
     <p:sldId id="283" r:id="rId14"/>
-    <p:sldId id="270" r:id="rId15"/>
-    <p:sldId id="281" r:id="rId16"/>
-    <p:sldId id="278" r:id="rId17"/>
+    <p:sldId id="281" r:id="rId15"/>
+    <p:sldId id="278" r:id="rId16"/>
+    <p:sldId id="285" r:id="rId17"/>
     <p:sldId id="259" r:id="rId18"/>
     <p:sldId id="261" r:id="rId19"/>
     <p:sldId id="262" r:id="rId20"/>
     <p:sldId id="263" r:id="rId21"/>
     <p:sldId id="264" r:id="rId22"/>
     <p:sldId id="265" r:id="rId23"/>
-    <p:sldId id="266" r:id="rId24"/>
-    <p:sldId id="267" r:id="rId25"/>
-    <p:sldId id="268" r:id="rId26"/>
-    <p:sldId id="269" r:id="rId27"/>
-    <p:sldId id="271" r:id="rId28"/>
-    <p:sldId id="272" r:id="rId29"/>
+    <p:sldId id="269" r:id="rId24"/>
+    <p:sldId id="271" r:id="rId25"/>
+    <p:sldId id="284" r:id="rId26"/>
   </p:sldIdLst>
   <p:sldSz cx="12192000" cy="6858000"/>
   <p:notesSz cx="6858000" cy="9144000"/>
@@ -224,7 +221,7 @@
           <a:p>
             <a:fld id="{0A4EB30B-08BE-4E7C-B78A-7B1AB221045B}" type="datetimeFigureOut">
               <a:rPr lang="en-US" smtClean="0"/>
-              <a:t>2014-11-13</a:t>
+              <a:t>2014-11-15</a:t>
             </a:fld>
             <a:endParaRPr lang="en-US"/>
           </a:p>
@@ -536,248 +533,6 @@
           <a:bodyPr/>
           <a:lstStyle/>
           <a:p>
-            <a:endParaRPr lang="en-US" sz="1200" b="0" i="0" u="none" strike="noStrike" kern="1200" baseline="0" dirty="0" smtClean="0">
-              <a:solidFill>
-                <a:schemeClr val="tx1"/>
-              </a:solidFill>
-              <a:latin typeface="+mn-lt"/>
-              <a:ea typeface="+mn-ea"/>
-              <a:cs typeface="+mn-cs"/>
-            </a:endParaRPr>
-          </a:p>
-          <a:p>
-            <a:r>
-              <a:rPr lang="en-US" sz="1200" b="0" i="0" u="none" strike="noStrike" kern="1200" baseline="0" dirty="0" smtClean="0">
-                <a:solidFill>
-                  <a:schemeClr val="tx1"/>
-                </a:solidFill>
-                <a:latin typeface="+mn-lt"/>
-                <a:ea typeface="+mn-ea"/>
-                <a:cs typeface="+mn-cs"/>
-              </a:rPr>
-              <a:t>● System-</a:t>
-            </a:r>
-            <a:r>
-              <a:rPr lang="en-US" sz="1200" b="0" i="0" u="none" strike="noStrike" kern="1200" baseline="0" dirty="0" err="1" smtClean="0">
-                <a:solidFill>
-                  <a:schemeClr val="tx1"/>
-                </a:solidFill>
-                <a:latin typeface="+mn-lt"/>
-                <a:ea typeface="+mn-ea"/>
-                <a:cs typeface="+mn-cs"/>
-              </a:rPr>
-              <a:t>centred</a:t>
-            </a:r>
-            <a:r>
-              <a:rPr lang="en-US" sz="1200" b="0" i="0" u="none" strike="noStrike" kern="1200" baseline="0" dirty="0" smtClean="0">
-                <a:solidFill>
-                  <a:schemeClr val="tx1"/>
-                </a:solidFill>
-                <a:latin typeface="+mn-lt"/>
-                <a:ea typeface="+mn-ea"/>
-                <a:cs typeface="+mn-cs"/>
-              </a:rPr>
-              <a:t> evaluation levels: Engineering level (e.g., hardware or software</a:t>
-            </a:r>
-          </a:p>
-          <a:p>
-            <a:r>
-              <a:rPr lang="en-US" sz="1200" b="0" i="0" u="none" strike="noStrike" kern="1200" baseline="0" dirty="0" smtClean="0">
-                <a:solidFill>
-                  <a:schemeClr val="tx1"/>
-                </a:solidFill>
-                <a:latin typeface="+mn-lt"/>
-                <a:ea typeface="+mn-ea"/>
-                <a:cs typeface="+mn-cs"/>
-              </a:rPr>
-              <a:t>performance), input level (coverage of the designated area), and processing level</a:t>
-            </a:r>
-          </a:p>
-          <a:p>
-            <a:r>
-              <a:rPr lang="en-US" sz="1200" b="0" i="0" u="none" strike="noStrike" kern="1200" baseline="0" dirty="0" smtClean="0">
-                <a:solidFill>
-                  <a:schemeClr val="tx1"/>
-                </a:solidFill>
-                <a:latin typeface="+mn-lt"/>
-                <a:ea typeface="+mn-ea"/>
-                <a:cs typeface="+mn-cs"/>
-              </a:rPr>
-              <a:t>(e.g., performance of algorithms ).</a:t>
-            </a:r>
-          </a:p>
-          <a:p>
-            <a:r>
-              <a:rPr lang="en-US" sz="1200" b="0" i="0" u="none" strike="noStrike" kern="1200" baseline="0" dirty="0" smtClean="0">
-                <a:solidFill>
-                  <a:schemeClr val="tx1"/>
-                </a:solidFill>
-                <a:latin typeface="+mn-lt"/>
-                <a:ea typeface="+mn-ea"/>
-                <a:cs typeface="+mn-cs"/>
-              </a:rPr>
-              <a:t>● User-</a:t>
-            </a:r>
-            <a:r>
-              <a:rPr lang="en-US" sz="1200" b="0" i="0" u="none" strike="noStrike" kern="1200" baseline="0" dirty="0" err="1" smtClean="0">
-                <a:solidFill>
-                  <a:schemeClr val="tx1"/>
-                </a:solidFill>
-                <a:latin typeface="+mn-lt"/>
-                <a:ea typeface="+mn-ea"/>
-                <a:cs typeface="+mn-cs"/>
-              </a:rPr>
-              <a:t>centred</a:t>
-            </a:r>
-            <a:r>
-              <a:rPr lang="en-US" sz="1200" b="0" i="0" u="none" strike="noStrike" kern="1200" baseline="0" dirty="0" smtClean="0">
-                <a:solidFill>
-                  <a:schemeClr val="tx1"/>
-                </a:solidFill>
-                <a:latin typeface="+mn-lt"/>
-                <a:ea typeface="+mn-ea"/>
-                <a:cs typeface="+mn-cs"/>
-              </a:rPr>
-              <a:t> evaluation levels: Output level (interaction with the system, feedback),</a:t>
-            </a:r>
-          </a:p>
-          <a:p>
-            <a:r>
-              <a:rPr lang="en-US" sz="1200" b="0" i="0" u="none" strike="noStrike" kern="1200" baseline="0" dirty="0" smtClean="0">
-                <a:solidFill>
-                  <a:schemeClr val="tx1"/>
-                </a:solidFill>
-                <a:latin typeface="+mn-lt"/>
-                <a:ea typeface="+mn-ea"/>
-                <a:cs typeface="+mn-cs"/>
-              </a:rPr>
-              <a:t>use and user level (</a:t>
-            </a:r>
-            <a:r>
-              <a:rPr lang="en-US" sz="1200" b="0" i="0" u="none" strike="noStrike" kern="1200" baseline="0" dirty="0" err="1" smtClean="0">
-                <a:solidFill>
-                  <a:schemeClr val="tx1"/>
-                </a:solidFill>
-                <a:latin typeface="+mn-lt"/>
-                <a:ea typeface="+mn-ea"/>
-                <a:cs typeface="+mn-cs"/>
-              </a:rPr>
-              <a:t>wh</a:t>
-            </a:r>
-            <a:r>
-              <a:rPr lang="lt-LT" sz="1200" b="0" i="0" u="none" strike="noStrike" kern="1200" baseline="0" dirty="0" smtClean="0">
-                <a:solidFill>
-                  <a:schemeClr val="tx1"/>
-                </a:solidFill>
-                <a:latin typeface="+mn-lt"/>
-                <a:ea typeface="+mn-ea"/>
-                <a:cs typeface="+mn-cs"/>
-              </a:rPr>
-              <a:t> </a:t>
-            </a:r>
-            <a:r>
-              <a:rPr lang="en-US" sz="1200" b="0" i="0" u="none" strike="noStrike" kern="1200" baseline="0" dirty="0" smtClean="0">
-                <a:solidFill>
-                  <a:schemeClr val="tx1"/>
-                </a:solidFill>
-                <a:latin typeface="+mn-lt"/>
-                <a:ea typeface="+mn-ea"/>
-                <a:cs typeface="+mn-cs"/>
-              </a:rPr>
-              <a:t>tasks are raised), and social level (which takes into account the impact on the</a:t>
-            </a:r>
-          </a:p>
-          <a:p>
-            <a:r>
-              <a:rPr lang="en-US" sz="1200" b="0" i="0" u="none" strike="noStrike" kern="1200" baseline="0" dirty="0" smtClean="0">
-                <a:solidFill>
-                  <a:schemeClr val="tx1"/>
-                </a:solidFill>
-                <a:latin typeface="+mn-lt"/>
-                <a:ea typeface="+mn-ea"/>
-                <a:cs typeface="+mn-cs"/>
-              </a:rPr>
-              <a:t>environment).ere questions of application to</a:t>
-            </a:r>
-            <a:endParaRPr lang="lt-LT" sz="1200" b="0" i="0" u="none" strike="noStrike" kern="1200" baseline="0" dirty="0" smtClean="0">
-              <a:solidFill>
-                <a:schemeClr val="tx1"/>
-              </a:solidFill>
-              <a:latin typeface="+mn-lt"/>
-              <a:ea typeface="+mn-ea"/>
-              <a:cs typeface="+mn-cs"/>
-            </a:endParaRPr>
-          </a:p>
-          <a:p>
-            <a:endParaRPr lang="lt-LT" sz="1200" b="0" i="0" u="none" strike="noStrike" kern="1200" baseline="0" dirty="0" smtClean="0">
-              <a:solidFill>
-                <a:schemeClr val="tx1"/>
-              </a:solidFill>
-              <a:latin typeface="+mn-lt"/>
-              <a:ea typeface="+mn-ea"/>
-              <a:cs typeface="+mn-cs"/>
-            </a:endParaRPr>
-          </a:p>
-          <a:p>
-            <a:r>
-              <a:rPr lang="en-US" sz="1200" b="0" i="0" u="none" strike="noStrike" kern="1200" baseline="0" dirty="0" smtClean="0">
-                <a:solidFill>
-                  <a:schemeClr val="tx1"/>
-                </a:solidFill>
-                <a:latin typeface="+mn-lt"/>
-                <a:ea typeface="+mn-ea"/>
-                <a:cs typeface="+mn-cs"/>
-              </a:rPr>
-              <a:t>In our opinion, this also applies to the evaluation of search engines. Only a</a:t>
-            </a:r>
-          </a:p>
-          <a:p>
-            <a:r>
-              <a:rPr lang="en-US" sz="1200" b="0" i="0" u="none" strike="noStrike" kern="1200" baseline="0" dirty="0" smtClean="0">
-                <a:solidFill>
-                  <a:schemeClr val="tx1"/>
-                </a:solidFill>
-                <a:latin typeface="+mn-lt"/>
-                <a:ea typeface="+mn-ea"/>
-                <a:cs typeface="+mn-cs"/>
-              </a:rPr>
-              <a:t>combination of both, system and user-</a:t>
-            </a:r>
-            <a:r>
-              <a:rPr lang="en-US" sz="1200" b="0" i="0" u="none" strike="noStrike" kern="1200" baseline="0" dirty="0" err="1" smtClean="0">
-                <a:solidFill>
-                  <a:schemeClr val="tx1"/>
-                </a:solidFill>
-                <a:latin typeface="+mn-lt"/>
-                <a:ea typeface="+mn-ea"/>
-                <a:cs typeface="+mn-cs"/>
-              </a:rPr>
-              <a:t>centred</a:t>
-            </a:r>
-            <a:r>
-              <a:rPr lang="en-US" sz="1200" b="0" i="0" u="none" strike="noStrike" kern="1200" baseline="0" dirty="0" smtClean="0">
-                <a:solidFill>
-                  <a:schemeClr val="tx1"/>
-                </a:solidFill>
-                <a:latin typeface="+mn-lt"/>
-                <a:ea typeface="+mn-ea"/>
-                <a:cs typeface="+mn-cs"/>
-              </a:rPr>
-              <a:t> approach can lead to a clearer picture</a:t>
-            </a:r>
-          </a:p>
-          <a:p>
-            <a:r>
-              <a:rPr lang="en-US" sz="1200" b="0" i="0" u="none" strike="noStrike" kern="1200" baseline="0" dirty="0" smtClean="0">
-                <a:solidFill>
-                  <a:schemeClr val="tx1"/>
-                </a:solidFill>
-                <a:latin typeface="+mn-lt"/>
-                <a:ea typeface="+mn-ea"/>
-                <a:cs typeface="+mn-cs"/>
-              </a:rPr>
-              <a:t>of the overall search engine quality .</a:t>
-            </a:r>
             <a:endParaRPr lang="en-US" dirty="0"/>
           </a:p>
         </p:txBody>
@@ -799,7 +554,7 @@
           <a:p>
             <a:fld id="{21E87DF0-2188-45E0-9868-23603FC9CB4F}" type="slidenum">
               <a:rPr lang="en-US" smtClean="0"/>
-              <a:t>2</a:t>
+              <a:t>1</a:t>
             </a:fld>
             <a:endParaRPr lang="en-US"/>
           </a:p>
@@ -808,7 +563,7 @@
     </p:spTree>
     <p:extLst>
       <p:ext uri="{BB962C8B-B14F-4D97-AF65-F5344CB8AC3E}">
-        <p14:creationId xmlns:p14="http://schemas.microsoft.com/office/powerpoint/2010/main" val="2604315202"/>
+        <p14:creationId xmlns:p14="http://schemas.microsoft.com/office/powerpoint/2010/main" val="3117415432"/>
       </p:ext>
     </p:extLst>
   </p:cSld>
@@ -862,6 +617,16 @@
           <a:bodyPr/>
           <a:lstStyle/>
           <a:p>
+            <a:r>
+              <a:rPr lang="en-US" dirty="0" smtClean="0"/>
+              <a:t>http://moz.com/blog/searchmetrics-ranking-factors-2014</a:t>
+            </a:r>
+            <a:endParaRPr lang="lt-LT" dirty="0" smtClean="0"/>
+          </a:p>
+          <a:p>
+            <a:endParaRPr lang="lt-LT" dirty="0" smtClean="0"/>
+          </a:p>
+          <a:p>
             <a:endParaRPr lang="en-US" dirty="0"/>
           </a:p>
         </p:txBody>
@@ -883,7 +648,7 @@
           <a:p>
             <a:fld id="{21E87DF0-2188-45E0-9868-23603FC9CB4F}" type="slidenum">
               <a:rPr lang="en-US" smtClean="0"/>
-              <a:t>18</a:t>
+              <a:t>17</a:t>
             </a:fld>
             <a:endParaRPr lang="en-US"/>
           </a:p>
@@ -892,7 +657,7 @@
     </p:spTree>
     <p:extLst>
       <p:ext uri="{BB962C8B-B14F-4D97-AF65-F5344CB8AC3E}">
-        <p14:creationId xmlns:p14="http://schemas.microsoft.com/office/powerpoint/2010/main" val="978835687"/>
+        <p14:creationId xmlns:p14="http://schemas.microsoft.com/office/powerpoint/2010/main" val="2866773926"/>
       </p:ext>
     </p:extLst>
   </p:cSld>
@@ -967,7 +732,7 @@
           <a:p>
             <a:fld id="{21E87DF0-2188-45E0-9868-23603FC9CB4F}" type="slidenum">
               <a:rPr lang="en-US" smtClean="0"/>
-              <a:t>24</a:t>
+              <a:t>18</a:t>
             </a:fld>
             <a:endParaRPr lang="en-US"/>
           </a:p>
@@ -976,7 +741,7 @@
     </p:spTree>
     <p:extLst>
       <p:ext uri="{BB962C8B-B14F-4D97-AF65-F5344CB8AC3E}">
-        <p14:creationId xmlns:p14="http://schemas.microsoft.com/office/powerpoint/2010/main" val="999225192"/>
+        <p14:creationId xmlns:p14="http://schemas.microsoft.com/office/powerpoint/2010/main" val="978835687"/>
       </p:ext>
     </p:extLst>
   </p:cSld>
@@ -1051,7 +816,7 @@
           <a:p>
             <a:fld id="{21E87DF0-2188-45E0-9868-23603FC9CB4F}" type="slidenum">
               <a:rPr lang="en-US" smtClean="0"/>
-              <a:t>27</a:t>
+              <a:t>24</a:t>
             </a:fld>
             <a:endParaRPr lang="en-US"/>
           </a:p>
@@ -1114,64 +879,248 @@
           <a:bodyPr/>
           <a:lstStyle/>
           <a:p>
-            <a:r>
-              <a:rPr lang="lt-LT" sz="1200" b="0" i="0" kern="1200" dirty="0" smtClean="0">
+            <a:endParaRPr lang="en-US" sz="1200" b="0" i="0" u="none" strike="noStrike" kern="1200" baseline="0" dirty="0" smtClean="0">
+              <a:solidFill>
+                <a:schemeClr val="tx1"/>
+              </a:solidFill>
+              <a:latin typeface="+mn-lt"/>
+              <a:ea typeface="+mn-ea"/>
+              <a:cs typeface="+mn-cs"/>
+            </a:endParaRPr>
+          </a:p>
+          <a:p>
+            <a:r>
+              <a:rPr lang="en-US" sz="1200" b="0" i="0" u="none" strike="noStrike" kern="1200" baseline="0" dirty="0" smtClean="0">
                 <a:solidFill>
                   <a:schemeClr val="tx1"/>
                 </a:solidFill>
-                <a:effectLst/>
                 <a:latin typeface="+mn-lt"/>
                 <a:ea typeface="+mn-ea"/>
                 <a:cs typeface="+mn-cs"/>
               </a:rPr>
-              <a:t>http://www.wordstream.com/blog/ws/2012/12/10/three-types-of-search-queries#transactional</a:t>
-            </a:r>
-          </a:p>
-          <a:p>
-            <a:endParaRPr lang="lt-LT" sz="1200" b="0" i="0" kern="1200" dirty="0" smtClean="0">
+              <a:t>● System-</a:t>
+            </a:r>
+            <a:r>
+              <a:rPr lang="en-US" sz="1200" b="0" i="0" u="none" strike="noStrike" kern="1200" baseline="0" dirty="0" err="1" smtClean="0">
+                <a:solidFill>
+                  <a:schemeClr val="tx1"/>
+                </a:solidFill>
+                <a:latin typeface="+mn-lt"/>
+                <a:ea typeface="+mn-ea"/>
+                <a:cs typeface="+mn-cs"/>
+              </a:rPr>
+              <a:t>centred</a:t>
+            </a:r>
+            <a:r>
+              <a:rPr lang="en-US" sz="1200" b="0" i="0" u="none" strike="noStrike" kern="1200" baseline="0" dirty="0" smtClean="0">
+                <a:solidFill>
+                  <a:schemeClr val="tx1"/>
+                </a:solidFill>
+                <a:latin typeface="+mn-lt"/>
+                <a:ea typeface="+mn-ea"/>
+                <a:cs typeface="+mn-cs"/>
+              </a:rPr>
+              <a:t> evaluation levels: Engineering level (e.g., hardware or software</a:t>
+            </a:r>
+          </a:p>
+          <a:p>
+            <a:r>
+              <a:rPr lang="en-US" sz="1200" b="0" i="0" u="none" strike="noStrike" kern="1200" baseline="0" dirty="0" smtClean="0">
+                <a:solidFill>
+                  <a:schemeClr val="tx1"/>
+                </a:solidFill>
+                <a:latin typeface="+mn-lt"/>
+                <a:ea typeface="+mn-ea"/>
+                <a:cs typeface="+mn-cs"/>
+              </a:rPr>
+              <a:t>performance), input level (coverage of the designated area), and processing level</a:t>
+            </a:r>
+          </a:p>
+          <a:p>
+            <a:r>
+              <a:rPr lang="en-US" sz="1200" b="0" i="0" u="none" strike="noStrike" kern="1200" baseline="0" dirty="0" smtClean="0">
+                <a:solidFill>
+                  <a:schemeClr val="tx1"/>
+                </a:solidFill>
+                <a:latin typeface="+mn-lt"/>
+                <a:ea typeface="+mn-ea"/>
+                <a:cs typeface="+mn-cs"/>
+              </a:rPr>
+              <a:t>(e.g., performance of algorithms ).</a:t>
+            </a:r>
+          </a:p>
+          <a:p>
+            <a:r>
+              <a:rPr lang="en-US" sz="1200" b="0" i="0" u="none" strike="noStrike" kern="1200" baseline="0" dirty="0" smtClean="0">
+                <a:solidFill>
+                  <a:schemeClr val="tx1"/>
+                </a:solidFill>
+                <a:latin typeface="+mn-lt"/>
+                <a:ea typeface="+mn-ea"/>
+                <a:cs typeface="+mn-cs"/>
+              </a:rPr>
+              <a:t>● User-</a:t>
+            </a:r>
+            <a:r>
+              <a:rPr lang="en-US" sz="1200" b="0" i="0" u="none" strike="noStrike" kern="1200" baseline="0" dirty="0" err="1" smtClean="0">
+                <a:solidFill>
+                  <a:schemeClr val="tx1"/>
+                </a:solidFill>
+                <a:latin typeface="+mn-lt"/>
+                <a:ea typeface="+mn-ea"/>
+                <a:cs typeface="+mn-cs"/>
+              </a:rPr>
+              <a:t>centred</a:t>
+            </a:r>
+            <a:r>
+              <a:rPr lang="en-US" sz="1200" b="0" i="0" u="none" strike="noStrike" kern="1200" baseline="0" dirty="0" smtClean="0">
+                <a:solidFill>
+                  <a:schemeClr val="tx1"/>
+                </a:solidFill>
+                <a:latin typeface="+mn-lt"/>
+                <a:ea typeface="+mn-ea"/>
+                <a:cs typeface="+mn-cs"/>
+              </a:rPr>
+              <a:t> evaluation levels: Output level (interaction with the system, feedback),</a:t>
+            </a:r>
+          </a:p>
+          <a:p>
+            <a:r>
+              <a:rPr lang="en-US" sz="1200" b="0" i="0" u="none" strike="noStrike" kern="1200" baseline="0" dirty="0" smtClean="0">
+                <a:solidFill>
+                  <a:schemeClr val="tx1"/>
+                </a:solidFill>
+                <a:latin typeface="+mn-lt"/>
+                <a:ea typeface="+mn-ea"/>
+                <a:cs typeface="+mn-cs"/>
+              </a:rPr>
+              <a:t>use and user level (</a:t>
+            </a:r>
+            <a:r>
+              <a:rPr lang="en-US" sz="1200" b="0" i="0" u="none" strike="noStrike" kern="1200" baseline="0" dirty="0" err="1" smtClean="0">
+                <a:solidFill>
+                  <a:schemeClr val="tx1"/>
+                </a:solidFill>
+                <a:latin typeface="+mn-lt"/>
+                <a:ea typeface="+mn-ea"/>
+                <a:cs typeface="+mn-cs"/>
+              </a:rPr>
+              <a:t>wh</a:t>
+            </a:r>
+            <a:r>
+              <a:rPr lang="lt-LT" sz="1200" b="0" i="0" u="none" strike="noStrike" kern="1200" baseline="0" dirty="0" smtClean="0">
+                <a:solidFill>
+                  <a:schemeClr val="tx1"/>
+                </a:solidFill>
+                <a:latin typeface="+mn-lt"/>
+                <a:ea typeface="+mn-ea"/>
+                <a:cs typeface="+mn-cs"/>
+              </a:rPr>
+              <a:t> </a:t>
+            </a:r>
+            <a:r>
+              <a:rPr lang="en-US" sz="1200" b="0" i="0" u="none" strike="noStrike" kern="1200" baseline="0" dirty="0" smtClean="0">
+                <a:solidFill>
+                  <a:schemeClr val="tx1"/>
+                </a:solidFill>
+                <a:latin typeface="+mn-lt"/>
+                <a:ea typeface="+mn-ea"/>
+                <a:cs typeface="+mn-cs"/>
+              </a:rPr>
+              <a:t>tasks are raised), and social level (which takes into account the impact on the</a:t>
+            </a:r>
+          </a:p>
+          <a:p>
+            <a:r>
+              <a:rPr lang="en-US" sz="1200" b="0" i="0" u="none" strike="noStrike" kern="1200" baseline="0" dirty="0" smtClean="0">
+                <a:solidFill>
+                  <a:schemeClr val="tx1"/>
+                </a:solidFill>
+                <a:latin typeface="+mn-lt"/>
+                <a:ea typeface="+mn-ea"/>
+                <a:cs typeface="+mn-cs"/>
+              </a:rPr>
+              <a:t>environment).ere questions of application to</a:t>
+            </a:r>
+            <a:endParaRPr lang="lt-LT" sz="1200" b="0" i="0" u="none" strike="noStrike" kern="1200" baseline="0" dirty="0" smtClean="0">
               <a:solidFill>
                 <a:schemeClr val="tx1"/>
               </a:solidFill>
-              <a:effectLst/>
               <a:latin typeface="+mn-lt"/>
               <a:ea typeface="+mn-ea"/>
               <a:cs typeface="+mn-cs"/>
             </a:endParaRPr>
           </a:p>
           <a:p>
-            <a:endParaRPr lang="lt-LT" sz="1200" b="0" i="0" kern="1200" dirty="0" smtClean="0">
+            <a:endParaRPr lang="lt-LT" sz="1200" b="0" i="0" u="none" strike="noStrike" kern="1200" baseline="0" dirty="0" smtClean="0">
               <a:solidFill>
                 <a:schemeClr val="tx1"/>
               </a:solidFill>
-              <a:effectLst/>
               <a:latin typeface="+mn-lt"/>
               <a:ea typeface="+mn-ea"/>
               <a:cs typeface="+mn-cs"/>
             </a:endParaRPr>
           </a:p>
           <a:p>
-            <a:endParaRPr lang="lt-LT" sz="1200" b="0" i="0" kern="1200" dirty="0" smtClean="0">
-              <a:solidFill>
-                <a:schemeClr val="tx1"/>
-              </a:solidFill>
-              <a:effectLst/>
-              <a:latin typeface="+mn-lt"/>
-              <a:ea typeface="+mn-ea"/>
-              <a:cs typeface="+mn-cs"/>
-            </a:endParaRPr>
-          </a:p>
-          <a:p>
-            <a:endParaRPr lang="lt-LT" sz="1200" b="0" i="0" kern="1200" dirty="0" smtClean="0">
-              <a:solidFill>
-                <a:schemeClr val="tx1"/>
-              </a:solidFill>
-              <a:effectLst/>
-              <a:latin typeface="+mn-lt"/>
-              <a:ea typeface="+mn-ea"/>
-              <a:cs typeface="+mn-cs"/>
-            </a:endParaRPr>
-          </a:p>
-          <a:p>
+            <a:r>
+              <a:rPr lang="en-US" sz="1200" b="0" i="0" u="none" strike="noStrike" kern="1200" baseline="0" dirty="0" smtClean="0">
+                <a:solidFill>
+                  <a:schemeClr val="tx1"/>
+                </a:solidFill>
+                <a:latin typeface="+mn-lt"/>
+                <a:ea typeface="+mn-ea"/>
+                <a:cs typeface="+mn-cs"/>
+              </a:rPr>
+              <a:t>In our opinion, this also applies to the evaluation of search engines. Only a</a:t>
+            </a:r>
+          </a:p>
+          <a:p>
+            <a:r>
+              <a:rPr lang="en-US" sz="1200" b="0" i="0" u="none" strike="noStrike" kern="1200" baseline="0" dirty="0" smtClean="0">
+                <a:solidFill>
+                  <a:schemeClr val="tx1"/>
+                </a:solidFill>
+                <a:latin typeface="+mn-lt"/>
+                <a:ea typeface="+mn-ea"/>
+                <a:cs typeface="+mn-cs"/>
+              </a:rPr>
+              <a:t>combination of both, system and user-</a:t>
+            </a:r>
+            <a:r>
+              <a:rPr lang="en-US" sz="1200" b="0" i="0" u="none" strike="noStrike" kern="1200" baseline="0" dirty="0" err="1" smtClean="0">
+                <a:solidFill>
+                  <a:schemeClr val="tx1"/>
+                </a:solidFill>
+                <a:latin typeface="+mn-lt"/>
+                <a:ea typeface="+mn-ea"/>
+                <a:cs typeface="+mn-cs"/>
+              </a:rPr>
+              <a:t>centred</a:t>
+            </a:r>
+            <a:r>
+              <a:rPr lang="en-US" sz="1200" b="0" i="0" u="none" strike="noStrike" kern="1200" baseline="0" dirty="0" smtClean="0">
+                <a:solidFill>
+                  <a:schemeClr val="tx1"/>
+                </a:solidFill>
+                <a:latin typeface="+mn-lt"/>
+                <a:ea typeface="+mn-ea"/>
+                <a:cs typeface="+mn-cs"/>
+              </a:rPr>
+              <a:t> approach can lead to a clearer picture</a:t>
+            </a:r>
+          </a:p>
+          <a:p>
+            <a:r>
+              <a:rPr lang="en-US" sz="1200" b="0" i="0" u="none" strike="noStrike" kern="1200" baseline="0" dirty="0" smtClean="0">
+                <a:solidFill>
+                  <a:schemeClr val="tx1"/>
+                </a:solidFill>
+                <a:latin typeface="+mn-lt"/>
+                <a:ea typeface="+mn-ea"/>
+                <a:cs typeface="+mn-cs"/>
+              </a:rPr>
+              <a:t>of the overall search engine quality .</a:t>
+            </a:r>
             <a:endParaRPr lang="en-US" dirty="0"/>
           </a:p>
         </p:txBody>
@@ -1193,7 +1142,7 @@
           <a:p>
             <a:fld id="{21E87DF0-2188-45E0-9868-23603FC9CB4F}" type="slidenum">
               <a:rPr lang="en-US" smtClean="0"/>
-              <a:t>5</a:t>
+              <a:t>2</a:t>
             </a:fld>
             <a:endParaRPr lang="en-US"/>
           </a:p>
@@ -1202,7 +1151,7 @@
     </p:spTree>
     <p:extLst>
       <p:ext uri="{BB962C8B-B14F-4D97-AF65-F5344CB8AC3E}">
-        <p14:creationId xmlns:p14="http://schemas.microsoft.com/office/powerpoint/2010/main" val="579906029"/>
+        <p14:creationId xmlns:p14="http://schemas.microsoft.com/office/powerpoint/2010/main" val="2604315202"/>
       </p:ext>
     </p:extLst>
   </p:cSld>
@@ -1257,7 +1206,7 @@
           <a:lstStyle/>
           <a:p>
             <a:r>
-              <a:rPr lang="en-US" sz="1200" b="0" i="0" kern="1200" dirty="0" smtClean="0">
+              <a:rPr lang="lt-LT" sz="1200" b="0" i="0" kern="1200" dirty="0" smtClean="0">
                 <a:solidFill>
                   <a:schemeClr val="tx1"/>
                 </a:solidFill>
@@ -1266,129 +1215,10 @@
                 <a:ea typeface="+mn-ea"/>
                 <a:cs typeface="+mn-cs"/>
               </a:rPr>
-              <a:t>A </a:t>
-            </a:r>
-            <a:r>
-              <a:rPr lang="en-US" sz="1200" b="1" i="0" kern="1200" dirty="0" smtClean="0">
-                <a:solidFill>
-                  <a:schemeClr val="tx1"/>
-                </a:solidFill>
-                <a:effectLst/>
-                <a:latin typeface="+mn-lt"/>
-                <a:ea typeface="+mn-ea"/>
-                <a:cs typeface="+mn-cs"/>
-              </a:rPr>
-              <a:t>navigational query</a:t>
-            </a:r>
-            <a:r>
-              <a:rPr lang="en-US" sz="1200" b="0" i="0" kern="1200" dirty="0" smtClean="0">
-                <a:solidFill>
-                  <a:schemeClr val="tx1"/>
-                </a:solidFill>
-                <a:effectLst/>
-                <a:latin typeface="+mn-lt"/>
-                <a:ea typeface="+mn-ea"/>
-                <a:cs typeface="+mn-cs"/>
-              </a:rPr>
-              <a:t> is a search query entered with the intent of finding a particular website or webpage. For example, a user might enter "</a:t>
-            </a:r>
-            <a:r>
-              <a:rPr lang="en-US" sz="1200" b="0" i="0" kern="1200" dirty="0" err="1" smtClean="0">
-                <a:solidFill>
-                  <a:schemeClr val="tx1"/>
-                </a:solidFill>
-                <a:effectLst/>
-                <a:latin typeface="+mn-lt"/>
-                <a:ea typeface="+mn-ea"/>
-                <a:cs typeface="+mn-cs"/>
-              </a:rPr>
-              <a:t>youtube</a:t>
-            </a:r>
-            <a:r>
-              <a:rPr lang="en-US" sz="1200" b="0" i="0" kern="1200" dirty="0" smtClean="0">
-                <a:solidFill>
-                  <a:schemeClr val="tx1"/>
-                </a:solidFill>
-                <a:effectLst/>
-                <a:latin typeface="+mn-lt"/>
-                <a:ea typeface="+mn-ea"/>
-                <a:cs typeface="+mn-cs"/>
-              </a:rPr>
-              <a:t>" into Google's search bar to find the YouTube site rather than entering the URL into a browser's navigation bar or using a bookmark. In fact, “</a:t>
-            </a:r>
-            <a:r>
-              <a:rPr lang="en-US" sz="1200" b="0" i="0" kern="1200" dirty="0" err="1" smtClean="0">
-                <a:solidFill>
-                  <a:schemeClr val="tx1"/>
-                </a:solidFill>
-                <a:effectLst/>
-                <a:latin typeface="+mn-lt"/>
-                <a:ea typeface="+mn-ea"/>
-                <a:cs typeface="+mn-cs"/>
-              </a:rPr>
-              <a:t>facebook</a:t>
-            </a:r>
-            <a:r>
-              <a:rPr lang="en-US" sz="1200" b="0" i="0" kern="1200" dirty="0" smtClean="0">
-                <a:solidFill>
-                  <a:schemeClr val="tx1"/>
-                </a:solidFill>
-                <a:effectLst/>
-                <a:latin typeface="+mn-lt"/>
-                <a:ea typeface="+mn-ea"/>
-                <a:cs typeface="+mn-cs"/>
-              </a:rPr>
-              <a:t>” and “</a:t>
-            </a:r>
-            <a:r>
-              <a:rPr lang="en-US" sz="1200" b="0" i="0" kern="1200" dirty="0" err="1" smtClean="0">
-                <a:solidFill>
-                  <a:schemeClr val="tx1"/>
-                </a:solidFill>
-                <a:effectLst/>
-                <a:latin typeface="+mn-lt"/>
-                <a:ea typeface="+mn-ea"/>
-                <a:cs typeface="+mn-cs"/>
-              </a:rPr>
-              <a:t>youtube</a:t>
-            </a:r>
-            <a:r>
-              <a:rPr lang="en-US" sz="1200" b="0" i="0" kern="1200" dirty="0" smtClean="0">
-                <a:solidFill>
-                  <a:schemeClr val="tx1"/>
-                </a:solidFill>
-                <a:effectLst/>
-                <a:latin typeface="+mn-lt"/>
-                <a:ea typeface="+mn-ea"/>
-                <a:cs typeface="+mn-cs"/>
-              </a:rPr>
-              <a:t>” are the </a:t>
-            </a:r>
-            <a:r>
-              <a:rPr lang="en-US" sz="1200" b="0" i="0" kern="1200" dirty="0" smtClean="0">
-                <a:solidFill>
-                  <a:schemeClr val="tx1"/>
-                </a:solidFill>
-                <a:effectLst/>
-                <a:latin typeface="+mn-lt"/>
-                <a:ea typeface="+mn-ea"/>
-                <a:cs typeface="+mn-cs"/>
-                <a:hlinkClick r:id="rId3"/>
-              </a:rPr>
-              <a:t>top two searches on Google</a:t>
-            </a:r>
-            <a:r>
-              <a:rPr lang="en-US" sz="1200" b="0" i="0" kern="1200" dirty="0" smtClean="0">
-                <a:solidFill>
-                  <a:schemeClr val="tx1"/>
-                </a:solidFill>
-                <a:effectLst/>
-                <a:latin typeface="+mn-lt"/>
-                <a:ea typeface="+mn-ea"/>
-                <a:cs typeface="+mn-cs"/>
-              </a:rPr>
-              <a:t>, and these are both navigational queries.</a:t>
-            </a:r>
+              <a:t>http://www.wordstream.com/blog/ws/2012/12/10/three-types-of-search-queries#transactional</a:t>
+            </a:r>
+          </a:p>
+          <a:p>
             <a:endParaRPr lang="lt-LT" sz="1200" b="0" i="0" kern="1200" dirty="0" smtClean="0">
               <a:solidFill>
                 <a:schemeClr val="tx1"/>
@@ -1400,32 +1230,37 @@
             </a:endParaRPr>
           </a:p>
           <a:p>
-            <a:r>
-              <a:rPr lang="en-US" sz="1200" b="0" i="1" kern="1200" dirty="0" smtClean="0">
-                <a:solidFill>
-                  <a:schemeClr val="tx1"/>
-                </a:solidFill>
-                <a:effectLst/>
-                <a:latin typeface="+mn-lt"/>
-                <a:ea typeface="+mn-ea"/>
-                <a:cs typeface="+mn-cs"/>
-              </a:rPr>
-              <a:t>Visiting a pre-determined destination and sourcing the “correct” website URL.</a:t>
-            </a:r>
-          </a:p>
-          <a:p>
-            <a:r>
-              <a:rPr lang="en-US" sz="1200" b="0" i="1" kern="1200" dirty="0" smtClean="0">
-                <a:solidFill>
-                  <a:schemeClr val="tx1"/>
-                </a:solidFill>
-                <a:effectLst/>
-                <a:latin typeface="+mn-lt"/>
-                <a:ea typeface="+mn-ea"/>
-                <a:cs typeface="+mn-cs"/>
-              </a:rPr>
-              <a:t>Navigational searches are performed with the intent of surfing directly to a specific website. In some cases, the user may not know the exact URL, and the search engine serves as the "White Pages", passing along the (hopefully) correct location.</a:t>
-            </a:r>
+            <a:endParaRPr lang="lt-LT" sz="1200" b="0" i="0" kern="1200" dirty="0" smtClean="0">
+              <a:solidFill>
+                <a:schemeClr val="tx1"/>
+              </a:solidFill>
+              <a:effectLst/>
+              <a:latin typeface="+mn-lt"/>
+              <a:ea typeface="+mn-ea"/>
+              <a:cs typeface="+mn-cs"/>
+            </a:endParaRPr>
+          </a:p>
+          <a:p>
+            <a:endParaRPr lang="lt-LT" sz="1200" b="0" i="0" kern="1200" dirty="0" smtClean="0">
+              <a:solidFill>
+                <a:schemeClr val="tx1"/>
+              </a:solidFill>
+              <a:effectLst/>
+              <a:latin typeface="+mn-lt"/>
+              <a:ea typeface="+mn-ea"/>
+              <a:cs typeface="+mn-cs"/>
+            </a:endParaRPr>
+          </a:p>
+          <a:p>
+            <a:endParaRPr lang="lt-LT" sz="1200" b="0" i="0" kern="1200" dirty="0" smtClean="0">
+              <a:solidFill>
+                <a:schemeClr val="tx1"/>
+              </a:solidFill>
+              <a:effectLst/>
+              <a:latin typeface="+mn-lt"/>
+              <a:ea typeface="+mn-ea"/>
+              <a:cs typeface="+mn-cs"/>
+            </a:endParaRPr>
           </a:p>
           <a:p>
             <a:endParaRPr lang="en-US" dirty="0"/>
@@ -1449,7 +1284,7 @@
           <a:p>
             <a:fld id="{21E87DF0-2188-45E0-9868-23603FC9CB4F}" type="slidenum">
               <a:rPr lang="en-US" smtClean="0"/>
-              <a:t>6</a:t>
+              <a:t>5</a:t>
             </a:fld>
             <a:endParaRPr lang="en-US"/>
           </a:p>
@@ -1458,7 +1293,7 @@
     </p:spTree>
     <p:extLst>
       <p:ext uri="{BB962C8B-B14F-4D97-AF65-F5344CB8AC3E}">
-        <p14:creationId xmlns:p14="http://schemas.microsoft.com/office/powerpoint/2010/main" val="1743487705"/>
+        <p14:creationId xmlns:p14="http://schemas.microsoft.com/office/powerpoint/2010/main" val="579906029"/>
       </p:ext>
     </p:extLst>
   </p:cSld>
@@ -1522,7 +1357,7 @@
                 <a:ea typeface="+mn-ea"/>
                 <a:cs typeface="+mn-cs"/>
               </a:rPr>
-              <a:t>Wikipedia defines </a:t>
+              <a:t>A </a:t>
             </a:r>
             <a:r>
               <a:rPr lang="en-US" sz="1200" b="1" i="0" kern="1200" dirty="0" smtClean="0">
@@ -1534,7 +1369,7 @@
                 <a:ea typeface="+mn-ea"/>
                 <a:cs typeface="+mn-cs"/>
               </a:rPr>
-              <a:t>informational search queries</a:t>
+              <a:t>navigational query</a:t>
             </a:r>
             <a:r>
               <a:rPr lang="en-US" sz="1200" b="0" i="0" kern="1200" dirty="0" smtClean="0">
@@ -1546,10 +1381,10 @@
                 <a:ea typeface="+mn-ea"/>
                 <a:cs typeface="+mn-cs"/>
               </a:rPr>
-              <a:t> as “Queries that cover a broad topic (e.g., </a:t>
-            </a:r>
-            <a:r>
-              <a:rPr lang="en-US" sz="1200" b="0" i="1" kern="1200" dirty="0" err="1" smtClean="0">
+              <a:t> is a search query entered with the intent of finding a particular website or webpage. For example, a user might enter "</a:t>
+            </a:r>
+            <a:r>
+              <a:rPr lang="en-US" sz="1200" b="0" i="0" kern="1200" dirty="0" err="1" smtClean="0">
                 <a:solidFill>
                   <a:schemeClr val="tx1"/>
                 </a:solidFill>
@@ -1558,10 +1393,10 @@
                 <a:ea typeface="+mn-ea"/>
                 <a:cs typeface="+mn-cs"/>
               </a:rPr>
-              <a:t>colorado</a:t>
-            </a:r>
-            <a:r>
-              <a:rPr lang="en-US" sz="1200" b="0" i="0" kern="1200" dirty="0" err="1" smtClean="0">
+              <a:t>youtube</a:t>
+            </a:r>
+            <a:r>
+              <a:rPr lang="en-US" sz="1200" b="0" i="0" kern="1200" dirty="0" smtClean="0">
                 <a:solidFill>
                   <a:schemeClr val="tx1"/>
                 </a:solidFill>
@@ -1570,10 +1405,10 @@
                 <a:ea typeface="+mn-ea"/>
                 <a:cs typeface="+mn-cs"/>
               </a:rPr>
-              <a:t>or</a:t>
-            </a:r>
-            <a:r>
-              <a:rPr lang="en-US" sz="1200" b="0" i="0" kern="1200" dirty="0" smtClean="0">
+              <a:t>" into Google's search bar to find the YouTube site rather than entering the URL into a browser's navigation bar or using a bookmark. In fact, “</a:t>
+            </a:r>
+            <a:r>
+              <a:rPr lang="en-US" sz="1200" b="0" i="0" kern="1200" dirty="0" err="1" smtClean="0">
                 <a:solidFill>
                   <a:schemeClr val="tx1"/>
                 </a:solidFill>
@@ -1582,10 +1417,10 @@
                 <a:ea typeface="+mn-ea"/>
                 <a:cs typeface="+mn-cs"/>
               </a:rPr>
-              <a:t> </a:t>
-            </a:r>
-            <a:r>
-              <a:rPr lang="en-US" sz="1200" b="0" i="1" kern="1200" dirty="0" smtClean="0">
+              <a:t>facebook</a:t>
+            </a:r>
+            <a:r>
+              <a:rPr lang="en-US" sz="1200" b="0" i="0" kern="1200" dirty="0" smtClean="0">
                 <a:solidFill>
                   <a:schemeClr val="tx1"/>
                 </a:solidFill>
@@ -1594,10 +1429,10 @@
                 <a:ea typeface="+mn-ea"/>
                 <a:cs typeface="+mn-cs"/>
               </a:rPr>
-              <a:t>trucks</a:t>
-            </a:r>
-            <a:r>
-              <a:rPr lang="en-US" sz="1200" b="0" i="0" kern="1200" dirty="0" smtClean="0">
+              <a:t>” and “</a:t>
+            </a:r>
+            <a:r>
+              <a:rPr lang="en-US" sz="1200" b="0" i="0" kern="1200" dirty="0" err="1" smtClean="0">
                 <a:solidFill>
                   <a:schemeClr val="tx1"/>
                 </a:solidFill>
@@ -1606,7 +1441,44 @@
                 <a:ea typeface="+mn-ea"/>
                 <a:cs typeface="+mn-cs"/>
               </a:rPr>
-              <a:t>) for which there may be thousands of relevant results.” When someone enters an informational search query into Google or another search engine, they’re looking for information – hence the name. They are probably not looking for a specific site, as in a navigational query, and they are not looking to make a commercial transaction. They just want to answer a question or learn how to do something.</a:t>
+              <a:t>youtube</a:t>
+            </a:r>
+            <a:r>
+              <a:rPr lang="en-US" sz="1200" b="0" i="0" kern="1200" dirty="0" smtClean="0">
+                <a:solidFill>
+                  <a:schemeClr val="tx1"/>
+                </a:solidFill>
+                <a:effectLst/>
+                <a:latin typeface="+mn-lt"/>
+                <a:ea typeface="+mn-ea"/>
+                <a:cs typeface="+mn-cs"/>
+              </a:rPr>
+              <a:t>” are the </a:t>
+            </a:r>
+            <a:r>
+              <a:rPr lang="en-US" sz="1200" b="0" i="0" kern="1200" dirty="0" smtClean="0">
+                <a:solidFill>
+                  <a:schemeClr val="tx1"/>
+                </a:solidFill>
+                <a:effectLst/>
+                <a:latin typeface="+mn-lt"/>
+                <a:ea typeface="+mn-ea"/>
+                <a:cs typeface="+mn-cs"/>
+                <a:hlinkClick r:id="rId3"/>
+              </a:rPr>
+              <a:t>top two searches on Google</a:t>
+            </a:r>
+            <a:r>
+              <a:rPr lang="en-US" sz="1200" b="0" i="0" kern="1200" dirty="0" smtClean="0">
+                <a:solidFill>
+                  <a:schemeClr val="tx1"/>
+                </a:solidFill>
+                <a:effectLst/>
+                <a:latin typeface="+mn-lt"/>
+                <a:ea typeface="+mn-ea"/>
+                <a:cs typeface="+mn-cs"/>
+              </a:rPr>
+              <a:t>, and these are both navigational queries.</a:t>
             </a:r>
             <a:endParaRPr lang="lt-LT" sz="1200" b="0" i="0" kern="1200" dirty="0" smtClean="0">
               <a:solidFill>
@@ -1620,7 +1492,7 @@
           </a:p>
           <a:p>
             <a:r>
-              <a:rPr lang="en-US" sz="1200" b="1" i="1" u="none" strike="noStrike" kern="1200" dirty="0" smtClean="0">
+              <a:rPr lang="en-US" sz="1200" b="0" i="1" kern="1200" dirty="0" smtClean="0">
                 <a:solidFill>
                   <a:schemeClr val="tx1"/>
                 </a:solidFill>
@@ -1629,7 +1501,7 @@
                 <a:ea typeface="+mn-ea"/>
                 <a:cs typeface="+mn-cs"/>
               </a:rPr>
-              <a:t>Informational Searches</a:t>
+              <a:t>Visiting a pre-determined destination and sourcing the “correct” website URL.</a:t>
             </a:r>
           </a:p>
           <a:p>
@@ -1643,21 +1515,7 @@
                 <a:ea typeface="+mn-ea"/>
                 <a:cs typeface="+mn-cs"/>
               </a:rPr>
-              <a:t>Researching non-transactional information, getting quick answers and ego-searching.</a:t>
-            </a:r>
-          </a:p>
-          <a:p>
-            <a:r>
-              <a:rPr lang="en-US" sz="1200" b="0" i="1" kern="1200" dirty="0" smtClean="0">
-                <a:solidFill>
-                  <a:schemeClr val="tx1"/>
-                </a:solidFill>
-                <a:effectLst/>
-                <a:latin typeface="+mn-lt"/>
-                <a:ea typeface="+mn-ea"/>
-                <a:cs typeface="+mn-cs"/>
-              </a:rPr>
-              <a:t>Informational searches involve a huge range of queries from finding out the local weather, getting a map and directions, to finding the name of Tony Starks' military buddy from the Iron Man movie or checking on just how long that trip to Mars really takes. The common thread here is that the searches are primarily non-commercial and non-transaction-oriented in nature; the information itself is the goal, and no interaction beyond clicking and reading is required.</a:t>
+              <a:t>Navigational searches are performed with the intent of surfing directly to a specific website. In some cases, the user may not know the exact URL, and the search engine serves as the "White Pages", passing along the (hopefully) correct location.</a:t>
             </a:r>
           </a:p>
           <a:p>
@@ -1682,7 +1540,7 @@
           <a:p>
             <a:fld id="{21E87DF0-2188-45E0-9868-23603FC9CB4F}" type="slidenum">
               <a:rPr lang="en-US" smtClean="0"/>
-              <a:t>7</a:t>
+              <a:t>6</a:t>
             </a:fld>
             <a:endParaRPr lang="en-US"/>
           </a:p>
@@ -1691,7 +1549,7 @@
     </p:spTree>
     <p:extLst>
       <p:ext uri="{BB962C8B-B14F-4D97-AF65-F5344CB8AC3E}">
-        <p14:creationId xmlns:p14="http://schemas.microsoft.com/office/powerpoint/2010/main" val="1365881298"/>
+        <p14:creationId xmlns:p14="http://schemas.microsoft.com/office/powerpoint/2010/main" val="1743487705"/>
       </p:ext>
     </p:extLst>
   </p:cSld>
@@ -1745,6 +1603,102 @@
           <a:bodyPr/>
           <a:lstStyle/>
           <a:p>
+            <a:r>
+              <a:rPr lang="en-US" sz="1200" b="0" i="0" kern="1200" dirty="0" smtClean="0">
+                <a:solidFill>
+                  <a:schemeClr val="tx1"/>
+                </a:solidFill>
+                <a:effectLst/>
+                <a:latin typeface="+mn-lt"/>
+                <a:ea typeface="+mn-ea"/>
+                <a:cs typeface="+mn-cs"/>
+              </a:rPr>
+              <a:t>Wikipedia defines </a:t>
+            </a:r>
+            <a:r>
+              <a:rPr lang="en-US" sz="1200" b="1" i="0" kern="1200" dirty="0" smtClean="0">
+                <a:solidFill>
+                  <a:schemeClr val="tx1"/>
+                </a:solidFill>
+                <a:effectLst/>
+                <a:latin typeface="+mn-lt"/>
+                <a:ea typeface="+mn-ea"/>
+                <a:cs typeface="+mn-cs"/>
+              </a:rPr>
+              <a:t>informational search queries</a:t>
+            </a:r>
+            <a:r>
+              <a:rPr lang="en-US" sz="1200" b="0" i="0" kern="1200" dirty="0" smtClean="0">
+                <a:solidFill>
+                  <a:schemeClr val="tx1"/>
+                </a:solidFill>
+                <a:effectLst/>
+                <a:latin typeface="+mn-lt"/>
+                <a:ea typeface="+mn-ea"/>
+                <a:cs typeface="+mn-cs"/>
+              </a:rPr>
+              <a:t> as “Queries that cover a broad topic (e.g., </a:t>
+            </a:r>
+            <a:r>
+              <a:rPr lang="en-US" sz="1200" b="0" i="1" kern="1200" dirty="0" err="1" smtClean="0">
+                <a:solidFill>
+                  <a:schemeClr val="tx1"/>
+                </a:solidFill>
+                <a:effectLst/>
+                <a:latin typeface="+mn-lt"/>
+                <a:ea typeface="+mn-ea"/>
+                <a:cs typeface="+mn-cs"/>
+              </a:rPr>
+              <a:t>colorado</a:t>
+            </a:r>
+            <a:r>
+              <a:rPr lang="en-US" sz="1200" b="0" i="0" kern="1200" dirty="0" err="1" smtClean="0">
+                <a:solidFill>
+                  <a:schemeClr val="tx1"/>
+                </a:solidFill>
+                <a:effectLst/>
+                <a:latin typeface="+mn-lt"/>
+                <a:ea typeface="+mn-ea"/>
+                <a:cs typeface="+mn-cs"/>
+              </a:rPr>
+              <a:t>or</a:t>
+            </a:r>
+            <a:r>
+              <a:rPr lang="en-US" sz="1200" b="0" i="0" kern="1200" dirty="0" smtClean="0">
+                <a:solidFill>
+                  <a:schemeClr val="tx1"/>
+                </a:solidFill>
+                <a:effectLst/>
+                <a:latin typeface="+mn-lt"/>
+                <a:ea typeface="+mn-ea"/>
+                <a:cs typeface="+mn-cs"/>
+              </a:rPr>
+              <a:t> </a:t>
+            </a:r>
+            <a:r>
+              <a:rPr lang="en-US" sz="1200" b="0" i="1" kern="1200" dirty="0" smtClean="0">
+                <a:solidFill>
+                  <a:schemeClr val="tx1"/>
+                </a:solidFill>
+                <a:effectLst/>
+                <a:latin typeface="+mn-lt"/>
+                <a:ea typeface="+mn-ea"/>
+                <a:cs typeface="+mn-cs"/>
+              </a:rPr>
+              <a:t>trucks</a:t>
+            </a:r>
+            <a:r>
+              <a:rPr lang="en-US" sz="1200" b="0" i="0" kern="1200" dirty="0" smtClean="0">
+                <a:solidFill>
+                  <a:schemeClr val="tx1"/>
+                </a:solidFill>
+                <a:effectLst/>
+                <a:latin typeface="+mn-lt"/>
+                <a:ea typeface="+mn-ea"/>
+                <a:cs typeface="+mn-cs"/>
+              </a:rPr>
+              <a:t>) for which there may be thousands of relevant results.” When someone enters an informational search query into Google or another search engine, they’re looking for information – hence the name. They are probably not looking for a specific site, as in a navigational query, and they are not looking to make a commercial transaction. They just want to answer a question or learn how to do something.</a:t>
+            </a:r>
             <a:endParaRPr lang="lt-LT" sz="1200" b="0" i="0" kern="1200" dirty="0" smtClean="0">
               <a:solidFill>
                 <a:schemeClr val="tx1"/>
@@ -1756,19 +1710,8 @@
             </a:endParaRPr>
           </a:p>
           <a:p>
-            <a:endParaRPr lang="lt-LT" sz="1200" b="0" i="0" kern="1200" dirty="0" smtClean="0">
-              <a:solidFill>
-                <a:schemeClr val="tx1"/>
-              </a:solidFill>
-              <a:effectLst/>
-              <a:latin typeface="+mn-lt"/>
-              <a:ea typeface="+mn-ea"/>
-              <a:cs typeface="+mn-cs"/>
-            </a:endParaRPr>
-          </a:p>
-          <a:p>
-            <a:r>
-              <a:rPr lang="en-US" sz="1200" b="0" i="0" kern="1200" dirty="0" smtClean="0">
+            <a:r>
+              <a:rPr lang="en-US" sz="1200" b="1" i="1" u="none" strike="noStrike" kern="1200" dirty="0" smtClean="0">
                 <a:solidFill>
                   <a:schemeClr val="tx1"/>
                 </a:solidFill>
@@ -1777,10 +1720,12 @@
                 <a:ea typeface="+mn-ea"/>
                 <a:cs typeface="+mn-cs"/>
               </a:rPr>
-              <a:t>A </a:t>
-            </a:r>
-            <a:r>
-              <a:rPr lang="en-US" sz="1200" b="1" i="0" kern="1200" dirty="0" smtClean="0">
+              <a:t>Informational Searches</a:t>
+            </a:r>
+          </a:p>
+          <a:p>
+            <a:r>
+              <a:rPr lang="en-US" sz="1200" b="0" i="1" kern="1200" dirty="0" smtClean="0">
                 <a:solidFill>
                   <a:schemeClr val="tx1"/>
                 </a:solidFill>
@@ -1789,10 +1734,12 @@
                 <a:ea typeface="+mn-ea"/>
                 <a:cs typeface="+mn-cs"/>
               </a:rPr>
-              <a:t>transactional search query</a:t>
-            </a:r>
-            <a:r>
-              <a:rPr lang="en-US" sz="1200" b="0" i="0" kern="1200" dirty="0" smtClean="0">
+              <a:t>Researching non-transactional information, getting quick answers and ego-searching.</a:t>
+            </a:r>
+          </a:p>
+          <a:p>
+            <a:r>
+              <a:rPr lang="en-US" sz="1200" b="0" i="1" kern="1200" dirty="0" smtClean="0">
                 <a:solidFill>
                   <a:schemeClr val="tx1"/>
                 </a:solidFill>
@@ -1801,106 +1748,7 @@
                 <a:ea typeface="+mn-ea"/>
                 <a:cs typeface="+mn-cs"/>
               </a:rPr>
-              <a:t> is a query that indicates an intent to complete a transaction, such as making a purchase. Transactional search queries may include exact brand and product names (like “</a:t>
-            </a:r>
-            <a:r>
-              <a:rPr lang="en-US" sz="1200" b="0" i="0" kern="1200" dirty="0" err="1" smtClean="0">
-                <a:solidFill>
-                  <a:schemeClr val="tx1"/>
-                </a:solidFill>
-                <a:effectLst/>
-                <a:latin typeface="+mn-lt"/>
-                <a:ea typeface="+mn-ea"/>
-                <a:cs typeface="+mn-cs"/>
-              </a:rPr>
-              <a:t>samsung</a:t>
-            </a:r>
-            <a:r>
-              <a:rPr lang="en-US" sz="1200" b="0" i="0" kern="1200" dirty="0" smtClean="0">
-                <a:solidFill>
-                  <a:schemeClr val="tx1"/>
-                </a:solidFill>
-                <a:effectLst/>
-                <a:latin typeface="+mn-lt"/>
-                <a:ea typeface="+mn-ea"/>
-                <a:cs typeface="+mn-cs"/>
-              </a:rPr>
-              <a:t> galaxy s3”) or be generic (like “iced coffee maker”) or actually include terms like “buy,” “purchase,” or “order.” In all of these examples, you can infer that the searcher is considering making a purchase in the near future, if they’re not already pulling out their credit card. In other words, </a:t>
-            </a:r>
-            <a:r>
-              <a:rPr lang="en-US" sz="1200" b="1" i="0" kern="1200" dirty="0" smtClean="0">
-                <a:solidFill>
-                  <a:schemeClr val="tx1"/>
-                </a:solidFill>
-                <a:effectLst/>
-                <a:latin typeface="+mn-lt"/>
-                <a:ea typeface="+mn-ea"/>
-                <a:cs typeface="+mn-cs"/>
-              </a:rPr>
-              <a:t>they’re at the business end of the conversion funnel</a:t>
-            </a:r>
-            <a:r>
-              <a:rPr lang="en-US" sz="1200" b="0" i="0" kern="1200" dirty="0" smtClean="0">
-                <a:solidFill>
-                  <a:schemeClr val="tx1"/>
-                </a:solidFill>
-                <a:effectLst/>
-                <a:latin typeface="+mn-lt"/>
-                <a:ea typeface="+mn-ea"/>
-                <a:cs typeface="+mn-cs"/>
-              </a:rPr>
-              <a:t>. Many local searches (such as “Denver wine shop”) are transactional as well.</a:t>
-            </a:r>
-            <a:endParaRPr lang="lt-LT" sz="1200" b="0" i="0" kern="1200" dirty="0" smtClean="0">
-              <a:solidFill>
-                <a:schemeClr val="tx1"/>
-              </a:solidFill>
-              <a:effectLst/>
-              <a:latin typeface="+mn-lt"/>
-              <a:ea typeface="+mn-ea"/>
-              <a:cs typeface="+mn-cs"/>
-            </a:endParaRPr>
-          </a:p>
-          <a:p>
-            <a:r>
-              <a:rPr lang="en-US" sz="1200" b="1" i="1" u="none" strike="noStrike" kern="1200" dirty="0" smtClean="0">
-                <a:solidFill>
-                  <a:schemeClr val="tx1"/>
-                </a:solidFill>
-                <a:effectLst/>
-                <a:latin typeface="+mn-lt"/>
-                <a:ea typeface="+mn-ea"/>
-                <a:cs typeface="+mn-cs"/>
-              </a:rPr>
-              <a:t>Transactional Searches</a:t>
-            </a:r>
-          </a:p>
-          <a:p>
-            <a:r>
-              <a:rPr lang="en-US" sz="1200" b="0" i="1" kern="1200" dirty="0" smtClean="0">
-                <a:solidFill>
-                  <a:schemeClr val="tx1"/>
-                </a:solidFill>
-                <a:effectLst/>
-                <a:latin typeface="+mn-lt"/>
-                <a:ea typeface="+mn-ea"/>
-                <a:cs typeface="+mn-cs"/>
-              </a:rPr>
-              <a:t>Identifying a local business, making a purchase online and completing a task.</a:t>
-            </a:r>
-          </a:p>
-          <a:p>
-            <a:r>
-              <a:rPr lang="en-US" sz="1200" b="0" i="1" kern="1200" dirty="0" smtClean="0">
-                <a:solidFill>
-                  <a:schemeClr val="tx1"/>
-                </a:solidFill>
-                <a:effectLst/>
-                <a:latin typeface="+mn-lt"/>
-                <a:ea typeface="+mn-ea"/>
-                <a:cs typeface="+mn-cs"/>
-              </a:rPr>
-              <a:t>Transactional searches don't necessarily involve a credit card or wire transfer. Signing up for a free trial account at Cook's Illustrated, creating a Gmail account, or finding the best local Mexican cuisine (in Seattle it's Carta de Oaxaca) are all transactional queries.</a:t>
+              <a:t>Informational searches involve a huge range of queries from finding out the local weather, getting a map and directions, to finding the name of Tony Starks' military buddy from the Iron Man movie or checking on just how long that trip to Mars really takes. The common thread here is that the searches are primarily non-commercial and non-transaction-oriented in nature; the information itself is the goal, and no interaction beyond clicking and reading is required.</a:t>
             </a:r>
           </a:p>
           <a:p>
@@ -1925,7 +1773,7 @@
           <a:p>
             <a:fld id="{21E87DF0-2188-45E0-9868-23603FC9CB4F}" type="slidenum">
               <a:rPr lang="en-US" smtClean="0"/>
-              <a:t>8</a:t>
+              <a:t>7</a:t>
             </a:fld>
             <a:endParaRPr lang="en-US"/>
           </a:p>
@@ -1934,7 +1782,7 @@
     </p:spTree>
     <p:extLst>
       <p:ext uri="{BB962C8B-B14F-4D97-AF65-F5344CB8AC3E}">
-        <p14:creationId xmlns:p14="http://schemas.microsoft.com/office/powerpoint/2010/main" val="3326727055"/>
+        <p14:creationId xmlns:p14="http://schemas.microsoft.com/office/powerpoint/2010/main" val="1365881298"/>
       </p:ext>
     </p:extLst>
   </p:cSld>
@@ -1988,123 +1836,166 @@
           <a:bodyPr/>
           <a:lstStyle/>
           <a:p>
-            <a:r>
-              <a:rPr lang="en-US" sz="1200" b="0" i="0" u="none" strike="noStrike" kern="1200" baseline="0" dirty="0" smtClean="0">
+            <a:endParaRPr lang="lt-LT" sz="1200" b="0" i="0" kern="1200" dirty="0" smtClean="0">
+              <a:solidFill>
+                <a:schemeClr val="tx1"/>
+              </a:solidFill>
+              <a:effectLst/>
+              <a:latin typeface="+mn-lt"/>
+              <a:ea typeface="+mn-ea"/>
+              <a:cs typeface="+mn-cs"/>
+            </a:endParaRPr>
+          </a:p>
+          <a:p>
+            <a:endParaRPr lang="lt-LT" sz="1200" b="0" i="0" kern="1200" dirty="0" smtClean="0">
+              <a:solidFill>
+                <a:schemeClr val="tx1"/>
+              </a:solidFill>
+              <a:effectLst/>
+              <a:latin typeface="+mn-lt"/>
+              <a:ea typeface="+mn-ea"/>
+              <a:cs typeface="+mn-cs"/>
+            </a:endParaRPr>
+          </a:p>
+          <a:p>
+            <a:r>
+              <a:rPr lang="en-US" sz="1200" b="0" i="0" kern="1200" dirty="0" smtClean="0">
                 <a:solidFill>
                   <a:schemeClr val="tx1"/>
                 </a:solidFill>
+                <a:effectLst/>
                 <a:latin typeface="+mn-lt"/>
                 <a:ea typeface="+mn-ea"/>
                 <a:cs typeface="+mn-cs"/>
               </a:rPr>
-              <a:t>● Interface design : structure of search engine Web pages and the presentation of</a:t>
-            </a:r>
-          </a:p>
-          <a:p>
-            <a:r>
-              <a:rPr lang="en-US" sz="1200" b="0" i="0" u="none" strike="noStrike" kern="1200" baseline="0" dirty="0" smtClean="0">
+              <a:t>A </a:t>
+            </a:r>
+            <a:r>
+              <a:rPr lang="en-US" sz="1200" b="1" i="0" kern="1200" dirty="0" smtClean="0">
                 <a:solidFill>
                   <a:schemeClr val="tx1"/>
                 </a:solidFill>
+                <a:effectLst/>
                 <a:latin typeface="+mn-lt"/>
                 <a:ea typeface="+mn-ea"/>
                 <a:cs typeface="+mn-cs"/>
               </a:rPr>
-              <a:t>the results. The input window should be structured in a clear way without overwhelming</a:t>
-            </a:r>
-          </a:p>
-          <a:p>
-            <a:r>
-              <a:rPr lang="en-US" sz="1200" b="0" i="0" u="none" strike="noStrike" kern="1200" baseline="0" dirty="0" smtClean="0">
+              <a:t>transactional search query</a:t>
+            </a:r>
+            <a:r>
+              <a:rPr lang="en-US" sz="1200" b="0" i="0" kern="1200" dirty="0" smtClean="0">
                 <a:solidFill>
                   <a:schemeClr val="tx1"/>
                 </a:solidFill>
+                <a:effectLst/>
                 <a:latin typeface="+mn-lt"/>
                 <a:ea typeface="+mn-ea"/>
                 <a:cs typeface="+mn-cs"/>
               </a:rPr>
-              <a:t>advertising . The result lists have to separate organic results from</a:t>
-            </a:r>
-          </a:p>
-          <a:p>
-            <a:r>
-              <a:rPr lang="en-US" sz="1200" b="0" i="0" u="none" strike="noStrike" kern="1200" baseline="0" dirty="0" smtClean="0">
+              <a:t> is a query that indicates an intent to complete a transaction, such as making a purchase. Transactional search queries may include exact brand and product names (like “</a:t>
+            </a:r>
+            <a:r>
+              <a:rPr lang="en-US" sz="1200" b="0" i="0" kern="1200" dirty="0" err="1" smtClean="0">
                 <a:solidFill>
                   <a:schemeClr val="tx1"/>
                 </a:solidFill>
+                <a:effectLst/>
                 <a:latin typeface="+mn-lt"/>
                 <a:ea typeface="+mn-ea"/>
                 <a:cs typeface="+mn-cs"/>
               </a:rPr>
-              <a:t>sponsored links. A different </a:t>
-            </a:r>
-            <a:r>
-              <a:rPr lang="en-US" sz="1200" b="0" i="0" u="none" strike="noStrike" kern="1200" baseline="0" dirty="0" err="1" smtClean="0">
+              <a:t>samsung</a:t>
+            </a:r>
+            <a:r>
+              <a:rPr lang="en-US" sz="1200" b="0" i="0" kern="1200" dirty="0" smtClean="0">
                 <a:solidFill>
                   <a:schemeClr val="tx1"/>
                 </a:solidFill>
+                <a:effectLst/>
                 <a:latin typeface="+mn-lt"/>
                 <a:ea typeface="+mn-ea"/>
                 <a:cs typeface="+mn-cs"/>
               </a:rPr>
-              <a:t>colour</a:t>
-            </a:r>
-            <a:r>
-              <a:rPr lang="en-US" sz="1200" b="0" i="0" u="none" strike="noStrike" kern="1200" baseline="0" dirty="0" smtClean="0">
+              <a:t> galaxy s3”) or be generic (like “iced coffee maker”) or actually include terms like “buy,” “purchase,” or “order.” In all of these examples, you can infer that the searcher is considering making a purchase in the near future, if they’re not already pulling out their credit card. In other words, </a:t>
+            </a:r>
+            <a:r>
+              <a:rPr lang="en-US" sz="1200" b="1" i="0" kern="1200" dirty="0" smtClean="0">
                 <a:solidFill>
                   <a:schemeClr val="tx1"/>
                 </a:solidFill>
+                <a:effectLst/>
                 <a:latin typeface="+mn-lt"/>
                 <a:ea typeface="+mn-ea"/>
                 <a:cs typeface="+mn-cs"/>
               </a:rPr>
-              <a:t> will be helpful.</a:t>
-            </a:r>
-          </a:p>
-          <a:p>
-            <a:r>
-              <a:rPr lang="en-US" sz="1200" b="0" i="0" u="none" strike="noStrike" kern="1200" baseline="0" dirty="0" smtClean="0">
+              <a:t>they’re at the business end of the conversion funnel</a:t>
+            </a:r>
+            <a:r>
+              <a:rPr lang="en-US" sz="1200" b="0" i="0" kern="1200" dirty="0" smtClean="0">
                 <a:solidFill>
                   <a:schemeClr val="tx1"/>
                 </a:solidFill>
+                <a:effectLst/>
                 <a:latin typeface="+mn-lt"/>
                 <a:ea typeface="+mn-ea"/>
                 <a:cs typeface="+mn-cs"/>
               </a:rPr>
-              <a:t>● Acceptance of search features and operators: Which functions are accepted by</a:t>
-            </a:r>
-          </a:p>
-          <a:p>
-            <a:r>
-              <a:rPr lang="en-US" sz="1200" b="0" i="0" u="none" strike="noStrike" kern="1200" baseline="0" dirty="0" smtClean="0">
+              <a:t>. Many local searches (such as “Denver wine shop”) are transactional as well.</a:t>
+            </a:r>
+            <a:endParaRPr lang="lt-LT" sz="1200" b="0" i="0" kern="1200" dirty="0" smtClean="0">
+              <a:solidFill>
+                <a:schemeClr val="tx1"/>
+              </a:solidFill>
+              <a:effectLst/>
+              <a:latin typeface="+mn-lt"/>
+              <a:ea typeface="+mn-ea"/>
+              <a:cs typeface="+mn-cs"/>
+            </a:endParaRPr>
+          </a:p>
+          <a:p>
+            <a:r>
+              <a:rPr lang="en-US" sz="1200" b="1" i="1" u="none" strike="noStrike" kern="1200" dirty="0" smtClean="0">
                 <a:solidFill>
                   <a:schemeClr val="tx1"/>
                 </a:solidFill>
+                <a:effectLst/>
                 <a:latin typeface="+mn-lt"/>
                 <a:ea typeface="+mn-ea"/>
                 <a:cs typeface="+mn-cs"/>
               </a:rPr>
-              <a:t>users? Do they use operators? Do users personalize their preferred search engine</a:t>
-            </a:r>
-            <a:r>
-              <a:rPr lang="en-US" sz="1200" b="0" i="0" u="none" strike="noStrike" kern="1200" baseline="0" dirty="0" smtClean="0">
+              <a:t>Transactional Searches</a:t>
+            </a:r>
+          </a:p>
+          <a:p>
+            <a:r>
+              <a:rPr lang="en-US" sz="1200" b="0" i="1" kern="1200" dirty="0" smtClean="0">
                 <a:solidFill>
                   <a:schemeClr val="tx1"/>
                 </a:solidFill>
+                <a:effectLst/>
                 <a:latin typeface="+mn-lt"/>
                 <a:ea typeface="+mn-ea"/>
                 <a:cs typeface="+mn-cs"/>
               </a:rPr>
-              <a:t>?</a:t>
-            </a:r>
-            <a:endParaRPr lang="en-US" sz="1200" b="0" i="0" u="none" strike="noStrike" kern="1200" baseline="0" dirty="0" smtClean="0">
-              <a:solidFill>
-                <a:schemeClr val="tx1"/>
-              </a:solidFill>
-              <a:latin typeface="+mn-lt"/>
-              <a:ea typeface="+mn-ea"/>
-              <a:cs typeface="+mn-cs"/>
-            </a:endParaRPr>
+              <a:t>Identifying a local business, making a purchase online and completing a task.</a:t>
+            </a:r>
+          </a:p>
+          <a:p>
+            <a:r>
+              <a:rPr lang="en-US" sz="1200" b="0" i="1" kern="1200" dirty="0" smtClean="0">
+                <a:solidFill>
+                  <a:schemeClr val="tx1"/>
+                </a:solidFill>
+                <a:effectLst/>
+                <a:latin typeface="+mn-lt"/>
+                <a:ea typeface="+mn-ea"/>
+                <a:cs typeface="+mn-cs"/>
+              </a:rPr>
+              <a:t>Transactional searches don't necessarily involve a credit card or wire transfer. Signing up for a free trial account at Cook's Illustrated, creating a Gmail account, or finding the best local Mexican cuisine (in Seattle it's Carta de Oaxaca) are all transactional queries.</a:t>
+            </a:r>
+          </a:p>
+          <a:p>
+            <a:endParaRPr lang="en-US" dirty="0"/>
           </a:p>
         </p:txBody>
       </p:sp>
@@ -2125,7 +2016,7 @@
           <a:p>
             <a:fld id="{21E87DF0-2188-45E0-9868-23603FC9CB4F}" type="slidenum">
               <a:rPr lang="en-US" smtClean="0"/>
-              <a:t>12</a:t>
+              <a:t>8</a:t>
             </a:fld>
             <a:endParaRPr lang="en-US"/>
           </a:p>
@@ -2134,7 +2025,7 @@
     </p:spTree>
     <p:extLst>
       <p:ext uri="{BB962C8B-B14F-4D97-AF65-F5344CB8AC3E}">
-        <p14:creationId xmlns:p14="http://schemas.microsoft.com/office/powerpoint/2010/main" val="1585257752"/>
+        <p14:creationId xmlns:p14="http://schemas.microsoft.com/office/powerpoint/2010/main" val="3326727055"/>
       </p:ext>
     </p:extLst>
   </p:cSld>
@@ -2197,7 +2088,7 @@
                 <a:ea typeface="+mn-ea"/>
                 <a:cs typeface="+mn-cs"/>
               </a:rPr>
-              <a:t>● Performance of search engines: The speediness of result list presentation is one</a:t>
+              <a:t>● Interface design : structure of search engine Web pages and the presentation of</a:t>
             </a:r>
           </a:p>
           <a:p>
@@ -2210,7 +2101,7 @@
                 <a:ea typeface="+mn-ea"/>
                 <a:cs typeface="+mn-cs"/>
               </a:rPr>
-              <a:t>important point. Also intuitive and very short search queries should yield serious</a:t>
+              <a:t>the results. The input window should be structured in a clear way without overwhelming</a:t>
             </a:r>
           </a:p>
           <a:p>
@@ -2223,7 +2114,7 @@
                 <a:ea typeface="+mn-ea"/>
                 <a:cs typeface="+mn-cs"/>
               </a:rPr>
-              <a:t>results. So-called dead links and spam have to be avoided.</a:t>
+              <a:t>advertising . The result lists have to separate organic results from</a:t>
             </a:r>
           </a:p>
           <a:p>
@@ -2236,12 +2127,10 @@
                 <a:ea typeface="+mn-ea"/>
                 <a:cs typeface="+mn-cs"/>
               </a:rPr>
-              <a:t>● User guidance: Newbies need help to formulate adequate search queries, phrase</a:t>
-            </a:r>
-          </a:p>
-          <a:p>
-            <a:r>
-              <a:rPr lang="en-US" sz="1200" b="0" i="0" u="none" strike="noStrike" kern="1200" baseline="0" dirty="0" smtClean="0">
+              <a:t>sponsored links. A different </a:t>
+            </a:r>
+            <a:r>
+              <a:rPr lang="en-US" sz="1200" b="0" i="0" u="none" strike="noStrike" kern="1200" baseline="0" dirty="0" err="1" smtClean="0">
                 <a:solidFill>
                   <a:schemeClr val="tx1"/>
                 </a:solidFill>
@@ -2249,10 +2138,8 @@
                 <a:ea typeface="+mn-ea"/>
                 <a:cs typeface="+mn-cs"/>
               </a:rPr>
-              <a:t>searches, or complex searches. It is also helpful to give users some hints how</a:t>
-            </a:r>
-          </a:p>
-          <a:p>
+              <a:t>colour</a:t>
+            </a:r>
             <a:r>
               <a:rPr lang="en-US" sz="1200" b="0" i="0" u="none" strike="noStrike" kern="1200" baseline="0" dirty="0" smtClean="0">
                 <a:solidFill>
@@ -2262,7 +2149,7 @@
                 <a:ea typeface="+mn-ea"/>
                 <a:cs typeface="+mn-cs"/>
               </a:rPr>
-              <a:t>search features work and what to do with them. A short introduction in search</a:t>
+              <a:t> will be helpful.</a:t>
             </a:r>
           </a:p>
           <a:p>
@@ -2275,7 +2162,7 @@
                 <a:ea typeface="+mn-ea"/>
                 <a:cs typeface="+mn-cs"/>
               </a:rPr>
-              <a:t>engine technology is recommended, too.</a:t>
+              <a:t>● Acceptance of search features and operators: Which functions are accepted by</a:t>
             </a:r>
           </a:p>
           <a:p>
@@ -2288,634 +2175,8 @@
                 <a:ea typeface="+mn-ea"/>
                 <a:cs typeface="+mn-cs"/>
               </a:rPr>
-              <a:t>Taking both into account, the system approach and the user-</a:t>
-            </a:r>
-            <a:r>
-              <a:rPr lang="en-US" sz="1200" b="0" i="0" u="none" strike="noStrike" kern="1200" baseline="0" dirty="0" err="1" smtClean="0">
-                <a:solidFill>
-                  <a:schemeClr val="tx1"/>
-                </a:solidFill>
-                <a:latin typeface="+mn-lt"/>
-                <a:ea typeface="+mn-ea"/>
-                <a:cs typeface="+mn-cs"/>
-              </a:rPr>
-              <a:t>centred</a:t>
-            </a:r>
-            <a:r>
-              <a:rPr lang="en-US" sz="1200" b="0" i="0" u="none" strike="noStrike" kern="1200" baseline="0" dirty="0" smtClean="0">
-                <a:solidFill>
-                  <a:schemeClr val="tx1"/>
-                </a:solidFill>
-                <a:latin typeface="+mn-lt"/>
-                <a:ea typeface="+mn-ea"/>
-                <a:cs typeface="+mn-cs"/>
-              </a:rPr>
-              <a:t> approach, we</a:t>
-            </a:r>
-          </a:p>
-          <a:p>
-            <a:r>
-              <a:rPr lang="en-US" sz="1200" b="0" i="0" u="none" strike="noStrike" kern="1200" baseline="0" dirty="0" smtClean="0">
-                <a:solidFill>
-                  <a:schemeClr val="tx1"/>
-                </a:solidFill>
-                <a:latin typeface="+mn-lt"/>
-                <a:ea typeface="+mn-ea"/>
-                <a:cs typeface="+mn-cs"/>
-              </a:rPr>
-              <a:t>propose another quality framework that considers more objective measures as well</a:t>
-            </a:r>
-          </a:p>
-          <a:p>
-            <a:r>
-              <a:rPr lang="en-US" sz="1200" b="0" i="0" u="none" strike="noStrike" kern="1200" baseline="0" dirty="0" smtClean="0">
-                <a:solidFill>
-                  <a:schemeClr val="tx1"/>
-                </a:solidFill>
-                <a:latin typeface="+mn-lt"/>
-                <a:ea typeface="+mn-ea"/>
-                <a:cs typeface="+mn-cs"/>
-              </a:rPr>
-              <a:t>as the user perspective. Therefore, we expand the quality framework first proposed</a:t>
-            </a:r>
-          </a:p>
-          <a:p>
-            <a:r>
-              <a:rPr lang="en-US" sz="1200" b="0" i="0" u="none" strike="noStrike" kern="1200" baseline="0" dirty="0" smtClean="0">
-                <a:solidFill>
-                  <a:schemeClr val="tx1"/>
-                </a:solidFill>
-                <a:latin typeface="+mn-lt"/>
-                <a:ea typeface="+mn-ea"/>
-                <a:cs typeface="+mn-cs"/>
-              </a:rPr>
-              <a:t>in Lewandowski (2006c) to four sections as follows:</a:t>
-            </a:r>
-            <a:endParaRPr lang="lt-LT" sz="1200" b="0" i="0" u="none" strike="noStrike" kern="1200" baseline="0" dirty="0" smtClean="0">
-              <a:solidFill>
-                <a:schemeClr val="tx1"/>
-              </a:solidFill>
-              <a:latin typeface="+mn-lt"/>
-              <a:ea typeface="+mn-ea"/>
-              <a:cs typeface="+mn-cs"/>
-            </a:endParaRPr>
-          </a:p>
-          <a:p>
-            <a:endParaRPr lang="lt-LT" dirty="0" smtClean="0"/>
-          </a:p>
-          <a:p>
-            <a:r>
-              <a:rPr lang="en-US" sz="1200" b="0" i="0" u="none" strike="noStrike" kern="1200" baseline="0" dirty="0" smtClean="0">
-                <a:solidFill>
-                  <a:schemeClr val="tx1"/>
-                </a:solidFill>
-                <a:latin typeface="+mn-lt"/>
-                <a:ea typeface="+mn-ea"/>
-                <a:cs typeface="+mn-cs"/>
-              </a:rPr>
-              <a:t>● Index Quality: This points to the importance of the search engines’ databases for</a:t>
-            </a:r>
-          </a:p>
-          <a:p>
-            <a:r>
-              <a:rPr lang="en-US" sz="1200" b="0" i="0" u="none" strike="noStrike" kern="1200" baseline="0" dirty="0" smtClean="0">
-                <a:solidFill>
-                  <a:schemeClr val="tx1"/>
-                </a:solidFill>
-                <a:latin typeface="+mn-lt"/>
-                <a:ea typeface="+mn-ea"/>
-                <a:cs typeface="+mn-cs"/>
-              </a:rPr>
-              <a:t>retrieving relevant and comprehensive results. Measures applied in this section</a:t>
-            </a:r>
-          </a:p>
-          <a:p>
-            <a:r>
-              <a:rPr lang="en-US" sz="1200" b="0" i="0" u="none" strike="noStrike" kern="1200" baseline="0" dirty="0" smtClean="0">
-                <a:solidFill>
-                  <a:schemeClr val="tx1"/>
-                </a:solidFill>
-                <a:latin typeface="+mn-lt"/>
-                <a:ea typeface="+mn-ea"/>
-                <a:cs typeface="+mn-cs"/>
-              </a:rPr>
-              <a:t>include Web coverage, country bias , and up-to-datedness.</a:t>
-            </a:r>
-          </a:p>
-          <a:p>
-            <a:r>
-              <a:rPr lang="en-US" sz="1200" b="0" i="0" u="none" strike="noStrike" kern="1200" baseline="0" dirty="0" smtClean="0">
-                <a:solidFill>
-                  <a:schemeClr val="tx1"/>
-                </a:solidFill>
-                <a:latin typeface="+mn-lt"/>
-                <a:ea typeface="+mn-ea"/>
-                <a:cs typeface="+mn-cs"/>
-              </a:rPr>
-              <a:t>● Quality of the results: This is the part where </a:t>
-            </a:r>
-            <a:r>
-              <a:rPr lang="en-US" sz="1200" b="0" i="0" u="none" strike="noStrike" kern="1200" baseline="0" dirty="0" err="1" smtClean="0">
-                <a:solidFill>
-                  <a:schemeClr val="tx1"/>
-                </a:solidFill>
-                <a:latin typeface="+mn-lt"/>
-                <a:ea typeface="+mn-ea"/>
-                <a:cs typeface="+mn-cs"/>
-              </a:rPr>
-              <a:t>derivates</a:t>
-            </a:r>
-            <a:r>
-              <a:rPr lang="en-US" sz="1200" b="0" i="0" u="none" strike="noStrike" kern="1200" baseline="0" dirty="0" smtClean="0">
-                <a:solidFill>
-                  <a:schemeClr val="tx1"/>
-                </a:solidFill>
-                <a:latin typeface="+mn-lt"/>
-                <a:ea typeface="+mn-ea"/>
-                <a:cs typeface="+mn-cs"/>
-              </a:rPr>
-              <a:t> of classic retrieval tests</a:t>
-            </a:r>
-          </a:p>
-          <a:p>
-            <a:r>
-              <a:rPr lang="en-US" sz="1200" b="0" i="0" u="none" strike="noStrike" kern="1200" baseline="0" dirty="0" smtClean="0">
-                <a:solidFill>
-                  <a:schemeClr val="tx1"/>
-                </a:solidFill>
-                <a:latin typeface="+mn-lt"/>
-                <a:ea typeface="+mn-ea"/>
-                <a:cs typeface="+mn-cs"/>
-              </a:rPr>
-              <a:t>are applied. As can be seen from the discussion on retrieval measures above, it</a:t>
-            </a:r>
-          </a:p>
-          <a:p>
-            <a:r>
-              <a:rPr lang="en-US" sz="1200" b="0" i="0" u="none" strike="noStrike" kern="1200" baseline="0" dirty="0" smtClean="0">
-                <a:solidFill>
-                  <a:schemeClr val="tx1"/>
-                </a:solidFill>
-                <a:latin typeface="+mn-lt"/>
-                <a:ea typeface="+mn-ea"/>
-                <a:cs typeface="+mn-cs"/>
-              </a:rPr>
-              <a:t>should be asked which measures should be applied and if new measures are</a:t>
-            </a:r>
-          </a:p>
-          <a:p>
-            <a:r>
-              <a:rPr lang="en-US" sz="1200" b="0" i="0" u="none" strike="noStrike" kern="1200" baseline="0" dirty="0" smtClean="0">
-                <a:solidFill>
-                  <a:schemeClr val="tx1"/>
-                </a:solidFill>
-                <a:latin typeface="+mn-lt"/>
-                <a:ea typeface="+mn-ea"/>
-                <a:cs typeface="+mn-cs"/>
-              </a:rPr>
-              <a:t>needed to satisfy the unique character of the search engines and their users. An</a:t>
-            </a:r>
-          </a:p>
-          <a:p>
-            <a:r>
-              <a:rPr lang="en-US" sz="1200" b="0" i="0" u="none" strike="noStrike" kern="1200" baseline="0" dirty="0" smtClean="0">
-                <a:solidFill>
-                  <a:schemeClr val="tx1"/>
-                </a:solidFill>
-                <a:latin typeface="+mn-lt"/>
-                <a:ea typeface="+mn-ea"/>
-                <a:cs typeface="+mn-cs"/>
-              </a:rPr>
-              <a:t>additional measure that should be applied is, for example, the uniqueness of</a:t>
-            </a:r>
-            <a:endParaRPr lang="lt-LT" sz="1200" b="0" i="0" u="none" strike="noStrike" kern="1200" baseline="0" dirty="0" smtClean="0">
-              <a:solidFill>
-                <a:schemeClr val="tx1"/>
-              </a:solidFill>
-              <a:latin typeface="+mn-lt"/>
-              <a:ea typeface="+mn-ea"/>
-              <a:cs typeface="+mn-cs"/>
-            </a:endParaRPr>
-          </a:p>
-          <a:p>
-            <a:r>
-              <a:rPr lang="en-US" sz="1200" b="0" i="0" u="none" strike="noStrike" kern="1200" baseline="0" dirty="0" smtClean="0">
-                <a:solidFill>
-                  <a:schemeClr val="tx1"/>
-                </a:solidFill>
-                <a:latin typeface="+mn-lt"/>
-                <a:ea typeface="+mn-ea"/>
-                <a:cs typeface="+mn-cs"/>
-              </a:rPr>
-              <a:t>search results in comparison to other search engines. It is worth mentioning that</a:t>
-            </a:r>
-          </a:p>
-          <a:p>
-            <a:r>
-              <a:rPr lang="en-US" sz="1200" b="0" i="0" u="none" strike="noStrike" kern="1200" baseline="0" dirty="0" smtClean="0">
-                <a:solidFill>
-                  <a:schemeClr val="tx1"/>
-                </a:solidFill>
-                <a:latin typeface="+mn-lt"/>
-                <a:ea typeface="+mn-ea"/>
-                <a:cs typeface="+mn-cs"/>
-              </a:rPr>
-              <a:t>users are pretty satisfied by finding what they search for. The subjects in the</a:t>
-            </a:r>
-          </a:p>
-          <a:p>
-            <a:r>
-              <a:rPr lang="en-US" sz="1200" b="0" i="0" u="none" strike="noStrike" kern="1200" baseline="0" dirty="0" smtClean="0">
-                <a:solidFill>
-                  <a:schemeClr val="tx1"/>
-                </a:solidFill>
-                <a:latin typeface="+mn-lt"/>
-                <a:ea typeface="+mn-ea"/>
-                <a:cs typeface="+mn-cs"/>
-              </a:rPr>
-              <a:t>laboratory study conducted by </a:t>
-            </a:r>
-            <a:r>
-              <a:rPr lang="en-US" sz="1200" b="0" i="0" u="none" strike="noStrike" kern="1200" baseline="0" dirty="0" err="1" smtClean="0">
-                <a:solidFill>
-                  <a:schemeClr val="tx1"/>
-                </a:solidFill>
-                <a:latin typeface="+mn-lt"/>
-                <a:ea typeface="+mn-ea"/>
-                <a:cs typeface="+mn-cs"/>
-              </a:rPr>
-              <a:t>Machill</a:t>
-            </a:r>
-            <a:r>
-              <a:rPr lang="en-US" sz="1200" b="0" i="0" u="none" strike="noStrike" kern="1200" baseline="0" dirty="0" smtClean="0">
-                <a:solidFill>
-                  <a:schemeClr val="tx1"/>
-                </a:solidFill>
-                <a:latin typeface="+mn-lt"/>
-                <a:ea typeface="+mn-ea"/>
-                <a:cs typeface="+mn-cs"/>
-              </a:rPr>
-              <a:t> et al. (2003) admit that they are very</a:t>
-            </a:r>
-          </a:p>
-          <a:p>
-            <a:r>
-              <a:rPr lang="en-US" sz="1200" b="0" i="0" u="none" strike="noStrike" kern="1200" baseline="0" dirty="0" smtClean="0">
-                <a:solidFill>
-                  <a:schemeClr val="tx1"/>
-                </a:solidFill>
-                <a:latin typeface="+mn-lt"/>
-                <a:ea typeface="+mn-ea"/>
-                <a:cs typeface="+mn-cs"/>
-              </a:rPr>
-              <a:t>pleased with search results and also with their </a:t>
-            </a:r>
-            <a:r>
-              <a:rPr lang="en-US" sz="1200" b="0" i="0" u="none" strike="noStrike" kern="1200" baseline="0" dirty="0" err="1" smtClean="0">
-                <a:solidFill>
-                  <a:schemeClr val="tx1"/>
-                </a:solidFill>
-                <a:latin typeface="+mn-lt"/>
-                <a:ea typeface="+mn-ea"/>
-                <a:cs typeface="+mn-cs"/>
-              </a:rPr>
-              <a:t>favourite</a:t>
-            </a:r>
-            <a:r>
-              <a:rPr lang="en-US" sz="1200" b="0" i="0" u="none" strike="noStrike" kern="1200" baseline="0" dirty="0" smtClean="0">
-                <a:solidFill>
-                  <a:schemeClr val="tx1"/>
-                </a:solidFill>
-                <a:latin typeface="+mn-lt"/>
-                <a:ea typeface="+mn-ea"/>
-                <a:cs typeface="+mn-cs"/>
-              </a:rPr>
-              <a:t> search engine. In the</a:t>
-            </a:r>
-          </a:p>
-          <a:p>
-            <a:r>
-              <a:rPr lang="en-US" sz="1200" b="0" i="0" u="none" strike="noStrike" kern="1200" baseline="0" dirty="0" smtClean="0">
-                <a:solidFill>
-                  <a:schemeClr val="tx1"/>
-                </a:solidFill>
-                <a:latin typeface="+mn-lt"/>
-                <a:ea typeface="+mn-ea"/>
-                <a:cs typeface="+mn-cs"/>
-              </a:rPr>
-              <a:t>survey conducted by Schmidt-</a:t>
-            </a:r>
-            <a:r>
-              <a:rPr lang="en-US" sz="1200" b="0" i="0" u="none" strike="noStrike" kern="1200" baseline="0" dirty="0" err="1" smtClean="0">
-                <a:solidFill>
-                  <a:schemeClr val="tx1"/>
-                </a:solidFill>
-                <a:latin typeface="+mn-lt"/>
-                <a:ea typeface="+mn-ea"/>
-                <a:cs typeface="+mn-cs"/>
-              </a:rPr>
-              <a:t>Maenz</a:t>
-            </a:r>
-            <a:r>
-              <a:rPr lang="en-US" sz="1200" b="0" i="0" u="none" strike="noStrike" kern="1200" baseline="0" dirty="0" smtClean="0">
-                <a:solidFill>
-                  <a:schemeClr val="tx1"/>
-                </a:solidFill>
-                <a:latin typeface="+mn-lt"/>
-                <a:ea typeface="+mn-ea"/>
-                <a:cs typeface="+mn-cs"/>
-              </a:rPr>
-              <a:t> and </a:t>
-            </a:r>
-            <a:r>
-              <a:rPr lang="en-US" sz="1200" b="0" i="0" u="none" strike="noStrike" kern="1200" baseline="0" dirty="0" err="1" smtClean="0">
-                <a:solidFill>
-                  <a:schemeClr val="tx1"/>
-                </a:solidFill>
-                <a:latin typeface="+mn-lt"/>
-                <a:ea typeface="+mn-ea"/>
-                <a:cs typeface="+mn-cs"/>
-              </a:rPr>
-              <a:t>Bomhardt</a:t>
-            </a:r>
-            <a:r>
-              <a:rPr lang="en-US" sz="1200" b="0" i="0" u="none" strike="noStrike" kern="1200" baseline="0" dirty="0" smtClean="0">
-                <a:solidFill>
-                  <a:schemeClr val="tx1"/>
-                </a:solidFill>
-                <a:latin typeface="+mn-lt"/>
-                <a:ea typeface="+mn-ea"/>
-                <a:cs typeface="+mn-cs"/>
-              </a:rPr>
-              <a:t> (2005), 43.0% of 6,723</a:t>
-            </a:r>
-          </a:p>
-          <a:p>
-            <a:r>
-              <a:rPr lang="en-US" sz="1200" b="0" i="0" u="none" strike="noStrike" kern="1200" baseline="0" dirty="0" smtClean="0">
-                <a:solidFill>
-                  <a:schemeClr val="tx1"/>
-                </a:solidFill>
-                <a:latin typeface="+mn-lt"/>
-                <a:ea typeface="+mn-ea"/>
-                <a:cs typeface="+mn-cs"/>
-              </a:rPr>
-              <a:t>respondents very often found what they wanted and another 50.1% often. The</a:t>
-            </a:r>
-          </a:p>
-          <a:p>
-            <a:r>
-              <a:rPr lang="en-US" sz="1200" b="0" i="0" u="none" strike="noStrike" kern="1200" baseline="0" dirty="0" smtClean="0">
-                <a:solidFill>
-                  <a:schemeClr val="tx1"/>
-                </a:solidFill>
-                <a:latin typeface="+mn-lt"/>
-                <a:ea typeface="+mn-ea"/>
-                <a:cs typeface="+mn-cs"/>
-              </a:rPr>
-              <a:t>question is if users could really evaluate the quality of results. Users are not able to</a:t>
-            </a:r>
-          </a:p>
-          <a:p>
-            <a:r>
-              <a:rPr lang="en-US" sz="1200" b="0" i="0" u="none" strike="noStrike" kern="1200" baseline="0" dirty="0" smtClean="0">
-                <a:solidFill>
-                  <a:schemeClr val="tx1"/>
-                </a:solidFill>
-                <a:latin typeface="+mn-lt"/>
-                <a:ea typeface="+mn-ea"/>
-                <a:cs typeface="+mn-cs"/>
-              </a:rPr>
-              <a:t>compare all recommended Web pages. Sometimes 1,000,000 results are listed.</a:t>
-            </a:r>
-          </a:p>
-          <a:p>
-            <a:r>
-              <a:rPr lang="en-US" sz="1200" b="0" i="0" u="none" strike="noStrike" kern="1200" baseline="0" dirty="0" smtClean="0">
-                <a:solidFill>
-                  <a:schemeClr val="tx1"/>
-                </a:solidFill>
-                <a:latin typeface="+mn-lt"/>
-                <a:ea typeface="+mn-ea"/>
-                <a:cs typeface="+mn-cs"/>
-              </a:rPr>
-              <a:t>It is more probable that they only think they find what they want since they do</a:t>
-            </a:r>
-          </a:p>
-          <a:p>
-            <a:r>
-              <a:rPr lang="en-US" sz="1200" b="0" i="0" u="none" strike="noStrike" kern="1200" baseline="0" dirty="0" smtClean="0">
-                <a:solidFill>
-                  <a:schemeClr val="tx1"/>
-                </a:solidFill>
-                <a:latin typeface="+mn-lt"/>
-                <a:ea typeface="+mn-ea"/>
-                <a:cs typeface="+mn-cs"/>
-              </a:rPr>
-              <a:t>not even know what they could find in other results.</a:t>
-            </a:r>
-          </a:p>
-          <a:p>
-            <a:r>
-              <a:rPr lang="en-US" sz="1200" b="0" i="0" u="none" strike="noStrike" kern="1200" baseline="0" dirty="0" smtClean="0">
-                <a:solidFill>
-                  <a:schemeClr val="tx1"/>
-                </a:solidFill>
-                <a:latin typeface="+mn-lt"/>
-                <a:ea typeface="+mn-ea"/>
-                <a:cs typeface="+mn-cs"/>
-              </a:rPr>
-              <a:t>● Quality of search features: A good set of search features (such as advanced</a:t>
-            </a:r>
-          </a:p>
-          <a:p>
-            <a:r>
-              <a:rPr lang="en-US" sz="1200" b="0" i="0" u="none" strike="noStrike" kern="1200" baseline="0" dirty="0" smtClean="0">
-                <a:solidFill>
-                  <a:schemeClr val="tx1"/>
-                </a:solidFill>
-                <a:latin typeface="+mn-lt"/>
-                <a:ea typeface="+mn-ea"/>
-                <a:cs typeface="+mn-cs"/>
-              </a:rPr>
-              <a:t>search), and a sophisticated query language is offered and works reliable.</a:t>
-            </a:r>
-          </a:p>
-          <a:p>
-            <a:r>
-              <a:rPr lang="en-US" sz="1200" b="0" i="0" u="none" strike="noStrike" kern="1200" baseline="0" dirty="0" smtClean="0">
-                <a:solidFill>
-                  <a:schemeClr val="tx1"/>
-                </a:solidFill>
-                <a:latin typeface="+mn-lt"/>
-                <a:ea typeface="+mn-ea"/>
-                <a:cs typeface="+mn-cs"/>
-              </a:rPr>
-              <a:t>● Search engine usability : This gives a feedback of user </a:t>
-            </a:r>
-            <a:r>
-              <a:rPr lang="en-US" sz="1200" b="0" i="0" u="none" strike="noStrike" kern="1200" baseline="0" dirty="0" err="1" smtClean="0">
-                <a:solidFill>
-                  <a:schemeClr val="tx1"/>
-                </a:solidFill>
-                <a:latin typeface="+mn-lt"/>
-                <a:ea typeface="+mn-ea"/>
-                <a:cs typeface="+mn-cs"/>
-              </a:rPr>
-              <a:t>behaviour</a:t>
-            </a:r>
-            <a:r>
-              <a:rPr lang="en-US" sz="1200" b="0" i="0" u="none" strike="noStrike" kern="1200" baseline="0" dirty="0" smtClean="0">
-                <a:solidFill>
-                  <a:schemeClr val="tx1"/>
-                </a:solidFill>
-                <a:latin typeface="+mn-lt"/>
-                <a:ea typeface="+mn-ea"/>
-                <a:cs typeface="+mn-cs"/>
-              </a:rPr>
-              <a:t> and is evaluated</a:t>
-            </a:r>
-          </a:p>
-          <a:p>
-            <a:r>
-              <a:rPr lang="en-US" sz="1200" b="0" i="0" u="none" strike="noStrike" kern="1200" baseline="0" dirty="0" smtClean="0">
-                <a:solidFill>
-                  <a:schemeClr val="tx1"/>
-                </a:solidFill>
-                <a:latin typeface="+mn-lt"/>
-                <a:ea typeface="+mn-ea"/>
-                <a:cs typeface="+mn-cs"/>
-              </a:rPr>
-              <a:t>by user surveys or transaction log analyses. This will give comparable</a:t>
-            </a:r>
-          </a:p>
-          <a:p>
-            <a:r>
-              <a:rPr lang="en-US" sz="1200" b="0" i="0" u="none" strike="noStrike" kern="1200" baseline="0" dirty="0" smtClean="0">
-                <a:solidFill>
-                  <a:schemeClr val="tx1"/>
-                </a:solidFill>
-                <a:latin typeface="+mn-lt"/>
-                <a:ea typeface="+mn-ea"/>
-                <a:cs typeface="+mn-cs"/>
-              </a:rPr>
-              <a:t>parameters concerning interface design . Is it possible for users to interact with</a:t>
-            </a:r>
-          </a:p>
-          <a:p>
-            <a:r>
-              <a:rPr lang="en-US" sz="1200" b="0" i="0" u="none" strike="noStrike" kern="1200" baseline="0" dirty="0" smtClean="0">
-                <a:solidFill>
-                  <a:schemeClr val="tx1"/>
-                </a:solidFill>
-                <a:latin typeface="+mn-lt"/>
-                <a:ea typeface="+mn-ea"/>
-                <a:cs typeface="+mn-cs"/>
-              </a:rPr>
-              <a:t>search engines in an efficient and effective way? Is the number of search queries</a:t>
-            </a:r>
-          </a:p>
-          <a:p>
-            <a:r>
-              <a:rPr lang="en-US" sz="1200" b="0" i="0" u="none" strike="noStrike" kern="1200" baseline="0" dirty="0" smtClean="0">
-                <a:solidFill>
-                  <a:schemeClr val="tx1"/>
-                </a:solidFill>
-                <a:latin typeface="+mn-lt"/>
-                <a:ea typeface="+mn-ea"/>
-                <a:cs typeface="+mn-cs"/>
-              </a:rPr>
-              <a:t>and of reformulations in different search engines lower? It is also of importance</a:t>
-            </a:r>
-          </a:p>
-          <a:p>
-            <a:r>
-              <a:rPr lang="en-US" sz="1200" b="0" i="0" u="none" strike="noStrike" kern="1200" baseline="0" dirty="0" smtClean="0">
-                <a:solidFill>
-                  <a:schemeClr val="tx1"/>
-                </a:solidFill>
-                <a:latin typeface="+mn-lt"/>
-                <a:ea typeface="+mn-ea"/>
-                <a:cs typeface="+mn-cs"/>
-              </a:rPr>
-              <a:t>which features are given to assist users regardless if they are beginners or professionals</a:t>
-            </a:r>
-          </a:p>
-          <a:p>
-            <a:r>
-              <a:rPr lang="en-US" sz="1200" b="0" i="0" u="none" strike="noStrike" kern="1200" baseline="0" dirty="0" smtClean="0">
-                <a:solidFill>
-                  <a:schemeClr val="tx1"/>
-                </a:solidFill>
-                <a:latin typeface="+mn-lt"/>
-                <a:ea typeface="+mn-ea"/>
-                <a:cs typeface="+mn-cs"/>
-              </a:rPr>
-              <a:t>in using search engines. Users</a:t>
-            </a:r>
-            <a:r>
-              <a:rPr lang="lt-LT" sz="1200" b="0" i="0" u="none" strike="noStrike" kern="1200" baseline="0" dirty="0" smtClean="0">
-                <a:solidFill>
-                  <a:schemeClr val="tx1"/>
-                </a:solidFill>
-                <a:latin typeface="+mn-lt"/>
-                <a:ea typeface="+mn-ea"/>
-                <a:cs typeface="+mn-cs"/>
-              </a:rPr>
-              <a:t> </a:t>
-            </a:r>
-            <a:r>
-              <a:rPr lang="en-US" sz="1200" b="0" i="0" u="none" strike="noStrike" kern="1200" baseline="0" dirty="0" smtClean="0">
-                <a:solidFill>
-                  <a:schemeClr val="tx1"/>
-                </a:solidFill>
-                <a:latin typeface="+mn-lt"/>
-                <a:ea typeface="+mn-ea"/>
-                <a:cs typeface="+mn-cs"/>
-              </a:rPr>
-              <a:t>search in a very intuitive way</a:t>
-            </a:r>
-          </a:p>
-          <a:p>
-            <a:r>
-              <a:rPr lang="en-US" sz="1200" b="0" i="0" u="none" strike="noStrike" kern="1200" baseline="0" dirty="0" smtClean="0">
-                <a:solidFill>
-                  <a:schemeClr val="tx1"/>
-                </a:solidFill>
-                <a:latin typeface="+mn-lt"/>
-                <a:ea typeface="+mn-ea"/>
-                <a:cs typeface="+mn-cs"/>
-              </a:rPr>
-              <a:t>(Schmidt-</a:t>
-            </a:r>
-            <a:r>
-              <a:rPr lang="en-US" sz="1200" b="0" i="0" u="none" strike="noStrike" kern="1200" baseline="0" dirty="0" err="1" smtClean="0">
-                <a:solidFill>
-                  <a:schemeClr val="tx1"/>
-                </a:solidFill>
-                <a:latin typeface="+mn-lt"/>
-                <a:ea typeface="+mn-ea"/>
-                <a:cs typeface="+mn-cs"/>
-              </a:rPr>
-              <a:t>Maenz</a:t>
-            </a:r>
-            <a:r>
-              <a:rPr lang="en-US" sz="1200" b="0" i="0" u="none" strike="noStrike" kern="1200" baseline="0" dirty="0" smtClean="0">
-                <a:solidFill>
-                  <a:schemeClr val="tx1"/>
-                </a:solidFill>
-                <a:latin typeface="+mn-lt"/>
-                <a:ea typeface="+mn-ea"/>
-                <a:cs typeface="+mn-cs"/>
-              </a:rPr>
-              <a:t> and Koch 2006).</a:t>
-            </a:r>
-          </a:p>
-          <a:p>
-            <a:endParaRPr lang="en-US" dirty="0" smtClean="0"/>
-          </a:p>
-          <a:p>
-            <a:endParaRPr lang="en-US" dirty="0"/>
+              <a:t>users? Do they use operators? Do users personalize their preferred search engine?</a:t>
+            </a:r>
           </a:p>
         </p:txBody>
       </p:sp>
@@ -2936,7 +2197,7 @@
           <a:p>
             <a:fld id="{21E87DF0-2188-45E0-9868-23603FC9CB4F}" type="slidenum">
               <a:rPr lang="en-US" smtClean="0"/>
-              <a:t>13</a:t>
+              <a:t>12</a:t>
             </a:fld>
             <a:endParaRPr lang="en-US"/>
           </a:p>
@@ -2945,7 +2206,7 @@
     </p:spTree>
     <p:extLst>
       <p:ext uri="{BB962C8B-B14F-4D97-AF65-F5344CB8AC3E}">
-        <p14:creationId xmlns:p14="http://schemas.microsoft.com/office/powerpoint/2010/main" val="1957962320"/>
+        <p14:creationId xmlns:p14="http://schemas.microsoft.com/office/powerpoint/2010/main" val="1585257752"/>
       </p:ext>
     </p:extLst>
   </p:cSld>
@@ -3000,7 +2261,7 @@
           <a:lstStyle/>
           <a:p>
             <a:r>
-              <a:rPr lang="en-US" sz="1200" b="0" i="0" u="none" strike="noStrike" kern="1200" baseline="0" dirty="0" err="1" smtClean="0">
+              <a:rPr lang="en-US" sz="1200" b="0" i="0" u="none" strike="noStrike" kern="1200" baseline="0" dirty="0" smtClean="0">
                 <a:solidFill>
                   <a:schemeClr val="tx1"/>
                 </a:solidFill>
@@ -3008,8 +2269,10 @@
                 <a:ea typeface="+mn-ea"/>
                 <a:cs typeface="+mn-cs"/>
               </a:rPr>
-              <a:t>Saracevic</a:t>
-            </a:r>
+              <a:t>● Performance of search engines: The speediness of result list presentation is one</a:t>
+            </a:r>
+          </a:p>
+          <a:p>
             <a:r>
               <a:rPr lang="en-US" sz="1200" b="0" i="0" u="none" strike="noStrike" kern="1200" baseline="0" dirty="0" smtClean="0">
                 <a:solidFill>
@@ -3019,7 +2282,7 @@
                 <a:ea typeface="+mn-ea"/>
                 <a:cs typeface="+mn-cs"/>
               </a:rPr>
-              <a:t> concludes that results from one level of evaluation do not say anything</a:t>
+              <a:t>important point. Also intuitive and very short search queries should yield serious</a:t>
             </a:r>
           </a:p>
           <a:p>
@@ -3032,7 +2295,7 @@
                 <a:ea typeface="+mn-ea"/>
                 <a:cs typeface="+mn-cs"/>
               </a:rPr>
-              <a:t>about the performance of the same system on the other levels of evaluation and that</a:t>
+              <a:t>results. So-called dead links and spam have to be avoided.</a:t>
             </a:r>
           </a:p>
           <a:p>
@@ -3045,7 +2308,7 @@
                 <a:ea typeface="+mn-ea"/>
                 <a:cs typeface="+mn-cs"/>
               </a:rPr>
-              <a:t>“this isolation of levels of evaluation could be considered a basic shortcoming of</a:t>
+              <a:t>● User guidance: Newbies need help to formulate adequate search queries, phrase</a:t>
             </a:r>
           </a:p>
           <a:p>
@@ -3058,7 +2321,7 @@
                 <a:ea typeface="+mn-ea"/>
                 <a:cs typeface="+mn-cs"/>
               </a:rPr>
-              <a:t>all IR evaluations” (p. 141).</a:t>
+              <a:t>searches, or complex searches. It is also helpful to give users some hints how</a:t>
             </a:r>
           </a:p>
           <a:p>
@@ -3071,7 +2334,7 @@
                 <a:ea typeface="+mn-ea"/>
                 <a:cs typeface="+mn-cs"/>
               </a:rPr>
-              <a:t>In our opinion, this also applies to the evaluation of search engines. Only a</a:t>
+              <a:t>search features work and what to do with them. A short introduction in search</a:t>
             </a:r>
           </a:p>
           <a:p>
@@ -3084,181 +2347,7 @@
                 <a:ea typeface="+mn-ea"/>
                 <a:cs typeface="+mn-cs"/>
               </a:rPr>
-              <a:t>combination of both, system and user-</a:t>
-            </a:r>
-            <a:r>
-              <a:rPr lang="en-US" sz="1200" b="0" i="0" u="none" strike="noStrike" kern="1200" baseline="0" dirty="0" err="1" smtClean="0">
-                <a:solidFill>
-                  <a:schemeClr val="tx1"/>
-                </a:solidFill>
-                <a:latin typeface="+mn-lt"/>
-                <a:ea typeface="+mn-ea"/>
-                <a:cs typeface="+mn-cs"/>
-              </a:rPr>
-              <a:t>centred</a:t>
-            </a:r>
-            <a:r>
-              <a:rPr lang="en-US" sz="1200" b="0" i="0" u="none" strike="noStrike" kern="1200" baseline="0" dirty="0" smtClean="0">
-                <a:solidFill>
-                  <a:schemeClr val="tx1"/>
-                </a:solidFill>
-                <a:latin typeface="+mn-lt"/>
-                <a:ea typeface="+mn-ea"/>
-                <a:cs typeface="+mn-cs"/>
-              </a:rPr>
-              <a:t> approach can lead to a clearer picture</a:t>
-            </a:r>
-          </a:p>
-          <a:p>
-            <a:r>
-              <a:rPr lang="en-US" sz="1200" b="0" i="0" u="none" strike="noStrike" kern="1200" baseline="0" dirty="0" smtClean="0">
-                <a:solidFill>
-                  <a:schemeClr val="tx1"/>
-                </a:solidFill>
-                <a:latin typeface="+mn-lt"/>
-                <a:ea typeface="+mn-ea"/>
-                <a:cs typeface="+mn-cs"/>
-              </a:rPr>
-              <a:t>of the overall search engine quality .</a:t>
-            </a:r>
-          </a:p>
-          <a:p>
-            <a:r>
-              <a:rPr lang="en-US" sz="1200" b="0" i="0" u="none" strike="noStrike" kern="1200" baseline="0" dirty="0" smtClean="0">
-                <a:solidFill>
-                  <a:schemeClr val="tx1"/>
-                </a:solidFill>
-                <a:latin typeface="+mn-lt"/>
-                <a:ea typeface="+mn-ea"/>
-                <a:cs typeface="+mn-cs"/>
-              </a:rPr>
-              <a:t>There are several points of contact between users and search engines that can cause</a:t>
-            </a:r>
-          </a:p>
-          <a:p>
-            <a:r>
-              <a:rPr lang="en-US" sz="1200" b="0" i="0" u="none" strike="noStrike" kern="1200" baseline="0" dirty="0" smtClean="0">
-                <a:solidFill>
-                  <a:schemeClr val="tx1"/>
-                </a:solidFill>
-                <a:latin typeface="+mn-lt"/>
-                <a:ea typeface="+mn-ea"/>
-                <a:cs typeface="+mn-cs"/>
-              </a:rPr>
-              <a:t>user discontent. The first and obvious point is the front-end of search engines. Next</a:t>
-            </a:r>
-          </a:p>
-          <a:p>
-            <a:r>
-              <a:rPr lang="en-US" sz="1200" b="0" i="0" u="none" strike="noStrike" kern="1200" baseline="0" dirty="0" smtClean="0">
-                <a:solidFill>
-                  <a:schemeClr val="tx1"/>
-                </a:solidFill>
-                <a:latin typeface="+mn-lt"/>
-                <a:ea typeface="+mn-ea"/>
-                <a:cs typeface="+mn-cs"/>
-              </a:rPr>
-              <a:t>will be additional services that should help users to perform their search sessions. As</a:t>
-            </a:r>
-          </a:p>
-          <a:p>
-            <a:r>
-              <a:rPr lang="en-US" sz="1200" b="0" i="0" u="none" strike="noStrike" kern="1200" baseline="0" dirty="0" smtClean="0">
-                <a:solidFill>
-                  <a:schemeClr val="tx1"/>
-                </a:solidFill>
-                <a:latin typeface="+mn-lt"/>
-                <a:ea typeface="+mn-ea"/>
-                <a:cs typeface="+mn-cs"/>
-              </a:rPr>
-              <a:t>shown above, special search features, personalization possibilities and operator usage</a:t>
-            </a:r>
-          </a:p>
-          <a:p>
-            <a:r>
-              <a:rPr lang="en-US" sz="1200" b="0" i="0" u="none" strike="noStrike" kern="1200" baseline="0" dirty="0" smtClean="0">
-                <a:solidFill>
-                  <a:schemeClr val="tx1"/>
-                </a:solidFill>
-                <a:latin typeface="+mn-lt"/>
-                <a:ea typeface="+mn-ea"/>
-                <a:cs typeface="+mn-cs"/>
-              </a:rPr>
-              <a:t>are possible to control over transaction logs. </a:t>
-            </a:r>
-            <a:r>
-              <a:rPr lang="en-US" sz="1200" b="0" i="0" u="none" strike="noStrike" kern="1200" baseline="0" dirty="0" err="1" smtClean="0">
-                <a:solidFill>
-                  <a:schemeClr val="tx1"/>
-                </a:solidFill>
-                <a:latin typeface="+mn-lt"/>
-                <a:ea typeface="+mn-ea"/>
-                <a:cs typeface="+mn-cs"/>
-              </a:rPr>
-              <a:t>Geoghegan</a:t>
-            </a:r>
-            <a:r>
-              <a:rPr lang="en-US" sz="1200" b="0" i="0" u="none" strike="noStrike" kern="1200" baseline="0" dirty="0" smtClean="0">
-                <a:solidFill>
-                  <a:schemeClr val="tx1"/>
-                </a:solidFill>
-                <a:latin typeface="+mn-lt"/>
-                <a:ea typeface="+mn-ea"/>
-                <a:cs typeface="+mn-cs"/>
-              </a:rPr>
-              <a:t> (2004) gives five measures to</a:t>
-            </a:r>
-          </a:p>
-          <a:p>
-            <a:r>
-              <a:rPr lang="en-US" sz="1200" b="0" i="0" u="none" strike="noStrike" kern="1200" baseline="0" dirty="0" smtClean="0">
-                <a:solidFill>
-                  <a:schemeClr val="tx1"/>
-                </a:solidFill>
-                <a:latin typeface="+mn-lt"/>
-                <a:ea typeface="+mn-ea"/>
-                <a:cs typeface="+mn-cs"/>
-              </a:rPr>
-              <a:t>compare search engine usability . He compares five major search engines by relevance</a:t>
-            </a:r>
-          </a:p>
-          <a:p>
-            <a:r>
-              <a:rPr lang="en-US" sz="1200" b="0" i="0" u="none" strike="noStrike" kern="1200" baseline="0" dirty="0" smtClean="0">
-                <a:solidFill>
-                  <a:schemeClr val="tx1"/>
-                </a:solidFill>
-                <a:latin typeface="+mn-lt"/>
-                <a:ea typeface="+mn-ea"/>
-                <a:cs typeface="+mn-cs"/>
-              </a:rPr>
-              <a:t>of results, speed of result list calculation, the look of the input window and result list,</a:t>
-            </a:r>
-          </a:p>
-          <a:p>
-            <a:r>
-              <a:rPr lang="en-US" sz="1200" b="0" i="0" u="none" strike="noStrike" kern="1200" baseline="0" dirty="0" smtClean="0">
-                <a:solidFill>
-                  <a:schemeClr val="tx1"/>
-                </a:solidFill>
-                <a:latin typeface="+mn-lt"/>
-                <a:ea typeface="+mn-ea"/>
-                <a:cs typeface="+mn-cs"/>
-              </a:rPr>
-              <a:t>and the performance of results based on a natural question. We suggest four main</a:t>
-            </a:r>
-          </a:p>
-          <a:p>
-            <a:r>
-              <a:rPr lang="en-US" sz="1200" b="0" i="0" u="none" strike="noStrike" kern="1200" baseline="0" dirty="0" smtClean="0">
-                <a:solidFill>
-                  <a:schemeClr val="tx1"/>
-                </a:solidFill>
-                <a:latin typeface="+mn-lt"/>
-                <a:ea typeface="+mn-ea"/>
-                <a:cs typeface="+mn-cs"/>
-              </a:rPr>
-              <a:t>measures to check search engine quality out of the users’ perspective.</a:t>
+              <a:t>engine technology is recommended, too.</a:t>
             </a:r>
             <a:endParaRPr lang="lt-LT" sz="1200" b="0" i="0" u="none" strike="noStrike" kern="1200" baseline="0" dirty="0" smtClean="0">
               <a:solidFill>
@@ -3270,6 +2359,88 @@
             </a:endParaRPr>
           </a:p>
           <a:p>
+            <a:endParaRPr lang="en-US" sz="1200" b="0" i="0" u="none" strike="noStrike" kern="1200" baseline="0" dirty="0" smtClean="0">
+              <a:solidFill>
+                <a:schemeClr val="tx1"/>
+              </a:solidFill>
+              <a:latin typeface="+mn-lt"/>
+              <a:ea typeface="+mn-ea"/>
+              <a:cs typeface="+mn-cs"/>
+            </a:endParaRPr>
+          </a:p>
+          <a:p>
+            <a:r>
+              <a:rPr lang="en-US" sz="1200" b="0" i="0" u="none" strike="noStrike" kern="1200" baseline="0" dirty="0" smtClean="0">
+                <a:solidFill>
+                  <a:schemeClr val="tx1"/>
+                </a:solidFill>
+                <a:latin typeface="+mn-lt"/>
+                <a:ea typeface="+mn-ea"/>
+                <a:cs typeface="+mn-cs"/>
+              </a:rPr>
+              <a:t>Taking both into account, the system approach and the user-</a:t>
+            </a:r>
+            <a:r>
+              <a:rPr lang="en-US" sz="1200" b="0" i="0" u="none" strike="noStrike" kern="1200" baseline="0" dirty="0" err="1" smtClean="0">
+                <a:solidFill>
+                  <a:schemeClr val="tx1"/>
+                </a:solidFill>
+                <a:latin typeface="+mn-lt"/>
+                <a:ea typeface="+mn-ea"/>
+                <a:cs typeface="+mn-cs"/>
+              </a:rPr>
+              <a:t>centred</a:t>
+            </a:r>
+            <a:r>
+              <a:rPr lang="en-US" sz="1200" b="0" i="0" u="none" strike="noStrike" kern="1200" baseline="0" dirty="0" smtClean="0">
+                <a:solidFill>
+                  <a:schemeClr val="tx1"/>
+                </a:solidFill>
+                <a:latin typeface="+mn-lt"/>
+                <a:ea typeface="+mn-ea"/>
+                <a:cs typeface="+mn-cs"/>
+              </a:rPr>
+              <a:t> approach, we</a:t>
+            </a:r>
+          </a:p>
+          <a:p>
+            <a:r>
+              <a:rPr lang="en-US" sz="1200" b="0" i="0" u="none" strike="noStrike" kern="1200" baseline="0" dirty="0" smtClean="0">
+                <a:solidFill>
+                  <a:schemeClr val="tx1"/>
+                </a:solidFill>
+                <a:latin typeface="+mn-lt"/>
+                <a:ea typeface="+mn-ea"/>
+                <a:cs typeface="+mn-cs"/>
+              </a:rPr>
+              <a:t>propose another quality framework that considers more objective measures as well</a:t>
+            </a:r>
+          </a:p>
+          <a:p>
+            <a:r>
+              <a:rPr lang="en-US" sz="1200" b="0" i="0" u="none" strike="noStrike" kern="1200" baseline="0" dirty="0" smtClean="0">
+                <a:solidFill>
+                  <a:schemeClr val="tx1"/>
+                </a:solidFill>
+                <a:latin typeface="+mn-lt"/>
+                <a:ea typeface="+mn-ea"/>
+                <a:cs typeface="+mn-cs"/>
+              </a:rPr>
+              <a:t>as the user perspective. Therefore, we expand the quality framework first proposed</a:t>
+            </a:r>
+          </a:p>
+          <a:p>
+            <a:r>
+              <a:rPr lang="en-US" sz="1200" b="0" i="0" u="none" strike="noStrike" kern="1200" baseline="0" dirty="0" smtClean="0">
+                <a:solidFill>
+                  <a:schemeClr val="tx1"/>
+                </a:solidFill>
+                <a:latin typeface="+mn-lt"/>
+                <a:ea typeface="+mn-ea"/>
+                <a:cs typeface="+mn-cs"/>
+              </a:rPr>
+              <a:t>in Lewandowski (2006c) to four sections as follows:</a:t>
+            </a:r>
             <a:endParaRPr lang="lt-LT" sz="1200" b="0" i="0" u="none" strike="noStrike" kern="1200" baseline="0" dirty="0" smtClean="0">
               <a:solidFill>
                 <a:schemeClr val="tx1"/>
@@ -3280,6 +2451,9 @@
             </a:endParaRPr>
           </a:p>
           <a:p>
+            <a:endParaRPr lang="lt-LT" dirty="0" smtClean="0"/>
+          </a:p>
+          <a:p>
             <a:r>
               <a:rPr lang="en-US" sz="1200" b="0" i="0" u="none" strike="noStrike" kern="1200" baseline="0" dirty="0" smtClean="0">
                 <a:solidFill>
@@ -3289,7 +2463,7 @@
                 <a:ea typeface="+mn-ea"/>
                 <a:cs typeface="+mn-cs"/>
               </a:rPr>
-              <a:t>All in all, the user should feel comfortable using search engines. Since users currently</a:t>
+              <a:t>● Index Quality: This points to the importance of the search engines’ databases for</a:t>
             </a:r>
           </a:p>
           <a:p>
@@ -3302,7 +2476,7 @@
                 <a:ea typeface="+mn-ea"/>
                 <a:cs typeface="+mn-cs"/>
               </a:rPr>
-              <a:t>have not developed all necessary skills to handle search engines in the best</a:t>
+              <a:t>retrieving relevant and comprehensive results. Measures applied in this section</a:t>
             </a:r>
           </a:p>
           <a:p>
@@ -3315,7 +2489,7 @@
                 <a:ea typeface="+mn-ea"/>
                 <a:cs typeface="+mn-cs"/>
               </a:rPr>
-              <a:t>way their usage should be intuitive and simple. In addition, users should get every</a:t>
+              <a:t>include Web coverage, country bias , and up-to-datedness.</a:t>
             </a:r>
           </a:p>
           <a:p>
@@ -3328,12 +2502,10 @@
                 <a:ea typeface="+mn-ea"/>
                 <a:cs typeface="+mn-cs"/>
               </a:rPr>
-              <a:t>support whenever it is useful or required. It has to be possible that users enhance</a:t>
-            </a:r>
-          </a:p>
-          <a:p>
-            <a:r>
-              <a:rPr lang="en-US" sz="1200" b="0" i="0" u="none" strike="noStrike" kern="1200" baseline="0" dirty="0" smtClean="0">
+              <a:t>● Quality of the results: This is the part where </a:t>
+            </a:r>
+            <a:r>
+              <a:rPr lang="en-US" sz="1200" b="0" i="0" u="none" strike="noStrike" kern="1200" baseline="0" dirty="0" err="1" smtClean="0">
                 <a:solidFill>
                   <a:schemeClr val="tx1"/>
                 </a:solidFill>
@@ -3341,10 +2513,10 @@
                 <a:ea typeface="+mn-ea"/>
                 <a:cs typeface="+mn-cs"/>
               </a:rPr>
-              <a:t>their searching </a:t>
-            </a:r>
-            <a:r>
-              <a:rPr lang="en-US" sz="1200" b="0" i="0" u="none" strike="noStrike" kern="1200" baseline="0" dirty="0" err="1" smtClean="0">
+              <a:t>derivates</a:t>
+            </a:r>
+            <a:r>
+              <a:rPr lang="en-US" sz="1200" b="0" i="0" u="none" strike="noStrike" kern="1200" baseline="0" dirty="0" smtClean="0">
                 <a:solidFill>
                   <a:schemeClr val="tx1"/>
                 </a:solidFill>
@@ -3352,8 +2524,10 @@
                 <a:ea typeface="+mn-ea"/>
                 <a:cs typeface="+mn-cs"/>
               </a:rPr>
-              <a:t>behaviour</a:t>
-            </a:r>
+              <a:t> of classic retrieval tests</a:t>
+            </a:r>
+          </a:p>
+          <a:p>
             <a:r>
               <a:rPr lang="en-US" sz="1200" b="0" i="0" u="none" strike="noStrike" kern="1200" baseline="0" dirty="0" smtClean="0">
                 <a:solidFill>
@@ -3363,7 +2537,7 @@
                 <a:ea typeface="+mn-ea"/>
                 <a:cs typeface="+mn-cs"/>
               </a:rPr>
-              <a:t> by using additional services and features to get the best</a:t>
+              <a:t>are applied. As can be seen from the discussion on retrieval measures above, it</a:t>
             </a:r>
           </a:p>
           <a:p>
@@ -3376,7 +2550,33 @@
                 <a:ea typeface="+mn-ea"/>
                 <a:cs typeface="+mn-cs"/>
               </a:rPr>
-              <a:t>recommendations of Web pages as possible.</a:t>
+              <a:t>should be asked which measures should be applied and if new measures are</a:t>
+            </a:r>
+          </a:p>
+          <a:p>
+            <a:r>
+              <a:rPr lang="en-US" sz="1200" b="0" i="0" u="none" strike="noStrike" kern="1200" baseline="0" dirty="0" smtClean="0">
+                <a:solidFill>
+                  <a:schemeClr val="tx1"/>
+                </a:solidFill>
+                <a:latin typeface="+mn-lt"/>
+                <a:ea typeface="+mn-ea"/>
+                <a:cs typeface="+mn-cs"/>
+              </a:rPr>
+              <a:t>needed to satisfy the unique character of the search engines and their users. An</a:t>
+            </a:r>
+          </a:p>
+          <a:p>
+            <a:r>
+              <a:rPr lang="en-US" sz="1200" b="0" i="0" u="none" strike="noStrike" kern="1200" baseline="0" dirty="0" smtClean="0">
+                <a:solidFill>
+                  <a:schemeClr val="tx1"/>
+                </a:solidFill>
+                <a:latin typeface="+mn-lt"/>
+                <a:ea typeface="+mn-ea"/>
+                <a:cs typeface="+mn-cs"/>
+              </a:rPr>
+              <a:t>additional measure that should be applied is, for example, the uniqueness of</a:t>
             </a:r>
             <a:endParaRPr lang="lt-LT" sz="1200" b="0" i="0" u="none" strike="noStrike" kern="1200" baseline="0" dirty="0" smtClean="0">
               <a:solidFill>
@@ -3388,14 +2588,421 @@
             </a:endParaRPr>
           </a:p>
           <a:p>
-            <a:endParaRPr lang="lt-LT" sz="1200" b="0" i="0" u="none" strike="noStrike" kern="1200" baseline="0" dirty="0" smtClean="0">
-              <a:solidFill>
-                <a:schemeClr val="tx1"/>
-              </a:solidFill>
-              <a:latin typeface="+mn-lt"/>
-              <a:ea typeface="+mn-ea"/>
-              <a:cs typeface="+mn-cs"/>
-            </a:endParaRPr>
+            <a:r>
+              <a:rPr lang="en-US" sz="1200" b="0" i="0" u="none" strike="noStrike" kern="1200" baseline="0" dirty="0" smtClean="0">
+                <a:solidFill>
+                  <a:schemeClr val="tx1"/>
+                </a:solidFill>
+                <a:latin typeface="+mn-lt"/>
+                <a:ea typeface="+mn-ea"/>
+                <a:cs typeface="+mn-cs"/>
+              </a:rPr>
+              <a:t>search results in comparison to other search engines. It is worth mentioning that</a:t>
+            </a:r>
+          </a:p>
+          <a:p>
+            <a:r>
+              <a:rPr lang="en-US" sz="1200" b="0" i="0" u="none" strike="noStrike" kern="1200" baseline="0" dirty="0" smtClean="0">
+                <a:solidFill>
+                  <a:schemeClr val="tx1"/>
+                </a:solidFill>
+                <a:latin typeface="+mn-lt"/>
+                <a:ea typeface="+mn-ea"/>
+                <a:cs typeface="+mn-cs"/>
+              </a:rPr>
+              <a:t>users are pretty satisfied by finding what they search for. The subjects in the</a:t>
+            </a:r>
+          </a:p>
+          <a:p>
+            <a:r>
+              <a:rPr lang="en-US" sz="1200" b="0" i="0" u="none" strike="noStrike" kern="1200" baseline="0" dirty="0" smtClean="0">
+                <a:solidFill>
+                  <a:schemeClr val="tx1"/>
+                </a:solidFill>
+                <a:latin typeface="+mn-lt"/>
+                <a:ea typeface="+mn-ea"/>
+                <a:cs typeface="+mn-cs"/>
+              </a:rPr>
+              <a:t>laboratory study conducted by </a:t>
+            </a:r>
+            <a:r>
+              <a:rPr lang="en-US" sz="1200" b="0" i="0" u="none" strike="noStrike" kern="1200" baseline="0" dirty="0" err="1" smtClean="0">
+                <a:solidFill>
+                  <a:schemeClr val="tx1"/>
+                </a:solidFill>
+                <a:latin typeface="+mn-lt"/>
+                <a:ea typeface="+mn-ea"/>
+                <a:cs typeface="+mn-cs"/>
+              </a:rPr>
+              <a:t>Machill</a:t>
+            </a:r>
+            <a:r>
+              <a:rPr lang="en-US" sz="1200" b="0" i="0" u="none" strike="noStrike" kern="1200" baseline="0" dirty="0" smtClean="0">
+                <a:solidFill>
+                  <a:schemeClr val="tx1"/>
+                </a:solidFill>
+                <a:latin typeface="+mn-lt"/>
+                <a:ea typeface="+mn-ea"/>
+                <a:cs typeface="+mn-cs"/>
+              </a:rPr>
+              <a:t> et al. (2003) admit that they are very</a:t>
+            </a:r>
+          </a:p>
+          <a:p>
+            <a:r>
+              <a:rPr lang="en-US" sz="1200" b="0" i="0" u="none" strike="noStrike" kern="1200" baseline="0" dirty="0" smtClean="0">
+                <a:solidFill>
+                  <a:schemeClr val="tx1"/>
+                </a:solidFill>
+                <a:latin typeface="+mn-lt"/>
+                <a:ea typeface="+mn-ea"/>
+                <a:cs typeface="+mn-cs"/>
+              </a:rPr>
+              <a:t>pleased with search results and also with their </a:t>
+            </a:r>
+            <a:r>
+              <a:rPr lang="en-US" sz="1200" b="0" i="0" u="none" strike="noStrike" kern="1200" baseline="0" dirty="0" err="1" smtClean="0">
+                <a:solidFill>
+                  <a:schemeClr val="tx1"/>
+                </a:solidFill>
+                <a:latin typeface="+mn-lt"/>
+                <a:ea typeface="+mn-ea"/>
+                <a:cs typeface="+mn-cs"/>
+              </a:rPr>
+              <a:t>favourite</a:t>
+            </a:r>
+            <a:r>
+              <a:rPr lang="en-US" sz="1200" b="0" i="0" u="none" strike="noStrike" kern="1200" baseline="0" dirty="0" smtClean="0">
+                <a:solidFill>
+                  <a:schemeClr val="tx1"/>
+                </a:solidFill>
+                <a:latin typeface="+mn-lt"/>
+                <a:ea typeface="+mn-ea"/>
+                <a:cs typeface="+mn-cs"/>
+              </a:rPr>
+              <a:t> search engine. In the</a:t>
+            </a:r>
+          </a:p>
+          <a:p>
+            <a:r>
+              <a:rPr lang="en-US" sz="1200" b="0" i="0" u="none" strike="noStrike" kern="1200" baseline="0" dirty="0" smtClean="0">
+                <a:solidFill>
+                  <a:schemeClr val="tx1"/>
+                </a:solidFill>
+                <a:latin typeface="+mn-lt"/>
+                <a:ea typeface="+mn-ea"/>
+                <a:cs typeface="+mn-cs"/>
+              </a:rPr>
+              <a:t>survey conducted by Schmidt-</a:t>
+            </a:r>
+            <a:r>
+              <a:rPr lang="en-US" sz="1200" b="0" i="0" u="none" strike="noStrike" kern="1200" baseline="0" dirty="0" err="1" smtClean="0">
+                <a:solidFill>
+                  <a:schemeClr val="tx1"/>
+                </a:solidFill>
+                <a:latin typeface="+mn-lt"/>
+                <a:ea typeface="+mn-ea"/>
+                <a:cs typeface="+mn-cs"/>
+              </a:rPr>
+              <a:t>Maenz</a:t>
+            </a:r>
+            <a:r>
+              <a:rPr lang="en-US" sz="1200" b="0" i="0" u="none" strike="noStrike" kern="1200" baseline="0" dirty="0" smtClean="0">
+                <a:solidFill>
+                  <a:schemeClr val="tx1"/>
+                </a:solidFill>
+                <a:latin typeface="+mn-lt"/>
+                <a:ea typeface="+mn-ea"/>
+                <a:cs typeface="+mn-cs"/>
+              </a:rPr>
+              <a:t> and </a:t>
+            </a:r>
+            <a:r>
+              <a:rPr lang="en-US" sz="1200" b="0" i="0" u="none" strike="noStrike" kern="1200" baseline="0" dirty="0" err="1" smtClean="0">
+                <a:solidFill>
+                  <a:schemeClr val="tx1"/>
+                </a:solidFill>
+                <a:latin typeface="+mn-lt"/>
+                <a:ea typeface="+mn-ea"/>
+                <a:cs typeface="+mn-cs"/>
+              </a:rPr>
+              <a:t>Bomhardt</a:t>
+            </a:r>
+            <a:r>
+              <a:rPr lang="en-US" sz="1200" b="0" i="0" u="none" strike="noStrike" kern="1200" baseline="0" dirty="0" smtClean="0">
+                <a:solidFill>
+                  <a:schemeClr val="tx1"/>
+                </a:solidFill>
+                <a:latin typeface="+mn-lt"/>
+                <a:ea typeface="+mn-ea"/>
+                <a:cs typeface="+mn-cs"/>
+              </a:rPr>
+              <a:t> (2005), 43.0% of 6,723</a:t>
+            </a:r>
+          </a:p>
+          <a:p>
+            <a:r>
+              <a:rPr lang="en-US" sz="1200" b="0" i="0" u="none" strike="noStrike" kern="1200" baseline="0" dirty="0" smtClean="0">
+                <a:solidFill>
+                  <a:schemeClr val="tx1"/>
+                </a:solidFill>
+                <a:latin typeface="+mn-lt"/>
+                <a:ea typeface="+mn-ea"/>
+                <a:cs typeface="+mn-cs"/>
+              </a:rPr>
+              <a:t>respondents very often found what they wanted and another 50.1% often. The</a:t>
+            </a:r>
+          </a:p>
+          <a:p>
+            <a:r>
+              <a:rPr lang="en-US" sz="1200" b="0" i="0" u="none" strike="noStrike" kern="1200" baseline="0" dirty="0" smtClean="0">
+                <a:solidFill>
+                  <a:schemeClr val="tx1"/>
+                </a:solidFill>
+                <a:latin typeface="+mn-lt"/>
+                <a:ea typeface="+mn-ea"/>
+                <a:cs typeface="+mn-cs"/>
+              </a:rPr>
+              <a:t>question is if users could really evaluate the quality of results. Users are not able to</a:t>
+            </a:r>
+          </a:p>
+          <a:p>
+            <a:r>
+              <a:rPr lang="en-US" sz="1200" b="0" i="0" u="none" strike="noStrike" kern="1200" baseline="0" dirty="0" smtClean="0">
+                <a:solidFill>
+                  <a:schemeClr val="tx1"/>
+                </a:solidFill>
+                <a:latin typeface="+mn-lt"/>
+                <a:ea typeface="+mn-ea"/>
+                <a:cs typeface="+mn-cs"/>
+              </a:rPr>
+              <a:t>compare all recommended Web pages. Sometimes 1,000,000 results are listed.</a:t>
+            </a:r>
+          </a:p>
+          <a:p>
+            <a:r>
+              <a:rPr lang="en-US" sz="1200" b="0" i="0" u="none" strike="noStrike" kern="1200" baseline="0" dirty="0" smtClean="0">
+                <a:solidFill>
+                  <a:schemeClr val="tx1"/>
+                </a:solidFill>
+                <a:latin typeface="+mn-lt"/>
+                <a:ea typeface="+mn-ea"/>
+                <a:cs typeface="+mn-cs"/>
+              </a:rPr>
+              <a:t>It is more probable that they only think they find what they want since they do</a:t>
+            </a:r>
+          </a:p>
+          <a:p>
+            <a:r>
+              <a:rPr lang="en-US" sz="1200" b="0" i="0" u="none" strike="noStrike" kern="1200" baseline="0" dirty="0" smtClean="0">
+                <a:solidFill>
+                  <a:schemeClr val="tx1"/>
+                </a:solidFill>
+                <a:latin typeface="+mn-lt"/>
+                <a:ea typeface="+mn-ea"/>
+                <a:cs typeface="+mn-cs"/>
+              </a:rPr>
+              <a:t>not even know what they could find in other results.</a:t>
+            </a:r>
+          </a:p>
+          <a:p>
+            <a:r>
+              <a:rPr lang="en-US" sz="1200" b="0" i="0" u="none" strike="noStrike" kern="1200" baseline="0" dirty="0" smtClean="0">
+                <a:solidFill>
+                  <a:schemeClr val="tx1"/>
+                </a:solidFill>
+                <a:latin typeface="+mn-lt"/>
+                <a:ea typeface="+mn-ea"/>
+                <a:cs typeface="+mn-cs"/>
+              </a:rPr>
+              <a:t>● Quality of search features: A good set of search features (such as advanced</a:t>
+            </a:r>
+          </a:p>
+          <a:p>
+            <a:r>
+              <a:rPr lang="en-US" sz="1200" b="0" i="0" u="none" strike="noStrike" kern="1200" baseline="0" dirty="0" smtClean="0">
+                <a:solidFill>
+                  <a:schemeClr val="tx1"/>
+                </a:solidFill>
+                <a:latin typeface="+mn-lt"/>
+                <a:ea typeface="+mn-ea"/>
+                <a:cs typeface="+mn-cs"/>
+              </a:rPr>
+              <a:t>search), and a sophisticated query language is offered and works reliable.</a:t>
+            </a:r>
+          </a:p>
+          <a:p>
+            <a:r>
+              <a:rPr lang="en-US" sz="1200" b="0" i="0" u="none" strike="noStrike" kern="1200" baseline="0" dirty="0" smtClean="0">
+                <a:solidFill>
+                  <a:schemeClr val="tx1"/>
+                </a:solidFill>
+                <a:latin typeface="+mn-lt"/>
+                <a:ea typeface="+mn-ea"/>
+                <a:cs typeface="+mn-cs"/>
+              </a:rPr>
+              <a:t>● Search engine usability : This gives a feedback of user </a:t>
+            </a:r>
+            <a:r>
+              <a:rPr lang="en-US" sz="1200" b="0" i="0" u="none" strike="noStrike" kern="1200" baseline="0" dirty="0" err="1" smtClean="0">
+                <a:solidFill>
+                  <a:schemeClr val="tx1"/>
+                </a:solidFill>
+                <a:latin typeface="+mn-lt"/>
+                <a:ea typeface="+mn-ea"/>
+                <a:cs typeface="+mn-cs"/>
+              </a:rPr>
+              <a:t>behaviour</a:t>
+            </a:r>
+            <a:r>
+              <a:rPr lang="en-US" sz="1200" b="0" i="0" u="none" strike="noStrike" kern="1200" baseline="0" dirty="0" smtClean="0">
+                <a:solidFill>
+                  <a:schemeClr val="tx1"/>
+                </a:solidFill>
+                <a:latin typeface="+mn-lt"/>
+                <a:ea typeface="+mn-ea"/>
+                <a:cs typeface="+mn-cs"/>
+              </a:rPr>
+              <a:t> and is evaluated</a:t>
+            </a:r>
+          </a:p>
+          <a:p>
+            <a:r>
+              <a:rPr lang="en-US" sz="1200" b="0" i="0" u="none" strike="noStrike" kern="1200" baseline="0" dirty="0" smtClean="0">
+                <a:solidFill>
+                  <a:schemeClr val="tx1"/>
+                </a:solidFill>
+                <a:latin typeface="+mn-lt"/>
+                <a:ea typeface="+mn-ea"/>
+                <a:cs typeface="+mn-cs"/>
+              </a:rPr>
+              <a:t>by user surveys or transaction log analyses. This will give comparable</a:t>
+            </a:r>
+          </a:p>
+          <a:p>
+            <a:r>
+              <a:rPr lang="en-US" sz="1200" b="0" i="0" u="none" strike="noStrike" kern="1200" baseline="0" dirty="0" smtClean="0">
+                <a:solidFill>
+                  <a:schemeClr val="tx1"/>
+                </a:solidFill>
+                <a:latin typeface="+mn-lt"/>
+                <a:ea typeface="+mn-ea"/>
+                <a:cs typeface="+mn-cs"/>
+              </a:rPr>
+              <a:t>parameters concerning interface design . Is it possible for users to interact with</a:t>
+            </a:r>
+          </a:p>
+          <a:p>
+            <a:r>
+              <a:rPr lang="en-US" sz="1200" b="0" i="0" u="none" strike="noStrike" kern="1200" baseline="0" dirty="0" smtClean="0">
+                <a:solidFill>
+                  <a:schemeClr val="tx1"/>
+                </a:solidFill>
+                <a:latin typeface="+mn-lt"/>
+                <a:ea typeface="+mn-ea"/>
+                <a:cs typeface="+mn-cs"/>
+              </a:rPr>
+              <a:t>search engines in an efficient and effective way? Is the number of search queries</a:t>
+            </a:r>
+          </a:p>
+          <a:p>
+            <a:r>
+              <a:rPr lang="en-US" sz="1200" b="0" i="0" u="none" strike="noStrike" kern="1200" baseline="0" dirty="0" smtClean="0">
+                <a:solidFill>
+                  <a:schemeClr val="tx1"/>
+                </a:solidFill>
+                <a:latin typeface="+mn-lt"/>
+                <a:ea typeface="+mn-ea"/>
+                <a:cs typeface="+mn-cs"/>
+              </a:rPr>
+              <a:t>and of reformulations in different search engines lower? It is also of importance</a:t>
+            </a:r>
+          </a:p>
+          <a:p>
+            <a:r>
+              <a:rPr lang="en-US" sz="1200" b="0" i="0" u="none" strike="noStrike" kern="1200" baseline="0" dirty="0" smtClean="0">
+                <a:solidFill>
+                  <a:schemeClr val="tx1"/>
+                </a:solidFill>
+                <a:latin typeface="+mn-lt"/>
+                <a:ea typeface="+mn-ea"/>
+                <a:cs typeface="+mn-cs"/>
+              </a:rPr>
+              <a:t>which features are given to assist users regardless if they are beginners or professionals</a:t>
+            </a:r>
+          </a:p>
+          <a:p>
+            <a:r>
+              <a:rPr lang="en-US" sz="1200" b="0" i="0" u="none" strike="noStrike" kern="1200" baseline="0" dirty="0" smtClean="0">
+                <a:solidFill>
+                  <a:schemeClr val="tx1"/>
+                </a:solidFill>
+                <a:latin typeface="+mn-lt"/>
+                <a:ea typeface="+mn-ea"/>
+                <a:cs typeface="+mn-cs"/>
+              </a:rPr>
+              <a:t>in using search engines. Users</a:t>
+            </a:r>
+            <a:r>
+              <a:rPr lang="lt-LT" sz="1200" b="0" i="0" u="none" strike="noStrike" kern="1200" baseline="0" dirty="0" smtClean="0">
+                <a:solidFill>
+                  <a:schemeClr val="tx1"/>
+                </a:solidFill>
+                <a:latin typeface="+mn-lt"/>
+                <a:ea typeface="+mn-ea"/>
+                <a:cs typeface="+mn-cs"/>
+              </a:rPr>
+              <a:t> </a:t>
+            </a:r>
+            <a:r>
+              <a:rPr lang="en-US" sz="1200" b="0" i="0" u="none" strike="noStrike" kern="1200" baseline="0" dirty="0" smtClean="0">
+                <a:solidFill>
+                  <a:schemeClr val="tx1"/>
+                </a:solidFill>
+                <a:latin typeface="+mn-lt"/>
+                <a:ea typeface="+mn-ea"/>
+                <a:cs typeface="+mn-cs"/>
+              </a:rPr>
+              <a:t>search in a very intuitive way</a:t>
+            </a:r>
+          </a:p>
+          <a:p>
+            <a:r>
+              <a:rPr lang="en-US" sz="1200" b="0" i="0" u="none" strike="noStrike" kern="1200" baseline="0" dirty="0" smtClean="0">
+                <a:solidFill>
+                  <a:schemeClr val="tx1"/>
+                </a:solidFill>
+                <a:latin typeface="+mn-lt"/>
+                <a:ea typeface="+mn-ea"/>
+                <a:cs typeface="+mn-cs"/>
+              </a:rPr>
+              <a:t>(Schmidt-</a:t>
+            </a:r>
+            <a:r>
+              <a:rPr lang="en-US" sz="1200" b="0" i="0" u="none" strike="noStrike" kern="1200" baseline="0" dirty="0" err="1" smtClean="0">
+                <a:solidFill>
+                  <a:schemeClr val="tx1"/>
+                </a:solidFill>
+                <a:latin typeface="+mn-lt"/>
+                <a:ea typeface="+mn-ea"/>
+                <a:cs typeface="+mn-cs"/>
+              </a:rPr>
+              <a:t>Maenz</a:t>
+            </a:r>
+            <a:r>
+              <a:rPr lang="en-US" sz="1200" b="0" i="0" u="none" strike="noStrike" kern="1200" baseline="0" dirty="0" smtClean="0">
+                <a:solidFill>
+                  <a:schemeClr val="tx1"/>
+                </a:solidFill>
+                <a:latin typeface="+mn-lt"/>
+                <a:ea typeface="+mn-ea"/>
+                <a:cs typeface="+mn-cs"/>
+              </a:rPr>
+              <a:t> and Koch 2006).</a:t>
+            </a:r>
+          </a:p>
+          <a:p>
+            <a:endParaRPr lang="en-US" dirty="0" smtClean="0"/>
           </a:p>
           <a:p>
             <a:endParaRPr lang="en-US" dirty="0"/>
@@ -3419,7 +3026,7 @@
           <a:p>
             <a:fld id="{21E87DF0-2188-45E0-9868-23603FC9CB4F}" type="slidenum">
               <a:rPr lang="en-US" smtClean="0"/>
-              <a:t>14</a:t>
+              <a:t>13</a:t>
             </a:fld>
             <a:endParaRPr lang="en-US"/>
           </a:p>
@@ -3428,7 +3035,7 @@
     </p:spTree>
     <p:extLst>
       <p:ext uri="{BB962C8B-B14F-4D97-AF65-F5344CB8AC3E}">
-        <p14:creationId xmlns:p14="http://schemas.microsoft.com/office/powerpoint/2010/main" val="2762706885"/>
+        <p14:creationId xmlns:p14="http://schemas.microsoft.com/office/powerpoint/2010/main" val="1957962320"/>
       </p:ext>
     </p:extLst>
   </p:cSld>
@@ -3484,14 +3091,8 @@
           <a:p>
             <a:r>
               <a:rPr lang="en-US" dirty="0" smtClean="0"/>
-              <a:t>http://moz.com/blog/searchmetrics-ranking-factors-2014</a:t>
-            </a:r>
-            <a:endParaRPr lang="lt-LT" dirty="0" smtClean="0"/>
-          </a:p>
-          <a:p>
-            <a:endParaRPr lang="lt-LT" dirty="0" smtClean="0"/>
-          </a:p>
-          <a:p>
+              <a:t>http://computer.howstuffworks.com/google-algorithm.htm</a:t>
+            </a:r>
             <a:endParaRPr lang="en-US" dirty="0"/>
           </a:p>
         </p:txBody>
@@ -3513,7 +3114,7 @@
           <a:p>
             <a:fld id="{21E87DF0-2188-45E0-9868-23603FC9CB4F}" type="slidenum">
               <a:rPr lang="en-US" smtClean="0"/>
-              <a:t>17</a:t>
+              <a:t>15</a:t>
             </a:fld>
             <a:endParaRPr lang="en-US"/>
           </a:p>
@@ -3522,7 +3123,7 @@
     </p:spTree>
     <p:extLst>
       <p:ext uri="{BB962C8B-B14F-4D97-AF65-F5344CB8AC3E}">
-        <p14:creationId xmlns:p14="http://schemas.microsoft.com/office/powerpoint/2010/main" val="2866773926"/>
+        <p14:creationId xmlns:p14="http://schemas.microsoft.com/office/powerpoint/2010/main" val="4259231598"/>
       </p:ext>
     </p:extLst>
   </p:cSld>
@@ -3728,7 +3329,7 @@
           <a:p>
             <a:fld id="{48A87A34-81AB-432B-8DAE-1953F412C126}" type="datetimeFigureOut">
               <a:rPr lang="en-US" smtClean="0"/>
-              <a:t>2014-11-13</a:t>
+              <a:t>2014-11-15</a:t>
             </a:fld>
             <a:endParaRPr lang="en-US" dirty="0"/>
           </a:p>
@@ -4009,7 +3610,7 @@
           <a:p>
             <a:fld id="{48A87A34-81AB-432B-8DAE-1953F412C126}" type="datetimeFigureOut">
               <a:rPr lang="en-US" smtClean="0"/>
-              <a:t>2014-11-13</a:t>
+              <a:t>2014-11-15</a:t>
             </a:fld>
             <a:endParaRPr lang="en-US" dirty="0"/>
           </a:p>
@@ -4201,7 +3802,7 @@
           <a:p>
             <a:fld id="{48A87A34-81AB-432B-8DAE-1953F412C126}" type="datetimeFigureOut">
               <a:rPr lang="en-US" smtClean="0"/>
-              <a:t>2014-11-13</a:t>
+              <a:t>2014-11-15</a:t>
             </a:fld>
             <a:endParaRPr lang="en-US" dirty="0"/>
           </a:p>
@@ -4462,7 +4063,7 @@
           <a:p>
             <a:fld id="{48A87A34-81AB-432B-8DAE-1953F412C126}" type="datetimeFigureOut">
               <a:rPr lang="en-US" smtClean="0"/>
-              <a:t>2014-11-13</a:t>
+              <a:t>2014-11-15</a:t>
             </a:fld>
             <a:endParaRPr lang="en-US" dirty="0"/>
           </a:p>
@@ -4888,7 +4489,7 @@
           <a:p>
             <a:fld id="{48A87A34-81AB-432B-8DAE-1953F412C126}" type="datetimeFigureOut">
               <a:rPr lang="en-US" smtClean="0"/>
-              <a:t>2014-11-13</a:t>
+              <a:t>2014-11-15</a:t>
             </a:fld>
             <a:endParaRPr lang="en-US" dirty="0"/>
           </a:p>
@@ -5434,7 +5035,7 @@
           <a:p>
             <a:fld id="{48A87A34-81AB-432B-8DAE-1953F412C126}" type="datetimeFigureOut">
               <a:rPr lang="en-US" smtClean="0"/>
-              <a:t>2014-11-13</a:t>
+              <a:t>2014-11-15</a:t>
             </a:fld>
             <a:endParaRPr lang="en-US" dirty="0"/>
           </a:p>
@@ -6265,7 +5866,7 @@
           <a:p>
             <a:fld id="{48A87A34-81AB-432B-8DAE-1953F412C126}" type="datetimeFigureOut">
               <a:rPr lang="en-US" smtClean="0"/>
-              <a:t>2014-11-13</a:t>
+              <a:t>2014-11-15</a:t>
             </a:fld>
             <a:endParaRPr lang="en-US" dirty="0"/>
           </a:p>
@@ -6435,7 +6036,7 @@
           <a:p>
             <a:fld id="{48A87A34-81AB-432B-8DAE-1953F412C126}" type="datetimeFigureOut">
               <a:rPr lang="en-US" smtClean="0"/>
-              <a:t>2014-11-13</a:t>
+              <a:t>2014-11-15</a:t>
             </a:fld>
             <a:endParaRPr lang="en-US" dirty="0"/>
           </a:p>
@@ -6615,7 +6216,7 @@
           <a:p>
             <a:fld id="{48A87A34-81AB-432B-8DAE-1953F412C126}" type="datetimeFigureOut">
               <a:rPr lang="en-US" smtClean="0"/>
-              <a:t>2014-11-13</a:t>
+              <a:t>2014-11-15</a:t>
             </a:fld>
             <a:endParaRPr lang="en-US" dirty="0"/>
           </a:p>
@@ -6785,7 +6386,7 @@
           <a:p>
             <a:fld id="{48A87A34-81AB-432B-8DAE-1953F412C126}" type="datetimeFigureOut">
               <a:rPr lang="en-US" smtClean="0"/>
-              <a:t>2014-11-13</a:t>
+              <a:t>2014-11-15</a:t>
             </a:fld>
             <a:endParaRPr lang="en-US" dirty="0"/>
           </a:p>
@@ -7042,7 +6643,7 @@
           <a:p>
             <a:fld id="{48A87A34-81AB-432B-8DAE-1953F412C126}" type="datetimeFigureOut">
               <a:rPr lang="en-US" smtClean="0"/>
-              <a:t>2014-11-13</a:t>
+              <a:t>2014-11-15</a:t>
             </a:fld>
             <a:endParaRPr lang="en-US" dirty="0"/>
           </a:p>
@@ -7274,7 +6875,7 @@
           <a:p>
             <a:fld id="{48A87A34-81AB-432B-8DAE-1953F412C126}" type="datetimeFigureOut">
               <a:rPr lang="en-US" smtClean="0"/>
-              <a:t>2014-11-13</a:t>
+              <a:t>2014-11-15</a:t>
             </a:fld>
             <a:endParaRPr lang="en-US" dirty="0"/>
           </a:p>
@@ -7667,7 +7268,7 @@
           <a:p>
             <a:fld id="{48A87A34-81AB-432B-8DAE-1953F412C126}" type="datetimeFigureOut">
               <a:rPr lang="en-US" smtClean="0"/>
-              <a:t>2014-11-13</a:t>
+              <a:t>2014-11-15</a:t>
             </a:fld>
             <a:endParaRPr lang="en-US" dirty="0"/>
           </a:p>
@@ -7785,7 +7386,7 @@
           <a:p>
             <a:fld id="{48A87A34-81AB-432B-8DAE-1953F412C126}" type="datetimeFigureOut">
               <a:rPr lang="en-US" smtClean="0"/>
-              <a:t>2014-11-13</a:t>
+              <a:t>2014-11-15</a:t>
             </a:fld>
             <a:endParaRPr lang="en-US" dirty="0"/>
           </a:p>
@@ -7880,7 +7481,7 @@
           <a:p>
             <a:fld id="{48A87A34-81AB-432B-8DAE-1953F412C126}" type="datetimeFigureOut">
               <a:rPr lang="en-US" smtClean="0"/>
-              <a:t>2014-11-13</a:t>
+              <a:t>2014-11-15</a:t>
             </a:fld>
             <a:endParaRPr lang="en-US" dirty="0"/>
           </a:p>
@@ -8153,7 +7754,7 @@
           <a:p>
             <a:fld id="{48A87A34-81AB-432B-8DAE-1953F412C126}" type="datetimeFigureOut">
               <a:rPr lang="en-US" smtClean="0"/>
-              <a:t>2014-11-13</a:t>
+              <a:t>2014-11-15</a:t>
             </a:fld>
             <a:endParaRPr lang="en-US" dirty="0"/>
           </a:p>
@@ -8434,7 +8035,7 @@
           <a:p>
             <a:fld id="{48A87A34-81AB-432B-8DAE-1953F412C126}" type="datetimeFigureOut">
               <a:rPr lang="en-US" smtClean="0"/>
-              <a:t>2014-11-13</a:t>
+              <a:t>2014-11-15</a:t>
             </a:fld>
             <a:endParaRPr lang="en-US" dirty="0"/>
           </a:p>
@@ -8675,7 +8276,7 @@
             <a:fld id="{48A87A34-81AB-432B-8DAE-1953F412C126}" type="datetimeFigureOut">
               <a:rPr lang="en-US" smtClean="0"/>
               <a:pPr/>
-              <a:t>2014-11-13</a:t>
+              <a:t>2014-11-15</a:t>
             </a:fld>
             <a:endParaRPr lang="en-US" dirty="0"/>
           </a:p>
@@ -9496,23 +9097,7 @@
           <a:p>
             <a:r>
               <a:rPr lang="lt-LT" dirty="0" smtClean="0"/>
-              <a:t>Paieškos rezultatai – šis rodiklis nurodo ar vartotojas rado </a:t>
-            </a:r>
-            <a:r>
-              <a:rPr lang="lt-LT" dirty="0" smtClean="0"/>
-              <a:t>tai ko </a:t>
-            </a:r>
-            <a:r>
-              <a:rPr lang="lt-LT" dirty="0" smtClean="0"/>
-              <a:t>ieškojo ir kiek laiko jam prireikė </a:t>
-            </a:r>
-            <a:r>
-              <a:rPr lang="lt-LT" dirty="0" smtClean="0"/>
-              <a:t>taip pat </a:t>
-            </a:r>
-            <a:r>
-              <a:rPr lang="lt-LT" dirty="0" smtClean="0"/>
-              <a:t>kelintame puslapyje pavyko rasti.</a:t>
+              <a:t>Paieškos rezultatai – šis rodiklis nurodo ar vartotojas rado tai ko ieškojo ir kiek laiko jam prireikė taip pat kelintame puslapyje pavyko rasti.</a:t>
             </a:r>
           </a:p>
           <a:p>
@@ -9608,33 +9193,8 @@
             </a:r>
             <a:r>
               <a:rPr lang="lt-LT" dirty="0" smtClean="0"/>
-              <a:t> ir operatoriai – </a:t>
-            </a:r>
-            <a:r>
-              <a:rPr lang="lt-LT" dirty="0" smtClean="0"/>
-              <a:t>vartotojai turi turėti galimybę naudotis </a:t>
-            </a:r>
-            <a:r>
-              <a:rPr lang="lt-LT" dirty="0" smtClean="0"/>
-              <a:t>paieškos </a:t>
-            </a:r>
-            <a:r>
-              <a:rPr lang="lt-LT" dirty="0" smtClean="0"/>
-              <a:t>funkcijomis ir </a:t>
-            </a:r>
-            <a:r>
-              <a:rPr lang="lt-LT" dirty="0" smtClean="0"/>
-              <a:t>operatoriais, </a:t>
-            </a:r>
-            <a:r>
-              <a:rPr lang="lt-LT" dirty="0" smtClean="0"/>
-              <a:t>kurie leidžia rasti tikslesnius rezultatus. Taip pat turėtų būti </a:t>
-            </a:r>
-            <a:r>
-              <a:rPr lang="lt-LT" dirty="0" smtClean="0"/>
-              <a:t>galimybė pritaikyti paieškos puslapį savo poreikiams.</a:t>
-            </a:r>
-            <a:endParaRPr lang="lt-LT" dirty="0" smtClean="0"/>
+              <a:t> ir operatoriai – vartotojai turi turėti galimybę naudotis paieškos funkcijomis ir operatoriais, kurie leidžia rasti tikslesnius rezultatus. Taip pat turėtų būti galimybė pritaikyti paieškos puslapį savo poreikiams.</a:t>
+            </a:r>
           </a:p>
           <a:p>
             <a:endParaRPr lang="en-US" dirty="0">
@@ -9737,11 +9297,7 @@
           <a:p>
             <a:r>
               <a:rPr lang="lt-LT" dirty="0" smtClean="0"/>
-              <a:t>Vartotojo gidas – nauji sistemos vartotojai turi turėti galimybę sužinoti kokias funkcijas ir operatorius jie gali naudoti, taip pat jiems turėtų būti pateikiama pavyzdžių kaip tinkamai rašyti paieškos užklausas, kad rezultatai būtų </a:t>
-            </a:r>
-            <a:r>
-              <a:rPr lang="lt-LT" smtClean="0"/>
-              <a:t>kuo tikslesni.</a:t>
+              <a:t>Vartotojo gidas – nauji sistemos vartotojai turi turėti galimybę sužinoti kokias funkcijas ir operatorius jie gali naudoti, taip pat jiems turėtų būti pateikiama pavyzdžių kaip tinkamai rašyti paieškos užklausas, kad rezultatai būtų kuo tikslesni.</a:t>
             </a:r>
             <a:endParaRPr lang="en-US" dirty="0"/>
           </a:p>
@@ -9792,7 +9348,11 @@
           <a:bodyPr/>
           <a:lstStyle/>
           <a:p>
-            <a:endParaRPr lang="en-US"/>
+            <a:r>
+              <a:rPr lang="lt-LT" dirty="0" smtClean="0"/>
+              <a:t>Paieškos rezultatų kokybė</a:t>
+            </a:r>
+            <a:endParaRPr lang="en-US" dirty="0"/>
           </a:p>
         </p:txBody>
       </p:sp>
@@ -9808,96 +9368,22 @@
         </p:nvSpPr>
         <p:spPr/>
         <p:txBody>
-          <a:bodyPr>
-            <a:normAutofit/>
-          </a:bodyPr>
+          <a:bodyPr/>
           <a:lstStyle/>
           <a:p>
             <a:pPr marL="0" indent="0">
               <a:buNone/>
             </a:pPr>
             <a:r>
-              <a:rPr lang="en-US" dirty="0"/>
-              <a:t>● System-</a:t>
-            </a:r>
-            <a:r>
-              <a:rPr lang="en-US" dirty="0" err="1"/>
-              <a:t>centred</a:t>
-            </a:r>
-            <a:r>
-              <a:rPr lang="en-US" dirty="0"/>
-              <a:t> evaluation levels: Engineering level (e.g., hardware or software</a:t>
-            </a:r>
-            <a:r>
-              <a:rPr lang="lt-LT" dirty="0"/>
-              <a:t> </a:t>
-            </a:r>
-            <a:r>
-              <a:rPr lang="en-US" dirty="0"/>
-              <a:t>performance), input level (coverage of the designated area), and processing level</a:t>
-            </a:r>
-            <a:r>
-              <a:rPr lang="lt-LT" dirty="0"/>
-              <a:t> </a:t>
-            </a:r>
-            <a:r>
-              <a:rPr lang="en-US" dirty="0"/>
-              <a:t>(e.g., performance of algorithms ).</a:t>
+              <a:rPr lang="lt-LT" dirty="0" smtClean="0"/>
+              <a:t>Abu tiek vartotojo tiek sistemos pusės vertinimo kriterijai atskirai negali nusakyti paieškos rezultatų kokybės. Norėdami matyti bendrą vaizdą turime žiūrėti iš abejų perspektyvų. </a:t>
             </a:r>
           </a:p>
           <a:p>
             <a:pPr marL="0" indent="0">
               <a:buNone/>
             </a:pPr>
-            <a:r>
-              <a:rPr lang="en-US" dirty="0"/>
-              <a:t>● User-</a:t>
-            </a:r>
-            <a:r>
-              <a:rPr lang="en-US" dirty="0" err="1"/>
-              <a:t>centred</a:t>
-            </a:r>
-            <a:r>
-              <a:rPr lang="en-US" dirty="0"/>
-              <a:t> evaluation levels: Output level (interaction with the system, feedback),</a:t>
-            </a:r>
-            <a:r>
-              <a:rPr lang="lt-LT" dirty="0"/>
-              <a:t> </a:t>
-            </a:r>
-            <a:r>
-              <a:rPr lang="en-US" dirty="0"/>
-              <a:t>use and user level (where questions of application to given problems </a:t>
-            </a:r>
-            <a:r>
-              <a:rPr lang="en-US" dirty="0" smtClean="0"/>
-              <a:t>and</a:t>
-            </a:r>
-            <a:r>
-              <a:rPr lang="lt-LT" dirty="0" smtClean="0"/>
-              <a:t> </a:t>
-            </a:r>
-            <a:r>
-              <a:rPr lang="en-US" dirty="0" smtClean="0"/>
-              <a:t>tasks </a:t>
-            </a:r>
-            <a:r>
-              <a:rPr lang="en-US" dirty="0"/>
-              <a:t>are raised), and social level (which takes into account the impact on the</a:t>
-            </a:r>
-            <a:r>
-              <a:rPr lang="lt-LT" dirty="0"/>
-              <a:t> </a:t>
-            </a:r>
-            <a:r>
-              <a:rPr lang="en-US" dirty="0"/>
-              <a:t>environment).</a:t>
-            </a:r>
-            <a:r>
-              <a:rPr lang="lt-LT" dirty="0"/>
-              <a:t> </a:t>
-            </a:r>
-            <a:endParaRPr lang="en-US" dirty="0"/>
+            <a:endParaRPr lang="lt-LT" dirty="0"/>
           </a:p>
           <a:p>
             <a:pPr marL="0" indent="0">
@@ -9910,7 +9396,7 @@
     </p:spTree>
     <p:extLst>
       <p:ext uri="{BB962C8B-B14F-4D97-AF65-F5344CB8AC3E}">
-        <p14:creationId xmlns:p14="http://schemas.microsoft.com/office/powerpoint/2010/main" val="786164706"/>
+        <p14:creationId xmlns:p14="http://schemas.microsoft.com/office/powerpoint/2010/main" val="3345623562"/>
       </p:ext>
     </p:extLst>
   </p:cSld>
@@ -9947,52 +9433,94 @@
             <p:ph type="title"/>
           </p:nvPr>
         </p:nvSpPr>
+        <p:spPr>
+          <a:xfrm>
+            <a:off x="838200" y="273685"/>
+            <a:ext cx="10515600" cy="1325563"/>
+          </a:xfrm>
+        </p:spPr>
+        <p:txBody>
+          <a:bodyPr>
+            <a:normAutofit/>
+          </a:bodyPr>
+          <a:lstStyle/>
+          <a:p>
+            <a:r>
+              <a:rPr lang="lt-LT" dirty="0" smtClean="0"/>
+              <a:t>Rezultatų rūšiavimas ir iškėlimas	</a:t>
+            </a:r>
+            <a:endParaRPr lang="en-US" dirty="0"/>
+          </a:p>
+        </p:txBody>
+      </p:sp>
+      <p:sp>
+        <p:nvSpPr>
+          <p:cNvPr id="3" name="Content Placeholder 2"/>
+          <p:cNvSpPr>
+            <a:spLocks noGrp="1"/>
+          </p:cNvSpPr>
+          <p:nvPr>
+            <p:ph idx="1"/>
+          </p:nvPr>
+        </p:nvSpPr>
         <p:spPr/>
         <p:txBody>
           <a:bodyPr/>
           <a:lstStyle/>
           <a:p>
+            <a:pPr marL="0" indent="0">
+              <a:buNone/>
+            </a:pPr>
             <a:r>
               <a:rPr lang="lt-LT" dirty="0" smtClean="0"/>
-              <a:t>Paieškos rezultatų kokybė</a:t>
-            </a:r>
-            <a:endParaRPr lang="en-US" dirty="0"/>
-          </a:p>
-        </p:txBody>
-      </p:sp>
-      <p:sp>
-        <p:nvSpPr>
-          <p:cNvPr id="3" name="Content Placeholder 2"/>
-          <p:cNvSpPr>
-            <a:spLocks noGrp="1"/>
-          </p:cNvSpPr>
-          <p:nvPr>
-            <p:ph idx="1"/>
-          </p:nvPr>
-        </p:nvSpPr>
-        <p:spPr/>
-        <p:txBody>
-          <a:bodyPr/>
-          <a:lstStyle/>
-          <a:p>
-            <a:pPr marL="0" indent="0">
-              <a:buNone/>
-            </a:pPr>
+              <a:t>Kiekvienas paieškos variklis turi savo būdą atrinkti ir rūšiuoti rezultatams, kuriuos reikia atvaizduoti vartotojams. Pagrindiniai atrinkimo kriterijai yra šie.</a:t>
+            </a:r>
+          </a:p>
+          <a:p>
             <a:r>
               <a:rPr lang="lt-LT" dirty="0" smtClean="0"/>
-              <a:t>Abu tiek vartotojo tiek sistemos pusės vertinimo kriterijai atskirai negali nusakyti paieškos rezultatų kokybės. Norėdami matyti bendrą vaizdą turime žiūrėti iš abejų perspektyvų. </a:t>
-            </a:r>
-          </a:p>
-          <a:p>
-            <a:pPr marL="0" indent="0">
-              <a:buNone/>
-            </a:pPr>
-            <a:endParaRPr lang="lt-LT" dirty="0"/>
-          </a:p>
-          <a:p>
-            <a:pPr marL="0" indent="0">
-              <a:buNone/>
-            </a:pPr>
+              <a:t>Puslapio turinys.</a:t>
+            </a:r>
+          </a:p>
+          <a:p>
+            <a:r>
+              <a:rPr lang="lt-LT" dirty="0" smtClean="0"/>
+              <a:t>Nuorodų iš kitų puslapių skaičius ir svoris.</a:t>
+            </a:r>
+          </a:p>
+          <a:p>
+            <a:r>
+              <a:rPr lang="lt-LT" dirty="0" smtClean="0"/>
+              <a:t>Lankytojų skaičius</a:t>
+            </a:r>
+          </a:p>
+          <a:p>
+            <a:r>
+              <a:rPr lang="lt-LT" dirty="0" smtClean="0"/>
+              <a:t>Populiarumas ir pasidalinimų, </a:t>
+            </a:r>
+            <a:r>
+              <a:rPr lang="lt-LT" dirty="0" err="1" smtClean="0"/>
+              <a:t>like‘ų</a:t>
+            </a:r>
+            <a:r>
+              <a:rPr lang="lt-LT" dirty="0" smtClean="0"/>
+              <a:t> skaičius </a:t>
+            </a:r>
+            <a:r>
+              <a:rPr lang="lt-LT" dirty="0" err="1" smtClean="0"/>
+              <a:t>socialiniuse</a:t>
+            </a:r>
+            <a:r>
+              <a:rPr lang="lt-LT" dirty="0" smtClean="0"/>
+              <a:t> tinkluose</a:t>
+            </a:r>
+          </a:p>
+          <a:p>
+            <a:r>
+              <a:rPr lang="lt-LT" dirty="0" smtClean="0"/>
+              <a:t>Puslapio pritaikymas paieškos varikliui.(SEO)</a:t>
+            </a:r>
             <a:endParaRPr lang="en-US" dirty="0"/>
           </a:p>
         </p:txBody>
@@ -10000,7 +9528,7 @@
     </p:spTree>
     <p:extLst>
       <p:ext uri="{BB962C8B-B14F-4D97-AF65-F5344CB8AC3E}">
-        <p14:creationId xmlns:p14="http://schemas.microsoft.com/office/powerpoint/2010/main" val="3345623562"/>
+        <p14:creationId xmlns:p14="http://schemas.microsoft.com/office/powerpoint/2010/main" val="3514923700"/>
       </p:ext>
     </p:extLst>
   </p:cSld>
@@ -10045,28 +9573,39 @@
           <a:lstStyle/>
           <a:p>
             <a:r>
+              <a:rPr lang="lt-LT" dirty="0"/>
+              <a:t>Puslapio turinys.</a:t>
+            </a:r>
+            <a:br>
+              <a:rPr lang="lt-LT" dirty="0"/>
+            </a:br>
+            <a:endParaRPr lang="en-US" dirty="0"/>
+          </a:p>
+        </p:txBody>
+      </p:sp>
+      <p:sp>
+        <p:nvSpPr>
+          <p:cNvPr id="3" name="Content Placeholder 2"/>
+          <p:cNvSpPr>
+            <a:spLocks noGrp="1"/>
+          </p:cNvSpPr>
+          <p:nvPr>
+            <p:ph idx="1"/>
+          </p:nvPr>
+        </p:nvSpPr>
+        <p:spPr/>
+        <p:txBody>
+          <a:bodyPr/>
+          <a:lstStyle/>
+          <a:p>
+            <a:r>
               <a:rPr lang="lt-LT" dirty="0" smtClean="0"/>
-              <a:t>Paieškos rezultatų kokybė priklauso nuo</a:t>
-            </a:r>
-            <a:endParaRPr lang="en-US" dirty="0"/>
-          </a:p>
-        </p:txBody>
-      </p:sp>
-      <p:sp>
-        <p:nvSpPr>
-          <p:cNvPr id="3" name="Content Placeholder 2"/>
-          <p:cNvSpPr>
-            <a:spLocks noGrp="1"/>
-          </p:cNvSpPr>
-          <p:nvPr>
-            <p:ph idx="1"/>
-          </p:nvPr>
-        </p:nvSpPr>
-        <p:spPr/>
-        <p:txBody>
-          <a:bodyPr/>
-          <a:lstStyle/>
-          <a:p>
+              <a:t>Paieškos </a:t>
+            </a:r>
+            <a:r>
+              <a:rPr lang="lt-LT" smtClean="0"/>
+              <a:t>varikliai dažniau </a:t>
+            </a:r>
             <a:endParaRPr lang="en-US"/>
           </a:p>
         </p:txBody>
@@ -10074,7 +9613,7 @@
     </p:spTree>
     <p:extLst>
       <p:ext uri="{BB962C8B-B14F-4D97-AF65-F5344CB8AC3E}">
-        <p14:creationId xmlns:p14="http://schemas.microsoft.com/office/powerpoint/2010/main" val="3514923700"/>
+        <p14:creationId xmlns:p14="http://schemas.microsoft.com/office/powerpoint/2010/main" val="1378326530"/>
       </p:ext>
     </p:extLst>
   </p:cSld>
@@ -10597,12 +10136,12 @@
               <a:t>Dauguma </a:t>
             </a:r>
             <a:r>
-              <a:rPr lang="lt-LT" dirty="0" err="1" smtClean="0"/>
-              <a:t>paeiškos</a:t>
-            </a:r>
-            <a:r>
               <a:rPr lang="lt-LT" dirty="0" smtClean="0"/>
-              <a:t> variklių sistemų personalizuoja gaunamus rezultatus remiantis prieš tai darytomis paieškomis. Du žmonės ieškodami to pačio dalyko ant dviejų skirtingų kompiuterių matys skirtingus rezultatus. Dažnai tai apsunkina paiešką kai yra ieškoma dar neieškotų dalykų.</a:t>
+              <a:t>paieškos </a:t>
+            </a:r>
+            <a:r>
+              <a:rPr lang="lt-LT" dirty="0" smtClean="0"/>
+              <a:t>variklių sistemų personalizuoja gaunamus rezultatus remiantis prieš tai darytomis paieškomis. Du žmonės ieškodami to pačio dalyko ant dviejų skirtingų kompiuterių matys skirtingus rezultatus. Dažnai tai apsunkina paiešką kai yra ieškoma dar neieškotų dalykų.</a:t>
             </a:r>
           </a:p>
           <a:p>
@@ -11025,36 +10564,161 @@
           </a:p>
         </p:txBody>
       </p:sp>
-      <p:pic>
-        <p:nvPicPr>
-          <p:cNvPr id="4" name="Content Placeholder 3"/>
-          <p:cNvPicPr>
-            <a:picLocks noGrp="1" noChangeAspect="1"/>
-          </p:cNvPicPr>
+      <p:sp>
+        <p:nvSpPr>
+          <p:cNvPr id="3" name="Content Placeholder 2"/>
+          <p:cNvSpPr>
+            <a:spLocks noGrp="1"/>
+          </p:cNvSpPr>
           <p:nvPr>
             <p:ph idx="1"/>
           </p:nvPr>
-        </p:nvPicPr>
-        <p:blipFill>
-          <a:blip r:embed="rId2"/>
-          <a:stretch>
-            <a:fillRect/>
-          </a:stretch>
-        </p:blipFill>
-        <p:spPr>
-          <a:xfrm>
-            <a:off x="838200" y="365125"/>
-            <a:ext cx="10007498" cy="5962523"/>
-          </a:xfrm>
-          <a:prstGeom prst="rect">
-            <a:avLst/>
-          </a:prstGeom>
-        </p:spPr>
-      </p:pic>
+        </p:nvSpPr>
+        <p:spPr/>
+        <p:txBody>
+          <a:bodyPr>
+            <a:normAutofit fontScale="62500" lnSpcReduction="20000"/>
+          </a:bodyPr>
+          <a:lstStyle/>
+          <a:p>
+            <a:pPr marL="0" indent="0">
+              <a:buNone/>
+            </a:pPr>
+            <a:r>
+              <a:rPr lang="en-US" dirty="0"/>
+              <a:t>But every quality measurement dealing with Web-specific retrieval measures has</a:t>
+            </a:r>
+          </a:p>
+          <a:p>
+            <a:pPr marL="0" indent="0">
+              <a:buNone/>
+            </a:pPr>
+            <a:r>
+              <a:rPr lang="en-US" dirty="0"/>
+              <a:t>to be combined with user strategies. In reality, users only examine the first result</a:t>
+            </a:r>
+          </a:p>
+          <a:p>
+            <a:pPr marL="0" indent="0">
+              <a:buNone/>
+            </a:pPr>
+            <a:r>
+              <a:rPr lang="en-US" dirty="0"/>
+              <a:t>screens (see Table 16.3), they do not even use search features or operators to really</a:t>
+            </a:r>
+          </a:p>
+          <a:p>
+            <a:pPr marL="0" indent="0">
+              <a:buNone/>
+            </a:pPr>
+            <a:r>
+              <a:rPr lang="en-US" dirty="0"/>
+              <a:t>interact with search engines. (Hotchkiss et al. 2004) defined different search types.</a:t>
+            </a:r>
+          </a:p>
+          <a:p>
+            <a:pPr marL="0" indent="0">
+              <a:buNone/>
+            </a:pPr>
+            <a:r>
+              <a:rPr lang="en-US" dirty="0"/>
+              <a:t>The normal search engine user corresponds to the “Scan and Clickers”. They only</a:t>
+            </a:r>
+          </a:p>
+          <a:p>
+            <a:pPr marL="0" indent="0">
+              <a:buNone/>
+            </a:pPr>
+            <a:r>
+              <a:rPr lang="en-US" dirty="0"/>
+              <a:t>watch the top results, sometimes also paid listings. They decide very quickly to</a:t>
+            </a:r>
+          </a:p>
+          <a:p>
+            <a:pPr marL="0" indent="0">
+              <a:buNone/>
+            </a:pPr>
+            <a:r>
+              <a:rPr lang="en-US" dirty="0"/>
+              <a:t>visit a page after reading the short description texts and URLs. </a:t>
+            </a:r>
+            <a:r>
+              <a:rPr lang="en-US" dirty="0" err="1"/>
+              <a:t>Machill</a:t>
+            </a:r>
+            <a:r>
+              <a:rPr lang="en-US" dirty="0"/>
+              <a:t> et al. (2003)</a:t>
+            </a:r>
+          </a:p>
+          <a:p>
+            <a:pPr marL="0" indent="0">
+              <a:buNone/>
+            </a:pPr>
+            <a:r>
+              <a:rPr lang="en-US" dirty="0"/>
+              <a:t>also observe subjects who try to get good answers after very short questions.</a:t>
+            </a:r>
+          </a:p>
+          <a:p>
+            <a:pPr marL="0" indent="0">
+              <a:buNone/>
+            </a:pPr>
+            <a:r>
+              <a:rPr lang="en-US" dirty="0"/>
+              <a:t>Regarding these annotations, it is important to think about retrieval measures that</a:t>
+            </a:r>
+          </a:p>
+          <a:p>
+            <a:pPr marL="0" indent="0">
+              <a:buNone/>
+            </a:pPr>
+            <a:r>
+              <a:rPr lang="en-US" dirty="0"/>
+              <a:t>deal with this user specific searching </a:t>
+            </a:r>
+            <a:r>
+              <a:rPr lang="en-US" dirty="0" err="1"/>
+              <a:t>behaviour</a:t>
+            </a:r>
+            <a:r>
+              <a:rPr lang="en-US" dirty="0"/>
+              <a:t>. If a user always watched the first</a:t>
+            </a:r>
+          </a:p>
+          <a:p>
+            <a:pPr marL="0" indent="0">
+              <a:buNone/>
+            </a:pPr>
+            <a:r>
+              <a:rPr lang="en-US" dirty="0"/>
+              <a:t>three results, only, the best search engine would be the one returning the most</a:t>
+            </a:r>
+          </a:p>
+          <a:p>
+            <a:pPr marL="0" indent="0">
+              <a:buNone/>
+            </a:pPr>
+            <a:r>
+              <a:rPr lang="en-US" dirty="0"/>
+              <a:t>appropriate pages within those first results. How do retrieval measures comply with</a:t>
+            </a:r>
+          </a:p>
+          <a:p>
+            <a:pPr marL="0" indent="0">
+              <a:buNone/>
+            </a:pPr>
+            <a:r>
+              <a:rPr lang="en-US" dirty="0"/>
+              <a:t>the search engine users’ search strategies?</a:t>
+            </a:r>
+          </a:p>
+        </p:txBody>
+      </p:sp>
     </p:spTree>
     <p:extLst>
       <p:ext uri="{BB962C8B-B14F-4D97-AF65-F5344CB8AC3E}">
-        <p14:creationId xmlns:p14="http://schemas.microsoft.com/office/powerpoint/2010/main" val="560544781"/>
+        <p14:creationId xmlns:p14="http://schemas.microsoft.com/office/powerpoint/2010/main" val="3196917835"/>
       </p:ext>
     </p:extLst>
   </p:cSld>
@@ -11093,10 +10757,15 @@
         </p:nvSpPr>
         <p:spPr/>
         <p:txBody>
-          <a:bodyPr/>
-          <a:lstStyle/>
-          <a:p>
-            <a:endParaRPr lang="en-US"/>
+          <a:bodyPr>
+            <a:normAutofit fontScale="90000"/>
+          </a:bodyPr>
+          <a:lstStyle/>
+          <a:p>
+            <a:r>
+              <a:rPr lang="en-US" dirty="0"/>
+              <a:t>http://moz.com/beginners-guide-to-seo/how-search-engines-operate</a:t>
+            </a:r>
           </a:p>
         </p:txBody>
       </p:sp>
@@ -11113,7 +10782,7 @@
         <p:spPr/>
         <p:txBody>
           <a:bodyPr>
-            <a:normAutofit fontScale="70000" lnSpcReduction="20000"/>
+            <a:normAutofit/>
           </a:bodyPr>
           <a:lstStyle/>
           <a:p>
@@ -11122,114 +10791,140 @@
             </a:pPr>
             <a:r>
               <a:rPr lang="en-US" dirty="0"/>
-              <a:t>These extractions from user surveys and studies show that search engine users</a:t>
-            </a:r>
-          </a:p>
-          <a:p>
-            <a:pPr marL="0" indent="0">
-              <a:buNone/>
-            </a:pPr>
+              <a:t>Our assumption </a:t>
+            </a:r>
+            <a:r>
+              <a:rPr lang="en-US" dirty="0" smtClean="0"/>
+              <a:t>is</a:t>
+            </a:r>
+            <a:r>
+              <a:rPr lang="lt-LT" dirty="0" smtClean="0"/>
+              <a:t> </a:t>
+            </a:r>
+            <a:r>
+              <a:rPr lang="en-US" dirty="0" smtClean="0"/>
+              <a:t>that </a:t>
+            </a:r>
             <a:r>
               <a:rPr lang="en-US" dirty="0"/>
-              <a:t>definitely have factors which disturb them and that they do not adopt all offered</a:t>
-            </a:r>
-          </a:p>
-          <a:p>
-            <a:pPr marL="0" indent="0">
-              <a:buNone/>
-            </a:pPr>
+              <a:t>users do not know how to best interact with search engines. For that </a:t>
+            </a:r>
+            <a:r>
+              <a:rPr lang="en-US" dirty="0" smtClean="0"/>
+              <a:t>reason</a:t>
+            </a:r>
+            <a:r>
+              <a:rPr lang="lt-LT" dirty="0" smtClean="0"/>
+              <a:t> </a:t>
+            </a:r>
+            <a:r>
+              <a:rPr lang="en-US" dirty="0" smtClean="0"/>
+              <a:t>help </a:t>
+            </a:r>
             <a:r>
               <a:rPr lang="en-US" dirty="0"/>
-              <a:t>services such as special search features, possibilities to personalize search engines,</a:t>
-            </a:r>
-          </a:p>
-          <a:p>
-            <a:pPr marL="0" indent="0">
-              <a:buNone/>
-            </a:pPr>
+              <a:t>functions have to be offered so that more intuitive users also can learn to </a:t>
+            </a:r>
+            <a:r>
+              <a:rPr lang="en-US" dirty="0" smtClean="0"/>
+              <a:t>handle</a:t>
+            </a:r>
+            <a:r>
+              <a:rPr lang="lt-LT" dirty="0" smtClean="0"/>
+              <a:t> </a:t>
+            </a:r>
+            <a:r>
+              <a:rPr lang="en-US" dirty="0" smtClean="0"/>
+              <a:t>Internet </a:t>
+            </a:r>
             <a:r>
               <a:rPr lang="en-US" dirty="0"/>
-              <a:t>or operators. Surveys are a good way to ask the user directly what he likes or dislikes</a:t>
-            </a:r>
-          </a:p>
-          <a:p>
-            <a:pPr marL="0" indent="0">
-              <a:buNone/>
-            </a:pPr>
+              <a:t>search engines. The next point is the presentation of search </a:t>
+            </a:r>
+            <a:r>
+              <a:rPr lang="en-US" dirty="0" smtClean="0"/>
+              <a:t>results.</a:t>
+            </a:r>
+            <a:r>
+              <a:rPr lang="lt-LT" dirty="0" smtClean="0"/>
+              <a:t> </a:t>
+            </a:r>
+            <a:r>
+              <a:rPr lang="en-US" dirty="0" smtClean="0"/>
+              <a:t>Search </a:t>
+            </a:r>
             <a:r>
               <a:rPr lang="en-US" dirty="0"/>
-              <a:t>while interacting with search engines. But surveys can become problematical</a:t>
-            </a:r>
-          </a:p>
-          <a:p>
-            <a:pPr marL="0" indent="0">
-              <a:buNone/>
-            </a:pPr>
+              <a:t>engine should clearly separate paid listings from organic results. </a:t>
+            </a:r>
+            <a:r>
+              <a:rPr lang="en-US" dirty="0" smtClean="0"/>
+              <a:t>User</a:t>
+            </a:r>
+            <a:r>
+              <a:rPr lang="lt-LT" dirty="0" smtClean="0"/>
+              <a:t> </a:t>
+            </a:r>
+            <a:r>
+              <a:rPr lang="en-US" dirty="0" smtClean="0"/>
+              <a:t>should </a:t>
+            </a:r>
             <a:r>
               <a:rPr lang="en-US" dirty="0"/>
-              <a:t>when users get the illusion of a perfect search engine . For that reason the interpretation</a:t>
-            </a:r>
-          </a:p>
-          <a:p>
-            <a:pPr marL="0" indent="0">
-              <a:buNone/>
-            </a:pPr>
+              <a:t>also get the possibility to learn about the functionality of search engines</a:t>
+            </a:r>
+            <a:r>
+              <a:rPr lang="en-US" dirty="0" smtClean="0"/>
+              <a:t>.</a:t>
+            </a:r>
+            <a:r>
+              <a:rPr lang="lt-LT" dirty="0" smtClean="0"/>
+              <a:t> </a:t>
+            </a:r>
+            <a:r>
+              <a:rPr lang="en-US" dirty="0" smtClean="0"/>
+              <a:t>Users </a:t>
+            </a:r>
             <a:r>
               <a:rPr lang="en-US" dirty="0"/>
-              <a:t>of search engine transactions logs is an objective way to see defective and</a:t>
-            </a:r>
-          </a:p>
-          <a:p>
-            <a:pPr marL="0" indent="0">
-              <a:buNone/>
-            </a:pPr>
+              <a:t>search often in an intuitive way, for that reason Web search engines </a:t>
+            </a:r>
+            <a:r>
+              <a:rPr lang="en-US" dirty="0" smtClean="0"/>
+              <a:t>should</a:t>
+            </a:r>
+            <a:r>
+              <a:rPr lang="lt-LT" dirty="0" smtClean="0"/>
+              <a:t> </a:t>
+            </a:r>
+            <a:r>
+              <a:rPr lang="en-US" dirty="0" smtClean="0"/>
+              <a:t>give </a:t>
+            </a:r>
             <a:r>
               <a:rPr lang="en-US" dirty="0"/>
-              <a:t>non-adopted features or services. This helps to derive strategies for a user-friendly</a:t>
-            </a:r>
-          </a:p>
-          <a:p>
-            <a:pPr marL="0" indent="0">
-              <a:buNone/>
-            </a:pPr>
+              <a:t>accurate results based on very short or very </a:t>
+            </a:r>
+            <a:r>
+              <a:rPr lang="en-US" dirty="0" err="1"/>
+              <a:t>specialised</a:t>
+            </a:r>
             <a:r>
               <a:rPr lang="en-US" dirty="0"/>
-              <a:t>design or to design services that will be adopted by the user. With this in mind, we</a:t>
-            </a:r>
-          </a:p>
-          <a:p>
-            <a:pPr marL="0" indent="0">
-              <a:buNone/>
-            </a:pPr>
-            <a:r>
-              <a:rPr lang="en-US" dirty="0"/>
-              <a:t>will give examples of interaction points between the user and search engines that</a:t>
-            </a:r>
-          </a:p>
-          <a:p>
-            <a:pPr marL="0" indent="0">
-              <a:buNone/>
-            </a:pPr>
-            <a:r>
-              <a:rPr lang="en-US" dirty="0"/>
-              <a:t>could cause users’ disconfirmation. Additionally, we give examples of how to</a:t>
-            </a:r>
-          </a:p>
-          <a:p>
-            <a:pPr marL="0" indent="0">
-              <a:buNone/>
-            </a:pPr>
-            <a:r>
-              <a:rPr lang="en-US" dirty="0"/>
-              <a:t>evaluate these interaction points and already realized improvements.</a:t>
-            </a:r>
+              <a:t> Web search queries</a:t>
+            </a:r>
+            <a:r>
+              <a:rPr lang="en-US" dirty="0" smtClean="0"/>
+              <a:t>.</a:t>
+            </a:r>
+            <a:endParaRPr lang="en-US" dirty="0"/>
           </a:p>
         </p:txBody>
       </p:sp>
     </p:spTree>
     <p:extLst>
       <p:ext uri="{BB962C8B-B14F-4D97-AF65-F5344CB8AC3E}">
-        <p14:creationId xmlns:p14="http://schemas.microsoft.com/office/powerpoint/2010/main" val="1989652206"/>
+        <p14:creationId xmlns:p14="http://schemas.microsoft.com/office/powerpoint/2010/main" val="3002518617"/>
       </p:ext>
     </p:extLst>
   </p:cSld>
@@ -11275,510 +10970,32 @@
           </a:p>
         </p:txBody>
       </p:sp>
-      <p:pic>
-        <p:nvPicPr>
-          <p:cNvPr id="4" name="Content Placeholder 3"/>
-          <p:cNvPicPr>
-            <a:picLocks noGrp="1" noChangeAspect="1"/>
-          </p:cNvPicPr>
+      <p:sp>
+        <p:nvSpPr>
+          <p:cNvPr id="3" name="Content Placeholder 2"/>
+          <p:cNvSpPr>
+            <a:spLocks noGrp="1"/>
+          </p:cNvSpPr>
           <p:nvPr>
             <p:ph idx="1"/>
           </p:nvPr>
-        </p:nvPicPr>
-        <p:blipFill>
-          <a:blip r:embed="rId2"/>
-          <a:stretch>
-            <a:fillRect/>
-          </a:stretch>
-        </p:blipFill>
-        <p:spPr>
-          <a:xfrm rot="5400000">
-            <a:off x="4310491" y="-1630062"/>
-            <a:ext cx="3493643" cy="10592976"/>
-          </a:xfrm>
-          <a:prstGeom prst="rect">
-            <a:avLst/>
-          </a:prstGeom>
-        </p:spPr>
-      </p:pic>
+        </p:nvSpPr>
+        <p:spPr/>
+        <p:txBody>
+          <a:bodyPr/>
+          <a:lstStyle/>
+          <a:p>
+            <a:r>
+              <a:rPr lang="en-US" dirty="0"/>
+              <a:t>http://www.techrepublic.com/blog/10-things/10-tips-for-smarter-more-efficient-internet-searching/</a:t>
+            </a:r>
+          </a:p>
+        </p:txBody>
+      </p:sp>
     </p:spTree>
     <p:extLst>
       <p:ext uri="{BB962C8B-B14F-4D97-AF65-F5344CB8AC3E}">
-        <p14:creationId xmlns:p14="http://schemas.microsoft.com/office/powerpoint/2010/main" val="550188050"/>
-      </p:ext>
-    </p:extLst>
-  </p:cSld>
-  <p:clrMapOvr>
-    <a:masterClrMapping/>
-  </p:clrMapOvr>
-</p:sld>
-</file>
-
-<file path=ppt/slides/slide26.xml><?xml version="1.0" encoding="utf-8"?>
-<p:sld xmlns:a="http://schemas.openxmlformats.org/drawingml/2006/main" xmlns:r="http://schemas.openxmlformats.org/officeDocument/2006/relationships" xmlns:p="http://schemas.openxmlformats.org/presentationml/2006/main">
-  <p:cSld>
-    <p:spTree>
-      <p:nvGrpSpPr>
-        <p:cNvPr id="1" name=""/>
-        <p:cNvGrpSpPr/>
-        <p:nvPr/>
-      </p:nvGrpSpPr>
-      <p:grpSpPr>
-        <a:xfrm>
-          <a:off x="0" y="0"/>
-          <a:ext cx="0" cy="0"/>
-          <a:chOff x="0" y="0"/>
-          <a:chExt cx="0" cy="0"/>
-        </a:xfrm>
-      </p:grpSpPr>
-      <p:sp>
-        <p:nvSpPr>
-          <p:cNvPr id="2" name="Title 1"/>
-          <p:cNvSpPr>
-            <a:spLocks noGrp="1"/>
-          </p:cNvSpPr>
-          <p:nvPr>
-            <p:ph type="title"/>
-          </p:nvPr>
-        </p:nvSpPr>
-        <p:spPr/>
-        <p:txBody>
-          <a:bodyPr/>
-          <a:lstStyle/>
-          <a:p>
-            <a:endParaRPr lang="en-US"/>
-          </a:p>
-        </p:txBody>
-      </p:sp>
-      <p:sp>
-        <p:nvSpPr>
-          <p:cNvPr id="3" name="Content Placeholder 2"/>
-          <p:cNvSpPr>
-            <a:spLocks noGrp="1"/>
-          </p:cNvSpPr>
-          <p:nvPr>
-            <p:ph idx="1"/>
-          </p:nvPr>
-        </p:nvSpPr>
-        <p:spPr/>
-        <p:txBody>
-          <a:bodyPr>
-            <a:normAutofit fontScale="62500" lnSpcReduction="20000"/>
-          </a:bodyPr>
-          <a:lstStyle/>
-          <a:p>
-            <a:pPr marL="0" indent="0">
-              <a:buNone/>
-            </a:pPr>
-            <a:r>
-              <a:rPr lang="en-US" dirty="0"/>
-              <a:t>But every quality measurement dealing with Web-specific retrieval measures has</a:t>
-            </a:r>
-          </a:p>
-          <a:p>
-            <a:pPr marL="0" indent="0">
-              <a:buNone/>
-            </a:pPr>
-            <a:r>
-              <a:rPr lang="en-US" dirty="0"/>
-              <a:t>to be combined with user strategies. In reality, users only examine the first result</a:t>
-            </a:r>
-          </a:p>
-          <a:p>
-            <a:pPr marL="0" indent="0">
-              <a:buNone/>
-            </a:pPr>
-            <a:r>
-              <a:rPr lang="en-US" dirty="0"/>
-              <a:t>screens (see Table 16.3), they do not even use search features or operators to really</a:t>
-            </a:r>
-          </a:p>
-          <a:p>
-            <a:pPr marL="0" indent="0">
-              <a:buNone/>
-            </a:pPr>
-            <a:r>
-              <a:rPr lang="en-US" dirty="0"/>
-              <a:t>interact with search engines. (Hotchkiss et al. 2004) defined different search types.</a:t>
-            </a:r>
-          </a:p>
-          <a:p>
-            <a:pPr marL="0" indent="0">
-              <a:buNone/>
-            </a:pPr>
-            <a:r>
-              <a:rPr lang="en-US" dirty="0"/>
-              <a:t>The normal search engine user corresponds to the “Scan and Clickers”. They only</a:t>
-            </a:r>
-          </a:p>
-          <a:p>
-            <a:pPr marL="0" indent="0">
-              <a:buNone/>
-            </a:pPr>
-            <a:r>
-              <a:rPr lang="en-US" dirty="0"/>
-              <a:t>watch the top results, sometimes also paid listings. They decide very quickly to</a:t>
-            </a:r>
-          </a:p>
-          <a:p>
-            <a:pPr marL="0" indent="0">
-              <a:buNone/>
-            </a:pPr>
-            <a:r>
-              <a:rPr lang="en-US" dirty="0"/>
-              <a:t>visit a page after reading the short description texts and URLs. </a:t>
-            </a:r>
-            <a:r>
-              <a:rPr lang="en-US" dirty="0" err="1"/>
-              <a:t>Machill</a:t>
-            </a:r>
-            <a:r>
-              <a:rPr lang="en-US" dirty="0"/>
-              <a:t> et al. (2003)</a:t>
-            </a:r>
-          </a:p>
-          <a:p>
-            <a:pPr marL="0" indent="0">
-              <a:buNone/>
-            </a:pPr>
-            <a:r>
-              <a:rPr lang="en-US" dirty="0"/>
-              <a:t>also observe subjects who try to get good answers after very short questions.</a:t>
-            </a:r>
-          </a:p>
-          <a:p>
-            <a:pPr marL="0" indent="0">
-              <a:buNone/>
-            </a:pPr>
-            <a:r>
-              <a:rPr lang="en-US" dirty="0"/>
-              <a:t>Regarding these annotations, it is important to think about retrieval measures that</a:t>
-            </a:r>
-          </a:p>
-          <a:p>
-            <a:pPr marL="0" indent="0">
-              <a:buNone/>
-            </a:pPr>
-            <a:r>
-              <a:rPr lang="en-US" dirty="0"/>
-              <a:t>deal with this user specific searching </a:t>
-            </a:r>
-            <a:r>
-              <a:rPr lang="en-US" dirty="0" err="1"/>
-              <a:t>behaviour</a:t>
-            </a:r>
-            <a:r>
-              <a:rPr lang="en-US" dirty="0"/>
-              <a:t>. If a user always watched the first</a:t>
-            </a:r>
-          </a:p>
-          <a:p>
-            <a:pPr marL="0" indent="0">
-              <a:buNone/>
-            </a:pPr>
-            <a:r>
-              <a:rPr lang="en-US" dirty="0"/>
-              <a:t>three results, only, the best search engine would be the one returning the most</a:t>
-            </a:r>
-          </a:p>
-          <a:p>
-            <a:pPr marL="0" indent="0">
-              <a:buNone/>
-            </a:pPr>
-            <a:r>
-              <a:rPr lang="en-US" dirty="0"/>
-              <a:t>appropriate pages within those first results. How do retrieval measures comply with</a:t>
-            </a:r>
-          </a:p>
-          <a:p>
-            <a:pPr marL="0" indent="0">
-              <a:buNone/>
-            </a:pPr>
-            <a:r>
-              <a:rPr lang="en-US" dirty="0"/>
-              <a:t>the search engine users’ search strategies?</a:t>
-            </a:r>
-          </a:p>
-        </p:txBody>
-      </p:sp>
-    </p:spTree>
-    <p:extLst>
-      <p:ext uri="{BB962C8B-B14F-4D97-AF65-F5344CB8AC3E}">
-        <p14:creationId xmlns:p14="http://schemas.microsoft.com/office/powerpoint/2010/main" val="3196917835"/>
-      </p:ext>
-    </p:extLst>
-  </p:cSld>
-  <p:clrMapOvr>
-    <a:masterClrMapping/>
-  </p:clrMapOvr>
-</p:sld>
-</file>
-
-<file path=ppt/slides/slide27.xml><?xml version="1.0" encoding="utf-8"?>
-<p:sld xmlns:a="http://schemas.openxmlformats.org/drawingml/2006/main" xmlns:r="http://schemas.openxmlformats.org/officeDocument/2006/relationships" xmlns:p="http://schemas.openxmlformats.org/presentationml/2006/main">
-  <p:cSld>
-    <p:spTree>
-      <p:nvGrpSpPr>
-        <p:cNvPr id="1" name=""/>
-        <p:cNvGrpSpPr/>
-        <p:nvPr/>
-      </p:nvGrpSpPr>
-      <p:grpSpPr>
-        <a:xfrm>
-          <a:off x="0" y="0"/>
-          <a:ext cx="0" cy="0"/>
-          <a:chOff x="0" y="0"/>
-          <a:chExt cx="0" cy="0"/>
-        </a:xfrm>
-      </p:grpSpPr>
-      <p:sp>
-        <p:nvSpPr>
-          <p:cNvPr id="2" name="Title 1"/>
-          <p:cNvSpPr>
-            <a:spLocks noGrp="1"/>
-          </p:cNvSpPr>
-          <p:nvPr>
-            <p:ph type="title"/>
-          </p:nvPr>
-        </p:nvSpPr>
-        <p:spPr/>
-        <p:txBody>
-          <a:bodyPr>
-            <a:normAutofit fontScale="90000"/>
-          </a:bodyPr>
-          <a:lstStyle/>
-          <a:p>
-            <a:r>
-              <a:rPr lang="en-US" dirty="0"/>
-              <a:t>http://moz.com/beginners-guide-to-seo/how-search-engines-operate</a:t>
-            </a:r>
-          </a:p>
-        </p:txBody>
-      </p:sp>
-      <p:sp>
-        <p:nvSpPr>
-          <p:cNvPr id="3" name="Content Placeholder 2"/>
-          <p:cNvSpPr>
-            <a:spLocks noGrp="1"/>
-          </p:cNvSpPr>
-          <p:nvPr>
-            <p:ph idx="1"/>
-          </p:nvPr>
-        </p:nvSpPr>
-        <p:spPr/>
-        <p:txBody>
-          <a:bodyPr>
-            <a:normAutofit/>
-          </a:bodyPr>
-          <a:lstStyle/>
-          <a:p>
-            <a:pPr marL="0" indent="0">
-              <a:buNone/>
-            </a:pPr>
-            <a:r>
-              <a:rPr lang="en-US" dirty="0"/>
-              <a:t>Our assumption </a:t>
-            </a:r>
-            <a:r>
-              <a:rPr lang="en-US" dirty="0" smtClean="0"/>
-              <a:t>is</a:t>
-            </a:r>
-            <a:r>
-              <a:rPr lang="lt-LT" dirty="0" smtClean="0"/>
-              <a:t> </a:t>
-            </a:r>
-            <a:r>
-              <a:rPr lang="en-US" dirty="0" smtClean="0"/>
-              <a:t>that </a:t>
-            </a:r>
-            <a:r>
-              <a:rPr lang="en-US" dirty="0"/>
-              <a:t>users do not know how to best interact with search engines. For that </a:t>
-            </a:r>
-            <a:r>
-              <a:rPr lang="en-US" dirty="0" smtClean="0"/>
-              <a:t>reason</a:t>
-            </a:r>
-            <a:r>
-              <a:rPr lang="lt-LT" dirty="0" smtClean="0"/>
-              <a:t> </a:t>
-            </a:r>
-            <a:r>
-              <a:rPr lang="en-US" dirty="0" smtClean="0"/>
-              <a:t>help </a:t>
-            </a:r>
-            <a:r>
-              <a:rPr lang="en-US" dirty="0"/>
-              <a:t>functions have to be offered so that more intuitive users also can learn to </a:t>
-            </a:r>
-            <a:r>
-              <a:rPr lang="en-US" dirty="0" smtClean="0"/>
-              <a:t>handle</a:t>
-            </a:r>
-            <a:r>
-              <a:rPr lang="lt-LT" dirty="0" smtClean="0"/>
-              <a:t> </a:t>
-            </a:r>
-            <a:r>
-              <a:rPr lang="en-US" dirty="0" smtClean="0"/>
-              <a:t>Internet </a:t>
-            </a:r>
-            <a:r>
-              <a:rPr lang="en-US" dirty="0"/>
-              <a:t>search engines. The next point is the presentation of search </a:t>
-            </a:r>
-            <a:r>
-              <a:rPr lang="en-US" dirty="0" smtClean="0"/>
-              <a:t>results.</a:t>
-            </a:r>
-            <a:r>
-              <a:rPr lang="lt-LT" dirty="0" smtClean="0"/>
-              <a:t> </a:t>
-            </a:r>
-            <a:r>
-              <a:rPr lang="en-US" dirty="0" smtClean="0"/>
-              <a:t>Search </a:t>
-            </a:r>
-            <a:r>
-              <a:rPr lang="en-US" dirty="0"/>
-              <a:t>engine should clearly separate paid listings from organic results. </a:t>
-            </a:r>
-            <a:r>
-              <a:rPr lang="en-US" dirty="0" smtClean="0"/>
-              <a:t>User</a:t>
-            </a:r>
-            <a:r>
-              <a:rPr lang="lt-LT" dirty="0" smtClean="0"/>
-              <a:t> </a:t>
-            </a:r>
-            <a:r>
-              <a:rPr lang="en-US" dirty="0" smtClean="0"/>
-              <a:t>should </a:t>
-            </a:r>
-            <a:r>
-              <a:rPr lang="en-US" dirty="0"/>
-              <a:t>also get the possibility to learn about the functionality of search engines</a:t>
-            </a:r>
-            <a:r>
-              <a:rPr lang="en-US" dirty="0" smtClean="0"/>
-              <a:t>.</a:t>
-            </a:r>
-            <a:r>
-              <a:rPr lang="lt-LT" dirty="0" smtClean="0"/>
-              <a:t> </a:t>
-            </a:r>
-            <a:r>
-              <a:rPr lang="en-US" dirty="0" smtClean="0"/>
-              <a:t>Users </a:t>
-            </a:r>
-            <a:r>
-              <a:rPr lang="en-US" dirty="0"/>
-              <a:t>search often in an intuitive way, for that reason Web search engines </a:t>
-            </a:r>
-            <a:r>
-              <a:rPr lang="en-US" dirty="0" smtClean="0"/>
-              <a:t>should</a:t>
-            </a:r>
-            <a:r>
-              <a:rPr lang="lt-LT" dirty="0" smtClean="0"/>
-              <a:t> </a:t>
-            </a:r>
-            <a:r>
-              <a:rPr lang="en-US" dirty="0" smtClean="0"/>
-              <a:t>give </a:t>
-            </a:r>
-            <a:r>
-              <a:rPr lang="en-US" dirty="0"/>
-              <a:t>accurate results based on very short or very </a:t>
-            </a:r>
-            <a:r>
-              <a:rPr lang="en-US" dirty="0" err="1"/>
-              <a:t>specialised</a:t>
-            </a:r>
-            <a:r>
-              <a:rPr lang="en-US" dirty="0"/>
-              <a:t> Web search queries</a:t>
-            </a:r>
-            <a:r>
-              <a:rPr lang="en-US" dirty="0" smtClean="0"/>
-              <a:t>.</a:t>
-            </a:r>
-            <a:endParaRPr lang="en-US" dirty="0"/>
-          </a:p>
-        </p:txBody>
-      </p:sp>
-    </p:spTree>
-    <p:extLst>
-      <p:ext uri="{BB962C8B-B14F-4D97-AF65-F5344CB8AC3E}">
-        <p14:creationId xmlns:p14="http://schemas.microsoft.com/office/powerpoint/2010/main" val="3002518617"/>
-      </p:ext>
-    </p:extLst>
-  </p:cSld>
-  <p:clrMapOvr>
-    <a:masterClrMapping/>
-  </p:clrMapOvr>
-</p:sld>
-</file>
-
-<file path=ppt/slides/slide28.xml><?xml version="1.0" encoding="utf-8"?>
-<p:sld xmlns:a="http://schemas.openxmlformats.org/drawingml/2006/main" xmlns:r="http://schemas.openxmlformats.org/officeDocument/2006/relationships" xmlns:p="http://schemas.openxmlformats.org/presentationml/2006/main">
-  <p:cSld>
-    <p:spTree>
-      <p:nvGrpSpPr>
-        <p:cNvPr id="1" name=""/>
-        <p:cNvGrpSpPr/>
-        <p:nvPr/>
-      </p:nvGrpSpPr>
-      <p:grpSpPr>
-        <a:xfrm>
-          <a:off x="0" y="0"/>
-          <a:ext cx="0" cy="0"/>
-          <a:chOff x="0" y="0"/>
-          <a:chExt cx="0" cy="0"/>
-        </a:xfrm>
-      </p:grpSpPr>
-      <p:sp>
-        <p:nvSpPr>
-          <p:cNvPr id="2" name="Title 1"/>
-          <p:cNvSpPr>
-            <a:spLocks noGrp="1"/>
-          </p:cNvSpPr>
-          <p:nvPr>
-            <p:ph type="title"/>
-          </p:nvPr>
-        </p:nvSpPr>
-        <p:spPr/>
-        <p:txBody>
-          <a:bodyPr/>
-          <a:lstStyle/>
-          <a:p>
-            <a:endParaRPr lang="en-US"/>
-          </a:p>
-        </p:txBody>
-      </p:sp>
-      <p:sp>
-        <p:nvSpPr>
-          <p:cNvPr id="3" name="Content Placeholder 2"/>
-          <p:cNvSpPr>
-            <a:spLocks noGrp="1"/>
-          </p:cNvSpPr>
-          <p:nvPr>
-            <p:ph idx="1"/>
-          </p:nvPr>
-        </p:nvSpPr>
-        <p:spPr/>
-        <p:txBody>
-          <a:bodyPr/>
-          <a:lstStyle/>
-          <a:p>
-            <a:endParaRPr lang="en-US"/>
-          </a:p>
-        </p:txBody>
-      </p:sp>
-    </p:spTree>
-    <p:extLst>
-      <p:ext uri="{BB962C8B-B14F-4D97-AF65-F5344CB8AC3E}">
-        <p14:creationId xmlns:p14="http://schemas.microsoft.com/office/powerpoint/2010/main" val="81899797"/>
+        <p14:creationId xmlns:p14="http://schemas.microsoft.com/office/powerpoint/2010/main" val="1637798188"/>
       </p:ext>
     </p:extLst>
   </p:cSld>

--- a/IIS pristatymas/Žiniatinklio paieškos rezultatų kokybės vertinimas.pptx
+++ b/IIS pristatymas/Žiniatinklio paieškos rezultatų kokybės vertinimas.pptx
@@ -5,7 +5,7 @@
     <p:sldMasterId id="2147483669" r:id="rId1"/>
   </p:sldMasterIdLst>
   <p:notesMasterIdLst>
-    <p:notesMasterId r:id="rId27"/>
+    <p:notesMasterId r:id="rId40"/>
   </p:notesMasterIdLst>
   <p:sldIdLst>
     <p:sldId id="256" r:id="rId2"/>
@@ -24,15 +24,28 @@
     <p:sldId id="281" r:id="rId15"/>
     <p:sldId id="278" r:id="rId16"/>
     <p:sldId id="285" r:id="rId17"/>
-    <p:sldId id="259" r:id="rId18"/>
-    <p:sldId id="261" r:id="rId19"/>
-    <p:sldId id="262" r:id="rId20"/>
-    <p:sldId id="263" r:id="rId21"/>
-    <p:sldId id="264" r:id="rId22"/>
-    <p:sldId id="265" r:id="rId23"/>
-    <p:sldId id="269" r:id="rId24"/>
-    <p:sldId id="271" r:id="rId25"/>
-    <p:sldId id="284" r:id="rId26"/>
+    <p:sldId id="286" r:id="rId18"/>
+    <p:sldId id="287" r:id="rId19"/>
+    <p:sldId id="288" r:id="rId20"/>
+    <p:sldId id="289" r:id="rId21"/>
+    <p:sldId id="259" r:id="rId22"/>
+    <p:sldId id="290" r:id="rId23"/>
+    <p:sldId id="291" r:id="rId24"/>
+    <p:sldId id="261" r:id="rId25"/>
+    <p:sldId id="298" r:id="rId26"/>
+    <p:sldId id="299" r:id="rId27"/>
+    <p:sldId id="300" r:id="rId28"/>
+    <p:sldId id="301" r:id="rId29"/>
+    <p:sldId id="302" r:id="rId30"/>
+    <p:sldId id="303" r:id="rId31"/>
+    <p:sldId id="304" r:id="rId32"/>
+    <p:sldId id="305" r:id="rId33"/>
+    <p:sldId id="292" r:id="rId34"/>
+    <p:sldId id="293" r:id="rId35"/>
+    <p:sldId id="294" r:id="rId36"/>
+    <p:sldId id="296" r:id="rId37"/>
+    <p:sldId id="297" r:id="rId38"/>
+    <p:sldId id="264" r:id="rId39"/>
   </p:sldIdLst>
   <p:sldSz cx="12192000" cy="6858000"/>
   <p:notesSz cx="6858000" cy="9144000"/>
@@ -619,14 +632,8 @@
           <a:p>
             <a:r>
               <a:rPr lang="en-US" dirty="0" smtClean="0"/>
-              <a:t>http://moz.com/blog/searchmetrics-ranking-factors-2014</a:t>
-            </a:r>
-            <a:endParaRPr lang="lt-LT" dirty="0" smtClean="0"/>
-          </a:p>
-          <a:p>
-            <a:endParaRPr lang="lt-LT" dirty="0" smtClean="0"/>
-          </a:p>
-          <a:p>
+              <a:t>http://webtargetinc.com/8-essential-aspects-to-analyze-your-search-engine-optimization-seo-performance/</a:t>
+            </a:r>
             <a:endParaRPr lang="en-US" dirty="0"/>
           </a:p>
         </p:txBody>
@@ -648,7 +655,7 @@
           <a:p>
             <a:fld id="{21E87DF0-2188-45E0-9868-23603FC9CB4F}" type="slidenum">
               <a:rPr lang="en-US" smtClean="0"/>
-              <a:t>17</a:t>
+              <a:t>20</a:t>
             </a:fld>
             <a:endParaRPr lang="en-US"/>
           </a:p>
@@ -657,7 +664,7 @@
     </p:spTree>
     <p:extLst>
       <p:ext uri="{BB962C8B-B14F-4D97-AF65-F5344CB8AC3E}">
-        <p14:creationId xmlns:p14="http://schemas.microsoft.com/office/powerpoint/2010/main" val="2866773926"/>
+        <p14:creationId xmlns:p14="http://schemas.microsoft.com/office/powerpoint/2010/main" val="2400665538"/>
       </p:ext>
     </p:extLst>
   </p:cSld>
@@ -711,6 +718,16 @@
           <a:bodyPr/>
           <a:lstStyle/>
           <a:p>
+            <a:r>
+              <a:rPr lang="en-US" dirty="0" smtClean="0"/>
+              <a:t>http://moz.com/blog/searchmetrics-ranking-factors-2014</a:t>
+            </a:r>
+            <a:endParaRPr lang="lt-LT" dirty="0" smtClean="0"/>
+          </a:p>
+          <a:p>
+            <a:endParaRPr lang="lt-LT" dirty="0" smtClean="0"/>
+          </a:p>
+          <a:p>
             <a:endParaRPr lang="en-US" dirty="0"/>
           </a:p>
         </p:txBody>
@@ -732,7 +749,7 @@
           <a:p>
             <a:fld id="{21E87DF0-2188-45E0-9868-23603FC9CB4F}" type="slidenum">
               <a:rPr lang="en-US" smtClean="0"/>
-              <a:t>18</a:t>
+              <a:t>21</a:t>
             </a:fld>
             <a:endParaRPr lang="en-US"/>
           </a:p>
@@ -741,7 +758,7 @@
     </p:spTree>
     <p:extLst>
       <p:ext uri="{BB962C8B-B14F-4D97-AF65-F5344CB8AC3E}">
-        <p14:creationId xmlns:p14="http://schemas.microsoft.com/office/powerpoint/2010/main" val="978835687"/>
+        <p14:creationId xmlns:p14="http://schemas.microsoft.com/office/powerpoint/2010/main" val="2866773926"/>
       </p:ext>
     </p:extLst>
   </p:cSld>
@@ -795,6 +812,182 @@
           <a:bodyPr/>
           <a:lstStyle/>
           <a:p>
+            <a:r>
+              <a:rPr lang="en-US" dirty="0" smtClean="0"/>
+              <a:t>http://computer.howstuffworks.com/google-algorithm1.htm</a:t>
+            </a:r>
+            <a:endParaRPr lang="en-US" dirty="0"/>
+          </a:p>
+        </p:txBody>
+      </p:sp>
+      <p:sp>
+        <p:nvSpPr>
+          <p:cNvPr id="4" name="Slide Number Placeholder 3"/>
+          <p:cNvSpPr>
+            <a:spLocks noGrp="1"/>
+          </p:cNvSpPr>
+          <p:nvPr>
+            <p:ph type="sldNum" sz="quarter" idx="10"/>
+          </p:nvPr>
+        </p:nvSpPr>
+        <p:spPr/>
+        <p:txBody>
+          <a:bodyPr/>
+          <a:lstStyle/>
+          <a:p>
+            <a:fld id="{21E87DF0-2188-45E0-9868-23603FC9CB4F}" type="slidenum">
+              <a:rPr lang="en-US" smtClean="0"/>
+              <a:t>22</a:t>
+            </a:fld>
+            <a:endParaRPr lang="en-US"/>
+          </a:p>
+        </p:txBody>
+      </p:sp>
+    </p:spTree>
+    <p:extLst>
+      <p:ext uri="{BB962C8B-B14F-4D97-AF65-F5344CB8AC3E}">
+        <p14:creationId xmlns:p14="http://schemas.microsoft.com/office/powerpoint/2010/main" val="752139957"/>
+      </p:ext>
+    </p:extLst>
+  </p:cSld>
+  <p:clrMapOvr>
+    <a:masterClrMapping/>
+  </p:clrMapOvr>
+</p:notes>
+</file>
+
+<file path=ppt/notesSlides/notesSlide13.xml><?xml version="1.0" encoding="utf-8"?>
+<p:notes xmlns:a="http://schemas.openxmlformats.org/drawingml/2006/main" xmlns:r="http://schemas.openxmlformats.org/officeDocument/2006/relationships" xmlns:p="http://schemas.openxmlformats.org/presentationml/2006/main">
+  <p:cSld>
+    <p:spTree>
+      <p:nvGrpSpPr>
+        <p:cNvPr id="1" name=""/>
+        <p:cNvGrpSpPr/>
+        <p:nvPr/>
+      </p:nvGrpSpPr>
+      <p:grpSpPr>
+        <a:xfrm>
+          <a:off x="0" y="0"/>
+          <a:ext cx="0" cy="0"/>
+          <a:chOff x="0" y="0"/>
+          <a:chExt cx="0" cy="0"/>
+        </a:xfrm>
+      </p:grpSpPr>
+      <p:sp>
+        <p:nvSpPr>
+          <p:cNvPr id="2" name="Slide Image Placeholder 1"/>
+          <p:cNvSpPr>
+            <a:spLocks noGrp="1" noRot="1" noChangeAspect="1"/>
+          </p:cNvSpPr>
+          <p:nvPr>
+            <p:ph type="sldImg"/>
+          </p:nvPr>
+        </p:nvSpPr>
+        <p:spPr/>
+      </p:sp>
+      <p:sp>
+        <p:nvSpPr>
+          <p:cNvPr id="3" name="Notes Placeholder 2"/>
+          <p:cNvSpPr>
+            <a:spLocks noGrp="1"/>
+          </p:cNvSpPr>
+          <p:nvPr>
+            <p:ph type="body" idx="1"/>
+          </p:nvPr>
+        </p:nvSpPr>
+        <p:spPr/>
+        <p:txBody>
+          <a:bodyPr/>
+          <a:lstStyle/>
+          <a:p>
+            <a:r>
+              <a:rPr lang="en-US" dirty="0" smtClean="0"/>
+              <a:t>http://computer.howstuffworks.com/google-algorithm1.htm</a:t>
+            </a:r>
+            <a:endParaRPr lang="en-US" dirty="0"/>
+          </a:p>
+        </p:txBody>
+      </p:sp>
+      <p:sp>
+        <p:nvSpPr>
+          <p:cNvPr id="4" name="Slide Number Placeholder 3"/>
+          <p:cNvSpPr>
+            <a:spLocks noGrp="1"/>
+          </p:cNvSpPr>
+          <p:nvPr>
+            <p:ph type="sldNum" sz="quarter" idx="10"/>
+          </p:nvPr>
+        </p:nvSpPr>
+        <p:spPr/>
+        <p:txBody>
+          <a:bodyPr/>
+          <a:lstStyle/>
+          <a:p>
+            <a:fld id="{21E87DF0-2188-45E0-9868-23603FC9CB4F}" type="slidenum">
+              <a:rPr lang="en-US" smtClean="0"/>
+              <a:t>23</a:t>
+            </a:fld>
+            <a:endParaRPr lang="en-US"/>
+          </a:p>
+        </p:txBody>
+      </p:sp>
+    </p:spTree>
+    <p:extLst>
+      <p:ext uri="{BB962C8B-B14F-4D97-AF65-F5344CB8AC3E}">
+        <p14:creationId xmlns:p14="http://schemas.microsoft.com/office/powerpoint/2010/main" val="3443485819"/>
+      </p:ext>
+    </p:extLst>
+  </p:cSld>
+  <p:clrMapOvr>
+    <a:masterClrMapping/>
+  </p:clrMapOvr>
+</p:notes>
+</file>
+
+<file path=ppt/notesSlides/notesSlide14.xml><?xml version="1.0" encoding="utf-8"?>
+<p:notes xmlns:a="http://schemas.openxmlformats.org/drawingml/2006/main" xmlns:r="http://schemas.openxmlformats.org/officeDocument/2006/relationships" xmlns:p="http://schemas.openxmlformats.org/presentationml/2006/main">
+  <p:cSld>
+    <p:spTree>
+      <p:nvGrpSpPr>
+        <p:cNvPr id="1" name=""/>
+        <p:cNvGrpSpPr/>
+        <p:nvPr/>
+      </p:nvGrpSpPr>
+      <p:grpSpPr>
+        <a:xfrm>
+          <a:off x="0" y="0"/>
+          <a:ext cx="0" cy="0"/>
+          <a:chOff x="0" y="0"/>
+          <a:chExt cx="0" cy="0"/>
+        </a:xfrm>
+      </p:grpSpPr>
+      <p:sp>
+        <p:nvSpPr>
+          <p:cNvPr id="2" name="Slide Image Placeholder 1"/>
+          <p:cNvSpPr>
+            <a:spLocks noGrp="1" noRot="1" noChangeAspect="1"/>
+          </p:cNvSpPr>
+          <p:nvPr>
+            <p:ph type="sldImg"/>
+          </p:nvPr>
+        </p:nvSpPr>
+        <p:spPr/>
+      </p:sp>
+      <p:sp>
+        <p:nvSpPr>
+          <p:cNvPr id="3" name="Notes Placeholder 2"/>
+          <p:cNvSpPr>
+            <a:spLocks noGrp="1"/>
+          </p:cNvSpPr>
+          <p:nvPr>
+            <p:ph type="body" idx="1"/>
+          </p:nvPr>
+        </p:nvSpPr>
+        <p:spPr/>
+        <p:txBody>
+          <a:bodyPr/>
+          <a:lstStyle/>
+          <a:p>
             <a:endParaRPr lang="en-US" dirty="0"/>
           </a:p>
         </p:txBody>
@@ -825,7 +1018,523 @@
     </p:spTree>
     <p:extLst>
       <p:ext uri="{BB962C8B-B14F-4D97-AF65-F5344CB8AC3E}">
-        <p14:creationId xmlns:p14="http://schemas.microsoft.com/office/powerpoint/2010/main" val="1624952600"/>
+        <p14:creationId xmlns:p14="http://schemas.microsoft.com/office/powerpoint/2010/main" val="978835687"/>
+      </p:ext>
+    </p:extLst>
+  </p:cSld>
+  <p:clrMapOvr>
+    <a:masterClrMapping/>
+  </p:clrMapOvr>
+</p:notes>
+</file>
+
+<file path=ppt/notesSlides/notesSlide15.xml><?xml version="1.0" encoding="utf-8"?>
+<p:notes xmlns:a="http://schemas.openxmlformats.org/drawingml/2006/main" xmlns:r="http://schemas.openxmlformats.org/officeDocument/2006/relationships" xmlns:p="http://schemas.openxmlformats.org/presentationml/2006/main">
+  <p:cSld>
+    <p:spTree>
+      <p:nvGrpSpPr>
+        <p:cNvPr id="1" name=""/>
+        <p:cNvGrpSpPr/>
+        <p:nvPr/>
+      </p:nvGrpSpPr>
+      <p:grpSpPr>
+        <a:xfrm>
+          <a:off x="0" y="0"/>
+          <a:ext cx="0" cy="0"/>
+          <a:chOff x="0" y="0"/>
+          <a:chExt cx="0" cy="0"/>
+        </a:xfrm>
+      </p:grpSpPr>
+      <p:sp>
+        <p:nvSpPr>
+          <p:cNvPr id="2" name="Slide Image Placeholder 1"/>
+          <p:cNvSpPr>
+            <a:spLocks noGrp="1" noRot="1" noChangeAspect="1"/>
+          </p:cNvSpPr>
+          <p:nvPr>
+            <p:ph type="sldImg"/>
+          </p:nvPr>
+        </p:nvSpPr>
+        <p:spPr/>
+      </p:sp>
+      <p:sp>
+        <p:nvSpPr>
+          <p:cNvPr id="3" name="Notes Placeholder 2"/>
+          <p:cNvSpPr>
+            <a:spLocks noGrp="1"/>
+          </p:cNvSpPr>
+          <p:nvPr>
+            <p:ph type="body" idx="1"/>
+          </p:nvPr>
+        </p:nvSpPr>
+        <p:spPr/>
+        <p:txBody>
+          <a:bodyPr/>
+          <a:lstStyle/>
+          <a:p>
+            <a:pPr marL="0" marR="0" indent="0" algn="l" defTabSz="914400" rtl="0" eaLnBrk="1" fontAlgn="auto" latinLnBrk="0" hangingPunct="1">
+              <a:lnSpc>
+                <a:spcPct val="100000"/>
+              </a:lnSpc>
+              <a:spcBef>
+                <a:spcPts val="0"/>
+              </a:spcBef>
+              <a:spcAft>
+                <a:spcPts val="0"/>
+              </a:spcAft>
+              <a:buClrTx/>
+              <a:buSzTx/>
+              <a:buFontTx/>
+              <a:buNone/>
+              <a:tabLst/>
+              <a:defRPr/>
+            </a:pPr>
+            <a:r>
+              <a:rPr lang="lt-LT" dirty="0" smtClean="0"/>
+              <a:t>Formuluojant paieškos klausimą, galima naudoti loginius operatorius, paieškos siaurinimo ir išplėtimo simbolius, funkcijas ir pan.</a:t>
+            </a:r>
+            <a:endParaRPr lang="en-US" dirty="0" smtClean="0"/>
+          </a:p>
+          <a:p>
+            <a:endParaRPr lang="en-US" dirty="0"/>
+          </a:p>
+        </p:txBody>
+      </p:sp>
+      <p:sp>
+        <p:nvSpPr>
+          <p:cNvPr id="4" name="Slide Number Placeholder 3"/>
+          <p:cNvSpPr>
+            <a:spLocks noGrp="1"/>
+          </p:cNvSpPr>
+          <p:nvPr>
+            <p:ph type="sldNum" sz="quarter" idx="10"/>
+          </p:nvPr>
+        </p:nvSpPr>
+        <p:spPr/>
+        <p:txBody>
+          <a:bodyPr/>
+          <a:lstStyle/>
+          <a:p>
+            <a:fld id="{21E87DF0-2188-45E0-9868-23603FC9CB4F}" type="slidenum">
+              <a:rPr lang="en-US" smtClean="0"/>
+              <a:t>25</a:t>
+            </a:fld>
+            <a:endParaRPr lang="en-US"/>
+          </a:p>
+        </p:txBody>
+      </p:sp>
+    </p:spTree>
+    <p:extLst>
+      <p:ext uri="{BB962C8B-B14F-4D97-AF65-F5344CB8AC3E}">
+        <p14:creationId xmlns:p14="http://schemas.microsoft.com/office/powerpoint/2010/main" val="1024402969"/>
+      </p:ext>
+    </p:extLst>
+  </p:cSld>
+  <p:clrMapOvr>
+    <a:masterClrMapping/>
+  </p:clrMapOvr>
+</p:notes>
+</file>
+
+<file path=ppt/notesSlides/notesSlide16.xml><?xml version="1.0" encoding="utf-8"?>
+<p:notes xmlns:a="http://schemas.openxmlformats.org/drawingml/2006/main" xmlns:r="http://schemas.openxmlformats.org/officeDocument/2006/relationships" xmlns:p="http://schemas.openxmlformats.org/presentationml/2006/main">
+  <p:cSld>
+    <p:spTree>
+      <p:nvGrpSpPr>
+        <p:cNvPr id="1" name=""/>
+        <p:cNvGrpSpPr/>
+        <p:nvPr/>
+      </p:nvGrpSpPr>
+      <p:grpSpPr>
+        <a:xfrm>
+          <a:off x="0" y="0"/>
+          <a:ext cx="0" cy="0"/>
+          <a:chOff x="0" y="0"/>
+          <a:chExt cx="0" cy="0"/>
+        </a:xfrm>
+      </p:grpSpPr>
+      <p:sp>
+        <p:nvSpPr>
+          <p:cNvPr id="2" name="Slide Image Placeholder 1"/>
+          <p:cNvSpPr>
+            <a:spLocks noGrp="1" noRot="1" noChangeAspect="1"/>
+          </p:cNvSpPr>
+          <p:nvPr>
+            <p:ph type="sldImg"/>
+          </p:nvPr>
+        </p:nvSpPr>
+        <p:spPr/>
+      </p:sp>
+      <p:sp>
+        <p:nvSpPr>
+          <p:cNvPr id="3" name="Notes Placeholder 2"/>
+          <p:cNvSpPr>
+            <a:spLocks noGrp="1"/>
+          </p:cNvSpPr>
+          <p:nvPr>
+            <p:ph type="body" idx="1"/>
+          </p:nvPr>
+        </p:nvSpPr>
+        <p:spPr/>
+        <p:txBody>
+          <a:bodyPr/>
+          <a:lstStyle/>
+          <a:p>
+            <a:r>
+              <a:rPr lang="lt-LT" sz="1200" b="0" i="0" kern="1200" dirty="0" smtClean="0">
+                <a:solidFill>
+                  <a:schemeClr val="tx1"/>
+                </a:solidFill>
+                <a:effectLst/>
+                <a:latin typeface="+mn-lt"/>
+                <a:ea typeface="+mn-ea"/>
+                <a:cs typeface="+mn-cs"/>
+              </a:rPr>
+              <a:t>Jeigu norite </a:t>
+            </a:r>
+            <a:r>
+              <a:rPr lang="lt-LT" sz="1200" b="0" i="0" kern="1200" dirty="0" err="1" smtClean="0">
+                <a:solidFill>
+                  <a:schemeClr val="tx1"/>
+                </a:solidFill>
+                <a:effectLst/>
+                <a:latin typeface="+mn-lt"/>
+                <a:ea typeface="+mn-ea"/>
+                <a:cs typeface="+mn-cs"/>
+              </a:rPr>
+              <a:t>tikliau</a:t>
+            </a:r>
+            <a:r>
+              <a:rPr lang="lt-LT" sz="1200" b="0" i="0" kern="1200" dirty="0" smtClean="0">
+                <a:solidFill>
+                  <a:schemeClr val="tx1"/>
+                </a:solidFill>
+                <a:effectLst/>
+                <a:latin typeface="+mn-lt"/>
+                <a:ea typeface="+mn-ea"/>
+                <a:cs typeface="+mn-cs"/>
+              </a:rPr>
+              <a:t> suformuluoti paieškos klausimą ir paieškos rezultatuose gauti tik tuose šaltinius, kuriuose yra visi paieškos klausime nurodyti žodžiai, juos reikia jungti operatoriumi AND. Šis operatorius susiaurina paieškos klausimą, sistema pateikia mažiau paieškos rezultatų. </a:t>
+            </a:r>
+            <a:endParaRPr lang="en-US" dirty="0"/>
+          </a:p>
+        </p:txBody>
+      </p:sp>
+      <p:sp>
+        <p:nvSpPr>
+          <p:cNvPr id="4" name="Slide Number Placeholder 3"/>
+          <p:cNvSpPr>
+            <a:spLocks noGrp="1"/>
+          </p:cNvSpPr>
+          <p:nvPr>
+            <p:ph type="sldNum" sz="quarter" idx="10"/>
+          </p:nvPr>
+        </p:nvSpPr>
+        <p:spPr/>
+        <p:txBody>
+          <a:bodyPr/>
+          <a:lstStyle/>
+          <a:p>
+            <a:fld id="{21E87DF0-2188-45E0-9868-23603FC9CB4F}" type="slidenum">
+              <a:rPr lang="en-US" smtClean="0"/>
+              <a:t>26</a:t>
+            </a:fld>
+            <a:endParaRPr lang="en-US"/>
+          </a:p>
+        </p:txBody>
+      </p:sp>
+    </p:spTree>
+    <p:extLst>
+      <p:ext uri="{BB962C8B-B14F-4D97-AF65-F5344CB8AC3E}">
+        <p14:creationId xmlns:p14="http://schemas.microsoft.com/office/powerpoint/2010/main" val="1312843149"/>
+      </p:ext>
+    </p:extLst>
+  </p:cSld>
+  <p:clrMapOvr>
+    <a:masterClrMapping/>
+  </p:clrMapOvr>
+</p:notes>
+</file>
+
+<file path=ppt/notesSlides/notesSlide17.xml><?xml version="1.0" encoding="utf-8"?>
+<p:notes xmlns:a="http://schemas.openxmlformats.org/drawingml/2006/main" xmlns:r="http://schemas.openxmlformats.org/officeDocument/2006/relationships" xmlns:p="http://schemas.openxmlformats.org/presentationml/2006/main">
+  <p:cSld>
+    <p:spTree>
+      <p:nvGrpSpPr>
+        <p:cNvPr id="1" name=""/>
+        <p:cNvGrpSpPr/>
+        <p:nvPr/>
+      </p:nvGrpSpPr>
+      <p:grpSpPr>
+        <a:xfrm>
+          <a:off x="0" y="0"/>
+          <a:ext cx="0" cy="0"/>
+          <a:chOff x="0" y="0"/>
+          <a:chExt cx="0" cy="0"/>
+        </a:xfrm>
+      </p:grpSpPr>
+      <p:sp>
+        <p:nvSpPr>
+          <p:cNvPr id="2" name="Slide Image Placeholder 1"/>
+          <p:cNvSpPr>
+            <a:spLocks noGrp="1" noRot="1" noChangeAspect="1"/>
+          </p:cNvSpPr>
+          <p:nvPr>
+            <p:ph type="sldImg"/>
+          </p:nvPr>
+        </p:nvSpPr>
+        <p:spPr/>
+      </p:sp>
+      <p:sp>
+        <p:nvSpPr>
+          <p:cNvPr id="3" name="Notes Placeholder 2"/>
+          <p:cNvSpPr>
+            <a:spLocks noGrp="1"/>
+          </p:cNvSpPr>
+          <p:nvPr>
+            <p:ph type="body" idx="1"/>
+          </p:nvPr>
+        </p:nvSpPr>
+        <p:spPr/>
+        <p:txBody>
+          <a:bodyPr/>
+          <a:lstStyle/>
+          <a:p>
+            <a:r>
+              <a:rPr lang="en-US" dirty="0" smtClean="0"/>
+              <a:t>Google </a:t>
+            </a:r>
+            <a:r>
+              <a:rPr lang="en-US" dirty="0" err="1" smtClean="0"/>
+              <a:t>sutrumpino</a:t>
+            </a:r>
+            <a:r>
+              <a:rPr lang="en-US" dirty="0" smtClean="0"/>
+              <a:t> </a:t>
+            </a:r>
+            <a:r>
+              <a:rPr lang="lt-LT" dirty="0" smtClean="0"/>
+              <a:t>šį </a:t>
+            </a:r>
+            <a:r>
+              <a:rPr lang="lt-LT" dirty="0" err="1" smtClean="0"/>
+              <a:t>operatoriu</a:t>
+            </a:r>
+            <a:r>
+              <a:rPr lang="lt-LT" dirty="0" smtClean="0"/>
+              <a:t> į pliuso ženklą. Kaip matote be</a:t>
+            </a:r>
+            <a:r>
+              <a:rPr lang="lt-LT" baseline="0" dirty="0" smtClean="0"/>
+              <a:t> šio simbolio.</a:t>
+            </a:r>
+            <a:endParaRPr lang="en-US" dirty="0"/>
+          </a:p>
+        </p:txBody>
+      </p:sp>
+      <p:sp>
+        <p:nvSpPr>
+          <p:cNvPr id="4" name="Slide Number Placeholder 3"/>
+          <p:cNvSpPr>
+            <a:spLocks noGrp="1"/>
+          </p:cNvSpPr>
+          <p:nvPr>
+            <p:ph type="sldNum" sz="quarter" idx="10"/>
+          </p:nvPr>
+        </p:nvSpPr>
+        <p:spPr/>
+        <p:txBody>
+          <a:bodyPr/>
+          <a:lstStyle/>
+          <a:p>
+            <a:fld id="{21E87DF0-2188-45E0-9868-23603FC9CB4F}" type="slidenum">
+              <a:rPr lang="en-US" smtClean="0"/>
+              <a:t>27</a:t>
+            </a:fld>
+            <a:endParaRPr lang="en-US"/>
+          </a:p>
+        </p:txBody>
+      </p:sp>
+    </p:spTree>
+    <p:extLst>
+      <p:ext uri="{BB962C8B-B14F-4D97-AF65-F5344CB8AC3E}">
+        <p14:creationId xmlns:p14="http://schemas.microsoft.com/office/powerpoint/2010/main" val="703186725"/>
+      </p:ext>
+    </p:extLst>
+  </p:cSld>
+  <p:clrMapOvr>
+    <a:masterClrMapping/>
+  </p:clrMapOvr>
+</p:notes>
+</file>
+
+<file path=ppt/notesSlides/notesSlide18.xml><?xml version="1.0" encoding="utf-8"?>
+<p:notes xmlns:a="http://schemas.openxmlformats.org/drawingml/2006/main" xmlns:r="http://schemas.openxmlformats.org/officeDocument/2006/relationships" xmlns:p="http://schemas.openxmlformats.org/presentationml/2006/main">
+  <p:cSld>
+    <p:spTree>
+      <p:nvGrpSpPr>
+        <p:cNvPr id="1" name=""/>
+        <p:cNvGrpSpPr/>
+        <p:nvPr/>
+      </p:nvGrpSpPr>
+      <p:grpSpPr>
+        <a:xfrm>
+          <a:off x="0" y="0"/>
+          <a:ext cx="0" cy="0"/>
+          <a:chOff x="0" y="0"/>
+          <a:chExt cx="0" cy="0"/>
+        </a:xfrm>
+      </p:grpSpPr>
+      <p:sp>
+        <p:nvSpPr>
+          <p:cNvPr id="2" name="Slide Image Placeholder 1"/>
+          <p:cNvSpPr>
+            <a:spLocks noGrp="1" noRot="1" noChangeAspect="1"/>
+          </p:cNvSpPr>
+          <p:nvPr>
+            <p:ph type="sldImg"/>
+          </p:nvPr>
+        </p:nvSpPr>
+        <p:spPr/>
+      </p:sp>
+      <p:sp>
+        <p:nvSpPr>
+          <p:cNvPr id="3" name="Notes Placeholder 2"/>
+          <p:cNvSpPr>
+            <a:spLocks noGrp="1"/>
+          </p:cNvSpPr>
+          <p:nvPr>
+            <p:ph type="body" idx="1"/>
+          </p:nvPr>
+        </p:nvSpPr>
+        <p:spPr/>
+        <p:txBody>
+          <a:bodyPr/>
+          <a:lstStyle/>
+          <a:p>
+            <a:r>
+              <a:rPr lang="lt-LT" dirty="0" smtClean="0"/>
+              <a:t>Jeigu paieškai naudojate sinonimus ar alternatyvius terminus, juos reikia jungti loginiu operatoriumi OR. Šis operatorius išplečia paieškos klausimą, gaunate daugiau paieškos rezultatų. </a:t>
+            </a:r>
+            <a:endParaRPr lang="en-US" dirty="0"/>
+          </a:p>
+        </p:txBody>
+      </p:sp>
+      <p:sp>
+        <p:nvSpPr>
+          <p:cNvPr id="4" name="Slide Number Placeholder 3"/>
+          <p:cNvSpPr>
+            <a:spLocks noGrp="1"/>
+          </p:cNvSpPr>
+          <p:nvPr>
+            <p:ph type="sldNum" sz="quarter" idx="10"/>
+          </p:nvPr>
+        </p:nvSpPr>
+        <p:spPr/>
+        <p:txBody>
+          <a:bodyPr/>
+          <a:lstStyle/>
+          <a:p>
+            <a:fld id="{21E87DF0-2188-45E0-9868-23603FC9CB4F}" type="slidenum">
+              <a:rPr lang="en-US" smtClean="0"/>
+              <a:t>28</a:t>
+            </a:fld>
+            <a:endParaRPr lang="en-US"/>
+          </a:p>
+        </p:txBody>
+      </p:sp>
+    </p:spTree>
+    <p:extLst>
+      <p:ext uri="{BB962C8B-B14F-4D97-AF65-F5344CB8AC3E}">
+        <p14:creationId xmlns:p14="http://schemas.microsoft.com/office/powerpoint/2010/main" val="2692109057"/>
+      </p:ext>
+    </p:extLst>
+  </p:cSld>
+  <p:clrMapOvr>
+    <a:masterClrMapping/>
+  </p:clrMapOvr>
+</p:notes>
+</file>
+
+<file path=ppt/notesSlides/notesSlide19.xml><?xml version="1.0" encoding="utf-8"?>
+<p:notes xmlns:a="http://schemas.openxmlformats.org/drawingml/2006/main" xmlns:r="http://schemas.openxmlformats.org/officeDocument/2006/relationships" xmlns:p="http://schemas.openxmlformats.org/presentationml/2006/main">
+  <p:cSld>
+    <p:spTree>
+      <p:nvGrpSpPr>
+        <p:cNvPr id="1" name=""/>
+        <p:cNvGrpSpPr/>
+        <p:nvPr/>
+      </p:nvGrpSpPr>
+      <p:grpSpPr>
+        <a:xfrm>
+          <a:off x="0" y="0"/>
+          <a:ext cx="0" cy="0"/>
+          <a:chOff x="0" y="0"/>
+          <a:chExt cx="0" cy="0"/>
+        </a:xfrm>
+      </p:grpSpPr>
+      <p:sp>
+        <p:nvSpPr>
+          <p:cNvPr id="2" name="Slide Image Placeholder 1"/>
+          <p:cNvSpPr>
+            <a:spLocks noGrp="1" noRot="1" noChangeAspect="1"/>
+          </p:cNvSpPr>
+          <p:nvPr>
+            <p:ph type="sldImg"/>
+          </p:nvPr>
+        </p:nvSpPr>
+        <p:spPr/>
+      </p:sp>
+      <p:sp>
+        <p:nvSpPr>
+          <p:cNvPr id="3" name="Notes Placeholder 2"/>
+          <p:cNvSpPr>
+            <a:spLocks noGrp="1"/>
+          </p:cNvSpPr>
+          <p:nvPr>
+            <p:ph type="body" idx="1"/>
+          </p:nvPr>
+        </p:nvSpPr>
+        <p:spPr/>
+        <p:txBody>
+          <a:bodyPr/>
+          <a:lstStyle/>
+          <a:p>
+            <a:r>
+              <a:rPr lang="lt-LT" dirty="0" smtClean="0"/>
+              <a:t>Jeigu norite, kad tarp rezultatų nebūtų nepageidaujamų tam tikros temos aspektų, prieš nepageidaujamą terminą įrašykite operatorių NOT. Šis operatorius susiaurina paieškos klausimą ir leidžia iš rezultatų eliminuoti nepageidaujamus informacijos šaltinius.</a:t>
+            </a:r>
+            <a:endParaRPr lang="en-US" dirty="0"/>
+          </a:p>
+        </p:txBody>
+      </p:sp>
+      <p:sp>
+        <p:nvSpPr>
+          <p:cNvPr id="4" name="Slide Number Placeholder 3"/>
+          <p:cNvSpPr>
+            <a:spLocks noGrp="1"/>
+          </p:cNvSpPr>
+          <p:nvPr>
+            <p:ph type="sldNum" sz="quarter" idx="10"/>
+          </p:nvPr>
+        </p:nvSpPr>
+        <p:spPr/>
+        <p:txBody>
+          <a:bodyPr/>
+          <a:lstStyle/>
+          <a:p>
+            <a:fld id="{21E87DF0-2188-45E0-9868-23603FC9CB4F}" type="slidenum">
+              <a:rPr lang="en-US" smtClean="0"/>
+              <a:t>30</a:t>
+            </a:fld>
+            <a:endParaRPr lang="en-US"/>
+          </a:p>
+        </p:txBody>
+      </p:sp>
+    </p:spTree>
+    <p:extLst>
+      <p:ext uri="{BB962C8B-B14F-4D97-AF65-F5344CB8AC3E}">
+        <p14:creationId xmlns:p14="http://schemas.microsoft.com/office/powerpoint/2010/main" val="207325262"/>
       </p:ext>
     </p:extLst>
   </p:cSld>
@@ -1152,6 +1861,698 @@
     <p:extLst>
       <p:ext uri="{BB962C8B-B14F-4D97-AF65-F5344CB8AC3E}">
         <p14:creationId xmlns:p14="http://schemas.microsoft.com/office/powerpoint/2010/main" val="2604315202"/>
+      </p:ext>
+    </p:extLst>
+  </p:cSld>
+  <p:clrMapOvr>
+    <a:masterClrMapping/>
+  </p:clrMapOvr>
+</p:notes>
+</file>
+
+<file path=ppt/notesSlides/notesSlide20.xml><?xml version="1.0" encoding="utf-8"?>
+<p:notes xmlns:a="http://schemas.openxmlformats.org/drawingml/2006/main" xmlns:r="http://schemas.openxmlformats.org/officeDocument/2006/relationships" xmlns:p="http://schemas.openxmlformats.org/presentationml/2006/main">
+  <p:cSld>
+    <p:spTree>
+      <p:nvGrpSpPr>
+        <p:cNvPr id="1" name=""/>
+        <p:cNvGrpSpPr/>
+        <p:nvPr/>
+      </p:nvGrpSpPr>
+      <p:grpSpPr>
+        <a:xfrm>
+          <a:off x="0" y="0"/>
+          <a:ext cx="0" cy="0"/>
+          <a:chOff x="0" y="0"/>
+          <a:chExt cx="0" cy="0"/>
+        </a:xfrm>
+      </p:grpSpPr>
+      <p:sp>
+        <p:nvSpPr>
+          <p:cNvPr id="2" name="Slide Image Placeholder 1"/>
+          <p:cNvSpPr>
+            <a:spLocks noGrp="1" noRot="1" noChangeAspect="1"/>
+          </p:cNvSpPr>
+          <p:nvPr>
+            <p:ph type="sldImg"/>
+          </p:nvPr>
+        </p:nvSpPr>
+        <p:spPr/>
+      </p:sp>
+      <p:sp>
+        <p:nvSpPr>
+          <p:cNvPr id="3" name="Notes Placeholder 2"/>
+          <p:cNvSpPr>
+            <a:spLocks noGrp="1"/>
+          </p:cNvSpPr>
+          <p:nvPr>
+            <p:ph type="body" idx="1"/>
+          </p:nvPr>
+        </p:nvSpPr>
+        <p:spPr/>
+        <p:txBody>
+          <a:bodyPr/>
+          <a:lstStyle/>
+          <a:p>
+            <a:r>
+              <a:rPr lang="en-US" dirty="0" smtClean="0"/>
+              <a:t>Google NOT</a:t>
+            </a:r>
+            <a:r>
+              <a:rPr lang="en-US" baseline="0" dirty="0" smtClean="0"/>
+              <a:t> </a:t>
+            </a:r>
+            <a:r>
+              <a:rPr lang="en-US" baseline="0" dirty="0" err="1" smtClean="0"/>
+              <a:t>funkcij</a:t>
+            </a:r>
+            <a:r>
+              <a:rPr lang="lt-LT" baseline="0" dirty="0" smtClean="0"/>
+              <a:t>ą</a:t>
+            </a:r>
+            <a:r>
+              <a:rPr lang="en-US" baseline="0" dirty="0" smtClean="0"/>
+              <a:t> </a:t>
+            </a:r>
+            <a:r>
+              <a:rPr lang="en-US" baseline="0" dirty="0" err="1" smtClean="0"/>
+              <a:t>sutrumpino</a:t>
+            </a:r>
+            <a:r>
+              <a:rPr lang="en-US" baseline="0" dirty="0" smtClean="0"/>
+              <a:t> </a:t>
+            </a:r>
+            <a:r>
+              <a:rPr lang="lt-LT" baseline="0" dirty="0" smtClean="0"/>
+              <a:t>į – </a:t>
+            </a:r>
+            <a:r>
+              <a:rPr lang="lt-LT" baseline="0" dirty="0" err="1" smtClean="0"/>
+              <a:t>operatoriu</a:t>
+            </a:r>
+            <a:r>
+              <a:rPr lang="lt-LT" baseline="0" dirty="0" smtClean="0"/>
+              <a:t>.</a:t>
+            </a:r>
+          </a:p>
+        </p:txBody>
+      </p:sp>
+      <p:sp>
+        <p:nvSpPr>
+          <p:cNvPr id="4" name="Slide Number Placeholder 3"/>
+          <p:cNvSpPr>
+            <a:spLocks noGrp="1"/>
+          </p:cNvSpPr>
+          <p:nvPr>
+            <p:ph type="sldNum" sz="quarter" idx="10"/>
+          </p:nvPr>
+        </p:nvSpPr>
+        <p:spPr/>
+        <p:txBody>
+          <a:bodyPr/>
+          <a:lstStyle/>
+          <a:p>
+            <a:fld id="{21E87DF0-2188-45E0-9868-23603FC9CB4F}" type="slidenum">
+              <a:rPr lang="en-US" smtClean="0"/>
+              <a:t>31</a:t>
+            </a:fld>
+            <a:endParaRPr lang="en-US"/>
+          </a:p>
+        </p:txBody>
+      </p:sp>
+    </p:spTree>
+    <p:extLst>
+      <p:ext uri="{BB962C8B-B14F-4D97-AF65-F5344CB8AC3E}">
+        <p14:creationId xmlns:p14="http://schemas.microsoft.com/office/powerpoint/2010/main" val="3338897495"/>
+      </p:ext>
+    </p:extLst>
+  </p:cSld>
+  <p:clrMapOvr>
+    <a:masterClrMapping/>
+  </p:clrMapOvr>
+</p:notes>
+</file>
+
+<file path=ppt/notesSlides/notesSlide21.xml><?xml version="1.0" encoding="utf-8"?>
+<p:notes xmlns:a="http://schemas.openxmlformats.org/drawingml/2006/main" xmlns:r="http://schemas.openxmlformats.org/officeDocument/2006/relationships" xmlns:p="http://schemas.openxmlformats.org/presentationml/2006/main">
+  <p:cSld>
+    <p:spTree>
+      <p:nvGrpSpPr>
+        <p:cNvPr id="1" name=""/>
+        <p:cNvGrpSpPr/>
+        <p:nvPr/>
+      </p:nvGrpSpPr>
+      <p:grpSpPr>
+        <a:xfrm>
+          <a:off x="0" y="0"/>
+          <a:ext cx="0" cy="0"/>
+          <a:chOff x="0" y="0"/>
+          <a:chExt cx="0" cy="0"/>
+        </a:xfrm>
+      </p:grpSpPr>
+      <p:sp>
+        <p:nvSpPr>
+          <p:cNvPr id="2" name="Slide Image Placeholder 1"/>
+          <p:cNvSpPr>
+            <a:spLocks noGrp="1" noRot="1" noChangeAspect="1"/>
+          </p:cNvSpPr>
+          <p:nvPr>
+            <p:ph type="sldImg"/>
+          </p:nvPr>
+        </p:nvSpPr>
+        <p:spPr/>
+      </p:sp>
+      <p:sp>
+        <p:nvSpPr>
+          <p:cNvPr id="3" name="Notes Placeholder 2"/>
+          <p:cNvSpPr>
+            <a:spLocks noGrp="1"/>
+          </p:cNvSpPr>
+          <p:nvPr>
+            <p:ph type="body" idx="1"/>
+          </p:nvPr>
+        </p:nvSpPr>
+        <p:spPr/>
+        <p:txBody>
+          <a:bodyPr/>
+          <a:lstStyle/>
+          <a:p>
+            <a:endParaRPr lang="en-US" dirty="0"/>
+          </a:p>
+        </p:txBody>
+      </p:sp>
+      <p:sp>
+        <p:nvSpPr>
+          <p:cNvPr id="4" name="Slide Number Placeholder 3"/>
+          <p:cNvSpPr>
+            <a:spLocks noGrp="1"/>
+          </p:cNvSpPr>
+          <p:nvPr>
+            <p:ph type="sldNum" sz="quarter" idx="10"/>
+          </p:nvPr>
+        </p:nvSpPr>
+        <p:spPr/>
+        <p:txBody>
+          <a:bodyPr/>
+          <a:lstStyle/>
+          <a:p>
+            <a:fld id="{21E87DF0-2188-45E0-9868-23603FC9CB4F}" type="slidenum">
+              <a:rPr lang="en-US" smtClean="0"/>
+              <a:t>32</a:t>
+            </a:fld>
+            <a:endParaRPr lang="en-US"/>
+          </a:p>
+        </p:txBody>
+      </p:sp>
+    </p:spTree>
+    <p:extLst>
+      <p:ext uri="{BB962C8B-B14F-4D97-AF65-F5344CB8AC3E}">
+        <p14:creationId xmlns:p14="http://schemas.microsoft.com/office/powerpoint/2010/main" val="1302330530"/>
+      </p:ext>
+    </p:extLst>
+  </p:cSld>
+  <p:clrMapOvr>
+    <a:masterClrMapping/>
+  </p:clrMapOvr>
+</p:notes>
+</file>
+
+<file path=ppt/notesSlides/notesSlide22.xml><?xml version="1.0" encoding="utf-8"?>
+<p:notes xmlns:a="http://schemas.openxmlformats.org/drawingml/2006/main" xmlns:r="http://schemas.openxmlformats.org/officeDocument/2006/relationships" xmlns:p="http://schemas.openxmlformats.org/presentationml/2006/main">
+  <p:cSld>
+    <p:spTree>
+      <p:nvGrpSpPr>
+        <p:cNvPr id="1" name=""/>
+        <p:cNvGrpSpPr/>
+        <p:nvPr/>
+      </p:nvGrpSpPr>
+      <p:grpSpPr>
+        <a:xfrm>
+          <a:off x="0" y="0"/>
+          <a:ext cx="0" cy="0"/>
+          <a:chOff x="0" y="0"/>
+          <a:chExt cx="0" cy="0"/>
+        </a:xfrm>
+      </p:grpSpPr>
+      <p:sp>
+        <p:nvSpPr>
+          <p:cNvPr id="2" name="Slide Image Placeholder 1"/>
+          <p:cNvSpPr>
+            <a:spLocks noGrp="1" noRot="1" noChangeAspect="1"/>
+          </p:cNvSpPr>
+          <p:nvPr>
+            <p:ph type="sldImg"/>
+          </p:nvPr>
+        </p:nvSpPr>
+        <p:spPr/>
+      </p:sp>
+      <p:sp>
+        <p:nvSpPr>
+          <p:cNvPr id="3" name="Notes Placeholder 2"/>
+          <p:cNvSpPr>
+            <a:spLocks noGrp="1"/>
+          </p:cNvSpPr>
+          <p:nvPr>
+            <p:ph type="body" idx="1"/>
+          </p:nvPr>
+        </p:nvSpPr>
+        <p:spPr/>
+        <p:txBody>
+          <a:bodyPr/>
+          <a:lstStyle/>
+          <a:p>
+            <a:pPr marL="0" indent="0">
+              <a:buNone/>
+            </a:pPr>
+            <a:r>
+              <a:rPr lang="en-US" dirty="0" smtClean="0"/>
+              <a:t>When discussing quality of search results, one should also keep in mind how</a:t>
+            </a:r>
+          </a:p>
+          <a:p>
+            <a:pPr marL="0" indent="0">
+              <a:buNone/>
+            </a:pPr>
+            <a:r>
+              <a:rPr lang="en-US" dirty="0" smtClean="0"/>
+              <a:t>search engines determine relevance. They mainly focus on popularity (or </a:t>
+            </a:r>
+            <a:r>
+              <a:rPr lang="en-US" i="1" dirty="0" smtClean="0"/>
+              <a:t>authority</a:t>
+            </a:r>
+            <a:r>
+              <a:rPr lang="en-US" dirty="0" smtClean="0"/>
+              <a:t>)</a:t>
+            </a:r>
+          </a:p>
+          <a:p>
+            <a:pPr marL="0" indent="0">
+              <a:buNone/>
+            </a:pPr>
+            <a:r>
+              <a:rPr lang="en-US" dirty="0" smtClean="0"/>
+              <a:t>rather than on what is commonly regarded as quality. It should be emphasized that</a:t>
+            </a:r>
+          </a:p>
+          <a:p>
+            <a:pPr marL="0" indent="0">
+              <a:buNone/>
+            </a:pPr>
+            <a:r>
+              <a:rPr lang="en-US" dirty="0" smtClean="0"/>
+              <a:t>in the process of selecting documents to be indexed by engines and in the ranking</a:t>
+            </a:r>
+          </a:p>
+          <a:p>
+            <a:pPr marL="0" indent="0">
+              <a:buNone/>
+            </a:pPr>
+            <a:r>
+              <a:rPr lang="en-US" dirty="0" smtClean="0"/>
+              <a:t>process as well, no human reviews are involved. But a certain bias can be found</a:t>
+            </a:r>
+          </a:p>
+          <a:p>
+            <a:pPr marL="0" indent="0">
+              <a:buNone/>
+            </a:pPr>
+            <a:r>
+              <a:rPr lang="en-US" dirty="0" smtClean="0"/>
+              <a:t>inherent in the ranking algorithms (Lewandowski 2004b). These rate Web pages</a:t>
+            </a:r>
+          </a:p>
+          <a:p>
+            <a:pPr marL="0" indent="0">
+              <a:buNone/>
+            </a:pPr>
+            <a:r>
+              <a:rPr lang="en-US" dirty="0" smtClean="0"/>
+              <a:t>(apart from classic IR calculations) mainly by determining their popularity based</a:t>
+            </a:r>
+          </a:p>
+          <a:p>
+            <a:pPr marL="0" indent="0">
+              <a:buNone/>
+            </a:pPr>
+            <a:r>
+              <a:rPr lang="en-US" dirty="0" smtClean="0"/>
+              <a:t>on the link structure of the Web. The basic assumption is that a link to a page is a</a:t>
+            </a:r>
+          </a:p>
+          <a:p>
+            <a:pPr marL="0" indent="0">
+              <a:buNone/>
+            </a:pPr>
+            <a:r>
+              <a:rPr lang="en-US" dirty="0" smtClean="0"/>
+              <a:t>vote for that page. But not all links should be counted the same; link-based measures</a:t>
+            </a:r>
+          </a:p>
+          <a:p>
+            <a:pPr marL="0" indent="0">
+              <a:buNone/>
+            </a:pPr>
+            <a:r>
+              <a:rPr lang="en-US" dirty="0" smtClean="0"/>
+              <a:t>take into account the popularity of the linking page itself and the number of</a:t>
+            </a:r>
+          </a:p>
+          <a:p>
+            <a:pPr marL="0" indent="0">
+              <a:buNone/>
+            </a:pPr>
+            <a:r>
+              <a:rPr lang="en-US" dirty="0" smtClean="0"/>
+              <a:t>outgoing links, as well. This holds true for both of the main link-based ranking</a:t>
+            </a:r>
+          </a:p>
+          <a:p>
+            <a:pPr marL="0" indent="0">
+              <a:buNone/>
+            </a:pPr>
+            <a:r>
+              <a:rPr lang="en-US" dirty="0" smtClean="0"/>
+              <a:t>algorithms , Google ’s PageRank (Page et al. 1998) and HITS (Kleinberg 1999).</a:t>
+            </a:r>
+          </a:p>
+          <a:p>
+            <a:endParaRPr lang="lt-LT" dirty="0" smtClean="0"/>
+          </a:p>
+          <a:p>
+            <a:endParaRPr lang="lt-LT" dirty="0" smtClean="0"/>
+          </a:p>
+          <a:p>
+            <a:pPr marL="0" marR="0" indent="0" algn="l" defTabSz="914400" rtl="0" eaLnBrk="1" fontAlgn="auto" latinLnBrk="0" hangingPunct="1">
+              <a:lnSpc>
+                <a:spcPct val="100000"/>
+              </a:lnSpc>
+              <a:spcBef>
+                <a:spcPts val="0"/>
+              </a:spcBef>
+              <a:spcAft>
+                <a:spcPts val="0"/>
+              </a:spcAft>
+              <a:buClrTx/>
+              <a:buSzTx/>
+              <a:buFontTx/>
+              <a:buNone/>
+              <a:tabLst/>
+              <a:defRPr/>
+            </a:pPr>
+            <a:r>
+              <a:rPr lang="en-US" dirty="0" smtClean="0"/>
+              <a:t>Users often view only a few results from the top of the list and seldom process</a:t>
+            </a:r>
+            <a:r>
+              <a:rPr lang="lt-LT" dirty="0" smtClean="0"/>
+              <a:t> </a:t>
+            </a:r>
+            <a:r>
+              <a:rPr lang="en-US" dirty="0" smtClean="0"/>
+              <a:t>to the second or even third page of the results list. Another problem with the calculation</a:t>
+            </a:r>
+            <a:r>
+              <a:rPr lang="lt-LT" dirty="0" smtClean="0"/>
+              <a:t> </a:t>
+            </a:r>
+            <a:r>
+              <a:rPr lang="en-US" dirty="0" smtClean="0"/>
+              <a:t>of appropriate result lists is the shortness of search queries. Therefore, most</a:t>
+            </a:r>
+            <a:r>
+              <a:rPr lang="lt-LT" dirty="0" smtClean="0"/>
+              <a:t> </a:t>
+            </a:r>
+            <a:r>
+              <a:rPr lang="en-US" dirty="0" smtClean="0"/>
+              <a:t>ranking algorithms prefer popular pages and the presence of search terms in anchor</a:t>
+            </a:r>
+          </a:p>
+          <a:p>
+            <a:endParaRPr lang="en-US" dirty="0" smtClean="0"/>
+          </a:p>
+          <a:p>
+            <a:pPr marL="0" indent="0">
+              <a:buNone/>
+            </a:pPr>
+            <a:r>
+              <a:rPr lang="en-US" dirty="0" smtClean="0"/>
+              <a:t>texts. Although the general user rarely uses advanced search features, this does not</a:t>
+            </a:r>
+          </a:p>
+          <a:p>
+            <a:pPr marL="0" indent="0">
+              <a:buNone/>
+            </a:pPr>
+            <a:r>
+              <a:rPr lang="en-US" dirty="0" smtClean="0"/>
+              <a:t>make them unnecessary or useless. On the one hand, there are special user groups</a:t>
+            </a:r>
+          </a:p>
+          <a:p>
+            <a:pPr marL="0" indent="0">
+              <a:buNone/>
+            </a:pPr>
+            <a:r>
+              <a:rPr lang="en-US" dirty="0" smtClean="0"/>
+              <a:t>like librarians or information professionals who conduct complex searches. On the</a:t>
+            </a:r>
+          </a:p>
+          <a:p>
+            <a:pPr marL="0" indent="0">
+              <a:buNone/>
+            </a:pPr>
+            <a:r>
+              <a:rPr lang="en-US" dirty="0" smtClean="0"/>
+              <a:t>other hand, while there is a majority of queries that can be successfully formulated</a:t>
+            </a:r>
+          </a:p>
+          <a:p>
+            <a:pPr marL="0" indent="0">
+              <a:buNone/>
+            </a:pPr>
+            <a:r>
+              <a:rPr lang="en-US" dirty="0" smtClean="0"/>
+              <a:t>without the use of advanced search syntax, one knows from his or her own searching</a:t>
+            </a:r>
+          </a:p>
+          <a:p>
+            <a:pPr marL="0" indent="0">
+              <a:buNone/>
+            </a:pPr>
+            <a:r>
+              <a:rPr lang="en-US" dirty="0" err="1" smtClean="0"/>
+              <a:t>behaviour</a:t>
+            </a:r>
+            <a:r>
+              <a:rPr lang="en-US" dirty="0" smtClean="0"/>
+              <a:t> that at least </a:t>
+            </a:r>
+            <a:r>
+              <a:rPr lang="en-US" i="1" dirty="0" smtClean="0"/>
+              <a:t>sometimes </a:t>
+            </a:r>
+            <a:r>
+              <a:rPr lang="en-US" dirty="0" smtClean="0"/>
+              <a:t>one needs to use operators or other advanced</a:t>
+            </a:r>
+          </a:p>
+          <a:p>
+            <a:pPr marL="0" indent="0">
+              <a:buNone/>
+            </a:pPr>
+            <a:r>
+              <a:rPr lang="en-US" dirty="0" smtClean="0"/>
+              <a:t>features. Users who have some background in the field they are searching use more</a:t>
+            </a:r>
+          </a:p>
+          <a:p>
+            <a:pPr marL="0" indent="0">
+              <a:buNone/>
+            </a:pPr>
+            <a:r>
+              <a:rPr lang="en-US" dirty="0" smtClean="0"/>
+              <a:t>often phrase searches. Users who know how search engines work also apply operators</a:t>
+            </a:r>
+          </a:p>
+          <a:p>
+            <a:pPr marL="0" indent="0">
+              <a:buNone/>
+            </a:pPr>
+            <a:r>
+              <a:rPr lang="en-US" dirty="0" smtClean="0"/>
+              <a:t>and phrase search more frequently.</a:t>
+            </a:r>
+          </a:p>
+          <a:p>
+            <a:endParaRPr lang="lt-LT" dirty="0" smtClean="0"/>
+          </a:p>
+          <a:p>
+            <a:pPr marL="0" indent="0">
+              <a:buNone/>
+            </a:pPr>
+            <a:r>
+              <a:rPr lang="en-US" dirty="0" smtClean="0"/>
+              <a:t>But every quality measurement dealing with Web-specific retrieval measures has</a:t>
+            </a:r>
+          </a:p>
+          <a:p>
+            <a:pPr marL="0" indent="0">
+              <a:buNone/>
+            </a:pPr>
+            <a:r>
+              <a:rPr lang="en-US" dirty="0" smtClean="0"/>
+              <a:t>to be combined with user strategies. In reality, users only examine the first result</a:t>
+            </a:r>
+          </a:p>
+          <a:p>
+            <a:pPr marL="0" indent="0">
+              <a:buNone/>
+            </a:pPr>
+            <a:r>
+              <a:rPr lang="en-US" dirty="0" smtClean="0"/>
+              <a:t>screens (see Table 16.3), they do not even use search features or operators to really</a:t>
+            </a:r>
+          </a:p>
+          <a:p>
+            <a:pPr marL="0" indent="0">
+              <a:buNone/>
+            </a:pPr>
+            <a:r>
+              <a:rPr lang="en-US" dirty="0" smtClean="0"/>
+              <a:t>interact with search engines. (Hotchkiss et al. 2004) defined different search types.</a:t>
+            </a:r>
+          </a:p>
+          <a:p>
+            <a:pPr marL="0" indent="0">
+              <a:buNone/>
+            </a:pPr>
+            <a:r>
+              <a:rPr lang="en-US" dirty="0" smtClean="0"/>
+              <a:t>The normal search engine user corresponds to the “Scan and Clickers”. They only</a:t>
+            </a:r>
+          </a:p>
+          <a:p>
+            <a:pPr marL="0" indent="0">
+              <a:buNone/>
+            </a:pPr>
+            <a:r>
+              <a:rPr lang="en-US" dirty="0" smtClean="0"/>
+              <a:t>watch the top results, sometimes also paid listings. They decide very quickly to</a:t>
+            </a:r>
+          </a:p>
+          <a:p>
+            <a:pPr marL="0" indent="0">
+              <a:buNone/>
+            </a:pPr>
+            <a:r>
+              <a:rPr lang="en-US" dirty="0" smtClean="0"/>
+              <a:t>visit a page after reading the short description texts and URLs. </a:t>
+            </a:r>
+            <a:r>
+              <a:rPr lang="en-US" dirty="0" err="1" smtClean="0"/>
+              <a:t>Machill</a:t>
+            </a:r>
+            <a:r>
+              <a:rPr lang="en-US" dirty="0" smtClean="0"/>
+              <a:t> et al. (2003)</a:t>
+            </a:r>
+          </a:p>
+          <a:p>
+            <a:pPr marL="0" indent="0">
+              <a:buNone/>
+            </a:pPr>
+            <a:r>
+              <a:rPr lang="en-US" dirty="0" smtClean="0"/>
+              <a:t>also observe subjects who try to get good answers after very short questions.</a:t>
+            </a:r>
+          </a:p>
+          <a:p>
+            <a:pPr marL="0" indent="0">
+              <a:buNone/>
+            </a:pPr>
+            <a:r>
+              <a:rPr lang="en-US" dirty="0" smtClean="0"/>
+              <a:t>Regarding these annotations, it is important to think about retrieval measures that</a:t>
+            </a:r>
+          </a:p>
+          <a:p>
+            <a:pPr marL="0" indent="0">
+              <a:buNone/>
+            </a:pPr>
+            <a:r>
+              <a:rPr lang="en-US" dirty="0" smtClean="0"/>
+              <a:t>deal with this user specific searching </a:t>
+            </a:r>
+            <a:r>
+              <a:rPr lang="en-US" dirty="0" err="1" smtClean="0"/>
+              <a:t>behaviour</a:t>
+            </a:r>
+            <a:r>
+              <a:rPr lang="en-US" dirty="0" smtClean="0"/>
+              <a:t>. If a user always watched the first</a:t>
+            </a:r>
+          </a:p>
+          <a:p>
+            <a:pPr marL="0" indent="0">
+              <a:buNone/>
+            </a:pPr>
+            <a:r>
+              <a:rPr lang="en-US" dirty="0" smtClean="0"/>
+              <a:t>three results, only, the best search engine would be the one returning the most</a:t>
+            </a:r>
+          </a:p>
+          <a:p>
+            <a:pPr marL="0" indent="0">
+              <a:buNone/>
+            </a:pPr>
+            <a:r>
+              <a:rPr lang="en-US" dirty="0" smtClean="0"/>
+              <a:t>appropriate pages within those first results. How do retrieval measures comply with</a:t>
+            </a:r>
+          </a:p>
+          <a:p>
+            <a:pPr marL="0" indent="0">
+              <a:buNone/>
+            </a:pPr>
+            <a:r>
+              <a:rPr lang="en-US" dirty="0" smtClean="0"/>
+              <a:t>the search engine users’ search strategies?</a:t>
+            </a:r>
+          </a:p>
+          <a:p>
+            <a:endParaRPr lang="en-US" dirty="0"/>
+          </a:p>
+        </p:txBody>
+      </p:sp>
+      <p:sp>
+        <p:nvSpPr>
+          <p:cNvPr id="4" name="Slide Number Placeholder 3"/>
+          <p:cNvSpPr>
+            <a:spLocks noGrp="1"/>
+          </p:cNvSpPr>
+          <p:nvPr>
+            <p:ph type="sldNum" sz="quarter" idx="10"/>
+          </p:nvPr>
+        </p:nvSpPr>
+        <p:spPr/>
+        <p:txBody>
+          <a:bodyPr/>
+          <a:lstStyle/>
+          <a:p>
+            <a:fld id="{21E87DF0-2188-45E0-9868-23603FC9CB4F}" type="slidenum">
+              <a:rPr lang="en-US" smtClean="0"/>
+              <a:t>38</a:t>
+            </a:fld>
+            <a:endParaRPr lang="en-US"/>
+          </a:p>
+        </p:txBody>
+      </p:sp>
+    </p:spTree>
+    <p:extLst>
+      <p:ext uri="{BB962C8B-B14F-4D97-AF65-F5344CB8AC3E}">
+        <p14:creationId xmlns:p14="http://schemas.microsoft.com/office/powerpoint/2010/main" val="565810276"/>
       </p:ext>
     </p:extLst>
   </p:cSld>
@@ -3091,7 +4492,7 @@
           <a:p>
             <a:r>
               <a:rPr lang="en-US" dirty="0" smtClean="0"/>
-              <a:t>http://computer.howstuffworks.com/google-algorithm.htm</a:t>
+              <a:t>http://www.flexiblesystems.com/how-do-search-engines-determine-website-ranking/</a:t>
             </a:r>
             <a:endParaRPr lang="en-US" dirty="0"/>
           </a:p>
@@ -9497,23 +10898,7 @@
           <a:p>
             <a:r>
               <a:rPr lang="lt-LT" dirty="0" smtClean="0"/>
-              <a:t>Populiarumas ir pasidalinimų, </a:t>
-            </a:r>
-            <a:r>
-              <a:rPr lang="lt-LT" dirty="0" err="1" smtClean="0"/>
-              <a:t>like‘ų</a:t>
-            </a:r>
-            <a:r>
-              <a:rPr lang="lt-LT" dirty="0" smtClean="0"/>
-              <a:t> skaičius </a:t>
-            </a:r>
-            <a:r>
-              <a:rPr lang="lt-LT" dirty="0" err="1" smtClean="0"/>
-              <a:t>socialiniuse</a:t>
-            </a:r>
-            <a:r>
-              <a:rPr lang="lt-LT" dirty="0" smtClean="0"/>
-              <a:t> tinkluose</a:t>
+              <a:t>Populiarumas socialiniuose tinkluose</a:t>
             </a:r>
           </a:p>
           <a:p>
@@ -9600,13 +10985,20 @@
           <a:p>
             <a:r>
               <a:rPr lang="lt-LT" dirty="0" smtClean="0"/>
-              <a:t>Paieškos </a:t>
-            </a:r>
-            <a:r>
-              <a:rPr lang="lt-LT" smtClean="0"/>
-              <a:t>varikliai dažniau </a:t>
-            </a:r>
-            <a:endParaRPr lang="en-US"/>
+              <a:t>Paieškos varikliai aukščiau atvaizduoja tuos puslapius, kuriuose yra naujas ir unikalus turinys tuo pačiu žemiau vaizduoja tuos puslapius, kurie nėra atnaujinami reguliariai.</a:t>
+            </a:r>
+          </a:p>
+          <a:p>
+            <a:r>
+              <a:rPr lang="lt-LT" dirty="0" smtClean="0"/>
+              <a:t>Norint, kad puslapį rodytų naudojant tam tikrą paieškos raktą, reikia užtikrinti, kad puslapyje būtų gerai organizuotas ir originalus turinys susijęs su tuo raktiniu žodžiu ar fraze.</a:t>
+            </a:r>
+          </a:p>
+          <a:p>
+            <a:r>
+              <a:rPr lang="lt-LT" dirty="0" smtClean="0"/>
+              <a:t>Vienas iš būdų iškelti savo puslapį yra sukurti jame blogą ir reguliariai jį pildyti.</a:t>
+            </a:r>
           </a:p>
         </p:txBody>
       </p:sp>
@@ -9658,6 +11050,520 @@
           <a:lstStyle/>
           <a:p>
             <a:r>
+              <a:rPr lang="lt-LT" dirty="0"/>
+              <a:t>Nuorodų iš kitų puslapių skaičius ir svoris</a:t>
+            </a:r>
+            <a:endParaRPr lang="en-US" dirty="0"/>
+          </a:p>
+        </p:txBody>
+      </p:sp>
+      <p:sp>
+        <p:nvSpPr>
+          <p:cNvPr id="3" name="Content Placeholder 2"/>
+          <p:cNvSpPr>
+            <a:spLocks noGrp="1"/>
+          </p:cNvSpPr>
+          <p:nvPr>
+            <p:ph idx="1"/>
+          </p:nvPr>
+        </p:nvSpPr>
+        <p:spPr/>
+        <p:txBody>
+          <a:bodyPr/>
+          <a:lstStyle/>
+          <a:p>
+            <a:r>
+              <a:rPr lang="lt-LT" dirty="0" smtClean="0"/>
+              <a:t>Puslapiai, į kuriuos yra nuorodos iš autoritetingų ir populiarių puslapių yra dažnai atvaizduojami aukščiau paieškos rezultatuose, nes paieškos varikliai žino, kad aukšto turinio puslapiai dažniausiai rodo į kitus aukšto turinio puslapius.</a:t>
+            </a:r>
+          </a:p>
+          <a:p>
+            <a:r>
+              <a:rPr lang="lt-LT" dirty="0" smtClean="0"/>
+              <a:t>Puslapiai, kurie fiktyviai randa būdų gauti nuorodų rodančių į juos dažnai būna rodomi žemiau paieškos rezultatuose.</a:t>
+            </a:r>
+          </a:p>
+        </p:txBody>
+      </p:sp>
+    </p:spTree>
+    <p:extLst>
+      <p:ext uri="{BB962C8B-B14F-4D97-AF65-F5344CB8AC3E}">
+        <p14:creationId xmlns:p14="http://schemas.microsoft.com/office/powerpoint/2010/main" val="3438861455"/>
+      </p:ext>
+    </p:extLst>
+  </p:cSld>
+  <p:clrMapOvr>
+    <a:masterClrMapping/>
+  </p:clrMapOvr>
+</p:sld>
+</file>
+
+<file path=ppt/slides/slide18.xml><?xml version="1.0" encoding="utf-8"?>
+<p:sld xmlns:a="http://schemas.openxmlformats.org/drawingml/2006/main" xmlns:r="http://schemas.openxmlformats.org/officeDocument/2006/relationships" xmlns:p="http://schemas.openxmlformats.org/presentationml/2006/main">
+  <p:cSld>
+    <p:spTree>
+      <p:nvGrpSpPr>
+        <p:cNvPr id="1" name=""/>
+        <p:cNvGrpSpPr/>
+        <p:nvPr/>
+      </p:nvGrpSpPr>
+      <p:grpSpPr>
+        <a:xfrm>
+          <a:off x="0" y="0"/>
+          <a:ext cx="0" cy="0"/>
+          <a:chOff x="0" y="0"/>
+          <a:chExt cx="0" cy="0"/>
+        </a:xfrm>
+      </p:grpSpPr>
+      <p:sp>
+        <p:nvSpPr>
+          <p:cNvPr id="2" name="Title 1"/>
+          <p:cNvSpPr>
+            <a:spLocks noGrp="1"/>
+          </p:cNvSpPr>
+          <p:nvPr>
+            <p:ph type="title"/>
+          </p:nvPr>
+        </p:nvSpPr>
+        <p:spPr/>
+        <p:txBody>
+          <a:bodyPr>
+            <a:normAutofit fontScale="90000"/>
+          </a:bodyPr>
+          <a:lstStyle/>
+          <a:p>
+            <a:r>
+              <a:rPr lang="lt-LT" dirty="0"/>
+              <a:t>Lankytojų skaičius</a:t>
+            </a:r>
+            <a:br>
+              <a:rPr lang="lt-LT" dirty="0"/>
+            </a:br>
+            <a:endParaRPr lang="en-US" dirty="0"/>
+          </a:p>
+        </p:txBody>
+      </p:sp>
+      <p:sp>
+        <p:nvSpPr>
+          <p:cNvPr id="3" name="Content Placeholder 2"/>
+          <p:cNvSpPr>
+            <a:spLocks noGrp="1"/>
+          </p:cNvSpPr>
+          <p:nvPr>
+            <p:ph idx="1"/>
+          </p:nvPr>
+        </p:nvSpPr>
+        <p:spPr/>
+        <p:txBody>
+          <a:bodyPr/>
+          <a:lstStyle/>
+          <a:p>
+            <a:r>
+              <a:rPr lang="lt-LT" dirty="0" smtClean="0"/>
+              <a:t>Paieškos varikliai atsižvelgia į puslapio lankytojų skaičių ir kiek laiko jie praleidžia lankydami puslapį, kiek kartų ir ant ko jie spaudžia, kokias nuorodas atidarinėja, pagal tai įvertina ar puslapį iškelti ar rodyti žemiau.</a:t>
+            </a:r>
+          </a:p>
+          <a:p>
+            <a:r>
+              <a:rPr lang="lt-LT" dirty="0" smtClean="0"/>
+              <a:t>Norint pritraukti lankytojų į savo puslapį reikia stengtis atvaizduoti būtent tą informaciją, kurios jie ieško.</a:t>
+            </a:r>
+          </a:p>
+        </p:txBody>
+      </p:sp>
+    </p:spTree>
+    <p:extLst>
+      <p:ext uri="{BB962C8B-B14F-4D97-AF65-F5344CB8AC3E}">
+        <p14:creationId xmlns:p14="http://schemas.microsoft.com/office/powerpoint/2010/main" val="1070082637"/>
+      </p:ext>
+    </p:extLst>
+  </p:cSld>
+  <p:clrMapOvr>
+    <a:masterClrMapping/>
+  </p:clrMapOvr>
+</p:sld>
+</file>
+
+<file path=ppt/slides/slide19.xml><?xml version="1.0" encoding="utf-8"?>
+<p:sld xmlns:a="http://schemas.openxmlformats.org/drawingml/2006/main" xmlns:r="http://schemas.openxmlformats.org/officeDocument/2006/relationships" xmlns:p="http://schemas.openxmlformats.org/presentationml/2006/main">
+  <p:cSld>
+    <p:spTree>
+      <p:nvGrpSpPr>
+        <p:cNvPr id="1" name=""/>
+        <p:cNvGrpSpPr/>
+        <p:nvPr/>
+      </p:nvGrpSpPr>
+      <p:grpSpPr>
+        <a:xfrm>
+          <a:off x="0" y="0"/>
+          <a:ext cx="0" cy="0"/>
+          <a:chOff x="0" y="0"/>
+          <a:chExt cx="0" cy="0"/>
+        </a:xfrm>
+      </p:grpSpPr>
+      <p:sp>
+        <p:nvSpPr>
+          <p:cNvPr id="2" name="Title 1"/>
+          <p:cNvSpPr>
+            <a:spLocks noGrp="1"/>
+          </p:cNvSpPr>
+          <p:nvPr>
+            <p:ph type="title"/>
+          </p:nvPr>
+        </p:nvSpPr>
+        <p:spPr/>
+        <p:txBody>
+          <a:bodyPr>
+            <a:normAutofit fontScale="90000"/>
+          </a:bodyPr>
+          <a:lstStyle/>
+          <a:p>
+            <a:r>
+              <a:rPr lang="lt-LT" dirty="0"/>
+              <a:t>Populiarumas </a:t>
+            </a:r>
+            <a:r>
+              <a:rPr lang="lt-LT" dirty="0" smtClean="0"/>
+              <a:t>socialiniuose tinkluose</a:t>
+            </a:r>
+            <a:endParaRPr lang="en-US" dirty="0"/>
+          </a:p>
+        </p:txBody>
+      </p:sp>
+      <p:sp>
+        <p:nvSpPr>
+          <p:cNvPr id="3" name="Content Placeholder 2"/>
+          <p:cNvSpPr>
+            <a:spLocks noGrp="1"/>
+          </p:cNvSpPr>
+          <p:nvPr>
+            <p:ph idx="1"/>
+          </p:nvPr>
+        </p:nvSpPr>
+        <p:spPr/>
+        <p:txBody>
+          <a:bodyPr/>
+          <a:lstStyle/>
+          <a:p>
+            <a:r>
+              <a:rPr lang="lt-LT" dirty="0" smtClean="0"/>
+              <a:t>Paieškos varikliai atsižvelgia į svetainės ar nuorodos pasidalinimų skaičių socialiniuose tinkluose.</a:t>
+            </a:r>
+          </a:p>
+          <a:p>
+            <a:r>
+              <a:rPr lang="lt-LT" dirty="0" smtClean="0"/>
+              <a:t>Atsižvelgiama į nuorodas, kurias komentuoja dauguma socialinių tinklų vartotojų.</a:t>
+            </a:r>
+          </a:p>
+          <a:p>
+            <a:r>
+              <a:rPr lang="lt-LT" dirty="0" err="1" smtClean="0"/>
+              <a:t>Pvz</a:t>
+            </a:r>
+            <a:r>
+              <a:rPr lang="lt-LT" dirty="0" smtClean="0"/>
+              <a:t>: Google paieškos sistemoje aukščiau bus iškelta įmonė, kuri turi savo aktyvų </a:t>
+            </a:r>
+            <a:r>
+              <a:rPr lang="lt-LT" dirty="0" err="1" smtClean="0"/>
+              <a:t>YouTube</a:t>
+            </a:r>
+            <a:r>
+              <a:rPr lang="lt-LT" dirty="0" smtClean="0"/>
+              <a:t> vartotoją bei </a:t>
+            </a:r>
+            <a:r>
+              <a:rPr lang="lt-LT" dirty="0" err="1" smtClean="0"/>
+              <a:t>FaceBook</a:t>
+            </a:r>
+            <a:r>
+              <a:rPr lang="lt-LT" dirty="0" smtClean="0"/>
+              <a:t> puslapį.</a:t>
+            </a:r>
+          </a:p>
+        </p:txBody>
+      </p:sp>
+    </p:spTree>
+    <p:extLst>
+      <p:ext uri="{BB962C8B-B14F-4D97-AF65-F5344CB8AC3E}">
+        <p14:creationId xmlns:p14="http://schemas.microsoft.com/office/powerpoint/2010/main" val="3205608142"/>
+      </p:ext>
+    </p:extLst>
+  </p:cSld>
+  <p:clrMapOvr>
+    <a:masterClrMapping/>
+  </p:clrMapOvr>
+</p:sld>
+</file>
+
+<file path=ppt/slides/slide2.xml><?xml version="1.0" encoding="utf-8"?>
+<p:sld xmlns:a="http://schemas.openxmlformats.org/drawingml/2006/main" xmlns:r="http://schemas.openxmlformats.org/officeDocument/2006/relationships" xmlns:p="http://schemas.openxmlformats.org/presentationml/2006/main">
+  <p:cSld>
+    <p:spTree>
+      <p:nvGrpSpPr>
+        <p:cNvPr id="1" name=""/>
+        <p:cNvGrpSpPr/>
+        <p:nvPr/>
+      </p:nvGrpSpPr>
+      <p:grpSpPr>
+        <a:xfrm>
+          <a:off x="0" y="0"/>
+          <a:ext cx="0" cy="0"/>
+          <a:chOff x="0" y="0"/>
+          <a:chExt cx="0" cy="0"/>
+        </a:xfrm>
+      </p:grpSpPr>
+      <p:sp>
+        <p:nvSpPr>
+          <p:cNvPr id="2" name="Title 1"/>
+          <p:cNvSpPr>
+            <a:spLocks noGrp="1"/>
+          </p:cNvSpPr>
+          <p:nvPr>
+            <p:ph type="title"/>
+          </p:nvPr>
+        </p:nvSpPr>
+        <p:spPr/>
+        <p:txBody>
+          <a:bodyPr>
+            <a:normAutofit fontScale="90000"/>
+          </a:bodyPr>
+          <a:lstStyle/>
+          <a:p>
+            <a:r>
+              <a:rPr lang="lt-LT" dirty="0" smtClean="0"/>
+              <a:t>Ieškodami informacijos ne visada randame to ko ieškome</a:t>
+            </a:r>
+            <a:endParaRPr lang="en-US" dirty="0"/>
+          </a:p>
+        </p:txBody>
+      </p:sp>
+      <p:sp>
+        <p:nvSpPr>
+          <p:cNvPr id="3" name="Content Placeholder 2"/>
+          <p:cNvSpPr>
+            <a:spLocks noGrp="1"/>
+          </p:cNvSpPr>
+          <p:nvPr>
+            <p:ph idx="1"/>
+          </p:nvPr>
+        </p:nvSpPr>
+        <p:spPr/>
+        <p:txBody>
+          <a:bodyPr/>
+          <a:lstStyle/>
+          <a:p>
+            <a:r>
+              <a:rPr lang="lt-LT" dirty="0" smtClean="0"/>
+              <a:t>Svetainių kūrėjai savo puslapiuose naudoja raktinius žodžius, kurie nesusisiję su puslapio turiniu. Tai iškelia jų puslapius į viršų, nes dauguma paieškos variklių ropodami(</a:t>
+            </a:r>
+            <a:r>
+              <a:rPr lang="lt-LT" dirty="0" err="1" smtClean="0"/>
+              <a:t>crawling</a:t>
+            </a:r>
+            <a:r>
+              <a:rPr lang="lt-LT" dirty="0" smtClean="0"/>
+              <a:t>) ieško tų žodžių ir pagal juos spėja, kad svetainės turinys yra būtent toks.</a:t>
+            </a:r>
+          </a:p>
+          <a:p>
+            <a:r>
+              <a:rPr lang="lt-LT" dirty="0" smtClean="0"/>
+              <a:t>Dauguma paieškos variklių sistemų personalizuoja gaunamus rezultatus remiantis prieš tai darytomis paieškomis. Du žmonės ieškodami to pačio dalyko ant dviejų skirtingų kompiuterių matys skirtingus rezultatus. Dažnai tai apsunkina paiešką kai yra ieškoma to ko dar nebuvo ieškoma.</a:t>
+            </a:r>
+          </a:p>
+          <a:p>
+            <a:endParaRPr lang="lt-LT" dirty="0" smtClean="0"/>
+          </a:p>
+          <a:p>
+            <a:endParaRPr lang="lt-LT" dirty="0" smtClean="0"/>
+          </a:p>
+          <a:p>
+            <a:endParaRPr lang="lt-LT" dirty="0" smtClean="0"/>
+          </a:p>
+          <a:p>
+            <a:endParaRPr lang="en-US" dirty="0"/>
+          </a:p>
+        </p:txBody>
+      </p:sp>
+    </p:spTree>
+    <p:extLst>
+      <p:ext uri="{BB962C8B-B14F-4D97-AF65-F5344CB8AC3E}">
+        <p14:creationId xmlns:p14="http://schemas.microsoft.com/office/powerpoint/2010/main" val="2508024766"/>
+      </p:ext>
+    </p:extLst>
+  </p:cSld>
+  <p:clrMapOvr>
+    <a:masterClrMapping/>
+  </p:clrMapOvr>
+</p:sld>
+</file>
+
+<file path=ppt/slides/slide20.xml><?xml version="1.0" encoding="utf-8"?>
+<p:sld xmlns:a="http://schemas.openxmlformats.org/drawingml/2006/main" xmlns:r="http://schemas.openxmlformats.org/officeDocument/2006/relationships" xmlns:p="http://schemas.openxmlformats.org/presentationml/2006/main">
+  <p:cSld>
+    <p:spTree>
+      <p:nvGrpSpPr>
+        <p:cNvPr id="1" name=""/>
+        <p:cNvGrpSpPr/>
+        <p:nvPr/>
+      </p:nvGrpSpPr>
+      <p:grpSpPr>
+        <a:xfrm>
+          <a:off x="0" y="0"/>
+          <a:ext cx="0" cy="0"/>
+          <a:chOff x="0" y="0"/>
+          <a:chExt cx="0" cy="0"/>
+        </a:xfrm>
+      </p:grpSpPr>
+      <p:sp>
+        <p:nvSpPr>
+          <p:cNvPr id="2" name="Title 1"/>
+          <p:cNvSpPr>
+            <a:spLocks noGrp="1"/>
+          </p:cNvSpPr>
+          <p:nvPr>
+            <p:ph type="title"/>
+          </p:nvPr>
+        </p:nvSpPr>
+        <p:spPr/>
+        <p:txBody>
+          <a:bodyPr>
+            <a:normAutofit fontScale="90000"/>
+          </a:bodyPr>
+          <a:lstStyle/>
+          <a:p>
+            <a:r>
+              <a:rPr lang="lt-LT" dirty="0"/>
+              <a:t>Puslapio pritaikymas paieškos </a:t>
+            </a:r>
+            <a:r>
+              <a:rPr lang="lt-LT" dirty="0" smtClean="0"/>
+              <a:t>varikliui(SEO)</a:t>
+            </a:r>
+            <a:endParaRPr lang="en-US" dirty="0"/>
+          </a:p>
+        </p:txBody>
+      </p:sp>
+      <p:sp>
+        <p:nvSpPr>
+          <p:cNvPr id="3" name="Content Placeholder 2"/>
+          <p:cNvSpPr>
+            <a:spLocks noGrp="1"/>
+          </p:cNvSpPr>
+          <p:nvPr>
+            <p:ph idx="1"/>
+          </p:nvPr>
+        </p:nvSpPr>
+        <p:spPr/>
+        <p:txBody>
+          <a:bodyPr/>
+          <a:lstStyle/>
+          <a:p>
+            <a:r>
+              <a:rPr lang="lt-LT" dirty="0" smtClean="0"/>
+              <a:t>Puslapio atvaizdavimą paieškos rezultatų viršuje arba apačioje dažnai lemia puslapio optimizavimas paieškos varikliui.</a:t>
+            </a:r>
+          </a:p>
+          <a:p>
+            <a:pPr marL="0" indent="0">
+              <a:buNone/>
+            </a:pPr>
+            <a:r>
+              <a:rPr lang="lt-LT" dirty="0" smtClean="0"/>
+              <a:t>Keletas tai lemiančių veiksnių:</a:t>
+            </a:r>
+          </a:p>
+          <a:p>
+            <a:r>
+              <a:rPr lang="lt-LT" dirty="0" smtClean="0"/>
+              <a:t>Puslapio turinio programavimas.</a:t>
+            </a:r>
+          </a:p>
+          <a:p>
+            <a:r>
+              <a:rPr lang="lt-LT" dirty="0" smtClean="0"/>
+              <a:t>Svetainės turinys atitinka paieškoje naudojamus raktažodžius</a:t>
+            </a:r>
+          </a:p>
+          <a:p>
+            <a:r>
+              <a:rPr lang="lt-LT" dirty="0" smtClean="0"/>
+              <a:t>Nuorodų iš kitų svetainių skaičius.</a:t>
+            </a:r>
+          </a:p>
+          <a:p>
+            <a:r>
+              <a:rPr lang="lt-LT" dirty="0" smtClean="0"/>
+              <a:t>Turinio atnaujinimo dažnumas</a:t>
+            </a:r>
+          </a:p>
+          <a:p>
+            <a:r>
+              <a:rPr lang="lt-LT" dirty="0" smtClean="0"/>
+              <a:t>Integracija su </a:t>
+            </a:r>
+            <a:r>
+              <a:rPr lang="lt-LT" dirty="0" err="1" smtClean="0"/>
+              <a:t>google</a:t>
+            </a:r>
+            <a:r>
+              <a:rPr lang="lt-LT" dirty="0" smtClean="0"/>
+              <a:t> servisais.</a:t>
+            </a:r>
+            <a:endParaRPr lang="en-US" dirty="0"/>
+          </a:p>
+        </p:txBody>
+      </p:sp>
+    </p:spTree>
+    <p:extLst>
+      <p:ext uri="{BB962C8B-B14F-4D97-AF65-F5344CB8AC3E}">
+        <p14:creationId xmlns:p14="http://schemas.microsoft.com/office/powerpoint/2010/main" val="3897746630"/>
+      </p:ext>
+    </p:extLst>
+  </p:cSld>
+  <p:clrMapOvr>
+    <a:masterClrMapping/>
+  </p:clrMapOvr>
+</p:sld>
+</file>
+
+<file path=ppt/slides/slide21.xml><?xml version="1.0" encoding="utf-8"?>
+<p:sld xmlns:a="http://schemas.openxmlformats.org/drawingml/2006/main" xmlns:r="http://schemas.openxmlformats.org/officeDocument/2006/relationships" xmlns:p="http://schemas.openxmlformats.org/presentationml/2006/main">
+  <p:cSld>
+    <p:spTree>
+      <p:nvGrpSpPr>
+        <p:cNvPr id="1" name=""/>
+        <p:cNvGrpSpPr/>
+        <p:nvPr/>
+      </p:nvGrpSpPr>
+      <p:grpSpPr>
+        <a:xfrm>
+          <a:off x="0" y="0"/>
+          <a:ext cx="0" cy="0"/>
+          <a:chOff x="0" y="0"/>
+          <a:chExt cx="0" cy="0"/>
+        </a:xfrm>
+      </p:grpSpPr>
+      <p:sp>
+        <p:nvSpPr>
+          <p:cNvPr id="2" name="Title 1"/>
+          <p:cNvSpPr>
+            <a:spLocks noGrp="1"/>
+          </p:cNvSpPr>
+          <p:nvPr>
+            <p:ph type="title"/>
+          </p:nvPr>
+        </p:nvSpPr>
+        <p:spPr/>
+        <p:txBody>
+          <a:bodyPr>
+            <a:normAutofit fontScale="90000"/>
+          </a:bodyPr>
+          <a:lstStyle/>
+          <a:p>
+            <a:r>
               <a:rPr lang="lt-LT" dirty="0" smtClean="0"/>
               <a:t>Google paieškos rezultatų reitingavimo faktoriai</a:t>
             </a:r>
@@ -9704,670 +11610,6 @@
 </p:sld>
 </file>
 
-<file path=ppt/slides/slide18.xml><?xml version="1.0" encoding="utf-8"?>
-<p:sld xmlns:a="http://schemas.openxmlformats.org/drawingml/2006/main" xmlns:r="http://schemas.openxmlformats.org/officeDocument/2006/relationships" xmlns:p="http://schemas.openxmlformats.org/presentationml/2006/main">
-  <p:cSld>
-    <p:spTree>
-      <p:nvGrpSpPr>
-        <p:cNvPr id="1" name=""/>
-        <p:cNvGrpSpPr/>
-        <p:nvPr/>
-      </p:nvGrpSpPr>
-      <p:grpSpPr>
-        <a:xfrm>
-          <a:off x="0" y="0"/>
-          <a:ext cx="0" cy="0"/>
-          <a:chOff x="0" y="0"/>
-          <a:chExt cx="0" cy="0"/>
-        </a:xfrm>
-      </p:grpSpPr>
-      <p:sp>
-        <p:nvSpPr>
-          <p:cNvPr id="2" name="Title 1"/>
-          <p:cNvSpPr>
-            <a:spLocks noGrp="1"/>
-          </p:cNvSpPr>
-          <p:nvPr>
-            <p:ph type="title"/>
-          </p:nvPr>
-        </p:nvSpPr>
-        <p:spPr/>
-        <p:txBody>
-          <a:bodyPr/>
-          <a:lstStyle/>
-          <a:p>
-            <a:endParaRPr lang="en-US"/>
-          </a:p>
-        </p:txBody>
-      </p:sp>
-      <p:sp>
-        <p:nvSpPr>
-          <p:cNvPr id="3" name="Content Placeholder 2"/>
-          <p:cNvSpPr>
-            <a:spLocks noGrp="1"/>
-          </p:cNvSpPr>
-          <p:nvPr>
-            <p:ph idx="1"/>
-          </p:nvPr>
-        </p:nvSpPr>
-        <p:spPr/>
-        <p:txBody>
-          <a:bodyPr>
-            <a:normAutofit/>
-          </a:bodyPr>
-          <a:lstStyle/>
-          <a:p>
-            <a:r>
-              <a:rPr lang="en-US" dirty="0" smtClean="0"/>
-              <a:t>Popular </a:t>
-            </a:r>
-            <a:r>
-              <a:rPr lang="en-US" dirty="0"/>
-              <a:t>examples are documents from Wikipedia , which are </a:t>
-            </a:r>
-            <a:r>
-              <a:rPr lang="en-US" dirty="0" smtClean="0"/>
-              <a:t>often</a:t>
-            </a:r>
-            <a:r>
-              <a:rPr lang="lt-LT" dirty="0" smtClean="0"/>
-              <a:t> </a:t>
-            </a:r>
-            <a:r>
-              <a:rPr lang="en-US" dirty="0" smtClean="0"/>
-              <a:t>highly </a:t>
-            </a:r>
-            <a:r>
-              <a:rPr lang="en-US" dirty="0"/>
-              <a:t>ranked by search engines. But, there seems not to be an </a:t>
-            </a:r>
-            <a:r>
-              <a:rPr lang="en-US" dirty="0" smtClean="0"/>
-              <a:t>agreement </a:t>
-            </a:r>
-            <a:r>
-              <a:rPr lang="en-US" dirty="0"/>
-              <a:t>of </a:t>
-            </a:r>
-            <a:r>
-              <a:rPr lang="en-US" dirty="0" smtClean="0"/>
-              <a:t>experts</a:t>
-            </a:r>
-            <a:r>
-              <a:rPr lang="lt-LT" dirty="0" smtClean="0"/>
-              <a:t> </a:t>
-            </a:r>
-            <a:r>
-              <a:rPr lang="en-US" dirty="0" smtClean="0"/>
-              <a:t>whether </a:t>
-            </a:r>
-            <a:r>
-              <a:rPr lang="en-US" dirty="0"/>
-              <a:t>Wikipedia content is trustworthy or not. For a normal user, there is only </a:t>
-            </a:r>
-            <a:r>
-              <a:rPr lang="en-US" dirty="0" smtClean="0"/>
-              <a:t>a</a:t>
-            </a:r>
-            <a:r>
-              <a:rPr lang="lt-LT" dirty="0" smtClean="0"/>
-              <a:t> </a:t>
-            </a:r>
-            <a:r>
-              <a:rPr lang="en-US" dirty="0" smtClean="0"/>
-              <a:t>limited </a:t>
-            </a:r>
-            <a:r>
-              <a:rPr lang="en-US" dirty="0"/>
-              <a:t>chance of </a:t>
-            </a:r>
-            <a:r>
-              <a:rPr lang="en-US" dirty="0" err="1"/>
-              <a:t>scrutinising</a:t>
-            </a:r>
-            <a:r>
-              <a:rPr lang="en-US" dirty="0"/>
-              <a:t> these documents. In this context, perceived </a:t>
-            </a:r>
-            <a:r>
-              <a:rPr lang="en-US" dirty="0" smtClean="0"/>
-              <a:t>information</a:t>
-            </a:r>
-            <a:r>
-              <a:rPr lang="lt-LT" dirty="0" smtClean="0"/>
-              <a:t> </a:t>
-            </a:r>
-            <a:r>
-              <a:rPr lang="en-US" dirty="0" smtClean="0"/>
-              <a:t>quality </a:t>
-            </a:r>
-            <a:r>
-              <a:rPr lang="en-US" dirty="0"/>
-              <a:t>is more a matter of trust . Within the wider context of search </a:t>
-            </a:r>
-            <a:r>
-              <a:rPr lang="en-US" dirty="0" smtClean="0"/>
-              <a:t>engine</a:t>
-            </a:r>
-            <a:r>
-              <a:rPr lang="lt-LT" dirty="0" smtClean="0"/>
-              <a:t> </a:t>
-            </a:r>
-            <a:r>
-              <a:rPr lang="en-US" dirty="0" smtClean="0"/>
-              <a:t>evaluation</a:t>
-            </a:r>
-            <a:r>
-              <a:rPr lang="en-US" dirty="0"/>
-              <a:t>, it is possible to build models completely based on trust</a:t>
-            </a:r>
-          </a:p>
-        </p:txBody>
-      </p:sp>
-    </p:spTree>
-    <p:extLst>
-      <p:ext uri="{BB962C8B-B14F-4D97-AF65-F5344CB8AC3E}">
-        <p14:creationId xmlns:p14="http://schemas.microsoft.com/office/powerpoint/2010/main" val="2825486015"/>
-      </p:ext>
-    </p:extLst>
-  </p:cSld>
-  <p:clrMapOvr>
-    <a:masterClrMapping/>
-  </p:clrMapOvr>
-</p:sld>
-</file>
-
-<file path=ppt/slides/slide19.xml><?xml version="1.0" encoding="utf-8"?>
-<p:sld xmlns:a="http://schemas.openxmlformats.org/drawingml/2006/main" xmlns:r="http://schemas.openxmlformats.org/officeDocument/2006/relationships" xmlns:p="http://schemas.openxmlformats.org/presentationml/2006/main">
-  <p:cSld>
-    <p:spTree>
-      <p:nvGrpSpPr>
-        <p:cNvPr id="1" name=""/>
-        <p:cNvGrpSpPr/>
-        <p:nvPr/>
-      </p:nvGrpSpPr>
-      <p:grpSpPr>
-        <a:xfrm>
-          <a:off x="0" y="0"/>
-          <a:ext cx="0" cy="0"/>
-          <a:chOff x="0" y="0"/>
-          <a:chExt cx="0" cy="0"/>
-        </a:xfrm>
-      </p:grpSpPr>
-      <p:sp>
-        <p:nvSpPr>
-          <p:cNvPr id="2" name="Title 1"/>
-          <p:cNvSpPr>
-            <a:spLocks noGrp="1"/>
-          </p:cNvSpPr>
-          <p:nvPr>
-            <p:ph type="title"/>
-          </p:nvPr>
-        </p:nvSpPr>
-        <p:spPr/>
-        <p:txBody>
-          <a:bodyPr/>
-          <a:lstStyle/>
-          <a:p>
-            <a:endParaRPr lang="en-US"/>
-          </a:p>
-        </p:txBody>
-      </p:sp>
-      <p:sp>
-        <p:nvSpPr>
-          <p:cNvPr id="3" name="Content Placeholder 2"/>
-          <p:cNvSpPr>
-            <a:spLocks noGrp="1"/>
-          </p:cNvSpPr>
-          <p:nvPr>
-            <p:ph idx="1"/>
-          </p:nvPr>
-        </p:nvSpPr>
-        <p:spPr/>
-        <p:txBody>
-          <a:bodyPr>
-            <a:normAutofit fontScale="77500" lnSpcReduction="20000"/>
-          </a:bodyPr>
-          <a:lstStyle/>
-          <a:p>
-            <a:pPr marL="0" indent="0">
-              <a:buNone/>
-            </a:pPr>
-            <a:r>
-              <a:rPr lang="en-US" dirty="0"/>
-              <a:t>When discussing quality of search results, one should also keep in mind how</a:t>
-            </a:r>
-          </a:p>
-          <a:p>
-            <a:pPr marL="0" indent="0">
-              <a:buNone/>
-            </a:pPr>
-            <a:r>
-              <a:rPr lang="en-US" dirty="0"/>
-              <a:t>search engines determine relevance. They mainly focus on popularity (or </a:t>
-            </a:r>
-            <a:r>
-              <a:rPr lang="en-US" i="1" dirty="0"/>
-              <a:t>authority</a:t>
-            </a:r>
-            <a:r>
-              <a:rPr lang="en-US" dirty="0"/>
-              <a:t>)</a:t>
-            </a:r>
-          </a:p>
-          <a:p>
-            <a:pPr marL="0" indent="0">
-              <a:buNone/>
-            </a:pPr>
-            <a:r>
-              <a:rPr lang="en-US" dirty="0"/>
-              <a:t>rather than on what is commonly regarded as quality. It should be emphasized that</a:t>
-            </a:r>
-          </a:p>
-          <a:p>
-            <a:pPr marL="0" indent="0">
-              <a:buNone/>
-            </a:pPr>
-            <a:r>
-              <a:rPr lang="en-US" dirty="0"/>
-              <a:t>in the process of selecting documents to be indexed by engines and in the ranking</a:t>
-            </a:r>
-          </a:p>
-          <a:p>
-            <a:pPr marL="0" indent="0">
-              <a:buNone/>
-            </a:pPr>
-            <a:r>
-              <a:rPr lang="en-US" dirty="0"/>
-              <a:t>process as well, no human reviews are involved. But a certain bias can be found</a:t>
-            </a:r>
-          </a:p>
-          <a:p>
-            <a:pPr marL="0" indent="0">
-              <a:buNone/>
-            </a:pPr>
-            <a:r>
-              <a:rPr lang="en-US" dirty="0"/>
-              <a:t>inherent in the ranking algorithms (Lewandowski 2004b). These rate Web pages</a:t>
-            </a:r>
-          </a:p>
-          <a:p>
-            <a:pPr marL="0" indent="0">
-              <a:buNone/>
-            </a:pPr>
-            <a:r>
-              <a:rPr lang="en-US" dirty="0"/>
-              <a:t>(apart from classic IR calculations) mainly by determining their popularity based</a:t>
-            </a:r>
-          </a:p>
-          <a:p>
-            <a:pPr marL="0" indent="0">
-              <a:buNone/>
-            </a:pPr>
-            <a:r>
-              <a:rPr lang="en-US" dirty="0"/>
-              <a:t>on the link structure of the Web. The basic assumption is that a link to a page is a</a:t>
-            </a:r>
-          </a:p>
-          <a:p>
-            <a:pPr marL="0" indent="0">
-              <a:buNone/>
-            </a:pPr>
-            <a:r>
-              <a:rPr lang="en-US" dirty="0"/>
-              <a:t>vote for that page. But not all links should be counted the same; link-based measures</a:t>
-            </a:r>
-          </a:p>
-          <a:p>
-            <a:pPr marL="0" indent="0">
-              <a:buNone/>
-            </a:pPr>
-            <a:r>
-              <a:rPr lang="en-US" dirty="0"/>
-              <a:t>take into account the popularity of the linking page itself and the number of</a:t>
-            </a:r>
-          </a:p>
-          <a:p>
-            <a:pPr marL="0" indent="0">
-              <a:buNone/>
-            </a:pPr>
-            <a:r>
-              <a:rPr lang="en-US" dirty="0"/>
-              <a:t>outgoing links, as well. This holds true for both of the main link-based ranking</a:t>
-            </a:r>
-          </a:p>
-          <a:p>
-            <a:pPr marL="0" indent="0">
-              <a:buNone/>
-            </a:pPr>
-            <a:r>
-              <a:rPr lang="en-US" dirty="0"/>
-              <a:t>algorithms , Google ’s PageRank (Page et al. 1998) and HITS (Kleinberg 1999).</a:t>
-            </a:r>
-          </a:p>
-        </p:txBody>
-      </p:sp>
-    </p:spTree>
-    <p:extLst>
-      <p:ext uri="{BB962C8B-B14F-4D97-AF65-F5344CB8AC3E}">
-        <p14:creationId xmlns:p14="http://schemas.microsoft.com/office/powerpoint/2010/main" val="150634426"/>
-      </p:ext>
-    </p:extLst>
-  </p:cSld>
-  <p:clrMapOvr>
-    <a:masterClrMapping/>
-  </p:clrMapOvr>
-</p:sld>
-</file>
-
-<file path=ppt/slides/slide2.xml><?xml version="1.0" encoding="utf-8"?>
-<p:sld xmlns:a="http://schemas.openxmlformats.org/drawingml/2006/main" xmlns:r="http://schemas.openxmlformats.org/officeDocument/2006/relationships" xmlns:p="http://schemas.openxmlformats.org/presentationml/2006/main">
-  <p:cSld>
-    <p:spTree>
-      <p:nvGrpSpPr>
-        <p:cNvPr id="1" name=""/>
-        <p:cNvGrpSpPr/>
-        <p:nvPr/>
-      </p:nvGrpSpPr>
-      <p:grpSpPr>
-        <a:xfrm>
-          <a:off x="0" y="0"/>
-          <a:ext cx="0" cy="0"/>
-          <a:chOff x="0" y="0"/>
-          <a:chExt cx="0" cy="0"/>
-        </a:xfrm>
-      </p:grpSpPr>
-      <p:sp>
-        <p:nvSpPr>
-          <p:cNvPr id="2" name="Title 1"/>
-          <p:cNvSpPr>
-            <a:spLocks noGrp="1"/>
-          </p:cNvSpPr>
-          <p:nvPr>
-            <p:ph type="title"/>
-          </p:nvPr>
-        </p:nvSpPr>
-        <p:spPr/>
-        <p:txBody>
-          <a:bodyPr>
-            <a:normAutofit fontScale="90000"/>
-          </a:bodyPr>
-          <a:lstStyle/>
-          <a:p>
-            <a:r>
-              <a:rPr lang="lt-LT" dirty="0" smtClean="0"/>
-              <a:t>Ieškodami informacijos ne visada randame to ko ieškome</a:t>
-            </a:r>
-            <a:endParaRPr lang="en-US" dirty="0"/>
-          </a:p>
-        </p:txBody>
-      </p:sp>
-      <p:sp>
-        <p:nvSpPr>
-          <p:cNvPr id="3" name="Content Placeholder 2"/>
-          <p:cNvSpPr>
-            <a:spLocks noGrp="1"/>
-          </p:cNvSpPr>
-          <p:nvPr>
-            <p:ph idx="1"/>
-          </p:nvPr>
-        </p:nvSpPr>
-        <p:spPr/>
-        <p:txBody>
-          <a:bodyPr/>
-          <a:lstStyle/>
-          <a:p>
-            <a:r>
-              <a:rPr lang="lt-LT" dirty="0" smtClean="0"/>
-              <a:t>Svetainių kūrėjai savo puslapiuose naudoja raktinius žodžius, kurie nesusisiję su puslapio turiniu. Tai iškelia jų puslapius į viršų, nes dauguma paieškos variklių ropodami(</a:t>
-            </a:r>
-            <a:r>
-              <a:rPr lang="lt-LT" dirty="0" err="1" smtClean="0"/>
-              <a:t>crawling</a:t>
-            </a:r>
-            <a:r>
-              <a:rPr lang="lt-LT" dirty="0" smtClean="0"/>
-              <a:t>) ieško tų žodžių ir pagal juos spėja, kad svetainės turinys yra būtent toks.</a:t>
-            </a:r>
-          </a:p>
-          <a:p>
-            <a:r>
-              <a:rPr lang="lt-LT" dirty="0" smtClean="0"/>
-              <a:t>Dauguma </a:t>
-            </a:r>
-            <a:r>
-              <a:rPr lang="lt-LT" dirty="0" smtClean="0"/>
-              <a:t>paieškos </a:t>
-            </a:r>
-            <a:r>
-              <a:rPr lang="lt-LT" dirty="0" smtClean="0"/>
-              <a:t>variklių sistemų personalizuoja gaunamus rezultatus remiantis prieš tai darytomis paieškomis. Du žmonės ieškodami to pačio dalyko ant dviejų skirtingų kompiuterių matys skirtingus rezultatus. Dažnai tai apsunkina paiešką kai yra ieškoma dar neieškotų dalykų.</a:t>
-            </a:r>
-          </a:p>
-          <a:p>
-            <a:endParaRPr lang="lt-LT" dirty="0" smtClean="0"/>
-          </a:p>
-          <a:p>
-            <a:endParaRPr lang="lt-LT" dirty="0" smtClean="0"/>
-          </a:p>
-          <a:p>
-            <a:endParaRPr lang="lt-LT" dirty="0" smtClean="0"/>
-          </a:p>
-          <a:p>
-            <a:endParaRPr lang="en-US" dirty="0"/>
-          </a:p>
-        </p:txBody>
-      </p:sp>
-    </p:spTree>
-    <p:extLst>
-      <p:ext uri="{BB962C8B-B14F-4D97-AF65-F5344CB8AC3E}">
-        <p14:creationId xmlns:p14="http://schemas.microsoft.com/office/powerpoint/2010/main" val="2508024766"/>
-      </p:ext>
-    </p:extLst>
-  </p:cSld>
-  <p:clrMapOvr>
-    <a:masterClrMapping/>
-  </p:clrMapOvr>
-</p:sld>
-</file>
-
-<file path=ppt/slides/slide20.xml><?xml version="1.0" encoding="utf-8"?>
-<p:sld xmlns:a="http://schemas.openxmlformats.org/drawingml/2006/main" xmlns:r="http://schemas.openxmlformats.org/officeDocument/2006/relationships" xmlns:p="http://schemas.openxmlformats.org/presentationml/2006/main">
-  <p:cSld>
-    <p:spTree>
-      <p:nvGrpSpPr>
-        <p:cNvPr id="1" name=""/>
-        <p:cNvGrpSpPr/>
-        <p:nvPr/>
-      </p:nvGrpSpPr>
-      <p:grpSpPr>
-        <a:xfrm>
-          <a:off x="0" y="0"/>
-          <a:ext cx="0" cy="0"/>
-          <a:chOff x="0" y="0"/>
-          <a:chExt cx="0" cy="0"/>
-        </a:xfrm>
-      </p:grpSpPr>
-      <p:sp>
-        <p:nvSpPr>
-          <p:cNvPr id="2" name="Title 1"/>
-          <p:cNvSpPr>
-            <a:spLocks noGrp="1"/>
-          </p:cNvSpPr>
-          <p:nvPr>
-            <p:ph type="title"/>
-          </p:nvPr>
-        </p:nvSpPr>
-        <p:spPr/>
-        <p:txBody>
-          <a:bodyPr/>
-          <a:lstStyle/>
-          <a:p>
-            <a:endParaRPr lang="en-US"/>
-          </a:p>
-        </p:txBody>
-      </p:sp>
-      <p:sp>
-        <p:nvSpPr>
-          <p:cNvPr id="3" name="Content Placeholder 2"/>
-          <p:cNvSpPr>
-            <a:spLocks noGrp="1"/>
-          </p:cNvSpPr>
-          <p:nvPr>
-            <p:ph idx="1"/>
-          </p:nvPr>
-        </p:nvSpPr>
-        <p:spPr/>
-        <p:txBody>
-          <a:bodyPr/>
-          <a:lstStyle/>
-          <a:p>
-            <a:pPr marL="0" indent="0">
-              <a:buNone/>
-            </a:pPr>
-            <a:r>
-              <a:rPr lang="en-US" dirty="0"/>
-              <a:t>Users often view only a few results from the top of the list and seldom </a:t>
-            </a:r>
-            <a:r>
-              <a:rPr lang="en-US" dirty="0" smtClean="0"/>
-              <a:t>process</a:t>
-            </a:r>
-            <a:r>
-              <a:rPr lang="lt-LT" dirty="0" smtClean="0"/>
-              <a:t> </a:t>
-            </a:r>
-            <a:r>
-              <a:rPr lang="en-US" dirty="0" smtClean="0"/>
-              <a:t>to </a:t>
-            </a:r>
-            <a:r>
-              <a:rPr lang="en-US" dirty="0"/>
-              <a:t>the second or even third page of the results list. Another problem with the </a:t>
-            </a:r>
-            <a:r>
-              <a:rPr lang="en-US" dirty="0" smtClean="0"/>
-              <a:t>calculation</a:t>
-            </a:r>
-            <a:r>
-              <a:rPr lang="lt-LT" dirty="0" smtClean="0"/>
-              <a:t> </a:t>
-            </a:r>
-            <a:r>
-              <a:rPr lang="en-US" dirty="0" smtClean="0"/>
-              <a:t>of </a:t>
-            </a:r>
-            <a:r>
-              <a:rPr lang="en-US" dirty="0"/>
-              <a:t>appropriate result lists is the shortness of search queries. Therefore, </a:t>
-            </a:r>
-            <a:r>
-              <a:rPr lang="en-US" dirty="0" smtClean="0"/>
-              <a:t>most</a:t>
-            </a:r>
-            <a:r>
-              <a:rPr lang="lt-LT" dirty="0" smtClean="0"/>
-              <a:t> </a:t>
-            </a:r>
-            <a:r>
-              <a:rPr lang="en-US" dirty="0" smtClean="0"/>
-              <a:t>ranking </a:t>
-            </a:r>
-            <a:r>
-              <a:rPr lang="en-US" dirty="0"/>
-              <a:t>algorithms prefer popular pages and the presence of search terms in anchor</a:t>
-            </a:r>
-          </a:p>
-        </p:txBody>
-      </p:sp>
-    </p:spTree>
-    <p:extLst>
-      <p:ext uri="{BB962C8B-B14F-4D97-AF65-F5344CB8AC3E}">
-        <p14:creationId xmlns:p14="http://schemas.microsoft.com/office/powerpoint/2010/main" val="476474060"/>
-      </p:ext>
-    </p:extLst>
-  </p:cSld>
-  <p:clrMapOvr>
-    <a:masterClrMapping/>
-  </p:clrMapOvr>
-</p:sld>
-</file>
-
-<file path=ppt/slides/slide21.xml><?xml version="1.0" encoding="utf-8"?>
-<p:sld xmlns:a="http://schemas.openxmlformats.org/drawingml/2006/main" xmlns:r="http://schemas.openxmlformats.org/officeDocument/2006/relationships" xmlns:p="http://schemas.openxmlformats.org/presentationml/2006/main">
-  <p:cSld>
-    <p:spTree>
-      <p:nvGrpSpPr>
-        <p:cNvPr id="1" name=""/>
-        <p:cNvGrpSpPr/>
-        <p:nvPr/>
-      </p:nvGrpSpPr>
-      <p:grpSpPr>
-        <a:xfrm>
-          <a:off x="0" y="0"/>
-          <a:ext cx="0" cy="0"/>
-          <a:chOff x="0" y="0"/>
-          <a:chExt cx="0" cy="0"/>
-        </a:xfrm>
-      </p:grpSpPr>
-      <p:sp>
-        <p:nvSpPr>
-          <p:cNvPr id="2" name="Title 1"/>
-          <p:cNvSpPr>
-            <a:spLocks noGrp="1"/>
-          </p:cNvSpPr>
-          <p:nvPr>
-            <p:ph type="title"/>
-          </p:nvPr>
-        </p:nvSpPr>
-        <p:spPr/>
-        <p:txBody>
-          <a:bodyPr/>
-          <a:lstStyle/>
-          <a:p>
-            <a:endParaRPr lang="en-US"/>
-          </a:p>
-        </p:txBody>
-      </p:sp>
-      <p:pic>
-        <p:nvPicPr>
-          <p:cNvPr id="4" name="Content Placeholder 3"/>
-          <p:cNvPicPr>
-            <a:picLocks noGrp="1" noChangeAspect="1"/>
-          </p:cNvPicPr>
-          <p:nvPr>
-            <p:ph idx="1"/>
-          </p:nvPr>
-        </p:nvPicPr>
-        <p:blipFill>
-          <a:blip r:embed="rId2"/>
-          <a:stretch>
-            <a:fillRect/>
-          </a:stretch>
-        </p:blipFill>
-        <p:spPr>
-          <a:xfrm>
-            <a:off x="1120775" y="1869030"/>
-            <a:ext cx="10233025" cy="4264527"/>
-          </a:xfrm>
-          <a:prstGeom prst="rect">
-            <a:avLst/>
-          </a:prstGeom>
-        </p:spPr>
-      </p:pic>
-    </p:spTree>
-    <p:extLst>
-      <p:ext uri="{BB962C8B-B14F-4D97-AF65-F5344CB8AC3E}">
-        <p14:creationId xmlns:p14="http://schemas.microsoft.com/office/powerpoint/2010/main" val="4275327416"/>
-      </p:ext>
-    </p:extLst>
-  </p:cSld>
-  <p:clrMapOvr>
-    <a:masterClrMapping/>
-  </p:clrMapOvr>
-</p:sld>
-</file>
-
 <file path=ppt/slides/slide22.xml><?xml version="1.0" encoding="utf-8"?>
 <p:sld xmlns:a="http://schemas.openxmlformats.org/drawingml/2006/main" xmlns:r="http://schemas.openxmlformats.org/officeDocument/2006/relationships" xmlns:p="http://schemas.openxmlformats.org/presentationml/2006/main">
   <p:cSld>
@@ -10400,7 +11642,19 @@
           <a:bodyPr/>
           <a:lstStyle/>
           <a:p>
-            <a:endParaRPr lang="en-US"/>
+            <a:r>
+              <a:rPr lang="lt-LT" dirty="0" smtClean="0"/>
+              <a:t>Google </a:t>
+            </a:r>
+            <a:r>
+              <a:rPr lang="lt-LT" dirty="0" err="1" smtClean="0"/>
+              <a:t>PageRank</a:t>
+            </a:r>
+            <a:r>
+              <a:rPr lang="lt-LT" dirty="0" smtClean="0"/>
+              <a:t> algoritmas</a:t>
+            </a:r>
+            <a:endParaRPr lang="en-US" dirty="0"/>
           </a:p>
         </p:txBody>
       </p:sp>
@@ -10417,108 +11671,75 @@
         <p:spPr/>
         <p:txBody>
           <a:bodyPr>
-            <a:normAutofit fontScale="77500" lnSpcReduction="20000"/>
+            <a:normAutofit lnSpcReduction="10000"/>
           </a:bodyPr>
           <a:lstStyle/>
           <a:p>
+            <a:r>
+              <a:rPr lang="lt-LT" dirty="0" smtClean="0"/>
+              <a:t>Vienas svarbiausių veiksnių lemiančių puslapio atsiradimą paieškos rezultatuose yra </a:t>
+            </a:r>
+            <a:r>
+              <a:rPr lang="lt-LT" dirty="0" err="1" smtClean="0"/>
+              <a:t>PageRank</a:t>
+            </a:r>
+            <a:r>
+              <a:rPr lang="lt-LT" dirty="0" smtClean="0"/>
+              <a:t> algoritmas.</a:t>
+            </a:r>
+          </a:p>
+          <a:p>
             <a:pPr marL="0" indent="0">
               <a:buNone/>
             </a:pPr>
             <a:r>
-              <a:rPr lang="en-US" dirty="0"/>
-              <a:t>texts. Although the general user rarely uses advanced search features, this does not</a:t>
-            </a:r>
-          </a:p>
-          <a:p>
-            <a:pPr marL="0" indent="0">
-              <a:buNone/>
-            </a:pPr>
-            <a:r>
-              <a:rPr lang="en-US" dirty="0"/>
-              <a:t>make them unnecessary or useless. On the one hand, there are special user groups</a:t>
-            </a:r>
-          </a:p>
-          <a:p>
-            <a:pPr marL="0" indent="0">
-              <a:buNone/>
-            </a:pPr>
-            <a:r>
-              <a:rPr lang="en-US" dirty="0"/>
-              <a:t>like librarians or information professionals who conduct complex searches. On the</a:t>
-            </a:r>
-          </a:p>
-          <a:p>
-            <a:pPr marL="0" indent="0">
-              <a:buNone/>
-            </a:pPr>
-            <a:r>
-              <a:rPr lang="en-US" dirty="0"/>
-              <a:t>other hand, while there is a majority of queries that can be successfully formulated</a:t>
-            </a:r>
-          </a:p>
-          <a:p>
-            <a:pPr marL="0" indent="0">
-              <a:buNone/>
-            </a:pPr>
-            <a:r>
-              <a:rPr lang="en-US" dirty="0"/>
-              <a:t>without the use of advanced search syntax, one knows from his or her own searching</a:t>
-            </a:r>
-          </a:p>
-          <a:p>
-            <a:pPr marL="0" indent="0">
-              <a:buNone/>
-            </a:pPr>
-            <a:r>
-              <a:rPr lang="en-US" dirty="0" err="1"/>
-              <a:t>behaviour</a:t>
-            </a:r>
-            <a:r>
-              <a:rPr lang="en-US" dirty="0"/>
-              <a:t> that at least </a:t>
-            </a:r>
-            <a:r>
-              <a:rPr lang="en-US" i="1" dirty="0"/>
-              <a:t>sometimes </a:t>
-            </a:r>
-            <a:r>
-              <a:rPr lang="en-US" dirty="0"/>
-              <a:t>one needs to use operators or other advanced</a:t>
-            </a:r>
-          </a:p>
-          <a:p>
-            <a:pPr marL="0" indent="0">
-              <a:buNone/>
-            </a:pPr>
-            <a:r>
-              <a:rPr lang="en-US" dirty="0"/>
-              <a:t>features. Users who have some background in the field they are searching use more</a:t>
-            </a:r>
-          </a:p>
-          <a:p>
-            <a:pPr marL="0" indent="0">
-              <a:buNone/>
-            </a:pPr>
-            <a:r>
-              <a:rPr lang="en-US" dirty="0"/>
-              <a:t>often phrase searches. Users who know how search engines work also apply operators</a:t>
-            </a:r>
-          </a:p>
-          <a:p>
-            <a:pPr marL="0" indent="0">
-              <a:buNone/>
-            </a:pPr>
-            <a:r>
-              <a:rPr lang="en-US" dirty="0"/>
-              <a:t>and phrase search more frequently.</a:t>
-            </a:r>
+              <a:rPr lang="lt-LT" dirty="0" smtClean="0"/>
+              <a:t>Kaip skaičiuojamas </a:t>
+            </a:r>
+            <a:r>
+              <a:rPr lang="lt-LT" dirty="0" err="1" smtClean="0"/>
+              <a:t>PageRank</a:t>
+            </a:r>
+            <a:r>
+              <a:rPr lang="lt-LT" dirty="0" smtClean="0"/>
+              <a:t>?</a:t>
+            </a:r>
+          </a:p>
+          <a:p>
+            <a:r>
+              <a:rPr lang="lt-LT" dirty="0" smtClean="0"/>
+              <a:t>Skaičiuojama kiek nuorodų rodo į puslapį ir kokia tų nuorodų reikšmė. (kuo didesnis ir populiaresnis puslapis, turintis geresnį </a:t>
+            </a:r>
+            <a:r>
+              <a:rPr lang="lt-LT" dirty="0" err="1" smtClean="0"/>
+              <a:t>PageRank</a:t>
+            </a:r>
+            <a:r>
+              <a:rPr lang="lt-LT" dirty="0" smtClean="0"/>
+              <a:t> indeksą tuo daugiau taškų turės nuoroda iš šio puslapio)</a:t>
+            </a:r>
+          </a:p>
+          <a:p>
+            <a:r>
+              <a:rPr lang="lt-LT" dirty="0" smtClean="0"/>
+              <a:t>Kuo daugiau puslapis turi nuorodų į kitus puslapius tuo mažesnis tų nuorodų svoris(</a:t>
+            </a:r>
+            <a:r>
+              <a:rPr lang="lt-LT" dirty="0" err="1" smtClean="0"/>
+              <a:t>Pvz</a:t>
+            </a:r>
+            <a:r>
+              <a:rPr lang="lt-LT" dirty="0" smtClean="0"/>
+              <a:t>: jei puslapio taškų vertė 100 ir jis turi 5 nuorodas į kitus puslapius, kiekvienas puslapis į kurį rodoma gauna po 20 taškų už šią nuorodą, jei yra 20 nuorodų į kitus puslapius visi puslapiai gauna po 5 taškus)</a:t>
+            </a:r>
+            <a:endParaRPr lang="en-US" dirty="0"/>
           </a:p>
         </p:txBody>
       </p:sp>
     </p:spTree>
     <p:extLst>
       <p:ext uri="{BB962C8B-B14F-4D97-AF65-F5344CB8AC3E}">
-        <p14:creationId xmlns:p14="http://schemas.microsoft.com/office/powerpoint/2010/main" val="2188908482"/>
+        <p14:creationId xmlns:p14="http://schemas.microsoft.com/office/powerpoint/2010/main" val="721146439"/>
       </p:ext>
     </p:extLst>
   </p:cSld>
@@ -10560,7 +11781,19 @@
           <a:bodyPr/>
           <a:lstStyle/>
           <a:p>
-            <a:endParaRPr lang="en-US"/>
+            <a:r>
+              <a:rPr lang="lt-LT" dirty="0"/>
+              <a:t>Google </a:t>
+            </a:r>
+            <a:r>
+              <a:rPr lang="lt-LT" dirty="0" err="1"/>
+              <a:t>PageRank</a:t>
+            </a:r>
+            <a:r>
+              <a:rPr lang="lt-LT" dirty="0"/>
+              <a:t> algoritmas</a:t>
+            </a:r>
+            <a:endParaRPr lang="en-US" dirty="0"/>
           </a:p>
         </p:txBody>
       </p:sp>
@@ -10576,149 +11809,33 @@
         </p:nvSpPr>
         <p:spPr/>
         <p:txBody>
-          <a:bodyPr>
-            <a:normAutofit fontScale="62500" lnSpcReduction="20000"/>
-          </a:bodyPr>
-          <a:lstStyle/>
-          <a:p>
-            <a:pPr marL="0" indent="0">
-              <a:buNone/>
-            </a:pPr>
-            <a:r>
-              <a:rPr lang="en-US" dirty="0"/>
-              <a:t>But every quality measurement dealing with Web-specific retrieval measures has</a:t>
-            </a:r>
-          </a:p>
-          <a:p>
-            <a:pPr marL="0" indent="0">
-              <a:buNone/>
-            </a:pPr>
-            <a:r>
-              <a:rPr lang="en-US" dirty="0"/>
-              <a:t>to be combined with user strategies. In reality, users only examine the first result</a:t>
-            </a:r>
-          </a:p>
-          <a:p>
-            <a:pPr marL="0" indent="0">
-              <a:buNone/>
-            </a:pPr>
-            <a:r>
-              <a:rPr lang="en-US" dirty="0"/>
-              <a:t>screens (see Table 16.3), they do not even use search features or operators to really</a:t>
-            </a:r>
-          </a:p>
-          <a:p>
-            <a:pPr marL="0" indent="0">
-              <a:buNone/>
-            </a:pPr>
-            <a:r>
-              <a:rPr lang="en-US" dirty="0"/>
-              <a:t>interact with search engines. (Hotchkiss et al. 2004) defined different search types.</a:t>
-            </a:r>
-          </a:p>
-          <a:p>
-            <a:pPr marL="0" indent="0">
-              <a:buNone/>
-            </a:pPr>
-            <a:r>
-              <a:rPr lang="en-US" dirty="0"/>
-              <a:t>The normal search engine user corresponds to the “Scan and Clickers”. They only</a:t>
-            </a:r>
-          </a:p>
-          <a:p>
-            <a:pPr marL="0" indent="0">
-              <a:buNone/>
-            </a:pPr>
-            <a:r>
-              <a:rPr lang="en-US" dirty="0"/>
-              <a:t>watch the top results, sometimes also paid listings. They decide very quickly to</a:t>
-            </a:r>
-          </a:p>
-          <a:p>
-            <a:pPr marL="0" indent="0">
-              <a:buNone/>
-            </a:pPr>
-            <a:r>
-              <a:rPr lang="en-US" dirty="0"/>
-              <a:t>visit a page after reading the short description texts and URLs. </a:t>
-            </a:r>
-            <a:r>
-              <a:rPr lang="en-US" dirty="0" err="1"/>
-              <a:t>Machill</a:t>
-            </a:r>
-            <a:r>
-              <a:rPr lang="en-US" dirty="0"/>
-              <a:t> et al. (2003)</a:t>
-            </a:r>
-          </a:p>
-          <a:p>
-            <a:pPr marL="0" indent="0">
-              <a:buNone/>
-            </a:pPr>
-            <a:r>
-              <a:rPr lang="en-US" dirty="0"/>
-              <a:t>also observe subjects who try to get good answers after very short questions.</a:t>
-            </a:r>
-          </a:p>
-          <a:p>
-            <a:pPr marL="0" indent="0">
-              <a:buNone/>
-            </a:pPr>
-            <a:r>
-              <a:rPr lang="en-US" dirty="0"/>
-              <a:t>Regarding these annotations, it is important to think about retrieval measures that</a:t>
-            </a:r>
-          </a:p>
-          <a:p>
-            <a:pPr marL="0" indent="0">
-              <a:buNone/>
-            </a:pPr>
-            <a:r>
-              <a:rPr lang="en-US" dirty="0"/>
-              <a:t>deal with this user specific searching </a:t>
-            </a:r>
-            <a:r>
-              <a:rPr lang="en-US" dirty="0" err="1"/>
-              <a:t>behaviour</a:t>
-            </a:r>
-            <a:r>
-              <a:rPr lang="en-US" dirty="0"/>
-              <a:t>. If a user always watched the first</a:t>
-            </a:r>
-          </a:p>
-          <a:p>
-            <a:pPr marL="0" indent="0">
-              <a:buNone/>
-            </a:pPr>
-            <a:r>
-              <a:rPr lang="en-US" dirty="0"/>
-              <a:t>three results, only, the best search engine would be the one returning the most</a:t>
-            </a:r>
-          </a:p>
-          <a:p>
-            <a:pPr marL="0" indent="0">
-              <a:buNone/>
-            </a:pPr>
-            <a:r>
-              <a:rPr lang="en-US" dirty="0"/>
-              <a:t>appropriate pages within those first results. How do retrieval measures comply with</a:t>
-            </a:r>
-          </a:p>
-          <a:p>
-            <a:pPr marL="0" indent="0">
-              <a:buNone/>
-            </a:pPr>
-            <a:r>
-              <a:rPr lang="en-US" dirty="0"/>
-              <a:t>the search engine users’ search strategies?</a:t>
-            </a:r>
+          <a:bodyPr/>
+          <a:lstStyle/>
+          <a:p>
+            <a:r>
+              <a:rPr lang="lt-LT" dirty="0" smtClean="0"/>
+              <a:t>Puslapio domeno vardas( kuo mažiau simbolių ir skaičių tuo geriau)</a:t>
+            </a:r>
+          </a:p>
+          <a:p>
+            <a:r>
+              <a:rPr lang="lt-LT" dirty="0" smtClean="0"/>
+              <a:t>Domenas, kurio pavadinimas atitinka raktažodį dažnai vaizduojamas aukščiau.</a:t>
+            </a:r>
+          </a:p>
+          <a:p>
+            <a:r>
+              <a:rPr lang="lt-LT" dirty="0" smtClean="0"/>
+              <a:t>Google atsižvelgia į puslapius, kurie egzistuoja jau ilgesnį laiką, nes dažnai būna atvejų, kad sukuriamas puslapis, optimizuojamas ir iškeliamas į viršų, nors jame nėra turinio, kurio norėtų vartotojai.</a:t>
+            </a:r>
+            <a:endParaRPr lang="en-US" dirty="0"/>
           </a:p>
         </p:txBody>
       </p:sp>
     </p:spTree>
     <p:extLst>
       <p:ext uri="{BB962C8B-B14F-4D97-AF65-F5344CB8AC3E}">
-        <p14:creationId xmlns:p14="http://schemas.microsoft.com/office/powerpoint/2010/main" val="3196917835"/>
+        <p14:creationId xmlns:p14="http://schemas.microsoft.com/office/powerpoint/2010/main" val="1184859937"/>
       </p:ext>
     </p:extLst>
   </p:cSld>
@@ -10763,9 +11880,10 @@
           <a:lstStyle/>
           <a:p>
             <a:r>
-              <a:rPr lang="en-US" dirty="0"/>
-              <a:t>http://moz.com/beginners-guide-to-seo/how-search-engines-operate</a:t>
-            </a:r>
+              <a:rPr lang="lt-LT" dirty="0" smtClean="0"/>
+              <a:t>Paieškos rezultatų kokybę yra sunku vertinti</a:t>
+            </a:r>
+            <a:endParaRPr lang="en-US" dirty="0"/>
           </a:p>
         </p:txBody>
       </p:sp>
@@ -10786,136 +11904,27 @@
           </a:bodyPr>
           <a:lstStyle/>
           <a:p>
-            <a:pPr marL="0" indent="0">
-              <a:buNone/>
-            </a:pPr>
-            <a:r>
-              <a:rPr lang="en-US" dirty="0"/>
-              <a:t>Our assumption </a:t>
-            </a:r>
-            <a:r>
-              <a:rPr lang="en-US" dirty="0" smtClean="0"/>
-              <a:t>is</a:t>
+            <a:r>
+              <a:rPr lang="lt-LT" dirty="0" err="1" smtClean="0"/>
+              <a:t>Pvz</a:t>
             </a:r>
             <a:r>
               <a:rPr lang="lt-LT" dirty="0" smtClean="0"/>
-              <a:t> </a:t>
-            </a:r>
-            <a:r>
-              <a:rPr lang="en-US" dirty="0" smtClean="0"/>
-              <a:t>that </a:t>
-            </a:r>
-            <a:r>
-              <a:rPr lang="en-US" dirty="0"/>
-              <a:t>users do not know how to best interact with search engines. For that </a:t>
-            </a:r>
-            <a:r>
-              <a:rPr lang="en-US" dirty="0" smtClean="0"/>
-              <a:t>reason</a:t>
+              <a:t>: Dažnai paieškos rezultatų viršuje būna iškeliamas </a:t>
+            </a:r>
+            <a:r>
+              <a:rPr lang="lt-LT" dirty="0" err="1" smtClean="0"/>
+              <a:t>Wikipedia</a:t>
             </a:r>
             <a:r>
               <a:rPr lang="lt-LT" dirty="0" smtClean="0"/>
-              <a:t> </a:t>
-            </a:r>
-            <a:r>
-              <a:rPr lang="en-US" dirty="0" smtClean="0"/>
-              <a:t>help </a:t>
-            </a:r>
-            <a:r>
-              <a:rPr lang="en-US" dirty="0"/>
-              <a:t>functions have to be offered so that more intuitive users also can learn to </a:t>
-            </a:r>
-            <a:r>
-              <a:rPr lang="en-US" dirty="0" smtClean="0"/>
-              <a:t>handle</a:t>
-            </a:r>
+              <a:t> puslapis, bet šį puslapį gali redaguoti savanoriai autoriai ir dėl to sunku pasakyti informacijos, kurią randame ten kokybę. </a:t>
+            </a:r>
+          </a:p>
+          <a:p>
             <a:r>
               <a:rPr lang="lt-LT" dirty="0" smtClean="0"/>
-              <a:t> </a:t>
-            </a:r>
-            <a:r>
-              <a:rPr lang="en-US" dirty="0" smtClean="0"/>
-              <a:t>Internet </a:t>
-            </a:r>
-            <a:r>
-              <a:rPr lang="en-US" dirty="0"/>
-              <a:t>search engines. The next point is the presentation of search </a:t>
-            </a:r>
-            <a:r>
-              <a:rPr lang="en-US" dirty="0" smtClean="0"/>
-              <a:t>results.</a:t>
-            </a:r>
-            <a:r>
-              <a:rPr lang="lt-LT" dirty="0" smtClean="0"/>
-              <a:t> </a:t>
-            </a:r>
-            <a:r>
-              <a:rPr lang="en-US" dirty="0" smtClean="0"/>
-              <a:t>Search </a:t>
-            </a:r>
-            <a:r>
-              <a:rPr lang="en-US" dirty="0"/>
-              <a:t>engine should clearly separate paid listings from organic results. </a:t>
-            </a:r>
-            <a:r>
-              <a:rPr lang="en-US" dirty="0" smtClean="0"/>
-              <a:t>User</a:t>
-            </a:r>
-            <a:r>
-              <a:rPr lang="lt-LT" dirty="0" smtClean="0"/>
-              <a:t> </a:t>
-            </a:r>
-            <a:r>
-              <a:rPr lang="en-US" dirty="0" smtClean="0"/>
-              <a:t>should </a:t>
-            </a:r>
-            <a:r>
-              <a:rPr lang="en-US" dirty="0"/>
-              <a:t>also get the possibility to learn about the functionality of search engines</a:t>
-            </a:r>
-            <a:r>
-              <a:rPr lang="en-US" dirty="0" smtClean="0"/>
-              <a:t>.</a:t>
-            </a:r>
-            <a:r>
-              <a:rPr lang="lt-LT" dirty="0" smtClean="0"/>
-              <a:t> </a:t>
-            </a:r>
-            <a:r>
-              <a:rPr lang="en-US" dirty="0" smtClean="0"/>
-              <a:t>Users </a:t>
-            </a:r>
-            <a:r>
-              <a:rPr lang="en-US" dirty="0"/>
-              <a:t>search often in an intuitive way, for that reason Web search engines </a:t>
-            </a:r>
-            <a:r>
-              <a:rPr lang="en-US" dirty="0" smtClean="0"/>
-              <a:t>should</a:t>
-            </a:r>
-            <a:r>
-              <a:rPr lang="lt-LT" dirty="0" smtClean="0"/>
-              <a:t> </a:t>
-            </a:r>
-            <a:r>
-              <a:rPr lang="en-US" dirty="0" smtClean="0"/>
-              <a:t>give </a:t>
-            </a:r>
-            <a:r>
-              <a:rPr lang="en-US" dirty="0"/>
-              <a:t>accurate results based on very short or very </a:t>
-            </a:r>
-            <a:r>
-              <a:rPr lang="en-US" dirty="0" err="1"/>
-              <a:t>specialised</a:t>
-            </a:r>
-            <a:r>
-              <a:rPr lang="en-US" dirty="0"/>
-              <a:t> Web search queries</a:t>
-            </a:r>
-            <a:r>
-              <a:rPr lang="en-US" dirty="0" smtClean="0"/>
-              <a:t>.</a:t>
+              <a:t>Paieškos rezultatų kokybė dar labai priklauso nuo vartotojų, paprastas vartotojas gali sunkiai rasti to ko nori, o pavyzdžiui IT specialistas ar bibliotekininkas, kuris moka naudotis specializuotomis paieškos variklių funkcijomis gali rasti reikiamą informaciją greičiau.</a:t>
             </a:r>
             <a:endParaRPr lang="en-US" dirty="0"/>
           </a:p>
@@ -10924,7 +11933,7 @@
     </p:spTree>
     <p:extLst>
       <p:ext uri="{BB962C8B-B14F-4D97-AF65-F5344CB8AC3E}">
-        <p14:creationId xmlns:p14="http://schemas.microsoft.com/office/powerpoint/2010/main" val="3002518617"/>
+        <p14:creationId xmlns:p14="http://schemas.microsoft.com/office/powerpoint/2010/main" val="2825486015"/>
       </p:ext>
     </p:extLst>
   </p:cSld>
@@ -10966,7 +11975,11 @@
           <a:bodyPr/>
           <a:lstStyle/>
           <a:p>
-            <a:endParaRPr lang="en-US"/>
+            <a:r>
+              <a:rPr lang="lt-LT" dirty="0"/>
+              <a:t>Paieškos užklausų sintaksė</a:t>
+            </a:r>
+            <a:endParaRPr lang="en-US" dirty="0"/>
           </a:p>
         </p:txBody>
       </p:sp>
@@ -10986,22 +11999,553 @@
           <a:lstStyle/>
           <a:p>
             <a:r>
-              <a:rPr lang="en-US" dirty="0"/>
-              <a:t>http://www.techrepublic.com/blog/10-things/10-tips-for-smarter-more-efficient-internet-searching/</a:t>
-            </a:r>
+              <a:rPr lang="lt-LT" sz="3200" dirty="0"/>
+              <a:t>Formuluojant paieškos klausimą, galima naudoti loginius operatorius, paieškos siaurinimo ir išplėtimo simbolius, funkcijas ir pan.</a:t>
+            </a:r>
+            <a:endParaRPr lang="en-US" sz="3200" dirty="0"/>
+          </a:p>
+          <a:p>
+            <a:endParaRPr lang="en-US" dirty="0"/>
           </a:p>
         </p:txBody>
       </p:sp>
     </p:spTree>
     <p:extLst>
       <p:ext uri="{BB962C8B-B14F-4D97-AF65-F5344CB8AC3E}">
-        <p14:creationId xmlns:p14="http://schemas.microsoft.com/office/powerpoint/2010/main" val="1637798188"/>
+        <p14:creationId xmlns:p14="http://schemas.microsoft.com/office/powerpoint/2010/main" val="3868166476"/>
       </p:ext>
     </p:extLst>
   </p:cSld>
   <p:clrMapOvr>
     <a:masterClrMapping/>
   </p:clrMapOvr>
+  <p:timing>
+    <p:tnLst>
+      <p:par>
+        <p:cTn id="1" dur="indefinite" restart="never" nodeType="tmRoot"/>
+      </p:par>
+    </p:tnLst>
+  </p:timing>
+</p:sld>
+</file>
+
+<file path=ppt/slides/slide26.xml><?xml version="1.0" encoding="utf-8"?>
+<p:sld xmlns:a="http://schemas.openxmlformats.org/drawingml/2006/main" xmlns:r="http://schemas.openxmlformats.org/officeDocument/2006/relationships" xmlns:p="http://schemas.openxmlformats.org/presentationml/2006/main">
+  <p:cSld>
+    <p:spTree>
+      <p:nvGrpSpPr>
+        <p:cNvPr id="1" name=""/>
+        <p:cNvGrpSpPr/>
+        <p:nvPr/>
+      </p:nvGrpSpPr>
+      <p:grpSpPr>
+        <a:xfrm>
+          <a:off x="0" y="0"/>
+          <a:ext cx="0" cy="0"/>
+          <a:chOff x="0" y="0"/>
+          <a:chExt cx="0" cy="0"/>
+        </a:xfrm>
+      </p:grpSpPr>
+      <p:pic>
+        <p:nvPicPr>
+          <p:cNvPr id="4" name="Picture 3"/>
+          <p:cNvPicPr>
+            <a:picLocks noChangeAspect="1"/>
+          </p:cNvPicPr>
+          <p:nvPr/>
+        </p:nvPicPr>
+        <p:blipFill>
+          <a:blip r:embed="rId3"/>
+          <a:stretch>
+            <a:fillRect/>
+          </a:stretch>
+        </p:blipFill>
+        <p:spPr>
+          <a:xfrm>
+            <a:off x="2623249" y="1690688"/>
+            <a:ext cx="6945501" cy="4399216"/>
+          </a:xfrm>
+          <a:prstGeom prst="rect">
+            <a:avLst/>
+          </a:prstGeom>
+        </p:spPr>
+      </p:pic>
+      <p:sp>
+        <p:nvSpPr>
+          <p:cNvPr id="5" name="Title 4"/>
+          <p:cNvSpPr>
+            <a:spLocks noGrp="1"/>
+          </p:cNvSpPr>
+          <p:nvPr>
+            <p:ph type="title"/>
+          </p:nvPr>
+        </p:nvSpPr>
+        <p:spPr>
+          <a:xfrm>
+            <a:off x="838200" y="365125"/>
+            <a:ext cx="10515600" cy="1774571"/>
+          </a:xfrm>
+        </p:spPr>
+        <p:txBody>
+          <a:bodyPr>
+            <a:normAutofit fontScale="90000"/>
+          </a:bodyPr>
+          <a:lstStyle/>
+          <a:p>
+            <a:r>
+              <a:rPr lang="en-US" b="1" dirty="0"/>
+              <a:t>AND - </a:t>
+            </a:r>
+            <a:r>
+              <a:rPr lang="en-US" b="1" dirty="0" err="1"/>
+              <a:t>pateikia</a:t>
+            </a:r>
+            <a:r>
+              <a:rPr lang="en-US" b="1" dirty="0"/>
+              <a:t> </a:t>
+            </a:r>
+            <a:r>
+              <a:rPr lang="en-US" b="1" dirty="0" err="1"/>
+              <a:t>šaltinius</a:t>
+            </a:r>
+            <a:r>
+              <a:rPr lang="en-US" b="1" dirty="0"/>
+              <a:t> </a:t>
+            </a:r>
+            <a:r>
+              <a:rPr lang="en-US" b="1" dirty="0" err="1"/>
+              <a:t>turinčius</a:t>
+            </a:r>
+            <a:r>
+              <a:rPr lang="en-US" b="1" dirty="0"/>
+              <a:t> </a:t>
+            </a:r>
+            <a:r>
+              <a:rPr lang="en-US" b="1" dirty="0" err="1"/>
+              <a:t>visus</a:t>
+            </a:r>
+            <a:r>
+              <a:rPr lang="en-US" b="1" dirty="0"/>
+              <a:t> </a:t>
+            </a:r>
+            <a:r>
+              <a:rPr lang="en-US" b="1" dirty="0" err="1"/>
+              <a:t>paieškos</a:t>
+            </a:r>
+            <a:r>
+              <a:rPr lang="en-US" b="1" dirty="0"/>
+              <a:t> </a:t>
+            </a:r>
+            <a:r>
+              <a:rPr lang="en-US" b="1" dirty="0" err="1"/>
+              <a:t>reikšminius</a:t>
+            </a:r>
+            <a:r>
+              <a:rPr lang="en-US" b="1" dirty="0"/>
+              <a:t> </a:t>
+            </a:r>
+            <a:r>
+              <a:rPr lang="en-US" b="1" dirty="0" err="1"/>
+              <a:t>žodžius</a:t>
+            </a:r>
+            <a:r>
+              <a:rPr lang="lt-LT" b="1" dirty="0"/>
+              <a:t>.</a:t>
+            </a:r>
+            <a:br>
+              <a:rPr lang="lt-LT" b="1" dirty="0"/>
+            </a:br>
+            <a:endParaRPr lang="en-US" dirty="0"/>
+          </a:p>
+        </p:txBody>
+      </p:sp>
+    </p:spTree>
+    <p:extLst>
+      <p:ext uri="{BB962C8B-B14F-4D97-AF65-F5344CB8AC3E}">
+        <p14:creationId xmlns:p14="http://schemas.microsoft.com/office/powerpoint/2010/main" val="4108746631"/>
+      </p:ext>
+    </p:extLst>
+  </p:cSld>
+  <p:clrMapOvr>
+    <a:masterClrMapping/>
+  </p:clrMapOvr>
+  <p:timing>
+    <p:tnLst>
+      <p:par>
+        <p:cTn id="1" dur="indefinite" restart="never" nodeType="tmRoot"/>
+      </p:par>
+    </p:tnLst>
+  </p:timing>
+</p:sld>
+</file>
+
+<file path=ppt/slides/slide27.xml><?xml version="1.0" encoding="utf-8"?>
+<p:sld xmlns:a="http://schemas.openxmlformats.org/drawingml/2006/main" xmlns:r="http://schemas.openxmlformats.org/officeDocument/2006/relationships" xmlns:p="http://schemas.openxmlformats.org/presentationml/2006/main">
+  <p:cSld>
+    <p:spTree>
+      <p:nvGrpSpPr>
+        <p:cNvPr id="1" name=""/>
+        <p:cNvGrpSpPr/>
+        <p:nvPr/>
+      </p:nvGrpSpPr>
+      <p:grpSpPr>
+        <a:xfrm>
+          <a:off x="0" y="0"/>
+          <a:ext cx="0" cy="0"/>
+          <a:chOff x="0" y="0"/>
+          <a:chExt cx="0" cy="0"/>
+        </a:xfrm>
+      </p:grpSpPr>
+      <p:sp>
+        <p:nvSpPr>
+          <p:cNvPr id="2" name="Title 1"/>
+          <p:cNvSpPr>
+            <a:spLocks noGrp="1"/>
+          </p:cNvSpPr>
+          <p:nvPr>
+            <p:ph type="title"/>
+          </p:nvPr>
+        </p:nvSpPr>
+        <p:spPr/>
+        <p:txBody>
+          <a:bodyPr/>
+          <a:lstStyle/>
+          <a:p>
+            <a:r>
+              <a:rPr lang="lt-LT" dirty="0" smtClean="0"/>
+              <a:t>AND </a:t>
+            </a:r>
+            <a:r>
+              <a:rPr lang="en-US" dirty="0" smtClean="0"/>
+              <a:t>= +</a:t>
+            </a:r>
+            <a:endParaRPr lang="en-US" dirty="0"/>
+          </a:p>
+        </p:txBody>
+      </p:sp>
+      <p:pic>
+        <p:nvPicPr>
+          <p:cNvPr id="4" name="Picture 3"/>
+          <p:cNvPicPr>
+            <a:picLocks noChangeAspect="1"/>
+          </p:cNvPicPr>
+          <p:nvPr/>
+        </p:nvPicPr>
+        <p:blipFill>
+          <a:blip r:embed="rId3"/>
+          <a:stretch>
+            <a:fillRect/>
+          </a:stretch>
+        </p:blipFill>
+        <p:spPr>
+          <a:xfrm>
+            <a:off x="97776" y="1690688"/>
+            <a:ext cx="5998224" cy="4801552"/>
+          </a:xfrm>
+          <a:prstGeom prst="rect">
+            <a:avLst/>
+          </a:prstGeom>
+        </p:spPr>
+      </p:pic>
+      <p:pic>
+        <p:nvPicPr>
+          <p:cNvPr id="5" name="Picture 4"/>
+          <p:cNvPicPr>
+            <a:picLocks noChangeAspect="1"/>
+          </p:cNvPicPr>
+          <p:nvPr/>
+        </p:nvPicPr>
+        <p:blipFill>
+          <a:blip r:embed="rId4"/>
+          <a:stretch>
+            <a:fillRect/>
+          </a:stretch>
+        </p:blipFill>
+        <p:spPr>
+          <a:xfrm>
+            <a:off x="6096000" y="1690688"/>
+            <a:ext cx="5994484" cy="4801552"/>
+          </a:xfrm>
+          <a:prstGeom prst="rect">
+            <a:avLst/>
+          </a:prstGeom>
+        </p:spPr>
+      </p:pic>
+    </p:spTree>
+    <p:extLst>
+      <p:ext uri="{BB962C8B-B14F-4D97-AF65-F5344CB8AC3E}">
+        <p14:creationId xmlns:p14="http://schemas.microsoft.com/office/powerpoint/2010/main" val="551992480"/>
+      </p:ext>
+    </p:extLst>
+  </p:cSld>
+  <p:clrMapOvr>
+    <a:masterClrMapping/>
+  </p:clrMapOvr>
+  <p:timing>
+    <p:tnLst>
+      <p:par>
+        <p:cTn id="1" dur="indefinite" restart="never" nodeType="tmRoot"/>
+      </p:par>
+    </p:tnLst>
+  </p:timing>
+</p:sld>
+</file>
+
+<file path=ppt/slides/slide28.xml><?xml version="1.0" encoding="utf-8"?>
+<p:sld xmlns:a="http://schemas.openxmlformats.org/drawingml/2006/main" xmlns:r="http://schemas.openxmlformats.org/officeDocument/2006/relationships" xmlns:p="http://schemas.openxmlformats.org/presentationml/2006/main">
+  <p:cSld>
+    <p:spTree>
+      <p:nvGrpSpPr>
+        <p:cNvPr id="1" name=""/>
+        <p:cNvGrpSpPr/>
+        <p:nvPr/>
+      </p:nvGrpSpPr>
+      <p:grpSpPr>
+        <a:xfrm>
+          <a:off x="0" y="0"/>
+          <a:ext cx="0" cy="0"/>
+          <a:chOff x="0" y="0"/>
+          <a:chExt cx="0" cy="0"/>
+        </a:xfrm>
+      </p:grpSpPr>
+      <p:sp>
+        <p:nvSpPr>
+          <p:cNvPr id="2" name="Title 1"/>
+          <p:cNvSpPr>
+            <a:spLocks noGrp="1"/>
+          </p:cNvSpPr>
+          <p:nvPr>
+            <p:ph type="title"/>
+          </p:nvPr>
+        </p:nvSpPr>
+        <p:spPr>
+          <a:xfrm>
+            <a:off x="984504" y="365125"/>
+            <a:ext cx="10515600" cy="1994027"/>
+          </a:xfrm>
+        </p:spPr>
+        <p:txBody>
+          <a:bodyPr>
+            <a:noAutofit/>
+          </a:bodyPr>
+          <a:lstStyle/>
+          <a:p>
+            <a:r>
+              <a:rPr lang="en-US" sz="4800" b="1" dirty="0"/>
+              <a:t>OR - </a:t>
+            </a:r>
+            <a:r>
+              <a:rPr lang="en-US" sz="4800" b="1" dirty="0" err="1"/>
+              <a:t>randa</a:t>
+            </a:r>
+            <a:r>
+              <a:rPr lang="en-US" sz="4800" b="1" dirty="0"/>
+              <a:t> </a:t>
+            </a:r>
+            <a:r>
+              <a:rPr lang="en-US" sz="4800" b="1" dirty="0" err="1"/>
+              <a:t>šaltinius</a:t>
+            </a:r>
+            <a:r>
+              <a:rPr lang="en-US" sz="4800" b="1" dirty="0"/>
+              <a:t> </a:t>
+            </a:r>
+            <a:r>
+              <a:rPr lang="en-US" sz="4800" b="1" dirty="0" err="1"/>
+              <a:t>turinčius</a:t>
+            </a:r>
+            <a:r>
+              <a:rPr lang="en-US" sz="4800" b="1" dirty="0"/>
+              <a:t> bent </a:t>
+            </a:r>
+            <a:r>
+              <a:rPr lang="en-US" sz="4800" b="1" dirty="0" err="1"/>
+              <a:t>vieną</a:t>
+            </a:r>
+            <a:r>
+              <a:rPr lang="en-US" sz="4800" b="1" dirty="0"/>
+              <a:t> </a:t>
+            </a:r>
+            <a:r>
+              <a:rPr lang="en-US" sz="4800" b="1" dirty="0" err="1"/>
+              <a:t>paieškos</a:t>
+            </a:r>
+            <a:r>
+              <a:rPr lang="en-US" sz="4800" b="1" dirty="0"/>
+              <a:t> </a:t>
+            </a:r>
+            <a:r>
+              <a:rPr lang="en-US" sz="4400" b="1" dirty="0" err="1"/>
+              <a:t>reikšminį</a:t>
+            </a:r>
+            <a:r>
+              <a:rPr lang="en-US" sz="4800" b="1" dirty="0"/>
+              <a:t> </a:t>
+            </a:r>
+            <a:r>
+              <a:rPr lang="en-US" sz="4800" b="1" dirty="0" err="1"/>
+              <a:t>žodį</a:t>
+            </a:r>
+            <a:r>
+              <a:rPr lang="en-US" sz="4800" dirty="0"/>
+              <a:t/>
+            </a:r>
+            <a:br>
+              <a:rPr lang="en-US" sz="4800" dirty="0"/>
+            </a:br>
+            <a:endParaRPr lang="en-US" sz="4800" dirty="0"/>
+          </a:p>
+        </p:txBody>
+      </p:sp>
+      <p:pic>
+        <p:nvPicPr>
+          <p:cNvPr id="4" name="Picture 3"/>
+          <p:cNvPicPr>
+            <a:picLocks noChangeAspect="1"/>
+          </p:cNvPicPr>
+          <p:nvPr/>
+        </p:nvPicPr>
+        <p:blipFill>
+          <a:blip r:embed="rId3"/>
+          <a:stretch>
+            <a:fillRect/>
+          </a:stretch>
+        </p:blipFill>
+        <p:spPr>
+          <a:xfrm>
+            <a:off x="3166395" y="1901951"/>
+            <a:ext cx="6151817" cy="4299411"/>
+          </a:xfrm>
+          <a:prstGeom prst="rect">
+            <a:avLst/>
+          </a:prstGeom>
+        </p:spPr>
+      </p:pic>
+    </p:spTree>
+    <p:extLst>
+      <p:ext uri="{BB962C8B-B14F-4D97-AF65-F5344CB8AC3E}">
+        <p14:creationId xmlns:p14="http://schemas.microsoft.com/office/powerpoint/2010/main" val="29178394"/>
+      </p:ext>
+    </p:extLst>
+  </p:cSld>
+  <p:clrMapOvr>
+    <a:masterClrMapping/>
+  </p:clrMapOvr>
+  <p:timing>
+    <p:tnLst>
+      <p:par>
+        <p:cTn id="1" dur="indefinite" restart="never" nodeType="tmRoot"/>
+      </p:par>
+    </p:tnLst>
+  </p:timing>
+</p:sld>
+</file>
+
+<file path=ppt/slides/slide29.xml><?xml version="1.0" encoding="utf-8"?>
+<p:sld xmlns:a="http://schemas.openxmlformats.org/drawingml/2006/main" xmlns:r="http://schemas.openxmlformats.org/officeDocument/2006/relationships" xmlns:p="http://schemas.openxmlformats.org/presentationml/2006/main">
+  <p:cSld>
+    <p:spTree>
+      <p:nvGrpSpPr>
+        <p:cNvPr id="1" name=""/>
+        <p:cNvGrpSpPr/>
+        <p:nvPr/>
+      </p:nvGrpSpPr>
+      <p:grpSpPr>
+        <a:xfrm>
+          <a:off x="0" y="0"/>
+          <a:ext cx="0" cy="0"/>
+          <a:chOff x="0" y="0"/>
+          <a:chExt cx="0" cy="0"/>
+        </a:xfrm>
+      </p:grpSpPr>
+      <p:sp>
+        <p:nvSpPr>
+          <p:cNvPr id="2" name="Title 1"/>
+          <p:cNvSpPr>
+            <a:spLocks noGrp="1"/>
+          </p:cNvSpPr>
+          <p:nvPr>
+            <p:ph type="title"/>
+          </p:nvPr>
+        </p:nvSpPr>
+        <p:spPr/>
+        <p:txBody>
+          <a:bodyPr/>
+          <a:lstStyle/>
+          <a:p>
+            <a:r>
+              <a:rPr lang="lt-LT" dirty="0" smtClean="0"/>
+              <a:t>OR</a:t>
+            </a:r>
+            <a:endParaRPr lang="en-US" dirty="0"/>
+          </a:p>
+        </p:txBody>
+      </p:sp>
+      <p:pic>
+        <p:nvPicPr>
+          <p:cNvPr id="4" name="Picture 3"/>
+          <p:cNvPicPr>
+            <a:picLocks noChangeAspect="1"/>
+          </p:cNvPicPr>
+          <p:nvPr/>
+        </p:nvPicPr>
+        <p:blipFill>
+          <a:blip r:embed="rId2"/>
+          <a:stretch>
+            <a:fillRect/>
+          </a:stretch>
+        </p:blipFill>
+        <p:spPr>
+          <a:xfrm>
+            <a:off x="519126" y="1690688"/>
+            <a:ext cx="5884722" cy="4728400"/>
+          </a:xfrm>
+          <a:prstGeom prst="rect">
+            <a:avLst/>
+          </a:prstGeom>
+        </p:spPr>
+      </p:pic>
+      <p:pic>
+        <p:nvPicPr>
+          <p:cNvPr id="5" name="Picture 4"/>
+          <p:cNvPicPr>
+            <a:picLocks noChangeAspect="1"/>
+          </p:cNvPicPr>
+          <p:nvPr/>
+        </p:nvPicPr>
+        <p:blipFill>
+          <a:blip r:embed="rId3"/>
+          <a:stretch>
+            <a:fillRect/>
+          </a:stretch>
+        </p:blipFill>
+        <p:spPr>
+          <a:xfrm>
+            <a:off x="6403848" y="1686878"/>
+            <a:ext cx="4949952" cy="4736020"/>
+          </a:xfrm>
+          <a:prstGeom prst="rect">
+            <a:avLst/>
+          </a:prstGeom>
+        </p:spPr>
+      </p:pic>
+    </p:spTree>
+    <p:extLst>
+      <p:ext uri="{BB962C8B-B14F-4D97-AF65-F5344CB8AC3E}">
+        <p14:creationId xmlns:p14="http://schemas.microsoft.com/office/powerpoint/2010/main" val="669040746"/>
+      </p:ext>
+    </p:extLst>
+  </p:cSld>
+  <p:clrMapOvr>
+    <a:masterClrMapping/>
+  </p:clrMapOvr>
+  <p:timing>
+    <p:tnLst>
+      <p:par>
+        <p:cTn id="1" dur="indefinite" restart="never" nodeType="tmRoot"/>
+      </p:par>
+    </p:tnLst>
+  </p:timing>
 </p:sld>
 </file>
 
@@ -11074,6 +12618,1063 @@
     <p:extLst>
       <p:ext uri="{BB962C8B-B14F-4D97-AF65-F5344CB8AC3E}">
         <p14:creationId xmlns:p14="http://schemas.microsoft.com/office/powerpoint/2010/main" val="1675878671"/>
+      </p:ext>
+    </p:extLst>
+  </p:cSld>
+  <p:clrMapOvr>
+    <a:masterClrMapping/>
+  </p:clrMapOvr>
+</p:sld>
+</file>
+
+<file path=ppt/slides/slide30.xml><?xml version="1.0" encoding="utf-8"?>
+<p:sld xmlns:a="http://schemas.openxmlformats.org/drawingml/2006/main" xmlns:r="http://schemas.openxmlformats.org/officeDocument/2006/relationships" xmlns:p="http://schemas.openxmlformats.org/presentationml/2006/main">
+  <p:cSld>
+    <p:spTree>
+      <p:nvGrpSpPr>
+        <p:cNvPr id="1" name=""/>
+        <p:cNvGrpSpPr/>
+        <p:nvPr/>
+      </p:nvGrpSpPr>
+      <p:grpSpPr>
+        <a:xfrm>
+          <a:off x="0" y="0"/>
+          <a:ext cx="0" cy="0"/>
+          <a:chOff x="0" y="0"/>
+          <a:chExt cx="0" cy="0"/>
+        </a:xfrm>
+      </p:grpSpPr>
+      <p:sp>
+        <p:nvSpPr>
+          <p:cNvPr id="2" name="Title 1"/>
+          <p:cNvSpPr>
+            <a:spLocks noGrp="1"/>
+          </p:cNvSpPr>
+          <p:nvPr>
+            <p:ph type="title"/>
+          </p:nvPr>
+        </p:nvSpPr>
+        <p:spPr>
+          <a:xfrm>
+            <a:off x="420624" y="365125"/>
+            <a:ext cx="11375136" cy="2030603"/>
+          </a:xfrm>
+        </p:spPr>
+        <p:txBody>
+          <a:bodyPr>
+            <a:noAutofit/>
+          </a:bodyPr>
+          <a:lstStyle/>
+          <a:p>
+            <a:r>
+              <a:rPr lang="lt-LT" sz="4800" b="1" dirty="0"/>
+              <a:t>NOT - tarp rezultatų nėra šaltinių, turinčių paieškos klausime po </a:t>
+            </a:r>
+            <a:r>
+              <a:rPr lang="lt-LT" sz="4400" b="1" dirty="0"/>
+              <a:t>loginio</a:t>
+            </a:r>
+            <a:r>
+              <a:rPr lang="lt-LT" sz="4800" b="1" dirty="0"/>
+              <a:t> operatoriaus NOT įrašytų </a:t>
+            </a:r>
+            <a:r>
+              <a:rPr lang="lt-LT" sz="4800" b="1" dirty="0" smtClean="0"/>
+              <a:t>žodžių.</a:t>
+            </a:r>
+            <a:endParaRPr lang="en-US" sz="4800" dirty="0"/>
+          </a:p>
+        </p:txBody>
+      </p:sp>
+      <p:pic>
+        <p:nvPicPr>
+          <p:cNvPr id="4" name="Picture 3"/>
+          <p:cNvPicPr>
+            <a:picLocks noChangeAspect="1"/>
+          </p:cNvPicPr>
+          <p:nvPr/>
+        </p:nvPicPr>
+        <p:blipFill>
+          <a:blip r:embed="rId3"/>
+          <a:stretch>
+            <a:fillRect/>
+          </a:stretch>
+        </p:blipFill>
+        <p:spPr>
+          <a:xfrm>
+            <a:off x="3506126" y="2542032"/>
+            <a:ext cx="5204132" cy="3639884"/>
+          </a:xfrm>
+          <a:prstGeom prst="rect">
+            <a:avLst/>
+          </a:prstGeom>
+        </p:spPr>
+      </p:pic>
+    </p:spTree>
+    <p:extLst>
+      <p:ext uri="{BB962C8B-B14F-4D97-AF65-F5344CB8AC3E}">
+        <p14:creationId xmlns:p14="http://schemas.microsoft.com/office/powerpoint/2010/main" val="3688118571"/>
+      </p:ext>
+    </p:extLst>
+  </p:cSld>
+  <p:clrMapOvr>
+    <a:masterClrMapping/>
+  </p:clrMapOvr>
+  <p:timing>
+    <p:tnLst>
+      <p:par>
+        <p:cTn id="1" dur="indefinite" restart="never" nodeType="tmRoot"/>
+      </p:par>
+    </p:tnLst>
+  </p:timing>
+</p:sld>
+</file>
+
+<file path=ppt/slides/slide31.xml><?xml version="1.0" encoding="utf-8"?>
+<p:sld xmlns:a="http://schemas.openxmlformats.org/drawingml/2006/main" xmlns:r="http://schemas.openxmlformats.org/officeDocument/2006/relationships" xmlns:p="http://schemas.openxmlformats.org/presentationml/2006/main">
+  <p:cSld>
+    <p:spTree>
+      <p:nvGrpSpPr>
+        <p:cNvPr id="1" name=""/>
+        <p:cNvGrpSpPr/>
+        <p:nvPr/>
+      </p:nvGrpSpPr>
+      <p:grpSpPr>
+        <a:xfrm>
+          <a:off x="0" y="0"/>
+          <a:ext cx="0" cy="0"/>
+          <a:chOff x="0" y="0"/>
+          <a:chExt cx="0" cy="0"/>
+        </a:xfrm>
+      </p:grpSpPr>
+      <p:sp>
+        <p:nvSpPr>
+          <p:cNvPr id="2" name="Title 1"/>
+          <p:cNvSpPr>
+            <a:spLocks noGrp="1"/>
+          </p:cNvSpPr>
+          <p:nvPr>
+            <p:ph type="title"/>
+          </p:nvPr>
+        </p:nvSpPr>
+        <p:spPr/>
+        <p:txBody>
+          <a:bodyPr/>
+          <a:lstStyle/>
+          <a:p>
+            <a:r>
+              <a:rPr lang="lt-LT" dirty="0" smtClean="0"/>
+              <a:t>NOT </a:t>
+            </a:r>
+            <a:r>
+              <a:rPr lang="en-US" dirty="0" smtClean="0"/>
+              <a:t>=</a:t>
+            </a:r>
+            <a:r>
+              <a:rPr lang="lt-LT" dirty="0" smtClean="0"/>
+              <a:t> -</a:t>
+            </a:r>
+            <a:endParaRPr lang="en-US" dirty="0"/>
+          </a:p>
+        </p:txBody>
+      </p:sp>
+      <p:pic>
+        <p:nvPicPr>
+          <p:cNvPr id="4" name="Picture 3"/>
+          <p:cNvPicPr>
+            <a:picLocks noChangeAspect="1"/>
+          </p:cNvPicPr>
+          <p:nvPr/>
+        </p:nvPicPr>
+        <p:blipFill>
+          <a:blip r:embed="rId3"/>
+          <a:stretch>
+            <a:fillRect/>
+          </a:stretch>
+        </p:blipFill>
+        <p:spPr>
+          <a:xfrm>
+            <a:off x="182880" y="1690688"/>
+            <a:ext cx="5913120" cy="4755721"/>
+          </a:xfrm>
+          <a:prstGeom prst="rect">
+            <a:avLst/>
+          </a:prstGeom>
+        </p:spPr>
+      </p:pic>
+      <p:pic>
+        <p:nvPicPr>
+          <p:cNvPr id="5" name="Picture 4"/>
+          <p:cNvPicPr>
+            <a:picLocks noChangeAspect="1"/>
+          </p:cNvPicPr>
+          <p:nvPr/>
+        </p:nvPicPr>
+        <p:blipFill>
+          <a:blip r:embed="rId4"/>
+          <a:stretch>
+            <a:fillRect/>
+          </a:stretch>
+        </p:blipFill>
+        <p:spPr>
+          <a:xfrm>
+            <a:off x="6096000" y="1690688"/>
+            <a:ext cx="5879935" cy="4755721"/>
+          </a:xfrm>
+          <a:prstGeom prst="rect">
+            <a:avLst/>
+          </a:prstGeom>
+        </p:spPr>
+      </p:pic>
+    </p:spTree>
+    <p:extLst>
+      <p:ext uri="{BB962C8B-B14F-4D97-AF65-F5344CB8AC3E}">
+        <p14:creationId xmlns:p14="http://schemas.microsoft.com/office/powerpoint/2010/main" val="2895936664"/>
+      </p:ext>
+    </p:extLst>
+  </p:cSld>
+  <p:clrMapOvr>
+    <a:masterClrMapping/>
+  </p:clrMapOvr>
+  <p:timing>
+    <p:tnLst>
+      <p:par>
+        <p:cTn id="1" dur="indefinite" restart="never" nodeType="tmRoot"/>
+      </p:par>
+    </p:tnLst>
+  </p:timing>
+</p:sld>
+</file>
+
+<file path=ppt/slides/slide32.xml><?xml version="1.0" encoding="utf-8"?>
+<p:sld xmlns:a="http://schemas.openxmlformats.org/drawingml/2006/main" xmlns:r="http://schemas.openxmlformats.org/officeDocument/2006/relationships" xmlns:p="http://schemas.openxmlformats.org/presentationml/2006/main">
+  <p:cSld>
+    <p:spTree>
+      <p:nvGrpSpPr>
+        <p:cNvPr id="1" name=""/>
+        <p:cNvGrpSpPr/>
+        <p:nvPr/>
+      </p:nvGrpSpPr>
+      <p:grpSpPr>
+        <a:xfrm>
+          <a:off x="0" y="0"/>
+          <a:ext cx="0" cy="0"/>
+          <a:chOff x="0" y="0"/>
+          <a:chExt cx="0" cy="0"/>
+        </a:xfrm>
+      </p:grpSpPr>
+      <p:sp>
+        <p:nvSpPr>
+          <p:cNvPr id="2" name="Title 1"/>
+          <p:cNvSpPr>
+            <a:spLocks noGrp="1"/>
+          </p:cNvSpPr>
+          <p:nvPr>
+            <p:ph type="title"/>
+          </p:nvPr>
+        </p:nvSpPr>
+        <p:spPr/>
+        <p:txBody>
+          <a:bodyPr/>
+          <a:lstStyle/>
+          <a:p>
+            <a:r>
+              <a:rPr lang="lt-LT" dirty="0" smtClean="0"/>
+              <a:t>Kitos funkcijos</a:t>
+            </a:r>
+            <a:endParaRPr lang="en-US" dirty="0"/>
+          </a:p>
+        </p:txBody>
+      </p:sp>
+      <p:sp>
+        <p:nvSpPr>
+          <p:cNvPr id="3" name="Content Placeholder 2"/>
+          <p:cNvSpPr>
+            <a:spLocks noGrp="1"/>
+          </p:cNvSpPr>
+          <p:nvPr>
+            <p:ph idx="1"/>
+          </p:nvPr>
+        </p:nvSpPr>
+        <p:spPr/>
+        <p:txBody>
+          <a:bodyPr>
+            <a:normAutofit/>
+          </a:bodyPr>
+          <a:lstStyle/>
+          <a:p>
+            <a:r>
+              <a:rPr lang="lt-LT" b="1" dirty="0" smtClean="0"/>
+              <a:t>Tilde</a:t>
+            </a:r>
+            <a:r>
+              <a:rPr lang="en-US" b="1" dirty="0" smtClean="0"/>
+              <a:t> operator</a:t>
+            </a:r>
+            <a:r>
+              <a:rPr lang="lt-LT" b="1" dirty="0" err="1" smtClean="0"/>
+              <a:t>ius</a:t>
+            </a:r>
+            <a:r>
+              <a:rPr lang="en-US" b="1" dirty="0" smtClean="0"/>
+              <a:t>(~):</a:t>
+            </a:r>
+            <a:r>
+              <a:rPr lang="lt-LT" dirty="0"/>
+              <a:t> </a:t>
+            </a:r>
+            <a:r>
+              <a:rPr lang="lt-LT" dirty="0" smtClean="0"/>
+              <a:t>Ieško visų puslapių, su jūsų ieškomo raktinio žodžio sinonimais.</a:t>
+            </a:r>
+          </a:p>
+          <a:p>
+            <a:r>
+              <a:rPr lang="lt-LT" b="1" dirty="0" smtClean="0"/>
+              <a:t>Žvaigždutes </a:t>
+            </a:r>
+            <a:r>
+              <a:rPr lang="en-US" b="1" dirty="0" smtClean="0"/>
+              <a:t>operator</a:t>
+            </a:r>
+            <a:r>
+              <a:rPr lang="lt-LT" b="1" dirty="0" err="1" smtClean="0"/>
+              <a:t>ius</a:t>
+            </a:r>
+            <a:r>
+              <a:rPr lang="en-US" b="1" dirty="0" smtClean="0"/>
+              <a:t> </a:t>
+            </a:r>
+            <a:r>
+              <a:rPr lang="en-US" b="1" dirty="0"/>
+              <a:t>(*): </a:t>
+            </a:r>
+            <a:r>
+              <a:rPr lang="lt-LT" dirty="0" smtClean="0"/>
+              <a:t>Ieško pagal jūsų raktinį žodį ir vietoje žvaigždutes bet kokį kita žodį.</a:t>
+            </a:r>
+          </a:p>
+          <a:p>
+            <a:r>
+              <a:rPr lang="lt-LT" b="1" dirty="0" smtClean="0"/>
+              <a:t>Kabučių operatorius (</a:t>
+            </a:r>
+            <a:r>
+              <a:rPr lang="en-US" b="1" dirty="0" smtClean="0"/>
+              <a:t>“”): </a:t>
+            </a:r>
+            <a:r>
+              <a:rPr lang="lt-LT" dirty="0" smtClean="0"/>
+              <a:t>Ieško tikslios jūsų ieškomos frazės.</a:t>
+            </a:r>
+            <a:endParaRPr lang="lt-LT" b="1" dirty="0" smtClean="0"/>
+          </a:p>
+          <a:p>
+            <a:r>
+              <a:rPr lang="lt-LT" b="1" dirty="0" smtClean="0"/>
+              <a:t>Paieška puslapiuose (</a:t>
+            </a:r>
+            <a:r>
+              <a:rPr lang="lt-LT" b="1" dirty="0" err="1" smtClean="0"/>
+              <a:t>site</a:t>
+            </a:r>
+            <a:r>
+              <a:rPr lang="lt-LT" b="1" dirty="0" smtClean="0"/>
+              <a:t>:)</a:t>
+            </a:r>
+            <a:r>
+              <a:rPr lang="en-US" b="1" dirty="0" smtClean="0"/>
+              <a:t>:</a:t>
+            </a:r>
+            <a:r>
+              <a:rPr lang="en-US" b="1" dirty="0"/>
+              <a:t> </a:t>
+            </a:r>
+            <a:r>
+              <a:rPr lang="lt-LT" dirty="0" smtClean="0"/>
+              <a:t>Ieško pagal raktinį žodį jūsų nurodytame puslapyje.</a:t>
+            </a:r>
+            <a:endParaRPr lang="en-US" dirty="0"/>
+          </a:p>
+          <a:p>
+            <a:r>
+              <a:rPr lang="lt-LT" b="1" dirty="0" smtClean="0"/>
+              <a:t>Susijusių puslapiu paieška (</a:t>
+            </a:r>
+            <a:r>
+              <a:rPr lang="lt-LT" b="1" dirty="0" err="1" smtClean="0"/>
+              <a:t>related</a:t>
+            </a:r>
+            <a:r>
+              <a:rPr lang="lt-LT" b="1" dirty="0" smtClean="0"/>
+              <a:t>:)</a:t>
+            </a:r>
+            <a:r>
+              <a:rPr lang="en-US" b="1" dirty="0" smtClean="0"/>
+              <a:t>:</a:t>
+            </a:r>
+            <a:r>
+              <a:rPr lang="en-US" b="1" dirty="0"/>
+              <a:t> </a:t>
+            </a:r>
+            <a:r>
+              <a:rPr lang="lt-LT" dirty="0" smtClean="0"/>
+              <a:t>Ieško panašių puslapių kaip jūsų nurodyto.</a:t>
+            </a:r>
+          </a:p>
+          <a:p>
+            <a:endParaRPr lang="en-US" dirty="0"/>
+          </a:p>
+        </p:txBody>
+      </p:sp>
+    </p:spTree>
+    <p:extLst>
+      <p:ext uri="{BB962C8B-B14F-4D97-AF65-F5344CB8AC3E}">
+        <p14:creationId xmlns:p14="http://schemas.microsoft.com/office/powerpoint/2010/main" val="3852212322"/>
+      </p:ext>
+    </p:extLst>
+  </p:cSld>
+  <p:clrMapOvr>
+    <a:masterClrMapping/>
+  </p:clrMapOvr>
+</p:sld>
+</file>
+
+<file path=ppt/slides/slide33.xml><?xml version="1.0" encoding="utf-8"?>
+<p:sld xmlns:a="http://schemas.openxmlformats.org/drawingml/2006/main" xmlns:r="http://schemas.openxmlformats.org/officeDocument/2006/relationships" xmlns:p="http://schemas.openxmlformats.org/presentationml/2006/main">
+  <p:cSld>
+    <p:spTree>
+      <p:nvGrpSpPr>
+        <p:cNvPr id="1" name=""/>
+        <p:cNvGrpSpPr/>
+        <p:nvPr/>
+      </p:nvGrpSpPr>
+      <p:grpSpPr>
+        <a:xfrm>
+          <a:off x="0" y="0"/>
+          <a:ext cx="0" cy="0"/>
+          <a:chOff x="0" y="0"/>
+          <a:chExt cx="0" cy="0"/>
+        </a:xfrm>
+      </p:grpSpPr>
+      <p:sp>
+        <p:nvSpPr>
+          <p:cNvPr id="2" name="Title 1"/>
+          <p:cNvSpPr>
+            <a:spLocks noGrp="1"/>
+          </p:cNvSpPr>
+          <p:nvPr>
+            <p:ph type="title"/>
+          </p:nvPr>
+        </p:nvSpPr>
+        <p:spPr/>
+        <p:txBody>
+          <a:bodyPr/>
+          <a:lstStyle/>
+          <a:p>
+            <a:r>
+              <a:rPr lang="lt-LT" dirty="0" smtClean="0"/>
+              <a:t>Išvados	</a:t>
+            </a:r>
+            <a:endParaRPr lang="en-US" dirty="0"/>
+          </a:p>
+        </p:txBody>
+      </p:sp>
+      <p:sp>
+        <p:nvSpPr>
+          <p:cNvPr id="3" name="Content Placeholder 2"/>
+          <p:cNvSpPr>
+            <a:spLocks noGrp="1"/>
+          </p:cNvSpPr>
+          <p:nvPr>
+            <p:ph idx="1"/>
+          </p:nvPr>
+        </p:nvSpPr>
+        <p:spPr/>
+        <p:txBody>
+          <a:bodyPr/>
+          <a:lstStyle/>
+          <a:p>
+            <a:r>
+              <a:rPr lang="lt-LT" dirty="0" smtClean="0"/>
+              <a:t>Norint pagerinti paieškos rezultatų kokybę turime žinoti kaip veikia paieškos varikliai.</a:t>
+            </a:r>
+          </a:p>
+          <a:p>
+            <a:r>
+              <a:rPr lang="lt-LT" dirty="0" smtClean="0"/>
+              <a:t>Norint tiksliau ir greičiau rasti reikiamą informaciją reikia mokėti naudotis paieškos variklių specializuotomis funkcijomis</a:t>
+            </a:r>
+          </a:p>
+          <a:p>
+            <a:pPr marL="0" indent="0">
+              <a:buNone/>
+            </a:pPr>
+            <a:endParaRPr lang="en-US" dirty="0"/>
+          </a:p>
+        </p:txBody>
+      </p:sp>
+    </p:spTree>
+    <p:extLst>
+      <p:ext uri="{BB962C8B-B14F-4D97-AF65-F5344CB8AC3E}">
+        <p14:creationId xmlns:p14="http://schemas.microsoft.com/office/powerpoint/2010/main" val="2540503819"/>
+      </p:ext>
+    </p:extLst>
+  </p:cSld>
+  <p:clrMapOvr>
+    <a:masterClrMapping/>
+  </p:clrMapOvr>
+</p:sld>
+</file>
+
+<file path=ppt/slides/slide34.xml><?xml version="1.0" encoding="utf-8"?>
+<p:sld xmlns:a="http://schemas.openxmlformats.org/drawingml/2006/main" xmlns:r="http://schemas.openxmlformats.org/officeDocument/2006/relationships" xmlns:p="http://schemas.openxmlformats.org/presentationml/2006/main">
+  <p:cSld>
+    <p:spTree>
+      <p:nvGrpSpPr>
+        <p:cNvPr id="1" name=""/>
+        <p:cNvGrpSpPr/>
+        <p:nvPr/>
+      </p:nvGrpSpPr>
+      <p:grpSpPr>
+        <a:xfrm>
+          <a:off x="0" y="0"/>
+          <a:ext cx="0" cy="0"/>
+          <a:chOff x="0" y="0"/>
+          <a:chExt cx="0" cy="0"/>
+        </a:xfrm>
+      </p:grpSpPr>
+      <p:sp>
+        <p:nvSpPr>
+          <p:cNvPr id="2" name="Title 1"/>
+          <p:cNvSpPr>
+            <a:spLocks noGrp="1"/>
+          </p:cNvSpPr>
+          <p:nvPr>
+            <p:ph type="title"/>
+          </p:nvPr>
+        </p:nvSpPr>
+        <p:spPr/>
+        <p:txBody>
+          <a:bodyPr/>
+          <a:lstStyle/>
+          <a:p>
+            <a:r>
+              <a:rPr lang="lt-LT" dirty="0" smtClean="0"/>
+              <a:t>Savikontrolės klausimai	</a:t>
+            </a:r>
+            <a:endParaRPr lang="en-US" dirty="0"/>
+          </a:p>
+        </p:txBody>
+      </p:sp>
+      <p:sp>
+        <p:nvSpPr>
+          <p:cNvPr id="3" name="Content Placeholder 2"/>
+          <p:cNvSpPr>
+            <a:spLocks noGrp="1"/>
+          </p:cNvSpPr>
+          <p:nvPr>
+            <p:ph idx="1"/>
+          </p:nvPr>
+        </p:nvSpPr>
+        <p:spPr/>
+        <p:txBody>
+          <a:bodyPr/>
+          <a:lstStyle/>
+          <a:p>
+            <a:r>
+              <a:rPr lang="lt-LT" dirty="0" smtClean="0"/>
+              <a:t>Kodėl paieškos rezultatai būna nekokybiški?</a:t>
+            </a:r>
+          </a:p>
+          <a:p>
+            <a:r>
+              <a:rPr lang="lt-LT" dirty="0" smtClean="0"/>
+              <a:t>Kaip vadinasi 3 tipai paieškų, kurios yra dažniausiai vykdomos internete?</a:t>
+            </a:r>
+          </a:p>
+          <a:p>
+            <a:r>
+              <a:rPr lang="lt-LT" dirty="0" smtClean="0"/>
+              <a:t>Kokiais kriterijais vadovaudamasis paieškos variklis atrenka rezultatus pagal duotą užklausą?</a:t>
+            </a:r>
+            <a:endParaRPr lang="en-US" dirty="0"/>
+          </a:p>
+        </p:txBody>
+      </p:sp>
+    </p:spTree>
+    <p:extLst>
+      <p:ext uri="{BB962C8B-B14F-4D97-AF65-F5344CB8AC3E}">
+        <p14:creationId xmlns:p14="http://schemas.microsoft.com/office/powerpoint/2010/main" val="3038077190"/>
+      </p:ext>
+    </p:extLst>
+  </p:cSld>
+  <p:clrMapOvr>
+    <a:masterClrMapping/>
+  </p:clrMapOvr>
+</p:sld>
+</file>
+
+<file path=ppt/slides/slide35.xml><?xml version="1.0" encoding="utf-8"?>
+<p:sld xmlns:a="http://schemas.openxmlformats.org/drawingml/2006/main" xmlns:r="http://schemas.openxmlformats.org/officeDocument/2006/relationships" xmlns:p="http://schemas.openxmlformats.org/presentationml/2006/main">
+  <p:cSld>
+    <p:spTree>
+      <p:nvGrpSpPr>
+        <p:cNvPr id="1" name=""/>
+        <p:cNvGrpSpPr/>
+        <p:nvPr/>
+      </p:nvGrpSpPr>
+      <p:grpSpPr>
+        <a:xfrm>
+          <a:off x="0" y="0"/>
+          <a:ext cx="0" cy="0"/>
+          <a:chOff x="0" y="0"/>
+          <a:chExt cx="0" cy="0"/>
+        </a:xfrm>
+      </p:grpSpPr>
+      <p:sp>
+        <p:nvSpPr>
+          <p:cNvPr id="2" name="Title 1"/>
+          <p:cNvSpPr>
+            <a:spLocks noGrp="1"/>
+          </p:cNvSpPr>
+          <p:nvPr>
+            <p:ph type="title"/>
+          </p:nvPr>
+        </p:nvSpPr>
+        <p:spPr>
+          <a:xfrm>
+            <a:off x="838200" y="500062"/>
+            <a:ext cx="10515600" cy="1712786"/>
+          </a:xfrm>
+        </p:spPr>
+        <p:txBody>
+          <a:bodyPr>
+            <a:normAutofit fontScale="90000"/>
+          </a:bodyPr>
+          <a:lstStyle/>
+          <a:p>
+            <a:r>
+              <a:rPr lang="lt-LT" dirty="0" smtClean="0"/>
+              <a:t>				Atsakymai: </a:t>
+            </a:r>
+            <a:br>
+              <a:rPr lang="lt-LT" dirty="0" smtClean="0"/>
+            </a:br>
+            <a:r>
+              <a:rPr lang="lt-LT" dirty="0" smtClean="0"/>
+              <a:t>Kodėl </a:t>
+            </a:r>
+            <a:r>
+              <a:rPr lang="lt-LT" dirty="0"/>
+              <a:t>paieškos rezultatai būna nekokybiški?</a:t>
+            </a:r>
+            <a:r>
+              <a:rPr lang="en-US" dirty="0"/>
+              <a:t/>
+            </a:r>
+            <a:br>
+              <a:rPr lang="en-US" dirty="0"/>
+            </a:br>
+            <a:endParaRPr lang="en-US" dirty="0"/>
+          </a:p>
+        </p:txBody>
+      </p:sp>
+      <p:sp>
+        <p:nvSpPr>
+          <p:cNvPr id="3" name="Content Placeholder 2"/>
+          <p:cNvSpPr>
+            <a:spLocks noGrp="1"/>
+          </p:cNvSpPr>
+          <p:nvPr>
+            <p:ph idx="1"/>
+          </p:nvPr>
+        </p:nvSpPr>
+        <p:spPr>
+          <a:xfrm>
+            <a:off x="1120000" y="2212847"/>
+            <a:ext cx="10233800" cy="3964115"/>
+          </a:xfrm>
+        </p:spPr>
+        <p:txBody>
+          <a:bodyPr/>
+          <a:lstStyle/>
+          <a:p>
+            <a:r>
+              <a:rPr lang="lt-LT" dirty="0"/>
+              <a:t>Svetainių kūrėjai savo puslapiuose naudoja raktinius žodžius, kurie nesusisiję su puslapio </a:t>
+            </a:r>
+            <a:r>
+              <a:rPr lang="lt-LT" dirty="0" smtClean="0"/>
+              <a:t>turiniu.</a:t>
+            </a:r>
+          </a:p>
+          <a:p>
+            <a:r>
+              <a:rPr lang="lt-LT" dirty="0" smtClean="0"/>
+              <a:t>Personalizuojama paieška, dažnai ieškant skirtingų dalykų rezultatai būna </a:t>
+            </a:r>
+            <a:r>
+              <a:rPr lang="lt-LT" dirty="0" err="1" smtClean="0"/>
+              <a:t>perenkami</a:t>
+            </a:r>
+            <a:r>
+              <a:rPr lang="lt-LT" dirty="0" smtClean="0"/>
+              <a:t> nuo praeitų paieškų, nors vartotojas nori visai ko kito.</a:t>
+            </a:r>
+          </a:p>
+          <a:p>
+            <a:endParaRPr lang="lt-LT" dirty="0" smtClean="0"/>
+          </a:p>
+          <a:p>
+            <a:endParaRPr lang="en-US" dirty="0"/>
+          </a:p>
+        </p:txBody>
+      </p:sp>
+    </p:spTree>
+    <p:extLst>
+      <p:ext uri="{BB962C8B-B14F-4D97-AF65-F5344CB8AC3E}">
+        <p14:creationId xmlns:p14="http://schemas.microsoft.com/office/powerpoint/2010/main" val="4190016245"/>
+      </p:ext>
+    </p:extLst>
+  </p:cSld>
+  <p:clrMapOvr>
+    <a:masterClrMapping/>
+  </p:clrMapOvr>
+</p:sld>
+</file>
+
+<file path=ppt/slides/slide36.xml><?xml version="1.0" encoding="utf-8"?>
+<p:sld xmlns:a="http://schemas.openxmlformats.org/drawingml/2006/main" xmlns:r="http://schemas.openxmlformats.org/officeDocument/2006/relationships" xmlns:p="http://schemas.openxmlformats.org/presentationml/2006/main">
+  <p:cSld>
+    <p:spTree>
+      <p:nvGrpSpPr>
+        <p:cNvPr id="1" name=""/>
+        <p:cNvGrpSpPr/>
+        <p:nvPr/>
+      </p:nvGrpSpPr>
+      <p:grpSpPr>
+        <a:xfrm>
+          <a:off x="0" y="0"/>
+          <a:ext cx="0" cy="0"/>
+          <a:chOff x="0" y="0"/>
+          <a:chExt cx="0" cy="0"/>
+        </a:xfrm>
+      </p:grpSpPr>
+      <p:sp>
+        <p:nvSpPr>
+          <p:cNvPr id="2" name="Title 1"/>
+          <p:cNvSpPr>
+            <a:spLocks noGrp="1"/>
+          </p:cNvSpPr>
+          <p:nvPr>
+            <p:ph type="title"/>
+          </p:nvPr>
+        </p:nvSpPr>
+        <p:spPr>
+          <a:xfrm>
+            <a:off x="838200" y="500062"/>
+            <a:ext cx="10515600" cy="1676210"/>
+          </a:xfrm>
+        </p:spPr>
+        <p:txBody>
+          <a:bodyPr>
+            <a:normAutofit fontScale="90000"/>
+          </a:bodyPr>
+          <a:lstStyle/>
+          <a:p>
+            <a:r>
+              <a:rPr lang="lt-LT" dirty="0" smtClean="0"/>
+              <a:t>				Atsakymai: </a:t>
+            </a:r>
+            <a:br>
+              <a:rPr lang="lt-LT" dirty="0" smtClean="0"/>
+            </a:br>
+            <a:r>
+              <a:rPr lang="lt-LT" dirty="0"/>
+              <a:t>Kaip vadinasi 3 tipai paieškų, kurios yra dažniausiai vykdomos internete?</a:t>
+            </a:r>
+            <a:r>
+              <a:rPr lang="en-US" dirty="0"/>
+              <a:t/>
+            </a:r>
+            <a:br>
+              <a:rPr lang="en-US" dirty="0"/>
+            </a:br>
+            <a:endParaRPr lang="en-US" dirty="0"/>
+          </a:p>
+        </p:txBody>
+      </p:sp>
+      <p:sp>
+        <p:nvSpPr>
+          <p:cNvPr id="3" name="Content Placeholder 2"/>
+          <p:cNvSpPr>
+            <a:spLocks noGrp="1"/>
+          </p:cNvSpPr>
+          <p:nvPr>
+            <p:ph idx="1"/>
+          </p:nvPr>
+        </p:nvSpPr>
+        <p:spPr>
+          <a:xfrm>
+            <a:off x="1120000" y="2176271"/>
+            <a:ext cx="10233800" cy="4000691"/>
+          </a:xfrm>
+        </p:spPr>
+        <p:txBody>
+          <a:bodyPr/>
+          <a:lstStyle/>
+          <a:p>
+            <a:r>
+              <a:rPr lang="lt-LT" dirty="0"/>
+              <a:t>Svetainės/vietos paieška</a:t>
+            </a:r>
+          </a:p>
+          <a:p>
+            <a:r>
+              <a:rPr lang="lt-LT" dirty="0"/>
+              <a:t>Informacijos paieška</a:t>
+            </a:r>
+          </a:p>
+          <a:p>
+            <a:r>
+              <a:rPr lang="lt-LT" dirty="0"/>
+              <a:t>Potencialių pirkinių paieška</a:t>
+            </a:r>
+          </a:p>
+          <a:p>
+            <a:endParaRPr lang="en-US" dirty="0"/>
+          </a:p>
+          <a:p>
+            <a:endParaRPr lang="lt-LT" dirty="0" smtClean="0"/>
+          </a:p>
+          <a:p>
+            <a:endParaRPr lang="en-US" dirty="0"/>
+          </a:p>
+        </p:txBody>
+      </p:sp>
+    </p:spTree>
+    <p:extLst>
+      <p:ext uri="{BB962C8B-B14F-4D97-AF65-F5344CB8AC3E}">
+        <p14:creationId xmlns:p14="http://schemas.microsoft.com/office/powerpoint/2010/main" val="1240082930"/>
+      </p:ext>
+    </p:extLst>
+  </p:cSld>
+  <p:clrMapOvr>
+    <a:masterClrMapping/>
+  </p:clrMapOvr>
+</p:sld>
+</file>
+
+<file path=ppt/slides/slide37.xml><?xml version="1.0" encoding="utf-8"?>
+<p:sld xmlns:a="http://schemas.openxmlformats.org/drawingml/2006/main" xmlns:r="http://schemas.openxmlformats.org/officeDocument/2006/relationships" xmlns:p="http://schemas.openxmlformats.org/presentationml/2006/main">
+  <p:cSld>
+    <p:spTree>
+      <p:nvGrpSpPr>
+        <p:cNvPr id="1" name=""/>
+        <p:cNvGrpSpPr/>
+        <p:nvPr/>
+      </p:nvGrpSpPr>
+      <p:grpSpPr>
+        <a:xfrm>
+          <a:off x="0" y="0"/>
+          <a:ext cx="0" cy="0"/>
+          <a:chOff x="0" y="0"/>
+          <a:chExt cx="0" cy="0"/>
+        </a:xfrm>
+      </p:grpSpPr>
+      <p:sp>
+        <p:nvSpPr>
+          <p:cNvPr id="2" name="Title 1"/>
+          <p:cNvSpPr>
+            <a:spLocks noGrp="1"/>
+          </p:cNvSpPr>
+          <p:nvPr>
+            <p:ph type="title"/>
+          </p:nvPr>
+        </p:nvSpPr>
+        <p:spPr>
+          <a:xfrm>
+            <a:off x="838200" y="170878"/>
+            <a:ext cx="10515600" cy="3029522"/>
+          </a:xfrm>
+        </p:spPr>
+        <p:txBody>
+          <a:bodyPr>
+            <a:normAutofit fontScale="90000"/>
+          </a:bodyPr>
+          <a:lstStyle/>
+          <a:p>
+            <a:r>
+              <a:rPr lang="lt-LT" dirty="0" smtClean="0"/>
+              <a:t>				Atsakymai: </a:t>
+            </a:r>
+            <a:br>
+              <a:rPr lang="lt-LT" dirty="0" smtClean="0"/>
+            </a:br>
+            <a:r>
+              <a:rPr lang="lt-LT" dirty="0"/>
+              <a:t>Kokiais kriterijais vadovaudamasis paieškos variklis atrenka </a:t>
+            </a:r>
+            <a:r>
+              <a:rPr lang="lt-LT" dirty="0" smtClean="0"/>
+              <a:t>rezultatus?</a:t>
+            </a:r>
+            <a:r>
+              <a:rPr lang="en-US" dirty="0"/>
+              <a:t/>
+            </a:r>
+            <a:br>
+              <a:rPr lang="en-US" dirty="0"/>
+            </a:br>
+            <a:r>
+              <a:rPr lang="en-US" dirty="0"/>
+              <a:t/>
+            </a:r>
+            <a:br>
+              <a:rPr lang="en-US" dirty="0"/>
+            </a:br>
+            <a:endParaRPr lang="en-US" dirty="0"/>
+          </a:p>
+        </p:txBody>
+      </p:sp>
+      <p:sp>
+        <p:nvSpPr>
+          <p:cNvPr id="3" name="Content Placeholder 2"/>
+          <p:cNvSpPr>
+            <a:spLocks noGrp="1"/>
+          </p:cNvSpPr>
+          <p:nvPr>
+            <p:ph idx="1"/>
+          </p:nvPr>
+        </p:nvSpPr>
+        <p:spPr>
+          <a:xfrm>
+            <a:off x="1120000" y="2304288"/>
+            <a:ext cx="10233800" cy="3872674"/>
+          </a:xfrm>
+        </p:spPr>
+        <p:txBody>
+          <a:bodyPr/>
+          <a:lstStyle/>
+          <a:p>
+            <a:r>
+              <a:rPr lang="lt-LT" dirty="0"/>
+              <a:t>Puslapio turinys.</a:t>
+            </a:r>
+          </a:p>
+          <a:p>
+            <a:r>
+              <a:rPr lang="lt-LT" dirty="0"/>
+              <a:t>Nuorodų iš kitų puslapių skaičius ir svoris.</a:t>
+            </a:r>
+          </a:p>
+          <a:p>
+            <a:r>
+              <a:rPr lang="lt-LT" dirty="0"/>
+              <a:t>Lankytojų skaičius</a:t>
+            </a:r>
+          </a:p>
+          <a:p>
+            <a:r>
+              <a:rPr lang="lt-LT" dirty="0"/>
+              <a:t>Populiarumas socialiniuose tinkluose</a:t>
+            </a:r>
+          </a:p>
+          <a:p>
+            <a:r>
+              <a:rPr lang="lt-LT" dirty="0"/>
+              <a:t>Puslapio pritaikymas paieškos varikliui.(SEO)</a:t>
+            </a:r>
+            <a:endParaRPr lang="en-US" dirty="0"/>
+          </a:p>
+          <a:p>
+            <a:endParaRPr lang="lt-LT" dirty="0" smtClean="0"/>
+          </a:p>
+          <a:p>
+            <a:endParaRPr lang="en-US" dirty="0"/>
+          </a:p>
+        </p:txBody>
+      </p:sp>
+    </p:spTree>
+    <p:extLst>
+      <p:ext uri="{BB962C8B-B14F-4D97-AF65-F5344CB8AC3E}">
+        <p14:creationId xmlns:p14="http://schemas.microsoft.com/office/powerpoint/2010/main" val="1347025236"/>
+      </p:ext>
+    </p:extLst>
+  </p:cSld>
+  <p:clrMapOvr>
+    <a:masterClrMapping/>
+  </p:clrMapOvr>
+</p:sld>
+</file>
+
+<file path=ppt/slides/slide38.xml><?xml version="1.0" encoding="utf-8"?>
+<p:sld xmlns:a="http://schemas.openxmlformats.org/drawingml/2006/main" xmlns:r="http://schemas.openxmlformats.org/officeDocument/2006/relationships" xmlns:p="http://schemas.openxmlformats.org/presentationml/2006/main">
+  <p:cSld>
+    <p:spTree>
+      <p:nvGrpSpPr>
+        <p:cNvPr id="1" name=""/>
+        <p:cNvGrpSpPr/>
+        <p:nvPr/>
+      </p:nvGrpSpPr>
+      <p:grpSpPr>
+        <a:xfrm>
+          <a:off x="0" y="0"/>
+          <a:ext cx="0" cy="0"/>
+          <a:chOff x="0" y="0"/>
+          <a:chExt cx="0" cy="0"/>
+        </a:xfrm>
+      </p:grpSpPr>
+      <p:sp>
+        <p:nvSpPr>
+          <p:cNvPr id="2" name="Title 1"/>
+          <p:cNvSpPr>
+            <a:spLocks noGrp="1"/>
+          </p:cNvSpPr>
+          <p:nvPr>
+            <p:ph type="title"/>
+          </p:nvPr>
+        </p:nvSpPr>
+        <p:spPr/>
+        <p:txBody>
+          <a:bodyPr/>
+          <a:lstStyle/>
+          <a:p>
+            <a:endParaRPr lang="en-US"/>
+          </a:p>
+        </p:txBody>
+      </p:sp>
+      <p:pic>
+        <p:nvPicPr>
+          <p:cNvPr id="4" name="Content Placeholder 3"/>
+          <p:cNvPicPr>
+            <a:picLocks noGrp="1" noChangeAspect="1"/>
+          </p:cNvPicPr>
+          <p:nvPr>
+            <p:ph idx="1"/>
+          </p:nvPr>
+        </p:nvPicPr>
+        <p:blipFill>
+          <a:blip r:embed="rId3"/>
+          <a:stretch>
+            <a:fillRect/>
+          </a:stretch>
+        </p:blipFill>
+        <p:spPr>
+          <a:xfrm>
+            <a:off x="1120775" y="1869030"/>
+            <a:ext cx="10233025" cy="4264527"/>
+          </a:xfrm>
+          <a:prstGeom prst="rect">
+            <a:avLst/>
+          </a:prstGeom>
+        </p:spPr>
+      </p:pic>
+    </p:spTree>
+    <p:extLst>
+      <p:ext uri="{BB962C8B-B14F-4D97-AF65-F5344CB8AC3E}">
+        <p14:creationId xmlns:p14="http://schemas.microsoft.com/office/powerpoint/2010/main" val="4275327416"/>
       </p:ext>
     </p:extLst>
   </p:cSld>
